--- a/ETL/Final Project.pptx
+++ b/ETL/Final Project.pptx
@@ -21,6 +21,9 @@
     <p:sldId id="272" r:id="rId15"/>
     <p:sldId id="271" r:id="rId16"/>
     <p:sldId id="270" r:id="rId17"/>
+    <p:sldId id="274" r:id="rId18"/>
+    <p:sldId id="275" r:id="rId19"/>
+    <p:sldId id="276" r:id="rId20"/>
   </p:sldIdLst>
   <p:sldSz cx="12192000" cy="6858000"/>
   <p:notesSz cx="6858000" cy="9144000"/>
@@ -119,13 +122,18 @@
       </a:defRPr>
     </a:lvl9pPr>
   </p:defaultTextStyle>
+  <p:extLst>
+    <p:ext uri="{EFAFB233-063F-42B5-8137-9DF3F51BA10A}">
+      <p15:sldGuideLst xmlns:p15="http://schemas.microsoft.com/office/powerpoint/2012/main"/>
+    </p:ext>
+  </p:extLst>
 </p:presentation>
 </file>
 
 <file path=ppt/revisionInfo.xml><?xml version="1.0" encoding="utf-8"?>
 <p1510:revInfo xmlns:a="http://schemas.openxmlformats.org/drawingml/2006/main" xmlns:r="http://schemas.openxmlformats.org/officeDocument/2006/relationships" xmlns:p1510="http://schemas.microsoft.com/office/powerpoint/2015/10/main">
   <p1510:revLst>
-    <p1510:client id="{0DB6CE43-0538-47A8-8B15-964AF83F7A0C}" v="104" dt="2021-03-23T12:20:52.620"/>
+    <p1510:client id="{0DB6CE43-0538-47A8-8B15-964AF83F7A0C}" v="179" dt="2021-03-24T14:38:42.377"/>
   </p1510:revLst>
 </p1510:revInfo>
 </file>
@@ -135,7 +143,7 @@
   <pc:docChgLst>
     <pc:chgData name="Thao Hoang" userId="0e23db62feec2a5d" providerId="LiveId" clId="{0DB6CE43-0538-47A8-8B15-964AF83F7A0C}"/>
     <pc:docChg chg="undo custSel addSld delSld modSld sldOrd">
-      <pc:chgData name="Thao Hoang" userId="0e23db62feec2a5d" providerId="LiveId" clId="{0DB6CE43-0538-47A8-8B15-964AF83F7A0C}" dt="2021-03-23T23:11:18.541" v="3746" actId="20577"/>
+      <pc:chgData name="Thao Hoang" userId="0e23db62feec2a5d" providerId="LiveId" clId="{0DB6CE43-0538-47A8-8B15-964AF83F7A0C}" dt="2021-03-24T14:40:10.083" v="4429" actId="20577"/>
       <pc:docMkLst>
         <pc:docMk/>
       </pc:docMkLst>
@@ -2313,6 +2321,665 @@
             <pc:docMk/>
             <pc:sldMk cId="2764126422" sldId="272"/>
             <ac:picMk id="20" creationId="{9E4BDB0C-588C-4575-8ABB-8215A1FCD6E3}"/>
+          </ac:picMkLst>
+        </pc:picChg>
+      </pc:sldChg>
+      <pc:sldChg chg="addSp delSp modSp add del mod">
+        <pc:chgData name="Thao Hoang" userId="0e23db62feec2a5d" providerId="LiveId" clId="{0DB6CE43-0538-47A8-8B15-964AF83F7A0C}" dt="2021-03-24T05:39:13.161" v="4065" actId="47"/>
+        <pc:sldMkLst>
+          <pc:docMk/>
+          <pc:sldMk cId="724434308" sldId="273"/>
+        </pc:sldMkLst>
+        <pc:spChg chg="mod ord">
+          <ac:chgData name="Thao Hoang" userId="0e23db62feec2a5d" providerId="LiveId" clId="{0DB6CE43-0538-47A8-8B15-964AF83F7A0C}" dt="2021-03-24T03:25:51.484" v="3844" actId="20577"/>
+          <ac:spMkLst>
+            <pc:docMk/>
+            <pc:sldMk cId="724434308" sldId="273"/>
+            <ac:spMk id="2" creationId="{A73A5D8E-3007-4378-92E3-B7AC02C4DC95}"/>
+          </ac:spMkLst>
+        </pc:spChg>
+        <pc:spChg chg="add del">
+          <ac:chgData name="Thao Hoang" userId="0e23db62feec2a5d" providerId="LiveId" clId="{0DB6CE43-0538-47A8-8B15-964AF83F7A0C}" dt="2021-03-24T03:24:56.831" v="3834" actId="26606"/>
+          <ac:spMkLst>
+            <pc:docMk/>
+            <pc:sldMk cId="724434308" sldId="273"/>
+            <ac:spMk id="13" creationId="{E4505C23-674B-4195-81D6-0C127FEAE3F8}"/>
+          </ac:spMkLst>
+        </pc:spChg>
+        <pc:spChg chg="add del">
+          <ac:chgData name="Thao Hoang" userId="0e23db62feec2a5d" providerId="LiveId" clId="{0DB6CE43-0538-47A8-8B15-964AF83F7A0C}" dt="2021-03-24T03:24:56.831" v="3834" actId="26606"/>
+          <ac:spMkLst>
+            <pc:docMk/>
+            <pc:sldMk cId="724434308" sldId="273"/>
+            <ac:spMk id="15" creationId="{65C9B8F0-FF66-4C15-BD05-E86B87331846}"/>
+          </ac:spMkLst>
+        </pc:spChg>
+        <pc:spChg chg="del mod">
+          <ac:chgData name="Thao Hoang" userId="0e23db62feec2a5d" providerId="LiveId" clId="{0DB6CE43-0538-47A8-8B15-964AF83F7A0C}" dt="2021-03-24T03:23:21.191" v="3749" actId="478"/>
+          <ac:spMkLst>
+            <pc:docMk/>
+            <pc:sldMk cId="724434308" sldId="273"/>
+            <ac:spMk id="52" creationId="{AAF7587F-4B9D-44A1-8437-4D4F8B819DB1}"/>
+          </ac:spMkLst>
+        </pc:spChg>
+        <pc:spChg chg="add del">
+          <ac:chgData name="Thao Hoang" userId="0e23db62feec2a5d" providerId="LiveId" clId="{0DB6CE43-0538-47A8-8B15-964AF83F7A0C}" dt="2021-03-24T03:24:56.819" v="3833" actId="26606"/>
+          <ac:spMkLst>
+            <pc:docMk/>
+            <pc:sldMk cId="724434308" sldId="273"/>
+            <ac:spMk id="71" creationId="{BE95D989-81FA-4BAD-9AD5-E46CEDA91B36}"/>
+          </ac:spMkLst>
+        </pc:spChg>
+        <pc:spChg chg="add del">
+          <ac:chgData name="Thao Hoang" userId="0e23db62feec2a5d" providerId="LiveId" clId="{0DB6CE43-0538-47A8-8B15-964AF83F7A0C}" dt="2021-03-24T03:24:56.819" v="3833" actId="26606"/>
+          <ac:spMkLst>
+            <pc:docMk/>
+            <pc:sldMk cId="724434308" sldId="273"/>
+            <ac:spMk id="73" creationId="{156189E5-8A3E-4CFD-B71B-CCD0F8495E56}"/>
+          </ac:spMkLst>
+        </pc:spChg>
+        <pc:spChg chg="add">
+          <ac:chgData name="Thao Hoang" userId="0e23db62feec2a5d" providerId="LiveId" clId="{0DB6CE43-0538-47A8-8B15-964AF83F7A0C}" dt="2021-03-24T03:24:56.831" v="3834" actId="26606"/>
+          <ac:spMkLst>
+            <pc:docMk/>
+            <pc:sldMk cId="724434308" sldId="273"/>
+            <ac:spMk id="97" creationId="{D9F5512A-48E1-4C07-B75E-3CCC517B6804}"/>
+          </ac:spMkLst>
+        </pc:spChg>
+        <pc:spChg chg="add">
+          <ac:chgData name="Thao Hoang" userId="0e23db62feec2a5d" providerId="LiveId" clId="{0DB6CE43-0538-47A8-8B15-964AF83F7A0C}" dt="2021-03-24T03:24:56.831" v="3834" actId="26606"/>
+          <ac:spMkLst>
+            <pc:docMk/>
+            <pc:sldMk cId="724434308" sldId="273"/>
+            <ac:spMk id="1028" creationId="{7316481C-0A49-4796-812B-0D64F063B720}"/>
+          </ac:spMkLst>
+        </pc:spChg>
+        <pc:spChg chg="add">
+          <ac:chgData name="Thao Hoang" userId="0e23db62feec2a5d" providerId="LiveId" clId="{0DB6CE43-0538-47A8-8B15-964AF83F7A0C}" dt="2021-03-24T03:24:56.831" v="3834" actId="26606"/>
+          <ac:spMkLst>
+            <pc:docMk/>
+            <pc:sldMk cId="724434308" sldId="273"/>
+            <ac:spMk id="1029" creationId="{A5271697-90F1-4A23-8EF2-0179F2EAFACB}"/>
+          </ac:spMkLst>
+        </pc:spChg>
+        <pc:grpChg chg="del">
+          <ac:chgData name="Thao Hoang" userId="0e23db62feec2a5d" providerId="LiveId" clId="{0DB6CE43-0538-47A8-8B15-964AF83F7A0C}" dt="2021-03-24T03:23:21.191" v="3749" actId="478"/>
+          <ac:grpSpMkLst>
+            <pc:docMk/>
+            <pc:sldMk cId="724434308" sldId="273"/>
+            <ac:grpSpMk id="27" creationId="{130FDA12-549C-4B98-B395-4E351479A9AC}"/>
+          </ac:grpSpMkLst>
+        </pc:grpChg>
+        <pc:grpChg chg="add">
+          <ac:chgData name="Thao Hoang" userId="0e23db62feec2a5d" providerId="LiveId" clId="{0DB6CE43-0538-47A8-8B15-964AF83F7A0C}" dt="2021-03-24T03:24:56.831" v="3834" actId="26606"/>
+          <ac:grpSpMkLst>
+            <pc:docMk/>
+            <pc:sldMk cId="724434308" sldId="273"/>
+            <ac:grpSpMk id="75" creationId="{0924561D-756D-410B-973A-E68C2552C20C}"/>
+          </ac:grpSpMkLst>
+        </pc:grpChg>
+        <pc:picChg chg="add mod">
+          <ac:chgData name="Thao Hoang" userId="0e23db62feec2a5d" providerId="LiveId" clId="{0DB6CE43-0538-47A8-8B15-964AF83F7A0C}" dt="2021-03-24T03:25:39.181" v="3841" actId="14100"/>
+          <ac:picMkLst>
+            <pc:docMk/>
+            <pc:sldMk cId="724434308" sldId="273"/>
+            <ac:picMk id="4" creationId="{DD035D2B-9CD3-488A-BCF8-0861005C8B45}"/>
+          </ac:picMkLst>
+        </pc:picChg>
+        <pc:picChg chg="add mod ord">
+          <ac:chgData name="Thao Hoang" userId="0e23db62feec2a5d" providerId="LiveId" clId="{0DB6CE43-0538-47A8-8B15-964AF83F7A0C}" dt="2021-03-24T03:25:36.835" v="3840" actId="14100"/>
+          <ac:picMkLst>
+            <pc:docMk/>
+            <pc:sldMk cId="724434308" sldId="273"/>
+            <ac:picMk id="1026" creationId="{D36301DC-CA81-4157-9316-EFDB69FBB776}"/>
+          </ac:picMkLst>
+        </pc:picChg>
+      </pc:sldChg>
+      <pc:sldChg chg="addSp delSp modSp add mod ord">
+        <pc:chgData name="Thao Hoang" userId="0e23db62feec2a5d" providerId="LiveId" clId="{0DB6CE43-0538-47A8-8B15-964AF83F7A0C}" dt="2021-03-24T14:16:53.523" v="4175" actId="1076"/>
+        <pc:sldMkLst>
+          <pc:docMk/>
+          <pc:sldMk cId="2644799920" sldId="274"/>
+        </pc:sldMkLst>
+        <pc:spChg chg="mod ord">
+          <ac:chgData name="Thao Hoang" userId="0e23db62feec2a5d" providerId="LiveId" clId="{0DB6CE43-0538-47A8-8B15-964AF83F7A0C}" dt="2021-03-24T14:13:28.367" v="4171" actId="14100"/>
+          <ac:spMkLst>
+            <pc:docMk/>
+            <pc:sldMk cId="2644799920" sldId="274"/>
+            <ac:spMk id="2" creationId="{A73A5D8E-3007-4378-92E3-B7AC02C4DC95}"/>
+          </ac:spMkLst>
+        </pc:spChg>
+        <pc:spChg chg="add del mod topLvl">
+          <ac:chgData name="Thao Hoang" userId="0e23db62feec2a5d" providerId="LiveId" clId="{0DB6CE43-0538-47A8-8B15-964AF83F7A0C}" dt="2021-03-24T14:12:14.924" v="4103" actId="478"/>
+          <ac:spMkLst>
+            <pc:docMk/>
+            <pc:sldMk cId="2644799920" sldId="274"/>
+            <ac:spMk id="12" creationId="{D59A9856-624D-4C64-977B-DCF92CAD6412}"/>
+          </ac:spMkLst>
+        </pc:spChg>
+        <pc:spChg chg="add del mod">
+          <ac:chgData name="Thao Hoang" userId="0e23db62feec2a5d" providerId="LiveId" clId="{0DB6CE43-0538-47A8-8B15-964AF83F7A0C}" dt="2021-03-24T14:12:22.367" v="4105" actId="478"/>
+          <ac:spMkLst>
+            <pc:docMk/>
+            <pc:sldMk cId="2644799920" sldId="274"/>
+            <ac:spMk id="17" creationId="{6F7B900A-5B09-44D0-9772-F27D74E68214}"/>
+          </ac:spMkLst>
+        </pc:spChg>
+        <pc:spChg chg="add del">
+          <ac:chgData name="Thao Hoang" userId="0e23db62feec2a5d" providerId="LiveId" clId="{0DB6CE43-0538-47A8-8B15-964AF83F7A0C}" dt="2021-03-24T04:36:11.409" v="3886" actId="26606"/>
+          <ac:spMkLst>
+            <pc:docMk/>
+            <pc:sldMk cId="2644799920" sldId="274"/>
+            <ac:spMk id="97" creationId="{D9F5512A-48E1-4C07-B75E-3CCC517B6804}"/>
+          </ac:spMkLst>
+        </pc:spChg>
+        <pc:spChg chg="add del mod">
+          <ac:chgData name="Thao Hoang" userId="0e23db62feec2a5d" providerId="LiveId" clId="{0DB6CE43-0538-47A8-8B15-964AF83F7A0C}" dt="2021-03-24T14:12:25.420" v="4106" actId="478"/>
+          <ac:spMkLst>
+            <pc:docMk/>
+            <pc:sldMk cId="2644799920" sldId="274"/>
+            <ac:spMk id="98" creationId="{427EF896-B2A1-4E43-B6B4-E03FA5903EE4}"/>
+          </ac:spMkLst>
+        </pc:spChg>
+        <pc:spChg chg="add del">
+          <ac:chgData name="Thao Hoang" userId="0e23db62feec2a5d" providerId="LiveId" clId="{0DB6CE43-0538-47A8-8B15-964AF83F7A0C}" dt="2021-03-24T04:35:50.104" v="3877" actId="26606"/>
+          <ac:spMkLst>
+            <pc:docMk/>
+            <pc:sldMk cId="2644799920" sldId="274"/>
+            <ac:spMk id="138" creationId="{7316481C-0A49-4796-812B-0D64F063B720}"/>
+          </ac:spMkLst>
+        </pc:spChg>
+        <pc:spChg chg="add del">
+          <ac:chgData name="Thao Hoang" userId="0e23db62feec2a5d" providerId="LiveId" clId="{0DB6CE43-0538-47A8-8B15-964AF83F7A0C}" dt="2021-03-24T04:35:50.104" v="3877" actId="26606"/>
+          <ac:spMkLst>
+            <pc:docMk/>
+            <pc:sldMk cId="2644799920" sldId="274"/>
+            <ac:spMk id="140" creationId="{A5271697-90F1-4A23-8EF2-0179F2EAFACB}"/>
+          </ac:spMkLst>
+        </pc:spChg>
+        <pc:spChg chg="add del">
+          <ac:chgData name="Thao Hoang" userId="0e23db62feec2a5d" providerId="LiveId" clId="{0DB6CE43-0538-47A8-8B15-964AF83F7A0C}" dt="2021-03-24T04:35:50.104" v="3877" actId="26606"/>
+          <ac:spMkLst>
+            <pc:docMk/>
+            <pc:sldMk cId="2644799920" sldId="274"/>
+            <ac:spMk id="164" creationId="{D9F5512A-48E1-4C07-B75E-3CCC517B6804}"/>
+          </ac:spMkLst>
+        </pc:spChg>
+        <pc:spChg chg="add del">
+          <ac:chgData name="Thao Hoang" userId="0e23db62feec2a5d" providerId="LiveId" clId="{0DB6CE43-0538-47A8-8B15-964AF83F7A0C}" dt="2021-03-24T04:36:11.409" v="3886" actId="26606"/>
+          <ac:spMkLst>
+            <pc:docMk/>
+            <pc:sldMk cId="2644799920" sldId="274"/>
+            <ac:spMk id="1028" creationId="{7316481C-0A49-4796-812B-0D64F063B720}"/>
+          </ac:spMkLst>
+        </pc:spChg>
+        <pc:spChg chg="add del">
+          <ac:chgData name="Thao Hoang" userId="0e23db62feec2a5d" providerId="LiveId" clId="{0DB6CE43-0538-47A8-8B15-964AF83F7A0C}" dt="2021-03-24T04:36:11.409" v="3886" actId="26606"/>
+          <ac:spMkLst>
+            <pc:docMk/>
+            <pc:sldMk cId="2644799920" sldId="274"/>
+            <ac:spMk id="1029" creationId="{A5271697-90F1-4A23-8EF2-0179F2EAFACB}"/>
+          </ac:spMkLst>
+        </pc:spChg>
+        <pc:spChg chg="add del">
+          <ac:chgData name="Thao Hoang" userId="0e23db62feec2a5d" providerId="LiveId" clId="{0DB6CE43-0538-47A8-8B15-964AF83F7A0C}" dt="2021-03-24T04:35:52.182" v="3879" actId="26606"/>
+          <ac:spMkLst>
+            <pc:docMk/>
+            <pc:sldMk cId="2644799920" sldId="274"/>
+            <ac:spMk id="1031" creationId="{0855A890-B60B-4670-9DC2-69DC05015AB3}"/>
+          </ac:spMkLst>
+        </pc:spChg>
+        <pc:spChg chg="add del">
+          <ac:chgData name="Thao Hoang" userId="0e23db62feec2a5d" providerId="LiveId" clId="{0DB6CE43-0538-47A8-8B15-964AF83F7A0C}" dt="2021-03-24T04:35:52.182" v="3879" actId="26606"/>
+          <ac:spMkLst>
+            <pc:docMk/>
+            <pc:sldMk cId="2644799920" sldId="274"/>
+            <ac:spMk id="1032" creationId="{90F533E9-6690-41A8-A372-4C6C622D028D}"/>
+          </ac:spMkLst>
+        </pc:spChg>
+        <pc:spChg chg="add del">
+          <ac:chgData name="Thao Hoang" userId="0e23db62feec2a5d" providerId="LiveId" clId="{0DB6CE43-0538-47A8-8B15-964AF83F7A0C}" dt="2021-03-24T04:35:52.182" v="3879" actId="26606"/>
+          <ac:spMkLst>
+            <pc:docMk/>
+            <pc:sldMk cId="2644799920" sldId="274"/>
+            <ac:spMk id="1033" creationId="{99413ED5-9ED4-4772-BCE4-2BCAE6B12E35}"/>
+          </ac:spMkLst>
+        </pc:spChg>
+        <pc:spChg chg="add del">
+          <ac:chgData name="Thao Hoang" userId="0e23db62feec2a5d" providerId="LiveId" clId="{0DB6CE43-0538-47A8-8B15-964AF83F7A0C}" dt="2021-03-24T04:35:52.182" v="3879" actId="26606"/>
+          <ac:spMkLst>
+            <pc:docMk/>
+            <pc:sldMk cId="2644799920" sldId="274"/>
+            <ac:spMk id="1034" creationId="{04357C93-F0CB-4A1C-8F77-4E9063789819}"/>
+          </ac:spMkLst>
+        </pc:spChg>
+        <pc:spChg chg="add del">
+          <ac:chgData name="Thao Hoang" userId="0e23db62feec2a5d" providerId="LiveId" clId="{0DB6CE43-0538-47A8-8B15-964AF83F7A0C}" dt="2021-03-24T04:35:57.979" v="3881" actId="26606"/>
+          <ac:spMkLst>
+            <pc:docMk/>
+            <pc:sldMk cId="2644799920" sldId="274"/>
+            <ac:spMk id="1037" creationId="{7AE95D8F-9825-4222-8846-E3461598CC62}"/>
+          </ac:spMkLst>
+        </pc:spChg>
+        <pc:spChg chg="add del">
+          <ac:chgData name="Thao Hoang" userId="0e23db62feec2a5d" providerId="LiveId" clId="{0DB6CE43-0538-47A8-8B15-964AF83F7A0C}" dt="2021-03-24T04:36:03.104" v="3883" actId="26606"/>
+          <ac:spMkLst>
+            <pc:docMk/>
+            <pc:sldMk cId="2644799920" sldId="274"/>
+            <ac:spMk id="1040" creationId="{4845A0EE-C4C8-4AE1-B3C6-1261368AC036}"/>
+          </ac:spMkLst>
+        </pc:spChg>
+        <pc:spChg chg="add del">
+          <ac:chgData name="Thao Hoang" userId="0e23db62feec2a5d" providerId="LiveId" clId="{0DB6CE43-0538-47A8-8B15-964AF83F7A0C}" dt="2021-03-24T04:36:11.358" v="3885" actId="26606"/>
+          <ac:spMkLst>
+            <pc:docMk/>
+            <pc:sldMk cId="2644799920" sldId="274"/>
+            <ac:spMk id="1042" creationId="{18F923FF-DD0C-4FD3-A1B4-68DFA511C82D}"/>
+          </ac:spMkLst>
+        </pc:spChg>
+        <pc:spChg chg="add del">
+          <ac:chgData name="Thao Hoang" userId="0e23db62feec2a5d" providerId="LiveId" clId="{0DB6CE43-0538-47A8-8B15-964AF83F7A0C}" dt="2021-03-24T04:36:11.358" v="3885" actId="26606"/>
+          <ac:spMkLst>
+            <pc:docMk/>
+            <pc:sldMk cId="2644799920" sldId="274"/>
+            <ac:spMk id="1043" creationId="{114A821F-8663-46BA-8CC0-D4C44F639F3A}"/>
+          </ac:spMkLst>
+        </pc:spChg>
+        <pc:spChg chg="add del">
+          <ac:chgData name="Thao Hoang" userId="0e23db62feec2a5d" providerId="LiveId" clId="{0DB6CE43-0538-47A8-8B15-964AF83F7A0C}" dt="2021-03-24T04:36:11.358" v="3885" actId="26606"/>
+          <ac:spMkLst>
+            <pc:docMk/>
+            <pc:sldMk cId="2644799920" sldId="274"/>
+            <ac:spMk id="1044" creationId="{67EF550F-47CE-4FB2-9DAC-12AD835C833D}"/>
+          </ac:spMkLst>
+        </pc:spChg>
+        <pc:spChg chg="add">
+          <ac:chgData name="Thao Hoang" userId="0e23db62feec2a5d" providerId="LiveId" clId="{0DB6CE43-0538-47A8-8B15-964AF83F7A0C}" dt="2021-03-24T04:36:11.409" v="3886" actId="26606"/>
+          <ac:spMkLst>
+            <pc:docMk/>
+            <pc:sldMk cId="2644799920" sldId="274"/>
+            <ac:spMk id="1046" creationId="{7316481C-0A49-4796-812B-0D64F063B720}"/>
+          </ac:spMkLst>
+        </pc:spChg>
+        <pc:spChg chg="add">
+          <ac:chgData name="Thao Hoang" userId="0e23db62feec2a5d" providerId="LiveId" clId="{0DB6CE43-0538-47A8-8B15-964AF83F7A0C}" dt="2021-03-24T04:36:11.409" v="3886" actId="26606"/>
+          <ac:spMkLst>
+            <pc:docMk/>
+            <pc:sldMk cId="2644799920" sldId="274"/>
+            <ac:spMk id="1047" creationId="{A5271697-90F1-4A23-8EF2-0179F2EAFACB}"/>
+          </ac:spMkLst>
+        </pc:spChg>
+        <pc:spChg chg="add">
+          <ac:chgData name="Thao Hoang" userId="0e23db62feec2a5d" providerId="LiveId" clId="{0DB6CE43-0538-47A8-8B15-964AF83F7A0C}" dt="2021-03-24T04:36:11.409" v="3886" actId="26606"/>
+          <ac:spMkLst>
+            <pc:docMk/>
+            <pc:sldMk cId="2644799920" sldId="274"/>
+            <ac:spMk id="1051" creationId="{D9F5512A-48E1-4C07-B75E-3CCC517B6804}"/>
+          </ac:spMkLst>
+        </pc:spChg>
+        <pc:grpChg chg="add del mod">
+          <ac:chgData name="Thao Hoang" userId="0e23db62feec2a5d" providerId="LiveId" clId="{0DB6CE43-0538-47A8-8B15-964AF83F7A0C}" dt="2021-03-24T04:35:28.685" v="3875" actId="165"/>
+          <ac:grpSpMkLst>
+            <pc:docMk/>
+            <pc:sldMk cId="2644799920" sldId="274"/>
+            <ac:grpSpMk id="6" creationId="{2A1B8A94-2D3E-4AA3-B8EF-3FFA135C00B7}"/>
+          </ac:grpSpMkLst>
+        </pc:grpChg>
+        <pc:grpChg chg="add del mod">
+          <ac:chgData name="Thao Hoang" userId="0e23db62feec2a5d" providerId="LiveId" clId="{0DB6CE43-0538-47A8-8B15-964AF83F7A0C}" dt="2021-03-24T14:12:00.633" v="4098" actId="165"/>
+          <ac:grpSpMkLst>
+            <pc:docMk/>
+            <pc:sldMk cId="2644799920" sldId="274"/>
+            <ac:grpSpMk id="11" creationId="{119CACD4-2198-4CFD-AC92-BB05349A5ED8}"/>
+          </ac:grpSpMkLst>
+        </pc:grpChg>
+        <pc:grpChg chg="add del mod">
+          <ac:chgData name="Thao Hoang" userId="0e23db62feec2a5d" providerId="LiveId" clId="{0DB6CE43-0538-47A8-8B15-964AF83F7A0C}" dt="2021-03-24T14:12:08.875" v="4101" actId="165"/>
+          <ac:grpSpMkLst>
+            <pc:docMk/>
+            <pc:sldMk cId="2644799920" sldId="274"/>
+            <ac:grpSpMk id="13" creationId="{C8203C64-9D4F-45B1-B13C-5A2A121E1A92}"/>
+          </ac:grpSpMkLst>
+        </pc:grpChg>
+        <pc:grpChg chg="add del">
+          <ac:chgData name="Thao Hoang" userId="0e23db62feec2a5d" providerId="LiveId" clId="{0DB6CE43-0538-47A8-8B15-964AF83F7A0C}" dt="2021-03-24T04:36:11.409" v="3886" actId="26606"/>
+          <ac:grpSpMkLst>
+            <pc:docMk/>
+            <pc:sldMk cId="2644799920" sldId="274"/>
+            <ac:grpSpMk id="75" creationId="{0924561D-756D-410B-973A-E68C2552C20C}"/>
+          </ac:grpSpMkLst>
+        </pc:grpChg>
+        <pc:grpChg chg="add del">
+          <ac:chgData name="Thao Hoang" userId="0e23db62feec2a5d" providerId="LiveId" clId="{0DB6CE43-0538-47A8-8B15-964AF83F7A0C}" dt="2021-03-24T04:35:50.104" v="3877" actId="26606"/>
+          <ac:grpSpMkLst>
+            <pc:docMk/>
+            <pc:sldMk cId="2644799920" sldId="274"/>
+            <ac:grpSpMk id="142" creationId="{4CB581D0-0B25-4552-8130-B8C8B8D8EA5C}"/>
+          </ac:grpSpMkLst>
+        </pc:grpChg>
+        <pc:grpChg chg="add">
+          <ac:chgData name="Thao Hoang" userId="0e23db62feec2a5d" providerId="LiveId" clId="{0DB6CE43-0538-47A8-8B15-964AF83F7A0C}" dt="2021-03-24T04:36:11.409" v="3886" actId="26606"/>
+          <ac:grpSpMkLst>
+            <pc:docMk/>
+            <pc:sldMk cId="2644799920" sldId="274"/>
+            <ac:grpSpMk id="1048" creationId="{4CB581D0-0B25-4552-8130-B8C8B8D8EA5C}"/>
+          </ac:grpSpMkLst>
+        </pc:grpChg>
+        <pc:picChg chg="del mod ord topLvl">
+          <ac:chgData name="Thao Hoang" userId="0e23db62feec2a5d" providerId="LiveId" clId="{0DB6CE43-0538-47A8-8B15-964AF83F7A0C}" dt="2021-03-24T14:12:15.995" v="4104" actId="478"/>
+          <ac:picMkLst>
+            <pc:docMk/>
+            <pc:sldMk cId="2644799920" sldId="274"/>
+            <ac:picMk id="4" creationId="{DD035D2B-9CD3-488A-BCF8-0861005C8B45}"/>
+          </ac:picMkLst>
+        </pc:picChg>
+        <pc:picChg chg="add mod ord topLvl">
+          <ac:chgData name="Thao Hoang" userId="0e23db62feec2a5d" providerId="LiveId" clId="{0DB6CE43-0538-47A8-8B15-964AF83F7A0C}" dt="2021-03-24T14:12:00.633" v="4098" actId="165"/>
+          <ac:picMkLst>
+            <pc:docMk/>
+            <pc:sldMk cId="2644799920" sldId="274"/>
+            <ac:picMk id="5" creationId="{DD4A4A5F-563B-450E-B2C1-2E21513B56A4}"/>
+          </ac:picMkLst>
+        </pc:picChg>
+        <pc:picChg chg="add mod">
+          <ac:chgData name="Thao Hoang" userId="0e23db62feec2a5d" providerId="LiveId" clId="{0DB6CE43-0538-47A8-8B15-964AF83F7A0C}" dt="2021-03-24T14:16:19.591" v="4173" actId="1076"/>
+          <ac:picMkLst>
+            <pc:docMk/>
+            <pc:sldMk cId="2644799920" sldId="274"/>
+            <ac:picMk id="6" creationId="{086B4E35-F20A-4CBA-934C-8FBA4450AFF6}"/>
+          </ac:picMkLst>
+        </pc:picChg>
+        <pc:picChg chg="add mod">
+          <ac:chgData name="Thao Hoang" userId="0e23db62feec2a5d" providerId="LiveId" clId="{0DB6CE43-0538-47A8-8B15-964AF83F7A0C}" dt="2021-03-24T14:16:53.523" v="4175" actId="1076"/>
+          <ac:picMkLst>
+            <pc:docMk/>
+            <pc:sldMk cId="2644799920" sldId="274"/>
+            <ac:picMk id="8" creationId="{9ABCBA7C-8F32-48A3-A6F3-685CD0B01138}"/>
+          </ac:picMkLst>
+        </pc:picChg>
+        <pc:picChg chg="add del mod">
+          <ac:chgData name="Thao Hoang" userId="0e23db62feec2a5d" providerId="LiveId" clId="{0DB6CE43-0538-47A8-8B15-964AF83F7A0C}" dt="2021-03-24T04:39:16.105" v="3943" actId="478"/>
+          <ac:picMkLst>
+            <pc:docMk/>
+            <pc:sldMk cId="2644799920" sldId="274"/>
+            <ac:picMk id="8" creationId="{D7379FBB-C2F4-4510-A8C7-31BDF07749D7}"/>
+          </ac:picMkLst>
+        </pc:picChg>
+        <pc:picChg chg="add del mod topLvl">
+          <ac:chgData name="Thao Hoang" userId="0e23db62feec2a5d" providerId="LiveId" clId="{0DB6CE43-0538-47A8-8B15-964AF83F7A0C}" dt="2021-03-24T14:12:11.800" v="4102" actId="478"/>
+          <ac:picMkLst>
+            <pc:docMk/>
+            <pc:sldMk cId="2644799920" sldId="274"/>
+            <ac:picMk id="10" creationId="{FCAE0D73-CCCC-4815-A143-BA4E293B1B69}"/>
+          </ac:picMkLst>
+        </pc:picChg>
+        <pc:picChg chg="mod topLvl">
+          <ac:chgData name="Thao Hoang" userId="0e23db62feec2a5d" providerId="LiveId" clId="{0DB6CE43-0538-47A8-8B15-964AF83F7A0C}" dt="2021-03-24T14:12:00.633" v="4098" actId="165"/>
+          <ac:picMkLst>
+            <pc:docMk/>
+            <pc:sldMk cId="2644799920" sldId="274"/>
+            <ac:picMk id="1026" creationId="{D36301DC-CA81-4157-9316-EFDB69FBB776}"/>
+          </ac:picMkLst>
+        </pc:picChg>
+        <pc:cxnChg chg="add mod">
+          <ac:chgData name="Thao Hoang" userId="0e23db62feec2a5d" providerId="LiveId" clId="{0DB6CE43-0538-47A8-8B15-964AF83F7A0C}" dt="2021-03-24T04:45:25.687" v="4004" actId="1582"/>
+          <ac:cxnSpMkLst>
+            <pc:docMk/>
+            <pc:sldMk cId="2644799920" sldId="274"/>
+            <ac:cxnSpMk id="15" creationId="{3DFFDB67-370C-466F-AC16-DC7B71AC06D3}"/>
+          </ac:cxnSpMkLst>
+        </pc:cxnChg>
+        <pc:cxnChg chg="add mod">
+          <ac:chgData name="Thao Hoang" userId="0e23db62feec2a5d" providerId="LiveId" clId="{0DB6CE43-0538-47A8-8B15-964AF83F7A0C}" dt="2021-03-24T04:45:32.692" v="4007" actId="14100"/>
+          <ac:cxnSpMkLst>
+            <pc:docMk/>
+            <pc:sldMk cId="2644799920" sldId="274"/>
+            <ac:cxnSpMk id="96" creationId="{64750B1E-0DB0-44C7-9D61-74410AB72AD4}"/>
+          </ac:cxnSpMkLst>
+        </pc:cxnChg>
+        <pc:cxnChg chg="add del">
+          <ac:chgData name="Thao Hoang" userId="0e23db62feec2a5d" providerId="LiveId" clId="{0DB6CE43-0538-47A8-8B15-964AF83F7A0C}" dt="2021-03-24T04:35:57.979" v="3881" actId="26606"/>
+          <ac:cxnSpMkLst>
+            <pc:docMk/>
+            <pc:sldMk cId="2644799920" sldId="274"/>
+            <ac:cxnSpMk id="144" creationId="{00C9EB70-BC82-414A-BF8D-AD7FC6727616}"/>
+          </ac:cxnSpMkLst>
+        </pc:cxnChg>
+        <pc:cxnChg chg="add del">
+          <ac:chgData name="Thao Hoang" userId="0e23db62feec2a5d" providerId="LiveId" clId="{0DB6CE43-0538-47A8-8B15-964AF83F7A0C}" dt="2021-03-24T04:35:57.979" v="3881" actId="26606"/>
+          <ac:cxnSpMkLst>
+            <pc:docMk/>
+            <pc:sldMk cId="2644799920" sldId="274"/>
+            <ac:cxnSpMk id="146" creationId="{3217665F-0036-444A-8D4A-33AF36A36A42}"/>
+          </ac:cxnSpMkLst>
+        </pc:cxnChg>
+        <pc:cxnChg chg="add del">
+          <ac:chgData name="Thao Hoang" userId="0e23db62feec2a5d" providerId="LiveId" clId="{0DB6CE43-0538-47A8-8B15-964AF83F7A0C}" dt="2021-03-24T04:35:57.979" v="3881" actId="26606"/>
+          <ac:cxnSpMkLst>
+            <pc:docMk/>
+            <pc:sldMk cId="2644799920" sldId="274"/>
+            <ac:cxnSpMk id="1036" creationId="{DFDA47BC-3069-47F5-8257-24B3B1F76A08}"/>
+          </ac:cxnSpMkLst>
+        </pc:cxnChg>
+        <pc:cxnChg chg="add del">
+          <ac:chgData name="Thao Hoang" userId="0e23db62feec2a5d" providerId="LiveId" clId="{0DB6CE43-0538-47A8-8B15-964AF83F7A0C}" dt="2021-03-24T04:35:57.979" v="3881" actId="26606"/>
+          <ac:cxnSpMkLst>
+            <pc:docMk/>
+            <pc:sldMk cId="2644799920" sldId="274"/>
+            <ac:cxnSpMk id="1038" creationId="{942B920A-73AD-402A-8EEF-B88E1A9398B8}"/>
+          </ac:cxnSpMkLst>
+        </pc:cxnChg>
+      </pc:sldChg>
+      <pc:sldChg chg="addSp delSp modSp add mod">
+        <pc:chgData name="Thao Hoang" userId="0e23db62feec2a5d" providerId="LiveId" clId="{0DB6CE43-0538-47A8-8B15-964AF83F7A0C}" dt="2021-03-24T05:42:46.884" v="4097" actId="14100"/>
+        <pc:sldMkLst>
+          <pc:docMk/>
+          <pc:sldMk cId="3530470900" sldId="275"/>
+        </pc:sldMkLst>
+        <pc:spChg chg="mod">
+          <ac:chgData name="Thao Hoang" userId="0e23db62feec2a5d" providerId="LiveId" clId="{0DB6CE43-0538-47A8-8B15-964AF83F7A0C}" dt="2021-03-24T05:39:23.502" v="4079" actId="20577"/>
+          <ac:spMkLst>
+            <pc:docMk/>
+            <pc:sldMk cId="3530470900" sldId="275"/>
+            <ac:spMk id="2" creationId="{A73A5D8E-3007-4378-92E3-B7AC02C4DC95}"/>
+          </ac:spMkLst>
+        </pc:spChg>
+        <pc:spChg chg="del">
+          <ac:chgData name="Thao Hoang" userId="0e23db62feec2a5d" providerId="LiveId" clId="{0DB6CE43-0538-47A8-8B15-964AF83F7A0C}" dt="2021-03-24T05:39:30.927" v="4082" actId="478"/>
+          <ac:spMkLst>
+            <pc:docMk/>
+            <pc:sldMk cId="3530470900" sldId="275"/>
+            <ac:spMk id="17" creationId="{6F7B900A-5B09-44D0-9772-F27D74E68214}"/>
+          </ac:spMkLst>
+        </pc:spChg>
+        <pc:spChg chg="mod">
+          <ac:chgData name="Thao Hoang" userId="0e23db62feec2a5d" providerId="LiveId" clId="{0DB6CE43-0538-47A8-8B15-964AF83F7A0C}" dt="2021-03-24T05:39:49.859" v="4085"/>
+          <ac:spMkLst>
+            <pc:docMk/>
+            <pc:sldMk cId="3530470900" sldId="275"/>
+            <ac:spMk id="42" creationId="{BD9D4B4B-84CA-42EF-A133-E18F91F72BDB}"/>
+          </ac:spMkLst>
+        </pc:spChg>
+        <pc:spChg chg="mod topLvl">
+          <ac:chgData name="Thao Hoang" userId="0e23db62feec2a5d" providerId="LiveId" clId="{0DB6CE43-0538-47A8-8B15-964AF83F7A0C}" dt="2021-03-24T05:40:38.075" v="4090" actId="14100"/>
+          <ac:spMkLst>
+            <pc:docMk/>
+            <pc:sldMk cId="3530470900" sldId="275"/>
+            <ac:spMk id="45" creationId="{49F0FD30-2D3B-4D44-81D1-050B4627D050}"/>
+          </ac:spMkLst>
+        </pc:spChg>
+        <pc:spChg chg="add mod">
+          <ac:chgData name="Thao Hoang" userId="0e23db62feec2a5d" providerId="LiveId" clId="{0DB6CE43-0538-47A8-8B15-964AF83F7A0C}" dt="2021-03-24T05:42:46.884" v="4097" actId="14100"/>
+          <ac:spMkLst>
+            <pc:docMk/>
+            <pc:sldMk cId="3530470900" sldId="275"/>
+            <ac:spMk id="48" creationId="{CDB112B1-2815-40F6-9985-74E27BAA506A}"/>
+          </ac:spMkLst>
+        </pc:spChg>
+        <pc:spChg chg="del">
+          <ac:chgData name="Thao Hoang" userId="0e23db62feec2a5d" providerId="LiveId" clId="{0DB6CE43-0538-47A8-8B15-964AF83F7A0C}" dt="2021-03-24T05:39:30.927" v="4082" actId="478"/>
+          <ac:spMkLst>
+            <pc:docMk/>
+            <pc:sldMk cId="3530470900" sldId="275"/>
+            <ac:spMk id="98" creationId="{427EF896-B2A1-4E43-B6B4-E03FA5903EE4}"/>
+          </ac:spMkLst>
+        </pc:spChg>
+        <pc:grpChg chg="del">
+          <ac:chgData name="Thao Hoang" userId="0e23db62feec2a5d" providerId="LiveId" clId="{0DB6CE43-0538-47A8-8B15-964AF83F7A0C}" dt="2021-03-24T05:39:26.338" v="4080" actId="478"/>
+          <ac:grpSpMkLst>
+            <pc:docMk/>
+            <pc:sldMk cId="3530470900" sldId="275"/>
+            <ac:grpSpMk id="11" creationId="{119CACD4-2198-4CFD-AC92-BB05349A5ED8}"/>
+          </ac:grpSpMkLst>
+        </pc:grpChg>
+        <pc:grpChg chg="del">
+          <ac:chgData name="Thao Hoang" userId="0e23db62feec2a5d" providerId="LiveId" clId="{0DB6CE43-0538-47A8-8B15-964AF83F7A0C}" dt="2021-03-24T05:39:27.790" v="4081" actId="478"/>
+          <ac:grpSpMkLst>
+            <pc:docMk/>
+            <pc:sldMk cId="3530470900" sldId="275"/>
+            <ac:grpSpMk id="13" creationId="{C8203C64-9D4F-45B1-B13C-5A2A121E1A92}"/>
+          </ac:grpSpMkLst>
+        </pc:grpChg>
+        <pc:grpChg chg="add del mod">
+          <ac:chgData name="Thao Hoang" userId="0e23db62feec2a5d" providerId="LiveId" clId="{0DB6CE43-0538-47A8-8B15-964AF83F7A0C}" dt="2021-03-24T05:39:51.604" v="4086"/>
+          <ac:grpSpMkLst>
+            <pc:docMk/>
+            <pc:sldMk cId="3530470900" sldId="275"/>
+            <ac:grpSpMk id="40" creationId="{82A28E48-AE50-43E8-8D1B-D271BF8832CD}"/>
+          </ac:grpSpMkLst>
+        </pc:grpChg>
+        <pc:grpChg chg="add del mod">
+          <ac:chgData name="Thao Hoang" userId="0e23db62feec2a5d" providerId="LiveId" clId="{0DB6CE43-0538-47A8-8B15-964AF83F7A0C}" dt="2021-03-24T05:40:24.555" v="4088" actId="478"/>
+          <ac:grpSpMkLst>
+            <pc:docMk/>
+            <pc:sldMk cId="3530470900" sldId="275"/>
+            <ac:grpSpMk id="43" creationId="{4C1AFCB8-5EA5-4DE7-B288-72CB1CD4E2F6}"/>
+          </ac:grpSpMkLst>
+        </pc:grpChg>
+        <pc:picChg chg="add mod">
+          <ac:chgData name="Thao Hoang" userId="0e23db62feec2a5d" providerId="LiveId" clId="{0DB6CE43-0538-47A8-8B15-964AF83F7A0C}" dt="2021-03-24T05:39:34.938" v="4084" actId="1076"/>
+          <ac:picMkLst>
+            <pc:docMk/>
+            <pc:sldMk cId="3530470900" sldId="275"/>
+            <ac:picMk id="6" creationId="{C62CB4EB-AFFD-4B98-A52E-436058D200C2}"/>
+          </ac:picMkLst>
+        </pc:picChg>
+        <pc:picChg chg="add mod">
+          <ac:chgData name="Thao Hoang" userId="0e23db62feec2a5d" providerId="LiveId" clId="{0DB6CE43-0538-47A8-8B15-964AF83F7A0C}" dt="2021-03-24T05:42:23.779" v="4094" actId="14100"/>
+          <ac:picMkLst>
+            <pc:docMk/>
+            <pc:sldMk cId="3530470900" sldId="275"/>
+            <ac:picMk id="8" creationId="{8877FDBA-9823-4A41-811A-CF193A32796B}"/>
+          </ac:picMkLst>
+        </pc:picChg>
+        <pc:picChg chg="mod">
+          <ac:chgData name="Thao Hoang" userId="0e23db62feec2a5d" providerId="LiveId" clId="{0DB6CE43-0538-47A8-8B15-964AF83F7A0C}" dt="2021-03-24T05:39:49.859" v="4085"/>
+          <ac:picMkLst>
+            <pc:docMk/>
+            <pc:sldMk cId="3530470900" sldId="275"/>
+            <ac:picMk id="41" creationId="{1B632A14-60D0-45E4-B980-5E1D7CD138D2}"/>
+          </ac:picMkLst>
+        </pc:picChg>
+        <pc:picChg chg="del mod topLvl">
+          <ac:chgData name="Thao Hoang" userId="0e23db62feec2a5d" providerId="LiveId" clId="{0DB6CE43-0538-47A8-8B15-964AF83F7A0C}" dt="2021-03-24T05:40:24.555" v="4088" actId="478"/>
+          <ac:picMkLst>
+            <pc:docMk/>
+            <pc:sldMk cId="3530470900" sldId="275"/>
+            <ac:picMk id="44" creationId="{6D9EF2BD-0344-43EC-B104-9349187FE95E}"/>
+          </ac:picMkLst>
+        </pc:picChg>
+        <pc:cxnChg chg="del">
+          <ac:chgData name="Thao Hoang" userId="0e23db62feec2a5d" providerId="LiveId" clId="{0DB6CE43-0538-47A8-8B15-964AF83F7A0C}" dt="2021-03-24T05:39:30.927" v="4082" actId="478"/>
+          <ac:cxnSpMkLst>
+            <pc:docMk/>
+            <pc:sldMk cId="3530470900" sldId="275"/>
+            <ac:cxnSpMk id="15" creationId="{3DFFDB67-370C-466F-AC16-DC7B71AC06D3}"/>
+          </ac:cxnSpMkLst>
+        </pc:cxnChg>
+        <pc:cxnChg chg="del">
+          <ac:chgData name="Thao Hoang" userId="0e23db62feec2a5d" providerId="LiveId" clId="{0DB6CE43-0538-47A8-8B15-964AF83F7A0C}" dt="2021-03-24T05:39:30.927" v="4082" actId="478"/>
+          <ac:cxnSpMkLst>
+            <pc:docMk/>
+            <pc:sldMk cId="3530470900" sldId="275"/>
+            <ac:cxnSpMk id="96" creationId="{64750B1E-0DB0-44C7-9D61-74410AB72AD4}"/>
+          </ac:cxnSpMkLst>
+        </pc:cxnChg>
+      </pc:sldChg>
+      <pc:sldChg chg="addSp delSp add del setBg delDesignElem">
+        <pc:chgData name="Thao Hoang" userId="0e23db62feec2a5d" providerId="LiveId" clId="{0DB6CE43-0538-47A8-8B15-964AF83F7A0C}" dt="2021-03-24T14:38:11.084" v="4178"/>
+        <pc:sldMkLst>
+          <pc:docMk/>
+          <pc:sldMk cId="1760854945" sldId="276"/>
+        </pc:sldMkLst>
+        <pc:spChg chg="add del">
+          <ac:chgData name="Thao Hoang" userId="0e23db62feec2a5d" providerId="LiveId" clId="{0DB6CE43-0538-47A8-8B15-964AF83F7A0C}" dt="2021-03-24T14:38:11.084" v="4178"/>
+          <ac:spMkLst>
+            <pc:docMk/>
+            <pc:sldMk cId="1760854945" sldId="276"/>
+            <ac:spMk id="13" creationId="{E4505C23-674B-4195-81D6-0C127FEAE3F8}"/>
+          </ac:spMkLst>
+        </pc:spChg>
+        <pc:spChg chg="add del">
+          <ac:chgData name="Thao Hoang" userId="0e23db62feec2a5d" providerId="LiveId" clId="{0DB6CE43-0538-47A8-8B15-964AF83F7A0C}" dt="2021-03-24T14:38:11.084" v="4178"/>
+          <ac:spMkLst>
+            <pc:docMk/>
+            <pc:sldMk cId="1760854945" sldId="276"/>
+            <ac:spMk id="15" creationId="{65C9B8F0-FF66-4C15-BD05-E86B87331846}"/>
+          </ac:spMkLst>
+        </pc:spChg>
+      </pc:sldChg>
+      <pc:sldChg chg="addSp delSp modSp add mod">
+        <pc:chgData name="Thao Hoang" userId="0e23db62feec2a5d" providerId="LiveId" clId="{0DB6CE43-0538-47A8-8B15-964AF83F7A0C}" dt="2021-03-24T14:40:10.083" v="4429" actId="20577"/>
+        <pc:sldMkLst>
+          <pc:docMk/>
+          <pc:sldMk cId="2123032419" sldId="276"/>
+        </pc:sldMkLst>
+        <pc:spChg chg="mod">
+          <ac:chgData name="Thao Hoang" userId="0e23db62feec2a5d" providerId="LiveId" clId="{0DB6CE43-0538-47A8-8B15-964AF83F7A0C}" dt="2021-03-24T14:38:31.039" v="4229" actId="20577"/>
+          <ac:spMkLst>
+            <pc:docMk/>
+            <pc:sldMk cId="2123032419" sldId="276"/>
+            <ac:spMk id="2" creationId="{A73A5D8E-3007-4378-92E3-B7AC02C4DC95}"/>
+          </ac:spMkLst>
+        </pc:spChg>
+        <pc:spChg chg="add mod">
+          <ac:chgData name="Thao Hoang" userId="0e23db62feec2a5d" providerId="LiveId" clId="{0DB6CE43-0538-47A8-8B15-964AF83F7A0C}" dt="2021-03-24T14:40:10.083" v="4429" actId="20577"/>
+          <ac:spMkLst>
+            <pc:docMk/>
+            <pc:sldMk cId="2123032419" sldId="276"/>
+            <ac:spMk id="31" creationId="{61A6F8D3-FAEC-4662-A150-24BD5BBD6B92}"/>
+          </ac:spMkLst>
+        </pc:spChg>
+        <pc:spChg chg="del">
+          <ac:chgData name="Thao Hoang" userId="0e23db62feec2a5d" providerId="LiveId" clId="{0DB6CE43-0538-47A8-8B15-964AF83F7A0C}" dt="2021-03-24T14:38:36.076" v="4233" actId="478"/>
+          <ac:spMkLst>
+            <pc:docMk/>
+            <pc:sldMk cId="2123032419" sldId="276"/>
+            <ac:spMk id="45" creationId="{49F0FD30-2D3B-4D44-81D1-050B4627D050}"/>
+          </ac:spMkLst>
+        </pc:spChg>
+        <pc:spChg chg="del">
+          <ac:chgData name="Thao Hoang" userId="0e23db62feec2a5d" providerId="LiveId" clId="{0DB6CE43-0538-47A8-8B15-964AF83F7A0C}" dt="2021-03-24T14:38:34.508" v="4231" actId="478"/>
+          <ac:spMkLst>
+            <pc:docMk/>
+            <pc:sldMk cId="2123032419" sldId="276"/>
+            <ac:spMk id="48" creationId="{CDB112B1-2815-40F6-9985-74E27BAA506A}"/>
+          </ac:spMkLst>
+        </pc:spChg>
+        <pc:picChg chg="del">
+          <ac:chgData name="Thao Hoang" userId="0e23db62feec2a5d" providerId="LiveId" clId="{0DB6CE43-0538-47A8-8B15-964AF83F7A0C}" dt="2021-03-24T14:38:35.297" v="4232" actId="478"/>
+          <ac:picMkLst>
+            <pc:docMk/>
+            <pc:sldMk cId="2123032419" sldId="276"/>
+            <ac:picMk id="6" creationId="{C62CB4EB-AFFD-4B98-A52E-436058D200C2}"/>
+          </ac:picMkLst>
+        </pc:picChg>
+        <pc:picChg chg="del">
+          <ac:chgData name="Thao Hoang" userId="0e23db62feec2a5d" providerId="LiveId" clId="{0DB6CE43-0538-47A8-8B15-964AF83F7A0C}" dt="2021-03-24T14:38:33.357" v="4230" actId="478"/>
+          <ac:picMkLst>
+            <pc:docMk/>
+            <pc:sldMk cId="2123032419" sldId="276"/>
+            <ac:picMk id="8" creationId="{8877FDBA-9823-4A41-811A-CF193A32796B}"/>
           </ac:picMkLst>
         </pc:picChg>
       </pc:sldChg>
@@ -2470,7 +3137,7 @@
           <a:p>
             <a:fld id="{A2B50CA3-4FF8-449F-A2C5-F7C768FEBF2B}" type="datetimeFigureOut">
               <a:rPr lang="en-CA" smtClean="0"/>
-              <a:t>2021-03-22</a:t>
+              <a:t>2021-03-24</a:t>
             </a:fld>
             <a:endParaRPr lang="en-CA"/>
           </a:p>
@@ -2670,7 +3337,7 @@
           <a:p>
             <a:fld id="{A2B50CA3-4FF8-449F-A2C5-F7C768FEBF2B}" type="datetimeFigureOut">
               <a:rPr lang="en-CA" smtClean="0"/>
-              <a:t>2021-03-22</a:t>
+              <a:t>2021-03-24</a:t>
             </a:fld>
             <a:endParaRPr lang="en-CA"/>
           </a:p>
@@ -2880,7 +3547,7 @@
           <a:p>
             <a:fld id="{A2B50CA3-4FF8-449F-A2C5-F7C768FEBF2B}" type="datetimeFigureOut">
               <a:rPr lang="en-CA" smtClean="0"/>
-              <a:t>2021-03-22</a:t>
+              <a:t>2021-03-24</a:t>
             </a:fld>
             <a:endParaRPr lang="en-CA"/>
           </a:p>
@@ -3080,7 +3747,7 @@
           <a:p>
             <a:fld id="{A2B50CA3-4FF8-449F-A2C5-F7C768FEBF2B}" type="datetimeFigureOut">
               <a:rPr lang="en-CA" smtClean="0"/>
-              <a:t>2021-03-22</a:t>
+              <a:t>2021-03-24</a:t>
             </a:fld>
             <a:endParaRPr lang="en-CA"/>
           </a:p>
@@ -3356,7 +4023,7 @@
           <a:p>
             <a:fld id="{A2B50CA3-4FF8-449F-A2C5-F7C768FEBF2B}" type="datetimeFigureOut">
               <a:rPr lang="en-CA" smtClean="0"/>
-              <a:t>2021-03-22</a:t>
+              <a:t>2021-03-24</a:t>
             </a:fld>
             <a:endParaRPr lang="en-CA"/>
           </a:p>
@@ -3624,7 +4291,7 @@
           <a:p>
             <a:fld id="{A2B50CA3-4FF8-449F-A2C5-F7C768FEBF2B}" type="datetimeFigureOut">
               <a:rPr lang="en-CA" smtClean="0"/>
-              <a:t>2021-03-22</a:t>
+              <a:t>2021-03-24</a:t>
             </a:fld>
             <a:endParaRPr lang="en-CA"/>
           </a:p>
@@ -4039,7 +4706,7 @@
           <a:p>
             <a:fld id="{A2B50CA3-4FF8-449F-A2C5-F7C768FEBF2B}" type="datetimeFigureOut">
               <a:rPr lang="en-CA" smtClean="0"/>
-              <a:t>2021-03-22</a:t>
+              <a:t>2021-03-24</a:t>
             </a:fld>
             <a:endParaRPr lang="en-CA"/>
           </a:p>
@@ -4181,7 +4848,7 @@
           <a:p>
             <a:fld id="{A2B50CA3-4FF8-449F-A2C5-F7C768FEBF2B}" type="datetimeFigureOut">
               <a:rPr lang="en-CA" smtClean="0"/>
-              <a:t>2021-03-22</a:t>
+              <a:t>2021-03-24</a:t>
             </a:fld>
             <a:endParaRPr lang="en-CA"/>
           </a:p>
@@ -4294,7 +4961,7 @@
           <a:p>
             <a:fld id="{A2B50CA3-4FF8-449F-A2C5-F7C768FEBF2B}" type="datetimeFigureOut">
               <a:rPr lang="en-CA" smtClean="0"/>
-              <a:t>2021-03-22</a:t>
+              <a:t>2021-03-24</a:t>
             </a:fld>
             <a:endParaRPr lang="en-CA"/>
           </a:p>
@@ -4607,7 +5274,7 @@
           <a:p>
             <a:fld id="{A2B50CA3-4FF8-449F-A2C5-F7C768FEBF2B}" type="datetimeFigureOut">
               <a:rPr lang="en-CA" smtClean="0"/>
-              <a:t>2021-03-22</a:t>
+              <a:t>2021-03-24</a:t>
             </a:fld>
             <a:endParaRPr lang="en-CA"/>
           </a:p>
@@ -4896,7 +5563,7 @@
           <a:p>
             <a:fld id="{A2B50CA3-4FF8-449F-A2C5-F7C768FEBF2B}" type="datetimeFigureOut">
               <a:rPr lang="en-CA" smtClean="0"/>
-              <a:t>2021-03-22</a:t>
+              <a:t>2021-03-24</a:t>
             </a:fld>
             <a:endParaRPr lang="en-CA"/>
           </a:p>
@@ -5139,7 +5806,7 @@
           <a:p>
             <a:fld id="{A2B50CA3-4FF8-449F-A2C5-F7C768FEBF2B}" type="datetimeFigureOut">
               <a:rPr lang="en-CA" smtClean="0"/>
-              <a:t>2021-03-22</a:t>
+              <a:t>2021-03-24</a:t>
             </a:fld>
             <a:endParaRPr lang="en-CA"/>
           </a:p>
@@ -9134,39 +9801,7 @@
                   <a:srgbClr val="0070C0"/>
                 </a:solidFill>
               </a:rPr>
-              <a:t>Split dataset to </a:t>
-            </a:r>
-            <a:r>
-              <a:rPr lang="en-CA" sz="2000">
-                <a:solidFill>
-                  <a:srgbClr val="0070C0"/>
-                </a:solidFill>
-              </a:rPr>
-              <a:t>train (70</a:t>
-            </a:r>
-            <a:r>
-              <a:rPr lang="en-CA" sz="2000" dirty="0">
-                <a:solidFill>
-                  <a:srgbClr val="0070C0"/>
-                </a:solidFill>
-              </a:rPr>
-              <a:t>%) and </a:t>
-            </a:r>
-            <a:r>
-              <a:rPr lang="en-CA" sz="2000">
-                <a:solidFill>
-                  <a:srgbClr val="0070C0"/>
-                </a:solidFill>
-              </a:rPr>
-              <a:t>test (30</a:t>
-            </a:r>
-            <a:r>
-              <a:rPr lang="en-CA" sz="2000" dirty="0">
-                <a:solidFill>
-                  <a:srgbClr val="0070C0"/>
-                </a:solidFill>
-              </a:rPr>
-              <a:t>%)</a:t>
+              <a:t>Split dataset to train (70%) and test (30%)</a:t>
             </a:r>
           </a:p>
           <a:p>
@@ -10201,6 +10836,5024 @@
 </p:sld>
 </file>
 
+<file path=ppt/slides/slide17.xml><?xml version="1.0" encoding="utf-8"?>
+<p:sld xmlns:a="http://schemas.openxmlformats.org/drawingml/2006/main" xmlns:r="http://schemas.openxmlformats.org/officeDocument/2006/relationships" xmlns:p="http://schemas.openxmlformats.org/presentationml/2006/main">
+  <p:cSld>
+    <p:bg>
+      <p:bgPr>
+        <a:solidFill>
+          <a:schemeClr val="bg1"/>
+        </a:solidFill>
+        <a:effectLst/>
+      </p:bgPr>
+    </p:bg>
+    <p:spTree>
+      <p:nvGrpSpPr>
+        <p:cNvPr id="1" name=""/>
+        <p:cNvGrpSpPr/>
+        <p:nvPr/>
+      </p:nvGrpSpPr>
+      <p:grpSpPr>
+        <a:xfrm>
+          <a:off x="0" y="0"/>
+          <a:ext cx="0" cy="0"/>
+          <a:chOff x="0" y="0"/>
+          <a:chExt cx="0" cy="0"/>
+        </a:xfrm>
+      </p:grpSpPr>
+      <p:sp useBgFill="1">
+        <p:nvSpPr>
+          <p:cNvPr id="1046" name="Rectangle 137">
+            <a:extLst>
+              <a:ext uri="{FF2B5EF4-FFF2-40B4-BE49-F238E27FC236}">
+                <a16:creationId xmlns:a16="http://schemas.microsoft.com/office/drawing/2014/main" id="{7316481C-0A49-4796-812B-0D64F063B720}"/>
+              </a:ext>
+              <a:ext uri="{C183D7F6-B498-43B3-948B-1728B52AA6E4}">
+                <adec:decorative xmlns:adec="http://schemas.microsoft.com/office/drawing/2017/decorative" val="1"/>
+              </a:ext>
+            </a:extLst>
+          </p:cNvPr>
+          <p:cNvSpPr>
+            <a:spLocks noGrp="1" noRot="1" noChangeAspect="1" noMove="1" noResize="1" noEditPoints="1" noAdjustHandles="1" noChangeArrowheads="1" noChangeShapeType="1" noTextEdit="1"/>
+          </p:cNvSpPr>
+          <p:nvPr>
+            <p:extLst>
+              <p:ext uri="{386F3935-93C4-4BCD-93E2-E3B085C9AB24}">
+                <p16:designElem xmlns:p16="http://schemas.microsoft.com/office/powerpoint/2015/main" val="1"/>
+              </p:ext>
+            </p:extLst>
+          </p:nvPr>
+        </p:nvSpPr>
+        <p:spPr>
+          <a:xfrm>
+            <a:off x="0" y="0"/>
+            <a:ext cx="12192000" cy="6858000"/>
+          </a:xfrm>
+          <a:prstGeom prst="rect">
+            <a:avLst/>
+          </a:prstGeom>
+          <a:ln>
+            <a:noFill/>
+          </a:ln>
+        </p:spPr>
+        <p:style>
+          <a:lnRef idx="2">
+            <a:schemeClr val="accent1">
+              <a:shade val="50000"/>
+            </a:schemeClr>
+          </a:lnRef>
+          <a:fillRef idx="1">
+            <a:schemeClr val="accent1"/>
+          </a:fillRef>
+          <a:effectRef idx="0">
+            <a:schemeClr val="accent1"/>
+          </a:effectRef>
+          <a:fontRef idx="minor">
+            <a:schemeClr val="lt1"/>
+          </a:fontRef>
+        </p:style>
+        <p:txBody>
+          <a:bodyPr rtlCol="0" anchor="ctr"/>
+          <a:lstStyle/>
+          <a:p>
+            <a:pPr algn="ctr"/>
+            <a:endParaRPr lang="en-US"/>
+          </a:p>
+        </p:txBody>
+      </p:sp>
+      <p:sp>
+        <p:nvSpPr>
+          <p:cNvPr id="2" name="Title 1">
+            <a:extLst>
+              <a:ext uri="{FF2B5EF4-FFF2-40B4-BE49-F238E27FC236}">
+                <a16:creationId xmlns:a16="http://schemas.microsoft.com/office/drawing/2014/main" id="{A73A5D8E-3007-4378-92E3-B7AC02C4DC95}"/>
+              </a:ext>
+            </a:extLst>
+          </p:cNvPr>
+          <p:cNvSpPr>
+            <a:spLocks noGrp="1"/>
+          </p:cNvSpPr>
+          <p:nvPr>
+            <p:ph type="title"/>
+          </p:nvPr>
+        </p:nvSpPr>
+        <p:spPr>
+          <a:xfrm>
+            <a:off x="1116498" y="420624"/>
+            <a:ext cx="10637537" cy="506924"/>
+          </a:xfrm>
+        </p:spPr>
+        <p:txBody>
+          <a:bodyPr vert="horz" lIns="91440" tIns="45720" rIns="91440" bIns="45720" rtlCol="0" anchor="b">
+            <a:normAutofit fontScale="90000"/>
+          </a:bodyPr>
+          <a:lstStyle/>
+          <a:p>
+            <a:r>
+              <a:rPr lang="en-US" sz="3200" dirty="0"/>
+              <a:t>Multi-Linear Regression vs Random Forest Regression</a:t>
+            </a:r>
+          </a:p>
+        </p:txBody>
+      </p:sp>
+      <p:sp>
+        <p:nvSpPr>
+          <p:cNvPr id="1047" name="Rectangle 139">
+            <a:extLst>
+              <a:ext uri="{FF2B5EF4-FFF2-40B4-BE49-F238E27FC236}">
+                <a16:creationId xmlns:a16="http://schemas.microsoft.com/office/drawing/2014/main" id="{A5271697-90F1-4A23-8EF2-0179F2EAFACB}"/>
+              </a:ext>
+              <a:ext uri="{C183D7F6-B498-43B3-948B-1728B52AA6E4}">
+                <adec:decorative xmlns:adec="http://schemas.microsoft.com/office/drawing/2017/decorative" val="1"/>
+              </a:ext>
+            </a:extLst>
+          </p:cNvPr>
+          <p:cNvSpPr>
+            <a:spLocks noGrp="1" noRot="1" noChangeAspect="1" noMove="1" noResize="1" noEditPoints="1" noAdjustHandles="1" noChangeArrowheads="1" noChangeShapeType="1" noTextEdit="1"/>
+          </p:cNvSpPr>
+          <p:nvPr>
+            <p:extLst>
+              <p:ext uri="{386F3935-93C4-4BCD-93E2-E3B085C9AB24}">
+                <p16:designElem xmlns:p16="http://schemas.microsoft.com/office/powerpoint/2015/main" val="1"/>
+              </p:ext>
+            </p:extLst>
+          </p:nvPr>
+        </p:nvSpPr>
+        <p:spPr>
+          <a:xfrm>
+            <a:off x="-1" y="1"/>
+            <a:ext cx="606972" cy="3233984"/>
+          </a:xfrm>
+          <a:prstGeom prst="rect">
+            <a:avLst/>
+          </a:prstGeom>
+          <a:solidFill>
+            <a:schemeClr val="tx1">
+              <a:lumMod val="85000"/>
+              <a:lumOff val="15000"/>
+            </a:schemeClr>
+          </a:solidFill>
+          <a:ln>
+            <a:noFill/>
+          </a:ln>
+        </p:spPr>
+        <p:style>
+          <a:lnRef idx="2">
+            <a:schemeClr val="accent1">
+              <a:shade val="50000"/>
+            </a:schemeClr>
+          </a:lnRef>
+          <a:fillRef idx="1">
+            <a:schemeClr val="accent1"/>
+          </a:fillRef>
+          <a:effectRef idx="0">
+            <a:schemeClr val="accent1"/>
+          </a:effectRef>
+          <a:fontRef idx="minor">
+            <a:schemeClr val="lt1"/>
+          </a:fontRef>
+        </p:style>
+        <p:txBody>
+          <a:bodyPr rtlCol="0" anchor="ctr"/>
+          <a:lstStyle/>
+          <a:p>
+            <a:pPr algn="ctr"/>
+            <a:endParaRPr lang="en-US"/>
+          </a:p>
+        </p:txBody>
+      </p:sp>
+      <p:grpSp>
+        <p:nvGrpSpPr>
+          <p:cNvPr id="1048" name="Group 141">
+            <a:extLst>
+              <a:ext uri="{FF2B5EF4-FFF2-40B4-BE49-F238E27FC236}">
+                <a16:creationId xmlns:a16="http://schemas.microsoft.com/office/drawing/2014/main" id="{4CB581D0-0B25-4552-8130-B8C8B8D8EA5C}"/>
+              </a:ext>
+              <a:ext uri="{C183D7F6-B498-43B3-948B-1728B52AA6E4}">
+                <adec:decorative xmlns:adec="http://schemas.microsoft.com/office/drawing/2017/decorative" val="1"/>
+              </a:ext>
+            </a:extLst>
+          </p:cNvPr>
+          <p:cNvGrpSpPr>
+            <a:grpSpLocks noGrp="1" noUngrp="1" noRot="1" noChangeAspect="1" noMove="1" noResize="1"/>
+          </p:cNvGrpSpPr>
+          <p:nvPr>
+            <p:extLst>
+              <p:ext uri="{386F3935-93C4-4BCD-93E2-E3B085C9AB24}">
+                <p16:designElem xmlns:p16="http://schemas.microsoft.com/office/powerpoint/2015/main" val="1"/>
+              </p:ext>
+            </p:extLst>
+          </p:nvPr>
+        </p:nvGrpSpPr>
+        <p:grpSpPr>
+          <a:xfrm>
+            <a:off x="1188720" y="73152"/>
+            <a:ext cx="1178966" cy="232963"/>
+            <a:chOff x="5310171" y="73152"/>
+            <a:chExt cx="1178966" cy="232963"/>
+          </a:xfrm>
+        </p:grpSpPr>
+        <p:sp>
+          <p:nvSpPr>
+            <p:cNvPr id="143" name="Rectangle 64">
+              <a:extLst>
+                <a:ext uri="{FF2B5EF4-FFF2-40B4-BE49-F238E27FC236}">
+                  <a16:creationId xmlns:a16="http://schemas.microsoft.com/office/drawing/2014/main" id="{513A0E0E-B9DC-4FB1-B7BD-98AE60B3D8DD}"/>
+                </a:ext>
+                <a:ext uri="{C183D7F6-B498-43B3-948B-1728B52AA6E4}">
+                  <adec:decorative xmlns:adec="http://schemas.microsoft.com/office/drawing/2017/decorative" val="1"/>
+                </a:ext>
+              </a:extLst>
+            </p:cNvPr>
+            <p:cNvSpPr/>
+            <p:nvPr>
+              <p:extLst>
+                <p:ext uri="{386F3935-93C4-4BCD-93E2-E3B085C9AB24}">
+                  <p16:designElem xmlns:p16="http://schemas.microsoft.com/office/powerpoint/2015/main" val="1"/>
+                </p:ext>
+              </p:extLst>
+            </p:nvPr>
+          </p:nvSpPr>
+          <p:spPr>
+            <a:xfrm>
+              <a:off x="5809992" y="73152"/>
+              <a:ext cx="54368" cy="59227"/>
+            </a:xfrm>
+            <a:prstGeom prst="ellipse">
+              <a:avLst/>
+            </a:prstGeom>
+            <a:solidFill>
+              <a:schemeClr val="accent1"/>
+            </a:solidFill>
+            <a:ln>
+              <a:noFill/>
+            </a:ln>
+          </p:spPr>
+          <p:style>
+            <a:lnRef idx="2">
+              <a:schemeClr val="accent1">
+                <a:shade val="50000"/>
+              </a:schemeClr>
+            </a:lnRef>
+            <a:fillRef idx="1">
+              <a:schemeClr val="accent1"/>
+            </a:fillRef>
+            <a:effectRef idx="0">
+              <a:schemeClr val="accent1"/>
+            </a:effectRef>
+            <a:fontRef idx="minor">
+              <a:schemeClr val="lt1"/>
+            </a:fontRef>
+          </p:style>
+          <p:txBody>
+            <a:bodyPr rtlCol="0" anchor="ctr"/>
+            <a:lstStyle/>
+            <a:p>
+              <a:pPr algn="ctr"/>
+              <a:endParaRPr lang="en-US"/>
+            </a:p>
+          </p:txBody>
+        </p:sp>
+        <p:sp>
+          <p:nvSpPr>
+            <p:cNvPr id="1049" name="Rectangle 66">
+              <a:extLst>
+                <a:ext uri="{FF2B5EF4-FFF2-40B4-BE49-F238E27FC236}">
+                  <a16:creationId xmlns:a16="http://schemas.microsoft.com/office/drawing/2014/main" id="{AF323F97-88B1-4FC6-9E17-4EAB6D340D67}"/>
+                </a:ext>
+                <a:ext uri="{C183D7F6-B498-43B3-948B-1728B52AA6E4}">
+                  <adec:decorative xmlns:adec="http://schemas.microsoft.com/office/drawing/2017/decorative" val="1"/>
+                </a:ext>
+              </a:extLst>
+            </p:cNvPr>
+            <p:cNvSpPr/>
+            <p:nvPr>
+              <p:extLst>
+                <p:ext uri="{386F3935-93C4-4BCD-93E2-E3B085C9AB24}">
+                  <p16:designElem xmlns:p16="http://schemas.microsoft.com/office/powerpoint/2015/main" val="1"/>
+                </p:ext>
+              </p:extLst>
+            </p:nvPr>
+          </p:nvSpPr>
+          <p:spPr>
+            <a:xfrm>
+              <a:off x="5809992" y="246888"/>
+              <a:ext cx="54368" cy="59227"/>
+            </a:xfrm>
+            <a:prstGeom prst="ellipse">
+              <a:avLst/>
+            </a:prstGeom>
+            <a:solidFill>
+              <a:schemeClr val="accent1"/>
+            </a:solidFill>
+            <a:ln>
+              <a:noFill/>
+            </a:ln>
+          </p:spPr>
+          <p:style>
+            <a:lnRef idx="2">
+              <a:schemeClr val="accent1">
+                <a:shade val="50000"/>
+              </a:schemeClr>
+            </a:lnRef>
+            <a:fillRef idx="1">
+              <a:schemeClr val="accent1"/>
+            </a:fillRef>
+            <a:effectRef idx="0">
+              <a:schemeClr val="accent1"/>
+            </a:effectRef>
+            <a:fontRef idx="minor">
+              <a:schemeClr val="lt1"/>
+            </a:fontRef>
+          </p:style>
+          <p:txBody>
+            <a:bodyPr rtlCol="0" anchor="ctr"/>
+            <a:lstStyle/>
+            <a:p>
+              <a:pPr algn="ctr"/>
+              <a:endParaRPr lang="en-US"/>
+            </a:p>
+          </p:txBody>
+        </p:sp>
+        <p:sp>
+          <p:nvSpPr>
+            <p:cNvPr id="145" name="Rectangle 64">
+              <a:extLst>
+                <a:ext uri="{FF2B5EF4-FFF2-40B4-BE49-F238E27FC236}">
+                  <a16:creationId xmlns:a16="http://schemas.microsoft.com/office/drawing/2014/main" id="{CD7E1221-66F7-401A-9FA4-7A5999BE5F78}"/>
+                </a:ext>
+                <a:ext uri="{C183D7F6-B498-43B3-948B-1728B52AA6E4}">
+                  <adec:decorative xmlns:adec="http://schemas.microsoft.com/office/drawing/2017/decorative" val="1"/>
+                </a:ext>
+              </a:extLst>
+            </p:cNvPr>
+            <p:cNvSpPr/>
+            <p:nvPr>
+              <p:extLst>
+                <p:ext uri="{386F3935-93C4-4BCD-93E2-E3B085C9AB24}">
+                  <p16:designElem xmlns:p16="http://schemas.microsoft.com/office/powerpoint/2015/main" val="1"/>
+                </p:ext>
+              </p:extLst>
+            </p:nvPr>
+          </p:nvSpPr>
+          <p:spPr>
+            <a:xfrm>
+              <a:off x="5685037" y="73152"/>
+              <a:ext cx="54368" cy="59227"/>
+            </a:xfrm>
+            <a:prstGeom prst="ellipse">
+              <a:avLst/>
+            </a:prstGeom>
+            <a:solidFill>
+              <a:schemeClr val="accent1"/>
+            </a:solidFill>
+            <a:ln>
+              <a:noFill/>
+            </a:ln>
+          </p:spPr>
+          <p:style>
+            <a:lnRef idx="2">
+              <a:schemeClr val="accent1">
+                <a:shade val="50000"/>
+              </a:schemeClr>
+            </a:lnRef>
+            <a:fillRef idx="1">
+              <a:schemeClr val="accent1"/>
+            </a:fillRef>
+            <a:effectRef idx="0">
+              <a:schemeClr val="accent1"/>
+            </a:effectRef>
+            <a:fontRef idx="minor">
+              <a:schemeClr val="lt1"/>
+            </a:fontRef>
+          </p:style>
+          <p:txBody>
+            <a:bodyPr rtlCol="0" anchor="ctr"/>
+            <a:lstStyle/>
+            <a:p>
+              <a:pPr algn="ctr"/>
+              <a:endParaRPr lang="en-US"/>
+            </a:p>
+          </p:txBody>
+        </p:sp>
+        <p:sp>
+          <p:nvSpPr>
+            <p:cNvPr id="1050" name="Rectangle 66">
+              <a:extLst>
+                <a:ext uri="{FF2B5EF4-FFF2-40B4-BE49-F238E27FC236}">
+                  <a16:creationId xmlns:a16="http://schemas.microsoft.com/office/drawing/2014/main" id="{F7959185-BC34-4EC8-84E2-E6907F5FC636}"/>
+                </a:ext>
+                <a:ext uri="{C183D7F6-B498-43B3-948B-1728B52AA6E4}">
+                  <adec:decorative xmlns:adec="http://schemas.microsoft.com/office/drawing/2017/decorative" val="1"/>
+                </a:ext>
+              </a:extLst>
+            </p:cNvPr>
+            <p:cNvSpPr/>
+            <p:nvPr>
+              <p:extLst>
+                <p:ext uri="{386F3935-93C4-4BCD-93E2-E3B085C9AB24}">
+                  <p16:designElem xmlns:p16="http://schemas.microsoft.com/office/powerpoint/2015/main" val="1"/>
+                </p:ext>
+              </p:extLst>
+            </p:nvPr>
+          </p:nvSpPr>
+          <p:spPr>
+            <a:xfrm>
+              <a:off x="5685037" y="246888"/>
+              <a:ext cx="54368" cy="59227"/>
+            </a:xfrm>
+            <a:prstGeom prst="ellipse">
+              <a:avLst/>
+            </a:prstGeom>
+            <a:solidFill>
+              <a:schemeClr val="accent1"/>
+            </a:solidFill>
+            <a:ln>
+              <a:noFill/>
+            </a:ln>
+          </p:spPr>
+          <p:style>
+            <a:lnRef idx="2">
+              <a:schemeClr val="accent1">
+                <a:shade val="50000"/>
+              </a:schemeClr>
+            </a:lnRef>
+            <a:fillRef idx="1">
+              <a:schemeClr val="accent1"/>
+            </a:fillRef>
+            <a:effectRef idx="0">
+              <a:schemeClr val="accent1"/>
+            </a:effectRef>
+            <a:fontRef idx="minor">
+              <a:schemeClr val="lt1"/>
+            </a:fontRef>
+          </p:style>
+          <p:txBody>
+            <a:bodyPr rtlCol="0" anchor="ctr"/>
+            <a:lstStyle/>
+            <a:p>
+              <a:pPr algn="ctr"/>
+              <a:endParaRPr lang="en-US"/>
+            </a:p>
+          </p:txBody>
+        </p:sp>
+        <p:sp>
+          <p:nvSpPr>
+            <p:cNvPr id="147" name="Rectangle 64">
+              <a:extLst>
+                <a:ext uri="{FF2B5EF4-FFF2-40B4-BE49-F238E27FC236}">
+                  <a16:creationId xmlns:a16="http://schemas.microsoft.com/office/drawing/2014/main" id="{8160D755-724C-4DE4-B2B2-BDF7FE1A3450}"/>
+                </a:ext>
+                <a:ext uri="{C183D7F6-B498-43B3-948B-1728B52AA6E4}">
+                  <adec:decorative xmlns:adec="http://schemas.microsoft.com/office/drawing/2017/decorative" val="1"/>
+                </a:ext>
+              </a:extLst>
+            </p:cNvPr>
+            <p:cNvSpPr/>
+            <p:nvPr>
+              <p:extLst>
+                <p:ext uri="{386F3935-93C4-4BCD-93E2-E3B085C9AB24}">
+                  <p16:designElem xmlns:p16="http://schemas.microsoft.com/office/powerpoint/2015/main" val="1"/>
+                </p:ext>
+              </p:extLst>
+            </p:nvPr>
+          </p:nvSpPr>
+          <p:spPr>
+            <a:xfrm>
+              <a:off x="5560082" y="73152"/>
+              <a:ext cx="54368" cy="59227"/>
+            </a:xfrm>
+            <a:prstGeom prst="ellipse">
+              <a:avLst/>
+            </a:prstGeom>
+            <a:solidFill>
+              <a:schemeClr val="accent1"/>
+            </a:solidFill>
+            <a:ln>
+              <a:noFill/>
+            </a:ln>
+          </p:spPr>
+          <p:style>
+            <a:lnRef idx="2">
+              <a:schemeClr val="accent1">
+                <a:shade val="50000"/>
+              </a:schemeClr>
+            </a:lnRef>
+            <a:fillRef idx="1">
+              <a:schemeClr val="accent1"/>
+            </a:fillRef>
+            <a:effectRef idx="0">
+              <a:schemeClr val="accent1"/>
+            </a:effectRef>
+            <a:fontRef idx="minor">
+              <a:schemeClr val="lt1"/>
+            </a:fontRef>
+          </p:style>
+          <p:txBody>
+            <a:bodyPr rtlCol="0" anchor="ctr"/>
+            <a:lstStyle/>
+            <a:p>
+              <a:pPr algn="ctr"/>
+              <a:endParaRPr lang="en-US"/>
+            </a:p>
+          </p:txBody>
+        </p:sp>
+        <p:sp>
+          <p:nvSpPr>
+            <p:cNvPr id="148" name="Rectangle 66">
+              <a:extLst>
+                <a:ext uri="{FF2B5EF4-FFF2-40B4-BE49-F238E27FC236}">
+                  <a16:creationId xmlns:a16="http://schemas.microsoft.com/office/drawing/2014/main" id="{678AF90C-8523-449B-9B2A-EC68A7775394}"/>
+                </a:ext>
+                <a:ext uri="{C183D7F6-B498-43B3-948B-1728B52AA6E4}">
+                  <adec:decorative xmlns:adec="http://schemas.microsoft.com/office/drawing/2017/decorative" val="1"/>
+                </a:ext>
+              </a:extLst>
+            </p:cNvPr>
+            <p:cNvSpPr/>
+            <p:nvPr>
+              <p:extLst>
+                <p:ext uri="{386F3935-93C4-4BCD-93E2-E3B085C9AB24}">
+                  <p16:designElem xmlns:p16="http://schemas.microsoft.com/office/powerpoint/2015/main" val="1"/>
+                </p:ext>
+              </p:extLst>
+            </p:nvPr>
+          </p:nvSpPr>
+          <p:spPr>
+            <a:xfrm>
+              <a:off x="5560082" y="246888"/>
+              <a:ext cx="54368" cy="59227"/>
+            </a:xfrm>
+            <a:prstGeom prst="ellipse">
+              <a:avLst/>
+            </a:prstGeom>
+            <a:solidFill>
+              <a:schemeClr val="accent1"/>
+            </a:solidFill>
+            <a:ln>
+              <a:noFill/>
+            </a:ln>
+          </p:spPr>
+          <p:style>
+            <a:lnRef idx="2">
+              <a:schemeClr val="accent1">
+                <a:shade val="50000"/>
+              </a:schemeClr>
+            </a:lnRef>
+            <a:fillRef idx="1">
+              <a:schemeClr val="accent1"/>
+            </a:fillRef>
+            <a:effectRef idx="0">
+              <a:schemeClr val="accent1"/>
+            </a:effectRef>
+            <a:fontRef idx="minor">
+              <a:schemeClr val="lt1"/>
+            </a:fontRef>
+          </p:style>
+          <p:txBody>
+            <a:bodyPr rtlCol="0" anchor="ctr"/>
+            <a:lstStyle/>
+            <a:p>
+              <a:pPr algn="ctr"/>
+              <a:endParaRPr lang="en-US"/>
+            </a:p>
+          </p:txBody>
+        </p:sp>
+        <p:sp>
+          <p:nvSpPr>
+            <p:cNvPr id="149" name="Rectangle 64">
+              <a:extLst>
+                <a:ext uri="{FF2B5EF4-FFF2-40B4-BE49-F238E27FC236}">
+                  <a16:creationId xmlns:a16="http://schemas.microsoft.com/office/drawing/2014/main" id="{59FC2840-E043-4862-B5F4-5C617EEBFD7C}"/>
+                </a:ext>
+                <a:ext uri="{C183D7F6-B498-43B3-948B-1728B52AA6E4}">
+                  <adec:decorative xmlns:adec="http://schemas.microsoft.com/office/drawing/2017/decorative" val="1"/>
+                </a:ext>
+              </a:extLst>
+            </p:cNvPr>
+            <p:cNvSpPr/>
+            <p:nvPr>
+              <p:extLst>
+                <p:ext uri="{386F3935-93C4-4BCD-93E2-E3B085C9AB24}">
+                  <p16:designElem xmlns:p16="http://schemas.microsoft.com/office/powerpoint/2015/main" val="1"/>
+                </p:ext>
+              </p:extLst>
+            </p:nvPr>
+          </p:nvSpPr>
+          <p:spPr>
+            <a:xfrm>
+              <a:off x="5435126" y="73152"/>
+              <a:ext cx="54368" cy="59227"/>
+            </a:xfrm>
+            <a:prstGeom prst="ellipse">
+              <a:avLst/>
+            </a:prstGeom>
+            <a:solidFill>
+              <a:schemeClr val="accent1"/>
+            </a:solidFill>
+            <a:ln>
+              <a:noFill/>
+            </a:ln>
+          </p:spPr>
+          <p:style>
+            <a:lnRef idx="2">
+              <a:schemeClr val="accent1">
+                <a:shade val="50000"/>
+              </a:schemeClr>
+            </a:lnRef>
+            <a:fillRef idx="1">
+              <a:schemeClr val="accent1"/>
+            </a:fillRef>
+            <a:effectRef idx="0">
+              <a:schemeClr val="accent1"/>
+            </a:effectRef>
+            <a:fontRef idx="minor">
+              <a:schemeClr val="lt1"/>
+            </a:fontRef>
+          </p:style>
+          <p:txBody>
+            <a:bodyPr rtlCol="0" anchor="ctr"/>
+            <a:lstStyle/>
+            <a:p>
+              <a:pPr algn="ctr"/>
+              <a:endParaRPr lang="en-US"/>
+            </a:p>
+          </p:txBody>
+        </p:sp>
+        <p:sp>
+          <p:nvSpPr>
+            <p:cNvPr id="150" name="Rectangle 66">
+              <a:extLst>
+                <a:ext uri="{FF2B5EF4-FFF2-40B4-BE49-F238E27FC236}">
+                  <a16:creationId xmlns:a16="http://schemas.microsoft.com/office/drawing/2014/main" id="{C528239A-AE83-4C6A-BB97-4AAEC3F356E1}"/>
+                </a:ext>
+                <a:ext uri="{C183D7F6-B498-43B3-948B-1728B52AA6E4}">
+                  <adec:decorative xmlns:adec="http://schemas.microsoft.com/office/drawing/2017/decorative" val="1"/>
+                </a:ext>
+              </a:extLst>
+            </p:cNvPr>
+            <p:cNvSpPr/>
+            <p:nvPr>
+              <p:extLst>
+                <p:ext uri="{386F3935-93C4-4BCD-93E2-E3B085C9AB24}">
+                  <p16:designElem xmlns:p16="http://schemas.microsoft.com/office/powerpoint/2015/main" val="1"/>
+                </p:ext>
+              </p:extLst>
+            </p:nvPr>
+          </p:nvSpPr>
+          <p:spPr>
+            <a:xfrm>
+              <a:off x="5435126" y="246888"/>
+              <a:ext cx="54368" cy="59227"/>
+            </a:xfrm>
+            <a:prstGeom prst="ellipse">
+              <a:avLst/>
+            </a:prstGeom>
+            <a:solidFill>
+              <a:schemeClr val="accent1"/>
+            </a:solidFill>
+            <a:ln>
+              <a:noFill/>
+            </a:ln>
+          </p:spPr>
+          <p:style>
+            <a:lnRef idx="2">
+              <a:schemeClr val="accent1">
+                <a:shade val="50000"/>
+              </a:schemeClr>
+            </a:lnRef>
+            <a:fillRef idx="1">
+              <a:schemeClr val="accent1"/>
+            </a:fillRef>
+            <a:effectRef idx="0">
+              <a:schemeClr val="accent1"/>
+            </a:effectRef>
+            <a:fontRef idx="minor">
+              <a:schemeClr val="lt1"/>
+            </a:fontRef>
+          </p:style>
+          <p:txBody>
+            <a:bodyPr rtlCol="0" anchor="ctr"/>
+            <a:lstStyle/>
+            <a:p>
+              <a:pPr algn="ctr"/>
+              <a:endParaRPr lang="en-US"/>
+            </a:p>
+          </p:txBody>
+        </p:sp>
+        <p:sp>
+          <p:nvSpPr>
+            <p:cNvPr id="151" name="Rectangle 64">
+              <a:extLst>
+                <a:ext uri="{FF2B5EF4-FFF2-40B4-BE49-F238E27FC236}">
+                  <a16:creationId xmlns:a16="http://schemas.microsoft.com/office/drawing/2014/main" id="{50543DCB-A7DD-4BD3-9A73-4DD2488721E5}"/>
+                </a:ext>
+                <a:ext uri="{C183D7F6-B498-43B3-948B-1728B52AA6E4}">
+                  <adec:decorative xmlns:adec="http://schemas.microsoft.com/office/drawing/2017/decorative" val="1"/>
+                </a:ext>
+              </a:extLst>
+            </p:cNvPr>
+            <p:cNvSpPr/>
+            <p:nvPr>
+              <p:extLst>
+                <p:ext uri="{386F3935-93C4-4BCD-93E2-E3B085C9AB24}">
+                  <p16:designElem xmlns:p16="http://schemas.microsoft.com/office/powerpoint/2015/main" val="1"/>
+                </p:ext>
+              </p:extLst>
+            </p:nvPr>
+          </p:nvSpPr>
+          <p:spPr>
+            <a:xfrm>
+              <a:off x="5310171" y="73152"/>
+              <a:ext cx="54368" cy="59227"/>
+            </a:xfrm>
+            <a:prstGeom prst="ellipse">
+              <a:avLst/>
+            </a:prstGeom>
+            <a:solidFill>
+              <a:schemeClr val="accent1"/>
+            </a:solidFill>
+            <a:ln>
+              <a:noFill/>
+            </a:ln>
+          </p:spPr>
+          <p:style>
+            <a:lnRef idx="2">
+              <a:schemeClr val="accent1">
+                <a:shade val="50000"/>
+              </a:schemeClr>
+            </a:lnRef>
+            <a:fillRef idx="1">
+              <a:schemeClr val="accent1"/>
+            </a:fillRef>
+            <a:effectRef idx="0">
+              <a:schemeClr val="accent1"/>
+            </a:effectRef>
+            <a:fontRef idx="minor">
+              <a:schemeClr val="lt1"/>
+            </a:fontRef>
+          </p:style>
+          <p:txBody>
+            <a:bodyPr rtlCol="0" anchor="ctr"/>
+            <a:lstStyle/>
+            <a:p>
+              <a:pPr algn="ctr"/>
+              <a:endParaRPr lang="en-US"/>
+            </a:p>
+          </p:txBody>
+        </p:sp>
+        <p:sp>
+          <p:nvSpPr>
+            <p:cNvPr id="152" name="Rectangle 66">
+              <a:extLst>
+                <a:ext uri="{FF2B5EF4-FFF2-40B4-BE49-F238E27FC236}">
+                  <a16:creationId xmlns:a16="http://schemas.microsoft.com/office/drawing/2014/main" id="{F083CBC3-1B65-4EBA-90C5-560382947D72}"/>
+                </a:ext>
+                <a:ext uri="{C183D7F6-B498-43B3-948B-1728B52AA6E4}">
+                  <adec:decorative xmlns:adec="http://schemas.microsoft.com/office/drawing/2017/decorative" val="1"/>
+                </a:ext>
+              </a:extLst>
+            </p:cNvPr>
+            <p:cNvSpPr/>
+            <p:nvPr>
+              <p:extLst>
+                <p:ext uri="{386F3935-93C4-4BCD-93E2-E3B085C9AB24}">
+                  <p16:designElem xmlns:p16="http://schemas.microsoft.com/office/powerpoint/2015/main" val="1"/>
+                </p:ext>
+              </p:extLst>
+            </p:nvPr>
+          </p:nvSpPr>
+          <p:spPr>
+            <a:xfrm>
+              <a:off x="5310171" y="246888"/>
+              <a:ext cx="54368" cy="59227"/>
+            </a:xfrm>
+            <a:prstGeom prst="ellipse">
+              <a:avLst/>
+            </a:prstGeom>
+            <a:solidFill>
+              <a:schemeClr val="accent1"/>
+            </a:solidFill>
+            <a:ln>
+              <a:noFill/>
+            </a:ln>
+          </p:spPr>
+          <p:style>
+            <a:lnRef idx="2">
+              <a:schemeClr val="accent1">
+                <a:shade val="50000"/>
+              </a:schemeClr>
+            </a:lnRef>
+            <a:fillRef idx="1">
+              <a:schemeClr val="accent1"/>
+            </a:fillRef>
+            <a:effectRef idx="0">
+              <a:schemeClr val="accent1"/>
+            </a:effectRef>
+            <a:fontRef idx="minor">
+              <a:schemeClr val="lt1"/>
+            </a:fontRef>
+          </p:style>
+          <p:txBody>
+            <a:bodyPr rtlCol="0" anchor="ctr"/>
+            <a:lstStyle/>
+            <a:p>
+              <a:pPr algn="ctr"/>
+              <a:endParaRPr lang="en-US"/>
+            </a:p>
+          </p:txBody>
+        </p:sp>
+        <p:sp>
+          <p:nvSpPr>
+            <p:cNvPr id="153" name="Rectangle 64">
+              <a:extLst>
+                <a:ext uri="{FF2B5EF4-FFF2-40B4-BE49-F238E27FC236}">
+                  <a16:creationId xmlns:a16="http://schemas.microsoft.com/office/drawing/2014/main" id="{8CA682D2-789E-45AF-9F8B-52B6A5F60458}"/>
+                </a:ext>
+                <a:ext uri="{C183D7F6-B498-43B3-948B-1728B52AA6E4}">
+                  <adec:decorative xmlns:adec="http://schemas.microsoft.com/office/drawing/2017/decorative" val="1"/>
+                </a:ext>
+              </a:extLst>
+            </p:cNvPr>
+            <p:cNvSpPr/>
+            <p:nvPr>
+              <p:extLst>
+                <p:ext uri="{386F3935-93C4-4BCD-93E2-E3B085C9AB24}">
+                  <p16:designElem xmlns:p16="http://schemas.microsoft.com/office/powerpoint/2015/main" val="1"/>
+                </p:ext>
+              </p:extLst>
+            </p:nvPr>
+          </p:nvSpPr>
+          <p:spPr>
+            <a:xfrm>
+              <a:off x="6434769" y="73152"/>
+              <a:ext cx="54368" cy="59227"/>
+            </a:xfrm>
+            <a:prstGeom prst="ellipse">
+              <a:avLst/>
+            </a:prstGeom>
+            <a:solidFill>
+              <a:schemeClr val="accent1"/>
+            </a:solidFill>
+            <a:ln>
+              <a:noFill/>
+            </a:ln>
+          </p:spPr>
+          <p:style>
+            <a:lnRef idx="2">
+              <a:schemeClr val="accent1">
+                <a:shade val="50000"/>
+              </a:schemeClr>
+            </a:lnRef>
+            <a:fillRef idx="1">
+              <a:schemeClr val="accent1"/>
+            </a:fillRef>
+            <a:effectRef idx="0">
+              <a:schemeClr val="accent1"/>
+            </a:effectRef>
+            <a:fontRef idx="minor">
+              <a:schemeClr val="lt1"/>
+            </a:fontRef>
+          </p:style>
+          <p:txBody>
+            <a:bodyPr rtlCol="0" anchor="ctr"/>
+            <a:lstStyle/>
+            <a:p>
+              <a:pPr algn="ctr"/>
+              <a:endParaRPr lang="en-US"/>
+            </a:p>
+          </p:txBody>
+        </p:sp>
+        <p:sp>
+          <p:nvSpPr>
+            <p:cNvPr id="154" name="Rectangle 66">
+              <a:extLst>
+                <a:ext uri="{FF2B5EF4-FFF2-40B4-BE49-F238E27FC236}">
+                  <a16:creationId xmlns:a16="http://schemas.microsoft.com/office/drawing/2014/main" id="{67035C5F-EEA8-48EA-B087-CE43E4B3FB52}"/>
+                </a:ext>
+                <a:ext uri="{C183D7F6-B498-43B3-948B-1728B52AA6E4}">
+                  <adec:decorative xmlns:adec="http://schemas.microsoft.com/office/drawing/2017/decorative" val="1"/>
+                </a:ext>
+              </a:extLst>
+            </p:cNvPr>
+            <p:cNvSpPr/>
+            <p:nvPr>
+              <p:extLst>
+                <p:ext uri="{386F3935-93C4-4BCD-93E2-E3B085C9AB24}">
+                  <p16:designElem xmlns:p16="http://schemas.microsoft.com/office/powerpoint/2015/main" val="1"/>
+                </p:ext>
+              </p:extLst>
+            </p:nvPr>
+          </p:nvSpPr>
+          <p:spPr>
+            <a:xfrm>
+              <a:off x="6434769" y="246888"/>
+              <a:ext cx="54368" cy="59227"/>
+            </a:xfrm>
+            <a:prstGeom prst="ellipse">
+              <a:avLst/>
+            </a:prstGeom>
+            <a:solidFill>
+              <a:schemeClr val="accent1"/>
+            </a:solidFill>
+            <a:ln>
+              <a:noFill/>
+            </a:ln>
+          </p:spPr>
+          <p:style>
+            <a:lnRef idx="2">
+              <a:schemeClr val="accent1">
+                <a:shade val="50000"/>
+              </a:schemeClr>
+            </a:lnRef>
+            <a:fillRef idx="1">
+              <a:schemeClr val="accent1"/>
+            </a:fillRef>
+            <a:effectRef idx="0">
+              <a:schemeClr val="accent1"/>
+            </a:effectRef>
+            <a:fontRef idx="minor">
+              <a:schemeClr val="lt1"/>
+            </a:fontRef>
+          </p:style>
+          <p:txBody>
+            <a:bodyPr rtlCol="0" anchor="ctr"/>
+            <a:lstStyle/>
+            <a:p>
+              <a:pPr algn="ctr"/>
+              <a:endParaRPr lang="en-US"/>
+            </a:p>
+          </p:txBody>
+        </p:sp>
+        <p:sp>
+          <p:nvSpPr>
+            <p:cNvPr id="155" name="Rectangle 64">
+              <a:extLst>
+                <a:ext uri="{FF2B5EF4-FFF2-40B4-BE49-F238E27FC236}">
+                  <a16:creationId xmlns:a16="http://schemas.microsoft.com/office/drawing/2014/main" id="{F294001B-67C1-4A0B-8695-0B880FCE9FDD}"/>
+                </a:ext>
+                <a:ext uri="{C183D7F6-B498-43B3-948B-1728B52AA6E4}">
+                  <adec:decorative xmlns:adec="http://schemas.microsoft.com/office/drawing/2017/decorative" val="1"/>
+                </a:ext>
+              </a:extLst>
+            </p:cNvPr>
+            <p:cNvSpPr/>
+            <p:nvPr>
+              <p:extLst>
+                <p:ext uri="{386F3935-93C4-4BCD-93E2-E3B085C9AB24}">
+                  <p16:designElem xmlns:p16="http://schemas.microsoft.com/office/powerpoint/2015/main" val="1"/>
+                </p:ext>
+              </p:extLst>
+            </p:nvPr>
+          </p:nvSpPr>
+          <p:spPr>
+            <a:xfrm>
+              <a:off x="6309814" y="73152"/>
+              <a:ext cx="54368" cy="59227"/>
+            </a:xfrm>
+            <a:prstGeom prst="ellipse">
+              <a:avLst/>
+            </a:prstGeom>
+            <a:solidFill>
+              <a:schemeClr val="accent1"/>
+            </a:solidFill>
+            <a:ln>
+              <a:noFill/>
+            </a:ln>
+          </p:spPr>
+          <p:style>
+            <a:lnRef idx="2">
+              <a:schemeClr val="accent1">
+                <a:shade val="50000"/>
+              </a:schemeClr>
+            </a:lnRef>
+            <a:fillRef idx="1">
+              <a:schemeClr val="accent1"/>
+            </a:fillRef>
+            <a:effectRef idx="0">
+              <a:schemeClr val="accent1"/>
+            </a:effectRef>
+            <a:fontRef idx="minor">
+              <a:schemeClr val="lt1"/>
+            </a:fontRef>
+          </p:style>
+          <p:txBody>
+            <a:bodyPr rtlCol="0" anchor="ctr"/>
+            <a:lstStyle/>
+            <a:p>
+              <a:pPr algn="ctr"/>
+              <a:endParaRPr lang="en-US"/>
+            </a:p>
+          </p:txBody>
+        </p:sp>
+        <p:sp>
+          <p:nvSpPr>
+            <p:cNvPr id="156" name="Rectangle 66">
+              <a:extLst>
+                <a:ext uri="{FF2B5EF4-FFF2-40B4-BE49-F238E27FC236}">
+                  <a16:creationId xmlns:a16="http://schemas.microsoft.com/office/drawing/2014/main" id="{B9DDAD3D-52B9-41E2-BDDB-6527D4544C8A}"/>
+                </a:ext>
+                <a:ext uri="{C183D7F6-B498-43B3-948B-1728B52AA6E4}">
+                  <adec:decorative xmlns:adec="http://schemas.microsoft.com/office/drawing/2017/decorative" val="1"/>
+                </a:ext>
+              </a:extLst>
+            </p:cNvPr>
+            <p:cNvSpPr/>
+            <p:nvPr>
+              <p:extLst>
+                <p:ext uri="{386F3935-93C4-4BCD-93E2-E3B085C9AB24}">
+                  <p16:designElem xmlns:p16="http://schemas.microsoft.com/office/powerpoint/2015/main" val="1"/>
+                </p:ext>
+              </p:extLst>
+            </p:nvPr>
+          </p:nvSpPr>
+          <p:spPr>
+            <a:xfrm>
+              <a:off x="6309814" y="246888"/>
+              <a:ext cx="54368" cy="59227"/>
+            </a:xfrm>
+            <a:prstGeom prst="ellipse">
+              <a:avLst/>
+            </a:prstGeom>
+            <a:solidFill>
+              <a:schemeClr val="accent1"/>
+            </a:solidFill>
+            <a:ln>
+              <a:noFill/>
+            </a:ln>
+          </p:spPr>
+          <p:style>
+            <a:lnRef idx="2">
+              <a:schemeClr val="accent1">
+                <a:shade val="50000"/>
+              </a:schemeClr>
+            </a:lnRef>
+            <a:fillRef idx="1">
+              <a:schemeClr val="accent1"/>
+            </a:fillRef>
+            <a:effectRef idx="0">
+              <a:schemeClr val="accent1"/>
+            </a:effectRef>
+            <a:fontRef idx="minor">
+              <a:schemeClr val="lt1"/>
+            </a:fontRef>
+          </p:style>
+          <p:txBody>
+            <a:bodyPr rtlCol="0" anchor="ctr"/>
+            <a:lstStyle/>
+            <a:p>
+              <a:pPr algn="ctr"/>
+              <a:endParaRPr lang="en-US"/>
+            </a:p>
+          </p:txBody>
+        </p:sp>
+        <p:sp>
+          <p:nvSpPr>
+            <p:cNvPr id="157" name="Rectangle 64">
+              <a:extLst>
+                <a:ext uri="{FF2B5EF4-FFF2-40B4-BE49-F238E27FC236}">
+                  <a16:creationId xmlns:a16="http://schemas.microsoft.com/office/drawing/2014/main" id="{B19C0FEA-7121-4182-8CBC-25D82EFF8369}"/>
+                </a:ext>
+                <a:ext uri="{C183D7F6-B498-43B3-948B-1728B52AA6E4}">
+                  <adec:decorative xmlns:adec="http://schemas.microsoft.com/office/drawing/2017/decorative" val="1"/>
+                </a:ext>
+              </a:extLst>
+            </p:cNvPr>
+            <p:cNvSpPr/>
+            <p:nvPr>
+              <p:extLst>
+                <p:ext uri="{386F3935-93C4-4BCD-93E2-E3B085C9AB24}">
+                  <p16:designElem xmlns:p16="http://schemas.microsoft.com/office/powerpoint/2015/main" val="1"/>
+                </p:ext>
+              </p:extLst>
+            </p:nvPr>
+          </p:nvSpPr>
+          <p:spPr>
+            <a:xfrm>
+              <a:off x="6184859" y="73152"/>
+              <a:ext cx="54368" cy="59227"/>
+            </a:xfrm>
+            <a:prstGeom prst="ellipse">
+              <a:avLst/>
+            </a:prstGeom>
+            <a:solidFill>
+              <a:schemeClr val="accent1"/>
+            </a:solidFill>
+            <a:ln>
+              <a:noFill/>
+            </a:ln>
+          </p:spPr>
+          <p:style>
+            <a:lnRef idx="2">
+              <a:schemeClr val="accent1">
+                <a:shade val="50000"/>
+              </a:schemeClr>
+            </a:lnRef>
+            <a:fillRef idx="1">
+              <a:schemeClr val="accent1"/>
+            </a:fillRef>
+            <a:effectRef idx="0">
+              <a:schemeClr val="accent1"/>
+            </a:effectRef>
+            <a:fontRef idx="minor">
+              <a:schemeClr val="lt1"/>
+            </a:fontRef>
+          </p:style>
+          <p:txBody>
+            <a:bodyPr rtlCol="0" anchor="ctr"/>
+            <a:lstStyle/>
+            <a:p>
+              <a:pPr algn="ctr"/>
+              <a:endParaRPr lang="en-US"/>
+            </a:p>
+          </p:txBody>
+        </p:sp>
+        <p:sp>
+          <p:nvSpPr>
+            <p:cNvPr id="158" name="Rectangle 66">
+              <a:extLst>
+                <a:ext uri="{FF2B5EF4-FFF2-40B4-BE49-F238E27FC236}">
+                  <a16:creationId xmlns:a16="http://schemas.microsoft.com/office/drawing/2014/main" id="{7471B4BB-2CDC-43CA-971C-745124043023}"/>
+                </a:ext>
+                <a:ext uri="{C183D7F6-B498-43B3-948B-1728B52AA6E4}">
+                  <adec:decorative xmlns:adec="http://schemas.microsoft.com/office/drawing/2017/decorative" val="1"/>
+                </a:ext>
+              </a:extLst>
+            </p:cNvPr>
+            <p:cNvSpPr/>
+            <p:nvPr>
+              <p:extLst>
+                <p:ext uri="{386F3935-93C4-4BCD-93E2-E3B085C9AB24}">
+                  <p16:designElem xmlns:p16="http://schemas.microsoft.com/office/powerpoint/2015/main" val="1"/>
+                </p:ext>
+              </p:extLst>
+            </p:nvPr>
+          </p:nvSpPr>
+          <p:spPr>
+            <a:xfrm>
+              <a:off x="6184859" y="246888"/>
+              <a:ext cx="54368" cy="59227"/>
+            </a:xfrm>
+            <a:prstGeom prst="ellipse">
+              <a:avLst/>
+            </a:prstGeom>
+            <a:solidFill>
+              <a:schemeClr val="accent1"/>
+            </a:solidFill>
+            <a:ln>
+              <a:noFill/>
+            </a:ln>
+          </p:spPr>
+          <p:style>
+            <a:lnRef idx="2">
+              <a:schemeClr val="accent1">
+                <a:shade val="50000"/>
+              </a:schemeClr>
+            </a:lnRef>
+            <a:fillRef idx="1">
+              <a:schemeClr val="accent1"/>
+            </a:fillRef>
+            <a:effectRef idx="0">
+              <a:schemeClr val="accent1"/>
+            </a:effectRef>
+            <a:fontRef idx="minor">
+              <a:schemeClr val="lt1"/>
+            </a:fontRef>
+          </p:style>
+          <p:txBody>
+            <a:bodyPr rtlCol="0" anchor="ctr"/>
+            <a:lstStyle/>
+            <a:p>
+              <a:pPr algn="ctr"/>
+              <a:endParaRPr lang="en-US"/>
+            </a:p>
+          </p:txBody>
+        </p:sp>
+        <p:sp>
+          <p:nvSpPr>
+            <p:cNvPr id="159" name="Rectangle 64">
+              <a:extLst>
+                <a:ext uri="{FF2B5EF4-FFF2-40B4-BE49-F238E27FC236}">
+                  <a16:creationId xmlns:a16="http://schemas.microsoft.com/office/drawing/2014/main" id="{EC5D7881-2E4B-45D2-BD04-14384232A0D9}"/>
+                </a:ext>
+                <a:ext uri="{C183D7F6-B498-43B3-948B-1728B52AA6E4}">
+                  <adec:decorative xmlns:adec="http://schemas.microsoft.com/office/drawing/2017/decorative" val="1"/>
+                </a:ext>
+              </a:extLst>
+            </p:cNvPr>
+            <p:cNvSpPr/>
+            <p:nvPr>
+              <p:extLst>
+                <p:ext uri="{386F3935-93C4-4BCD-93E2-E3B085C9AB24}">
+                  <p16:designElem xmlns:p16="http://schemas.microsoft.com/office/powerpoint/2015/main" val="1"/>
+                </p:ext>
+              </p:extLst>
+            </p:nvPr>
+          </p:nvSpPr>
+          <p:spPr>
+            <a:xfrm>
+              <a:off x="6059903" y="73152"/>
+              <a:ext cx="54368" cy="59227"/>
+            </a:xfrm>
+            <a:prstGeom prst="ellipse">
+              <a:avLst/>
+            </a:prstGeom>
+            <a:solidFill>
+              <a:schemeClr val="accent1"/>
+            </a:solidFill>
+            <a:ln>
+              <a:noFill/>
+            </a:ln>
+          </p:spPr>
+          <p:style>
+            <a:lnRef idx="2">
+              <a:schemeClr val="accent1">
+                <a:shade val="50000"/>
+              </a:schemeClr>
+            </a:lnRef>
+            <a:fillRef idx="1">
+              <a:schemeClr val="accent1"/>
+            </a:fillRef>
+            <a:effectRef idx="0">
+              <a:schemeClr val="accent1"/>
+            </a:effectRef>
+            <a:fontRef idx="minor">
+              <a:schemeClr val="lt1"/>
+            </a:fontRef>
+          </p:style>
+          <p:txBody>
+            <a:bodyPr rtlCol="0" anchor="ctr"/>
+            <a:lstStyle/>
+            <a:p>
+              <a:pPr algn="ctr"/>
+              <a:endParaRPr lang="en-US"/>
+            </a:p>
+          </p:txBody>
+        </p:sp>
+        <p:sp>
+          <p:nvSpPr>
+            <p:cNvPr id="160" name="Rectangle 66">
+              <a:extLst>
+                <a:ext uri="{FF2B5EF4-FFF2-40B4-BE49-F238E27FC236}">
+                  <a16:creationId xmlns:a16="http://schemas.microsoft.com/office/drawing/2014/main" id="{6F8FA449-4BDF-4F3A-8F3E-FCD14C8A91B6}"/>
+                </a:ext>
+                <a:ext uri="{C183D7F6-B498-43B3-948B-1728B52AA6E4}">
+                  <adec:decorative xmlns:adec="http://schemas.microsoft.com/office/drawing/2017/decorative" val="1"/>
+                </a:ext>
+              </a:extLst>
+            </p:cNvPr>
+            <p:cNvSpPr/>
+            <p:nvPr>
+              <p:extLst>
+                <p:ext uri="{386F3935-93C4-4BCD-93E2-E3B085C9AB24}">
+                  <p16:designElem xmlns:p16="http://schemas.microsoft.com/office/powerpoint/2015/main" val="1"/>
+                </p:ext>
+              </p:extLst>
+            </p:nvPr>
+          </p:nvSpPr>
+          <p:spPr>
+            <a:xfrm>
+              <a:off x="6059903" y="246888"/>
+              <a:ext cx="54368" cy="59227"/>
+            </a:xfrm>
+            <a:prstGeom prst="ellipse">
+              <a:avLst/>
+            </a:prstGeom>
+            <a:solidFill>
+              <a:schemeClr val="accent1"/>
+            </a:solidFill>
+            <a:ln>
+              <a:noFill/>
+            </a:ln>
+          </p:spPr>
+          <p:style>
+            <a:lnRef idx="2">
+              <a:schemeClr val="accent1">
+                <a:shade val="50000"/>
+              </a:schemeClr>
+            </a:lnRef>
+            <a:fillRef idx="1">
+              <a:schemeClr val="accent1"/>
+            </a:fillRef>
+            <a:effectRef idx="0">
+              <a:schemeClr val="accent1"/>
+            </a:effectRef>
+            <a:fontRef idx="minor">
+              <a:schemeClr val="lt1"/>
+            </a:fontRef>
+          </p:style>
+          <p:txBody>
+            <a:bodyPr rtlCol="0" anchor="ctr"/>
+            <a:lstStyle/>
+            <a:p>
+              <a:pPr algn="ctr"/>
+              <a:endParaRPr lang="en-US"/>
+            </a:p>
+          </p:txBody>
+        </p:sp>
+        <p:sp>
+          <p:nvSpPr>
+            <p:cNvPr id="161" name="Rectangle 64">
+              <a:extLst>
+                <a:ext uri="{FF2B5EF4-FFF2-40B4-BE49-F238E27FC236}">
+                  <a16:creationId xmlns:a16="http://schemas.microsoft.com/office/drawing/2014/main" id="{A57516C0-1EB5-4D16-B4F6-F342958E81FA}"/>
+                </a:ext>
+                <a:ext uri="{C183D7F6-B498-43B3-948B-1728B52AA6E4}">
+                  <adec:decorative xmlns:adec="http://schemas.microsoft.com/office/drawing/2017/decorative" val="1"/>
+                </a:ext>
+              </a:extLst>
+            </p:cNvPr>
+            <p:cNvSpPr/>
+            <p:nvPr>
+              <p:extLst>
+                <p:ext uri="{386F3935-93C4-4BCD-93E2-E3B085C9AB24}">
+                  <p16:designElem xmlns:p16="http://schemas.microsoft.com/office/powerpoint/2015/main" val="1"/>
+                </p:ext>
+              </p:extLst>
+            </p:nvPr>
+          </p:nvSpPr>
+          <p:spPr>
+            <a:xfrm>
+              <a:off x="5934948" y="73152"/>
+              <a:ext cx="54368" cy="59227"/>
+            </a:xfrm>
+            <a:prstGeom prst="ellipse">
+              <a:avLst/>
+            </a:prstGeom>
+            <a:solidFill>
+              <a:schemeClr val="accent1"/>
+            </a:solidFill>
+            <a:ln>
+              <a:noFill/>
+            </a:ln>
+          </p:spPr>
+          <p:style>
+            <a:lnRef idx="2">
+              <a:schemeClr val="accent1">
+                <a:shade val="50000"/>
+              </a:schemeClr>
+            </a:lnRef>
+            <a:fillRef idx="1">
+              <a:schemeClr val="accent1"/>
+            </a:fillRef>
+            <a:effectRef idx="0">
+              <a:schemeClr val="accent1"/>
+            </a:effectRef>
+            <a:fontRef idx="minor">
+              <a:schemeClr val="lt1"/>
+            </a:fontRef>
+          </p:style>
+          <p:txBody>
+            <a:bodyPr rtlCol="0" anchor="ctr"/>
+            <a:lstStyle/>
+            <a:p>
+              <a:pPr algn="ctr"/>
+              <a:endParaRPr lang="en-US"/>
+            </a:p>
+          </p:txBody>
+        </p:sp>
+        <p:sp>
+          <p:nvSpPr>
+            <p:cNvPr id="162" name="Rectangle 66">
+              <a:extLst>
+                <a:ext uri="{FF2B5EF4-FFF2-40B4-BE49-F238E27FC236}">
+                  <a16:creationId xmlns:a16="http://schemas.microsoft.com/office/drawing/2014/main" id="{0D12C7D4-2304-4CD8-83B2-B5B11DF630F6}"/>
+                </a:ext>
+                <a:ext uri="{C183D7F6-B498-43B3-948B-1728B52AA6E4}">
+                  <adec:decorative xmlns:adec="http://schemas.microsoft.com/office/drawing/2017/decorative" val="1"/>
+                </a:ext>
+              </a:extLst>
+            </p:cNvPr>
+            <p:cNvSpPr/>
+            <p:nvPr>
+              <p:extLst>
+                <p:ext uri="{386F3935-93C4-4BCD-93E2-E3B085C9AB24}">
+                  <p16:designElem xmlns:p16="http://schemas.microsoft.com/office/powerpoint/2015/main" val="1"/>
+                </p:ext>
+              </p:extLst>
+            </p:nvPr>
+          </p:nvSpPr>
+          <p:spPr>
+            <a:xfrm>
+              <a:off x="5934948" y="246888"/>
+              <a:ext cx="54368" cy="59227"/>
+            </a:xfrm>
+            <a:prstGeom prst="ellipse">
+              <a:avLst/>
+            </a:prstGeom>
+            <a:solidFill>
+              <a:schemeClr val="accent1"/>
+            </a:solidFill>
+            <a:ln>
+              <a:noFill/>
+            </a:ln>
+          </p:spPr>
+          <p:style>
+            <a:lnRef idx="2">
+              <a:schemeClr val="accent1">
+                <a:shade val="50000"/>
+              </a:schemeClr>
+            </a:lnRef>
+            <a:fillRef idx="1">
+              <a:schemeClr val="accent1"/>
+            </a:fillRef>
+            <a:effectRef idx="0">
+              <a:schemeClr val="accent1"/>
+            </a:effectRef>
+            <a:fontRef idx="minor">
+              <a:schemeClr val="lt1"/>
+            </a:fontRef>
+          </p:style>
+          <p:txBody>
+            <a:bodyPr rtlCol="0" anchor="ctr"/>
+            <a:lstStyle/>
+            <a:p>
+              <a:pPr algn="ctr"/>
+              <a:endParaRPr lang="en-US"/>
+            </a:p>
+          </p:txBody>
+        </p:sp>
+      </p:grpSp>
+      <p:sp>
+        <p:nvSpPr>
+          <p:cNvPr id="1051" name="Rectangle 163">
+            <a:extLst>
+              <a:ext uri="{FF2B5EF4-FFF2-40B4-BE49-F238E27FC236}">
+                <a16:creationId xmlns:a16="http://schemas.microsoft.com/office/drawing/2014/main" id="{D9F5512A-48E1-4C07-B75E-3CCC517B6804}"/>
+              </a:ext>
+              <a:ext uri="{C183D7F6-B498-43B3-948B-1728B52AA6E4}">
+                <adec:decorative xmlns:adec="http://schemas.microsoft.com/office/drawing/2017/decorative" val="1"/>
+              </a:ext>
+            </a:extLst>
+          </p:cNvPr>
+          <p:cNvSpPr>
+            <a:spLocks noGrp="1" noRot="1" noChangeAspect="1" noMove="1" noResize="1" noEditPoints="1" noAdjustHandles="1" noChangeArrowheads="1" noChangeShapeType="1" noTextEdit="1"/>
+          </p:cNvSpPr>
+          <p:nvPr>
+            <p:extLst>
+              <p:ext uri="{386F3935-93C4-4BCD-93E2-E3B085C9AB24}">
+                <p16:designElem xmlns:p16="http://schemas.microsoft.com/office/powerpoint/2015/main" val="1"/>
+              </p:ext>
+            </p:extLst>
+          </p:nvPr>
+        </p:nvSpPr>
+        <p:spPr>
+          <a:xfrm>
+            <a:off x="-1" y="3233984"/>
+            <a:ext cx="606972" cy="3624015"/>
+          </a:xfrm>
+          <a:prstGeom prst="rect">
+            <a:avLst/>
+          </a:prstGeom>
+          <a:solidFill>
+            <a:schemeClr val="accent1"/>
+          </a:solidFill>
+          <a:ln>
+            <a:noFill/>
+          </a:ln>
+        </p:spPr>
+        <p:style>
+          <a:lnRef idx="2">
+            <a:schemeClr val="accent1">
+              <a:shade val="50000"/>
+            </a:schemeClr>
+          </a:lnRef>
+          <a:fillRef idx="1">
+            <a:schemeClr val="accent1"/>
+          </a:fillRef>
+          <a:effectRef idx="0">
+            <a:schemeClr val="accent1"/>
+          </a:effectRef>
+          <a:fontRef idx="minor">
+            <a:schemeClr val="lt1"/>
+          </a:fontRef>
+        </p:style>
+        <p:txBody>
+          <a:bodyPr rtlCol="0" anchor="ctr"/>
+          <a:lstStyle/>
+          <a:p>
+            <a:pPr algn="ctr"/>
+            <a:endParaRPr lang="en-US"/>
+          </a:p>
+        </p:txBody>
+      </p:sp>
+      <p:pic>
+        <p:nvPicPr>
+          <p:cNvPr id="1026" name="Picture 2">
+            <a:extLst>
+              <a:ext uri="{FF2B5EF4-FFF2-40B4-BE49-F238E27FC236}">
+                <a16:creationId xmlns:a16="http://schemas.microsoft.com/office/drawing/2014/main" id="{D36301DC-CA81-4157-9316-EFDB69FBB776}"/>
+              </a:ext>
+            </a:extLst>
+          </p:cNvPr>
+          <p:cNvPicPr>
+            <a:picLocks noChangeAspect="1" noChangeArrowheads="1"/>
+          </p:cNvPicPr>
+          <p:nvPr/>
+        </p:nvPicPr>
+        <p:blipFill>
+          <a:blip r:embed="rId2">
+            <a:extLst>
+              <a:ext uri="{28A0092B-C50C-407E-A947-70E740481C1C}">
+                <a14:useLocalDpi xmlns:a14="http://schemas.microsoft.com/office/drawing/2010/main" val="0"/>
+              </a:ext>
+            </a:extLst>
+          </a:blip>
+          <a:stretch>
+            <a:fillRect/>
+          </a:stretch>
+        </p:blipFill>
+        <p:spPr bwMode="auto">
+          <a:xfrm>
+            <a:off x="1116498" y="2911087"/>
+            <a:ext cx="4427121" cy="3036952"/>
+          </a:xfrm>
+          <a:prstGeom prst="rect">
+            <a:avLst/>
+          </a:prstGeom>
+          <a:noFill/>
+          <a:extLst>
+            <a:ext uri="{909E8E84-426E-40DD-AFC4-6F175D3DCCD1}">
+              <a14:hiddenFill xmlns:a14="http://schemas.microsoft.com/office/drawing/2010/main">
+                <a:solidFill>
+                  <a:srgbClr val="FFFFFF"/>
+                </a:solidFill>
+              </a14:hiddenFill>
+            </a:ext>
+          </a:extLst>
+        </p:spPr>
+      </p:pic>
+      <p:pic>
+        <p:nvPicPr>
+          <p:cNvPr id="5" name="Picture 4">
+            <a:extLst>
+              <a:ext uri="{FF2B5EF4-FFF2-40B4-BE49-F238E27FC236}">
+                <a16:creationId xmlns:a16="http://schemas.microsoft.com/office/drawing/2014/main" id="{DD4A4A5F-563B-450E-B2C1-2E21513B56A4}"/>
+              </a:ext>
+            </a:extLst>
+          </p:cNvPr>
+          <p:cNvPicPr>
+            <a:picLocks noChangeAspect="1"/>
+          </p:cNvPicPr>
+          <p:nvPr/>
+        </p:nvPicPr>
+        <p:blipFill>
+          <a:blip r:embed="rId3"/>
+          <a:stretch>
+            <a:fillRect/>
+          </a:stretch>
+        </p:blipFill>
+        <p:spPr>
+          <a:xfrm>
+            <a:off x="3309942" y="3429000"/>
+            <a:ext cx="2112219" cy="1396977"/>
+          </a:xfrm>
+          <a:prstGeom prst="rect">
+            <a:avLst/>
+          </a:prstGeom>
+        </p:spPr>
+      </p:pic>
+      <p:cxnSp>
+        <p:nvCxnSpPr>
+          <p:cNvPr id="15" name="Straight Arrow Connector 14">
+            <a:extLst>
+              <a:ext uri="{FF2B5EF4-FFF2-40B4-BE49-F238E27FC236}">
+                <a16:creationId xmlns:a16="http://schemas.microsoft.com/office/drawing/2014/main" id="{3DFFDB67-370C-466F-AC16-DC7B71AC06D3}"/>
+              </a:ext>
+            </a:extLst>
+          </p:cNvPr>
+          <p:cNvCxnSpPr/>
+          <p:nvPr/>
+        </p:nvCxnSpPr>
+        <p:spPr>
+          <a:xfrm flipV="1">
+            <a:off x="2689934" y="3364637"/>
+            <a:ext cx="0" cy="2352582"/>
+          </a:xfrm>
+          <a:prstGeom prst="straightConnector1">
+            <a:avLst/>
+          </a:prstGeom>
+          <a:ln w="19050">
+            <a:solidFill>
+              <a:srgbClr val="FF0000"/>
+            </a:solidFill>
+            <a:tailEnd type="triangle"/>
+          </a:ln>
+        </p:spPr>
+        <p:style>
+          <a:lnRef idx="1">
+            <a:schemeClr val="accent1"/>
+          </a:lnRef>
+          <a:fillRef idx="0">
+            <a:schemeClr val="accent1"/>
+          </a:fillRef>
+          <a:effectRef idx="0">
+            <a:schemeClr val="accent1"/>
+          </a:effectRef>
+          <a:fontRef idx="minor">
+            <a:schemeClr val="tx1"/>
+          </a:fontRef>
+        </p:style>
+      </p:cxnSp>
+      <p:cxnSp>
+        <p:nvCxnSpPr>
+          <p:cNvPr id="96" name="Straight Arrow Connector 95">
+            <a:extLst>
+              <a:ext uri="{FF2B5EF4-FFF2-40B4-BE49-F238E27FC236}">
+                <a16:creationId xmlns:a16="http://schemas.microsoft.com/office/drawing/2014/main" id="{64750B1E-0DB0-44C7-9D61-74410AB72AD4}"/>
+              </a:ext>
+            </a:extLst>
+          </p:cNvPr>
+          <p:cNvCxnSpPr>
+            <a:cxnSpLocks/>
+          </p:cNvCxnSpPr>
+          <p:nvPr/>
+        </p:nvCxnSpPr>
+        <p:spPr>
+          <a:xfrm flipV="1">
+            <a:off x="3293666" y="3250911"/>
+            <a:ext cx="0" cy="2466308"/>
+          </a:xfrm>
+          <a:prstGeom prst="straightConnector1">
+            <a:avLst/>
+          </a:prstGeom>
+          <a:ln w="19050">
+            <a:solidFill>
+              <a:srgbClr val="FF0000"/>
+            </a:solidFill>
+            <a:tailEnd type="triangle"/>
+          </a:ln>
+        </p:spPr>
+        <p:style>
+          <a:lnRef idx="1">
+            <a:schemeClr val="accent1"/>
+          </a:lnRef>
+          <a:fillRef idx="0">
+            <a:schemeClr val="accent1"/>
+          </a:fillRef>
+          <a:effectRef idx="0">
+            <a:schemeClr val="accent1"/>
+          </a:effectRef>
+          <a:fontRef idx="minor">
+            <a:schemeClr val="tx1"/>
+          </a:fontRef>
+        </p:style>
+      </p:cxnSp>
+      <p:pic>
+        <p:nvPicPr>
+          <p:cNvPr id="6" name="Picture 5">
+            <a:extLst>
+              <a:ext uri="{FF2B5EF4-FFF2-40B4-BE49-F238E27FC236}">
+                <a16:creationId xmlns:a16="http://schemas.microsoft.com/office/drawing/2014/main" id="{086B4E35-F20A-4CBA-934C-8FBA4450AFF6}"/>
+              </a:ext>
+            </a:extLst>
+          </p:cNvPr>
+          <p:cNvPicPr>
+            <a:picLocks noChangeAspect="1"/>
+          </p:cNvPicPr>
+          <p:nvPr/>
+        </p:nvPicPr>
+        <p:blipFill>
+          <a:blip r:embed="rId4"/>
+          <a:stretch>
+            <a:fillRect/>
+          </a:stretch>
+        </p:blipFill>
+        <p:spPr>
+          <a:xfrm>
+            <a:off x="1243088" y="1140781"/>
+            <a:ext cx="3257550" cy="1438275"/>
+          </a:xfrm>
+          <a:prstGeom prst="rect">
+            <a:avLst/>
+          </a:prstGeom>
+        </p:spPr>
+      </p:pic>
+      <p:pic>
+        <p:nvPicPr>
+          <p:cNvPr id="8" name="Picture 7">
+            <a:extLst>
+              <a:ext uri="{FF2B5EF4-FFF2-40B4-BE49-F238E27FC236}">
+                <a16:creationId xmlns:a16="http://schemas.microsoft.com/office/drawing/2014/main" id="{9ABCBA7C-8F32-48A3-A6F3-685CD0B01138}"/>
+              </a:ext>
+            </a:extLst>
+          </p:cNvPr>
+          <p:cNvPicPr>
+            <a:picLocks noChangeAspect="1"/>
+          </p:cNvPicPr>
+          <p:nvPr/>
+        </p:nvPicPr>
+        <p:blipFill>
+          <a:blip r:embed="rId5"/>
+          <a:stretch>
+            <a:fillRect/>
+          </a:stretch>
+        </p:blipFill>
+        <p:spPr>
+          <a:xfrm>
+            <a:off x="7631693" y="1140781"/>
+            <a:ext cx="3676650" cy="1352550"/>
+          </a:xfrm>
+          <a:prstGeom prst="rect">
+            <a:avLst/>
+          </a:prstGeom>
+        </p:spPr>
+      </p:pic>
+    </p:spTree>
+    <p:extLst>
+      <p:ext uri="{BB962C8B-B14F-4D97-AF65-F5344CB8AC3E}">
+        <p14:creationId xmlns:p14="http://schemas.microsoft.com/office/powerpoint/2010/main" val="2644799920"/>
+      </p:ext>
+    </p:extLst>
+  </p:cSld>
+  <p:clrMapOvr>
+    <a:masterClrMapping/>
+  </p:clrMapOvr>
+</p:sld>
+</file>
+
+<file path=ppt/slides/slide18.xml><?xml version="1.0" encoding="utf-8"?>
+<p:sld xmlns:a="http://schemas.openxmlformats.org/drawingml/2006/main" xmlns:r="http://schemas.openxmlformats.org/officeDocument/2006/relationships" xmlns:p="http://schemas.openxmlformats.org/presentationml/2006/main">
+  <p:cSld>
+    <p:bg>
+      <p:bgPr>
+        <a:solidFill>
+          <a:schemeClr val="bg1"/>
+        </a:solidFill>
+        <a:effectLst/>
+      </p:bgPr>
+    </p:bg>
+    <p:spTree>
+      <p:nvGrpSpPr>
+        <p:cNvPr id="1" name=""/>
+        <p:cNvGrpSpPr/>
+        <p:nvPr/>
+      </p:nvGrpSpPr>
+      <p:grpSpPr>
+        <a:xfrm>
+          <a:off x="0" y="0"/>
+          <a:ext cx="0" cy="0"/>
+          <a:chOff x="0" y="0"/>
+          <a:chExt cx="0" cy="0"/>
+        </a:xfrm>
+      </p:grpSpPr>
+      <p:sp useBgFill="1">
+        <p:nvSpPr>
+          <p:cNvPr id="1046" name="Rectangle 137">
+            <a:extLst>
+              <a:ext uri="{FF2B5EF4-FFF2-40B4-BE49-F238E27FC236}">
+                <a16:creationId xmlns:a16="http://schemas.microsoft.com/office/drawing/2014/main" id="{7316481C-0A49-4796-812B-0D64F063B720}"/>
+              </a:ext>
+              <a:ext uri="{C183D7F6-B498-43B3-948B-1728B52AA6E4}">
+                <adec:decorative xmlns:adec="http://schemas.microsoft.com/office/drawing/2017/decorative" val="1"/>
+              </a:ext>
+            </a:extLst>
+          </p:cNvPr>
+          <p:cNvSpPr>
+            <a:spLocks noGrp="1" noRot="1" noChangeAspect="1" noMove="1" noResize="1" noEditPoints="1" noAdjustHandles="1" noChangeArrowheads="1" noChangeShapeType="1" noTextEdit="1"/>
+          </p:cNvSpPr>
+          <p:nvPr>
+            <p:extLst>
+              <p:ext uri="{386F3935-93C4-4BCD-93E2-E3B085C9AB24}">
+                <p16:designElem xmlns:p16="http://schemas.microsoft.com/office/powerpoint/2015/main" val="1"/>
+              </p:ext>
+            </p:extLst>
+          </p:nvPr>
+        </p:nvSpPr>
+        <p:spPr>
+          <a:xfrm>
+            <a:off x="0" y="0"/>
+            <a:ext cx="12192000" cy="6858000"/>
+          </a:xfrm>
+          <a:prstGeom prst="rect">
+            <a:avLst/>
+          </a:prstGeom>
+          <a:ln>
+            <a:noFill/>
+          </a:ln>
+        </p:spPr>
+        <p:style>
+          <a:lnRef idx="2">
+            <a:schemeClr val="accent1">
+              <a:shade val="50000"/>
+            </a:schemeClr>
+          </a:lnRef>
+          <a:fillRef idx="1">
+            <a:schemeClr val="accent1"/>
+          </a:fillRef>
+          <a:effectRef idx="0">
+            <a:schemeClr val="accent1"/>
+          </a:effectRef>
+          <a:fontRef idx="minor">
+            <a:schemeClr val="lt1"/>
+          </a:fontRef>
+        </p:style>
+        <p:txBody>
+          <a:bodyPr rtlCol="0" anchor="ctr"/>
+          <a:lstStyle/>
+          <a:p>
+            <a:pPr algn="ctr"/>
+            <a:endParaRPr lang="en-US"/>
+          </a:p>
+        </p:txBody>
+      </p:sp>
+      <p:sp>
+        <p:nvSpPr>
+          <p:cNvPr id="2" name="Title 1">
+            <a:extLst>
+              <a:ext uri="{FF2B5EF4-FFF2-40B4-BE49-F238E27FC236}">
+                <a16:creationId xmlns:a16="http://schemas.microsoft.com/office/drawing/2014/main" id="{A73A5D8E-3007-4378-92E3-B7AC02C4DC95}"/>
+              </a:ext>
+            </a:extLst>
+          </p:cNvPr>
+          <p:cNvSpPr>
+            <a:spLocks noGrp="1"/>
+          </p:cNvSpPr>
+          <p:nvPr>
+            <p:ph type="title"/>
+          </p:nvPr>
+        </p:nvSpPr>
+        <p:spPr>
+          <a:xfrm>
+            <a:off x="1116498" y="420624"/>
+            <a:ext cx="6499109" cy="506924"/>
+          </a:xfrm>
+        </p:spPr>
+        <p:txBody>
+          <a:bodyPr vert="horz" lIns="91440" tIns="45720" rIns="91440" bIns="45720" rtlCol="0" anchor="b">
+            <a:normAutofit fontScale="90000"/>
+          </a:bodyPr>
+          <a:lstStyle/>
+          <a:p>
+            <a:r>
+              <a:rPr lang="en-US" sz="3200" dirty="0"/>
+              <a:t>Random Forest &amp; RFE</a:t>
+            </a:r>
+          </a:p>
+        </p:txBody>
+      </p:sp>
+      <p:sp>
+        <p:nvSpPr>
+          <p:cNvPr id="1047" name="Rectangle 139">
+            <a:extLst>
+              <a:ext uri="{FF2B5EF4-FFF2-40B4-BE49-F238E27FC236}">
+                <a16:creationId xmlns:a16="http://schemas.microsoft.com/office/drawing/2014/main" id="{A5271697-90F1-4A23-8EF2-0179F2EAFACB}"/>
+              </a:ext>
+              <a:ext uri="{C183D7F6-B498-43B3-948B-1728B52AA6E4}">
+                <adec:decorative xmlns:adec="http://schemas.microsoft.com/office/drawing/2017/decorative" val="1"/>
+              </a:ext>
+            </a:extLst>
+          </p:cNvPr>
+          <p:cNvSpPr>
+            <a:spLocks noGrp="1" noRot="1" noChangeAspect="1" noMove="1" noResize="1" noEditPoints="1" noAdjustHandles="1" noChangeArrowheads="1" noChangeShapeType="1" noTextEdit="1"/>
+          </p:cNvSpPr>
+          <p:nvPr>
+            <p:extLst>
+              <p:ext uri="{386F3935-93C4-4BCD-93E2-E3B085C9AB24}">
+                <p16:designElem xmlns:p16="http://schemas.microsoft.com/office/powerpoint/2015/main" val="1"/>
+              </p:ext>
+            </p:extLst>
+          </p:nvPr>
+        </p:nvSpPr>
+        <p:spPr>
+          <a:xfrm>
+            <a:off x="-1" y="1"/>
+            <a:ext cx="606972" cy="3233984"/>
+          </a:xfrm>
+          <a:prstGeom prst="rect">
+            <a:avLst/>
+          </a:prstGeom>
+          <a:solidFill>
+            <a:schemeClr val="tx1">
+              <a:lumMod val="85000"/>
+              <a:lumOff val="15000"/>
+            </a:schemeClr>
+          </a:solidFill>
+          <a:ln>
+            <a:noFill/>
+          </a:ln>
+        </p:spPr>
+        <p:style>
+          <a:lnRef idx="2">
+            <a:schemeClr val="accent1">
+              <a:shade val="50000"/>
+            </a:schemeClr>
+          </a:lnRef>
+          <a:fillRef idx="1">
+            <a:schemeClr val="accent1"/>
+          </a:fillRef>
+          <a:effectRef idx="0">
+            <a:schemeClr val="accent1"/>
+          </a:effectRef>
+          <a:fontRef idx="minor">
+            <a:schemeClr val="lt1"/>
+          </a:fontRef>
+        </p:style>
+        <p:txBody>
+          <a:bodyPr rtlCol="0" anchor="ctr"/>
+          <a:lstStyle/>
+          <a:p>
+            <a:pPr algn="ctr"/>
+            <a:endParaRPr lang="en-US"/>
+          </a:p>
+        </p:txBody>
+      </p:sp>
+      <p:grpSp>
+        <p:nvGrpSpPr>
+          <p:cNvPr id="1048" name="Group 141">
+            <a:extLst>
+              <a:ext uri="{FF2B5EF4-FFF2-40B4-BE49-F238E27FC236}">
+                <a16:creationId xmlns:a16="http://schemas.microsoft.com/office/drawing/2014/main" id="{4CB581D0-0B25-4552-8130-B8C8B8D8EA5C}"/>
+              </a:ext>
+              <a:ext uri="{C183D7F6-B498-43B3-948B-1728B52AA6E4}">
+                <adec:decorative xmlns:adec="http://schemas.microsoft.com/office/drawing/2017/decorative" val="1"/>
+              </a:ext>
+            </a:extLst>
+          </p:cNvPr>
+          <p:cNvGrpSpPr>
+            <a:grpSpLocks noGrp="1" noUngrp="1" noRot="1" noChangeAspect="1" noMove="1" noResize="1"/>
+          </p:cNvGrpSpPr>
+          <p:nvPr>
+            <p:extLst>
+              <p:ext uri="{386F3935-93C4-4BCD-93E2-E3B085C9AB24}">
+                <p16:designElem xmlns:p16="http://schemas.microsoft.com/office/powerpoint/2015/main" val="1"/>
+              </p:ext>
+            </p:extLst>
+          </p:nvPr>
+        </p:nvGrpSpPr>
+        <p:grpSpPr>
+          <a:xfrm>
+            <a:off x="1188720" y="73152"/>
+            <a:ext cx="1178966" cy="232963"/>
+            <a:chOff x="5310171" y="73152"/>
+            <a:chExt cx="1178966" cy="232963"/>
+          </a:xfrm>
+        </p:grpSpPr>
+        <p:sp>
+          <p:nvSpPr>
+            <p:cNvPr id="143" name="Rectangle 64">
+              <a:extLst>
+                <a:ext uri="{FF2B5EF4-FFF2-40B4-BE49-F238E27FC236}">
+                  <a16:creationId xmlns:a16="http://schemas.microsoft.com/office/drawing/2014/main" id="{513A0E0E-B9DC-4FB1-B7BD-98AE60B3D8DD}"/>
+                </a:ext>
+                <a:ext uri="{C183D7F6-B498-43B3-948B-1728B52AA6E4}">
+                  <adec:decorative xmlns:adec="http://schemas.microsoft.com/office/drawing/2017/decorative" val="1"/>
+                </a:ext>
+              </a:extLst>
+            </p:cNvPr>
+            <p:cNvSpPr/>
+            <p:nvPr>
+              <p:extLst>
+                <p:ext uri="{386F3935-93C4-4BCD-93E2-E3B085C9AB24}">
+                  <p16:designElem xmlns:p16="http://schemas.microsoft.com/office/powerpoint/2015/main" val="1"/>
+                </p:ext>
+              </p:extLst>
+            </p:nvPr>
+          </p:nvSpPr>
+          <p:spPr>
+            <a:xfrm>
+              <a:off x="5809992" y="73152"/>
+              <a:ext cx="54368" cy="59227"/>
+            </a:xfrm>
+            <a:prstGeom prst="ellipse">
+              <a:avLst/>
+            </a:prstGeom>
+            <a:solidFill>
+              <a:schemeClr val="accent1"/>
+            </a:solidFill>
+            <a:ln>
+              <a:noFill/>
+            </a:ln>
+          </p:spPr>
+          <p:style>
+            <a:lnRef idx="2">
+              <a:schemeClr val="accent1">
+                <a:shade val="50000"/>
+              </a:schemeClr>
+            </a:lnRef>
+            <a:fillRef idx="1">
+              <a:schemeClr val="accent1"/>
+            </a:fillRef>
+            <a:effectRef idx="0">
+              <a:schemeClr val="accent1"/>
+            </a:effectRef>
+            <a:fontRef idx="minor">
+              <a:schemeClr val="lt1"/>
+            </a:fontRef>
+          </p:style>
+          <p:txBody>
+            <a:bodyPr rtlCol="0" anchor="ctr"/>
+            <a:lstStyle/>
+            <a:p>
+              <a:pPr algn="ctr"/>
+              <a:endParaRPr lang="en-US"/>
+            </a:p>
+          </p:txBody>
+        </p:sp>
+        <p:sp>
+          <p:nvSpPr>
+            <p:cNvPr id="1049" name="Rectangle 66">
+              <a:extLst>
+                <a:ext uri="{FF2B5EF4-FFF2-40B4-BE49-F238E27FC236}">
+                  <a16:creationId xmlns:a16="http://schemas.microsoft.com/office/drawing/2014/main" id="{AF323F97-88B1-4FC6-9E17-4EAB6D340D67}"/>
+                </a:ext>
+                <a:ext uri="{C183D7F6-B498-43B3-948B-1728B52AA6E4}">
+                  <adec:decorative xmlns:adec="http://schemas.microsoft.com/office/drawing/2017/decorative" val="1"/>
+                </a:ext>
+              </a:extLst>
+            </p:cNvPr>
+            <p:cNvSpPr/>
+            <p:nvPr>
+              <p:extLst>
+                <p:ext uri="{386F3935-93C4-4BCD-93E2-E3B085C9AB24}">
+                  <p16:designElem xmlns:p16="http://schemas.microsoft.com/office/powerpoint/2015/main" val="1"/>
+                </p:ext>
+              </p:extLst>
+            </p:nvPr>
+          </p:nvSpPr>
+          <p:spPr>
+            <a:xfrm>
+              <a:off x="5809992" y="246888"/>
+              <a:ext cx="54368" cy="59227"/>
+            </a:xfrm>
+            <a:prstGeom prst="ellipse">
+              <a:avLst/>
+            </a:prstGeom>
+            <a:solidFill>
+              <a:schemeClr val="accent1"/>
+            </a:solidFill>
+            <a:ln>
+              <a:noFill/>
+            </a:ln>
+          </p:spPr>
+          <p:style>
+            <a:lnRef idx="2">
+              <a:schemeClr val="accent1">
+                <a:shade val="50000"/>
+              </a:schemeClr>
+            </a:lnRef>
+            <a:fillRef idx="1">
+              <a:schemeClr val="accent1"/>
+            </a:fillRef>
+            <a:effectRef idx="0">
+              <a:schemeClr val="accent1"/>
+            </a:effectRef>
+            <a:fontRef idx="minor">
+              <a:schemeClr val="lt1"/>
+            </a:fontRef>
+          </p:style>
+          <p:txBody>
+            <a:bodyPr rtlCol="0" anchor="ctr"/>
+            <a:lstStyle/>
+            <a:p>
+              <a:pPr algn="ctr"/>
+              <a:endParaRPr lang="en-US"/>
+            </a:p>
+          </p:txBody>
+        </p:sp>
+        <p:sp>
+          <p:nvSpPr>
+            <p:cNvPr id="145" name="Rectangle 64">
+              <a:extLst>
+                <a:ext uri="{FF2B5EF4-FFF2-40B4-BE49-F238E27FC236}">
+                  <a16:creationId xmlns:a16="http://schemas.microsoft.com/office/drawing/2014/main" id="{CD7E1221-66F7-401A-9FA4-7A5999BE5F78}"/>
+                </a:ext>
+                <a:ext uri="{C183D7F6-B498-43B3-948B-1728B52AA6E4}">
+                  <adec:decorative xmlns:adec="http://schemas.microsoft.com/office/drawing/2017/decorative" val="1"/>
+                </a:ext>
+              </a:extLst>
+            </p:cNvPr>
+            <p:cNvSpPr/>
+            <p:nvPr>
+              <p:extLst>
+                <p:ext uri="{386F3935-93C4-4BCD-93E2-E3B085C9AB24}">
+                  <p16:designElem xmlns:p16="http://schemas.microsoft.com/office/powerpoint/2015/main" val="1"/>
+                </p:ext>
+              </p:extLst>
+            </p:nvPr>
+          </p:nvSpPr>
+          <p:spPr>
+            <a:xfrm>
+              <a:off x="5685037" y="73152"/>
+              <a:ext cx="54368" cy="59227"/>
+            </a:xfrm>
+            <a:prstGeom prst="ellipse">
+              <a:avLst/>
+            </a:prstGeom>
+            <a:solidFill>
+              <a:schemeClr val="accent1"/>
+            </a:solidFill>
+            <a:ln>
+              <a:noFill/>
+            </a:ln>
+          </p:spPr>
+          <p:style>
+            <a:lnRef idx="2">
+              <a:schemeClr val="accent1">
+                <a:shade val="50000"/>
+              </a:schemeClr>
+            </a:lnRef>
+            <a:fillRef idx="1">
+              <a:schemeClr val="accent1"/>
+            </a:fillRef>
+            <a:effectRef idx="0">
+              <a:schemeClr val="accent1"/>
+            </a:effectRef>
+            <a:fontRef idx="minor">
+              <a:schemeClr val="lt1"/>
+            </a:fontRef>
+          </p:style>
+          <p:txBody>
+            <a:bodyPr rtlCol="0" anchor="ctr"/>
+            <a:lstStyle/>
+            <a:p>
+              <a:pPr algn="ctr"/>
+              <a:endParaRPr lang="en-US"/>
+            </a:p>
+          </p:txBody>
+        </p:sp>
+        <p:sp>
+          <p:nvSpPr>
+            <p:cNvPr id="1050" name="Rectangle 66">
+              <a:extLst>
+                <a:ext uri="{FF2B5EF4-FFF2-40B4-BE49-F238E27FC236}">
+                  <a16:creationId xmlns:a16="http://schemas.microsoft.com/office/drawing/2014/main" id="{F7959185-BC34-4EC8-84E2-E6907F5FC636}"/>
+                </a:ext>
+                <a:ext uri="{C183D7F6-B498-43B3-948B-1728B52AA6E4}">
+                  <adec:decorative xmlns:adec="http://schemas.microsoft.com/office/drawing/2017/decorative" val="1"/>
+                </a:ext>
+              </a:extLst>
+            </p:cNvPr>
+            <p:cNvSpPr/>
+            <p:nvPr>
+              <p:extLst>
+                <p:ext uri="{386F3935-93C4-4BCD-93E2-E3B085C9AB24}">
+                  <p16:designElem xmlns:p16="http://schemas.microsoft.com/office/powerpoint/2015/main" val="1"/>
+                </p:ext>
+              </p:extLst>
+            </p:nvPr>
+          </p:nvSpPr>
+          <p:spPr>
+            <a:xfrm>
+              <a:off x="5685037" y="246888"/>
+              <a:ext cx="54368" cy="59227"/>
+            </a:xfrm>
+            <a:prstGeom prst="ellipse">
+              <a:avLst/>
+            </a:prstGeom>
+            <a:solidFill>
+              <a:schemeClr val="accent1"/>
+            </a:solidFill>
+            <a:ln>
+              <a:noFill/>
+            </a:ln>
+          </p:spPr>
+          <p:style>
+            <a:lnRef idx="2">
+              <a:schemeClr val="accent1">
+                <a:shade val="50000"/>
+              </a:schemeClr>
+            </a:lnRef>
+            <a:fillRef idx="1">
+              <a:schemeClr val="accent1"/>
+            </a:fillRef>
+            <a:effectRef idx="0">
+              <a:schemeClr val="accent1"/>
+            </a:effectRef>
+            <a:fontRef idx="minor">
+              <a:schemeClr val="lt1"/>
+            </a:fontRef>
+          </p:style>
+          <p:txBody>
+            <a:bodyPr rtlCol="0" anchor="ctr"/>
+            <a:lstStyle/>
+            <a:p>
+              <a:pPr algn="ctr"/>
+              <a:endParaRPr lang="en-US"/>
+            </a:p>
+          </p:txBody>
+        </p:sp>
+        <p:sp>
+          <p:nvSpPr>
+            <p:cNvPr id="147" name="Rectangle 64">
+              <a:extLst>
+                <a:ext uri="{FF2B5EF4-FFF2-40B4-BE49-F238E27FC236}">
+                  <a16:creationId xmlns:a16="http://schemas.microsoft.com/office/drawing/2014/main" id="{8160D755-724C-4DE4-B2B2-BDF7FE1A3450}"/>
+                </a:ext>
+                <a:ext uri="{C183D7F6-B498-43B3-948B-1728B52AA6E4}">
+                  <adec:decorative xmlns:adec="http://schemas.microsoft.com/office/drawing/2017/decorative" val="1"/>
+                </a:ext>
+              </a:extLst>
+            </p:cNvPr>
+            <p:cNvSpPr/>
+            <p:nvPr>
+              <p:extLst>
+                <p:ext uri="{386F3935-93C4-4BCD-93E2-E3B085C9AB24}">
+                  <p16:designElem xmlns:p16="http://schemas.microsoft.com/office/powerpoint/2015/main" val="1"/>
+                </p:ext>
+              </p:extLst>
+            </p:nvPr>
+          </p:nvSpPr>
+          <p:spPr>
+            <a:xfrm>
+              <a:off x="5560082" y="73152"/>
+              <a:ext cx="54368" cy="59227"/>
+            </a:xfrm>
+            <a:prstGeom prst="ellipse">
+              <a:avLst/>
+            </a:prstGeom>
+            <a:solidFill>
+              <a:schemeClr val="accent1"/>
+            </a:solidFill>
+            <a:ln>
+              <a:noFill/>
+            </a:ln>
+          </p:spPr>
+          <p:style>
+            <a:lnRef idx="2">
+              <a:schemeClr val="accent1">
+                <a:shade val="50000"/>
+              </a:schemeClr>
+            </a:lnRef>
+            <a:fillRef idx="1">
+              <a:schemeClr val="accent1"/>
+            </a:fillRef>
+            <a:effectRef idx="0">
+              <a:schemeClr val="accent1"/>
+            </a:effectRef>
+            <a:fontRef idx="minor">
+              <a:schemeClr val="lt1"/>
+            </a:fontRef>
+          </p:style>
+          <p:txBody>
+            <a:bodyPr rtlCol="0" anchor="ctr"/>
+            <a:lstStyle/>
+            <a:p>
+              <a:pPr algn="ctr"/>
+              <a:endParaRPr lang="en-US"/>
+            </a:p>
+          </p:txBody>
+        </p:sp>
+        <p:sp>
+          <p:nvSpPr>
+            <p:cNvPr id="148" name="Rectangle 66">
+              <a:extLst>
+                <a:ext uri="{FF2B5EF4-FFF2-40B4-BE49-F238E27FC236}">
+                  <a16:creationId xmlns:a16="http://schemas.microsoft.com/office/drawing/2014/main" id="{678AF90C-8523-449B-9B2A-EC68A7775394}"/>
+                </a:ext>
+                <a:ext uri="{C183D7F6-B498-43B3-948B-1728B52AA6E4}">
+                  <adec:decorative xmlns:adec="http://schemas.microsoft.com/office/drawing/2017/decorative" val="1"/>
+                </a:ext>
+              </a:extLst>
+            </p:cNvPr>
+            <p:cNvSpPr/>
+            <p:nvPr>
+              <p:extLst>
+                <p:ext uri="{386F3935-93C4-4BCD-93E2-E3B085C9AB24}">
+                  <p16:designElem xmlns:p16="http://schemas.microsoft.com/office/powerpoint/2015/main" val="1"/>
+                </p:ext>
+              </p:extLst>
+            </p:nvPr>
+          </p:nvSpPr>
+          <p:spPr>
+            <a:xfrm>
+              <a:off x="5560082" y="246888"/>
+              <a:ext cx="54368" cy="59227"/>
+            </a:xfrm>
+            <a:prstGeom prst="ellipse">
+              <a:avLst/>
+            </a:prstGeom>
+            <a:solidFill>
+              <a:schemeClr val="accent1"/>
+            </a:solidFill>
+            <a:ln>
+              <a:noFill/>
+            </a:ln>
+          </p:spPr>
+          <p:style>
+            <a:lnRef idx="2">
+              <a:schemeClr val="accent1">
+                <a:shade val="50000"/>
+              </a:schemeClr>
+            </a:lnRef>
+            <a:fillRef idx="1">
+              <a:schemeClr val="accent1"/>
+            </a:fillRef>
+            <a:effectRef idx="0">
+              <a:schemeClr val="accent1"/>
+            </a:effectRef>
+            <a:fontRef idx="minor">
+              <a:schemeClr val="lt1"/>
+            </a:fontRef>
+          </p:style>
+          <p:txBody>
+            <a:bodyPr rtlCol="0" anchor="ctr"/>
+            <a:lstStyle/>
+            <a:p>
+              <a:pPr algn="ctr"/>
+              <a:endParaRPr lang="en-US"/>
+            </a:p>
+          </p:txBody>
+        </p:sp>
+        <p:sp>
+          <p:nvSpPr>
+            <p:cNvPr id="149" name="Rectangle 64">
+              <a:extLst>
+                <a:ext uri="{FF2B5EF4-FFF2-40B4-BE49-F238E27FC236}">
+                  <a16:creationId xmlns:a16="http://schemas.microsoft.com/office/drawing/2014/main" id="{59FC2840-E043-4862-B5F4-5C617EEBFD7C}"/>
+                </a:ext>
+                <a:ext uri="{C183D7F6-B498-43B3-948B-1728B52AA6E4}">
+                  <adec:decorative xmlns:adec="http://schemas.microsoft.com/office/drawing/2017/decorative" val="1"/>
+                </a:ext>
+              </a:extLst>
+            </p:cNvPr>
+            <p:cNvSpPr/>
+            <p:nvPr>
+              <p:extLst>
+                <p:ext uri="{386F3935-93C4-4BCD-93E2-E3B085C9AB24}">
+                  <p16:designElem xmlns:p16="http://schemas.microsoft.com/office/powerpoint/2015/main" val="1"/>
+                </p:ext>
+              </p:extLst>
+            </p:nvPr>
+          </p:nvSpPr>
+          <p:spPr>
+            <a:xfrm>
+              <a:off x="5435126" y="73152"/>
+              <a:ext cx="54368" cy="59227"/>
+            </a:xfrm>
+            <a:prstGeom prst="ellipse">
+              <a:avLst/>
+            </a:prstGeom>
+            <a:solidFill>
+              <a:schemeClr val="accent1"/>
+            </a:solidFill>
+            <a:ln>
+              <a:noFill/>
+            </a:ln>
+          </p:spPr>
+          <p:style>
+            <a:lnRef idx="2">
+              <a:schemeClr val="accent1">
+                <a:shade val="50000"/>
+              </a:schemeClr>
+            </a:lnRef>
+            <a:fillRef idx="1">
+              <a:schemeClr val="accent1"/>
+            </a:fillRef>
+            <a:effectRef idx="0">
+              <a:schemeClr val="accent1"/>
+            </a:effectRef>
+            <a:fontRef idx="minor">
+              <a:schemeClr val="lt1"/>
+            </a:fontRef>
+          </p:style>
+          <p:txBody>
+            <a:bodyPr rtlCol="0" anchor="ctr"/>
+            <a:lstStyle/>
+            <a:p>
+              <a:pPr algn="ctr"/>
+              <a:endParaRPr lang="en-US"/>
+            </a:p>
+          </p:txBody>
+        </p:sp>
+        <p:sp>
+          <p:nvSpPr>
+            <p:cNvPr id="150" name="Rectangle 66">
+              <a:extLst>
+                <a:ext uri="{FF2B5EF4-FFF2-40B4-BE49-F238E27FC236}">
+                  <a16:creationId xmlns:a16="http://schemas.microsoft.com/office/drawing/2014/main" id="{C528239A-AE83-4C6A-BB97-4AAEC3F356E1}"/>
+                </a:ext>
+                <a:ext uri="{C183D7F6-B498-43B3-948B-1728B52AA6E4}">
+                  <adec:decorative xmlns:adec="http://schemas.microsoft.com/office/drawing/2017/decorative" val="1"/>
+                </a:ext>
+              </a:extLst>
+            </p:cNvPr>
+            <p:cNvSpPr/>
+            <p:nvPr>
+              <p:extLst>
+                <p:ext uri="{386F3935-93C4-4BCD-93E2-E3B085C9AB24}">
+                  <p16:designElem xmlns:p16="http://schemas.microsoft.com/office/powerpoint/2015/main" val="1"/>
+                </p:ext>
+              </p:extLst>
+            </p:nvPr>
+          </p:nvSpPr>
+          <p:spPr>
+            <a:xfrm>
+              <a:off x="5435126" y="246888"/>
+              <a:ext cx="54368" cy="59227"/>
+            </a:xfrm>
+            <a:prstGeom prst="ellipse">
+              <a:avLst/>
+            </a:prstGeom>
+            <a:solidFill>
+              <a:schemeClr val="accent1"/>
+            </a:solidFill>
+            <a:ln>
+              <a:noFill/>
+            </a:ln>
+          </p:spPr>
+          <p:style>
+            <a:lnRef idx="2">
+              <a:schemeClr val="accent1">
+                <a:shade val="50000"/>
+              </a:schemeClr>
+            </a:lnRef>
+            <a:fillRef idx="1">
+              <a:schemeClr val="accent1"/>
+            </a:fillRef>
+            <a:effectRef idx="0">
+              <a:schemeClr val="accent1"/>
+            </a:effectRef>
+            <a:fontRef idx="minor">
+              <a:schemeClr val="lt1"/>
+            </a:fontRef>
+          </p:style>
+          <p:txBody>
+            <a:bodyPr rtlCol="0" anchor="ctr"/>
+            <a:lstStyle/>
+            <a:p>
+              <a:pPr algn="ctr"/>
+              <a:endParaRPr lang="en-US"/>
+            </a:p>
+          </p:txBody>
+        </p:sp>
+        <p:sp>
+          <p:nvSpPr>
+            <p:cNvPr id="151" name="Rectangle 64">
+              <a:extLst>
+                <a:ext uri="{FF2B5EF4-FFF2-40B4-BE49-F238E27FC236}">
+                  <a16:creationId xmlns:a16="http://schemas.microsoft.com/office/drawing/2014/main" id="{50543DCB-A7DD-4BD3-9A73-4DD2488721E5}"/>
+                </a:ext>
+                <a:ext uri="{C183D7F6-B498-43B3-948B-1728B52AA6E4}">
+                  <adec:decorative xmlns:adec="http://schemas.microsoft.com/office/drawing/2017/decorative" val="1"/>
+                </a:ext>
+              </a:extLst>
+            </p:cNvPr>
+            <p:cNvSpPr/>
+            <p:nvPr>
+              <p:extLst>
+                <p:ext uri="{386F3935-93C4-4BCD-93E2-E3B085C9AB24}">
+                  <p16:designElem xmlns:p16="http://schemas.microsoft.com/office/powerpoint/2015/main" val="1"/>
+                </p:ext>
+              </p:extLst>
+            </p:nvPr>
+          </p:nvSpPr>
+          <p:spPr>
+            <a:xfrm>
+              <a:off x="5310171" y="73152"/>
+              <a:ext cx="54368" cy="59227"/>
+            </a:xfrm>
+            <a:prstGeom prst="ellipse">
+              <a:avLst/>
+            </a:prstGeom>
+            <a:solidFill>
+              <a:schemeClr val="accent1"/>
+            </a:solidFill>
+            <a:ln>
+              <a:noFill/>
+            </a:ln>
+          </p:spPr>
+          <p:style>
+            <a:lnRef idx="2">
+              <a:schemeClr val="accent1">
+                <a:shade val="50000"/>
+              </a:schemeClr>
+            </a:lnRef>
+            <a:fillRef idx="1">
+              <a:schemeClr val="accent1"/>
+            </a:fillRef>
+            <a:effectRef idx="0">
+              <a:schemeClr val="accent1"/>
+            </a:effectRef>
+            <a:fontRef idx="minor">
+              <a:schemeClr val="lt1"/>
+            </a:fontRef>
+          </p:style>
+          <p:txBody>
+            <a:bodyPr rtlCol="0" anchor="ctr"/>
+            <a:lstStyle/>
+            <a:p>
+              <a:pPr algn="ctr"/>
+              <a:endParaRPr lang="en-US"/>
+            </a:p>
+          </p:txBody>
+        </p:sp>
+        <p:sp>
+          <p:nvSpPr>
+            <p:cNvPr id="152" name="Rectangle 66">
+              <a:extLst>
+                <a:ext uri="{FF2B5EF4-FFF2-40B4-BE49-F238E27FC236}">
+                  <a16:creationId xmlns:a16="http://schemas.microsoft.com/office/drawing/2014/main" id="{F083CBC3-1B65-4EBA-90C5-560382947D72}"/>
+                </a:ext>
+                <a:ext uri="{C183D7F6-B498-43B3-948B-1728B52AA6E4}">
+                  <adec:decorative xmlns:adec="http://schemas.microsoft.com/office/drawing/2017/decorative" val="1"/>
+                </a:ext>
+              </a:extLst>
+            </p:cNvPr>
+            <p:cNvSpPr/>
+            <p:nvPr>
+              <p:extLst>
+                <p:ext uri="{386F3935-93C4-4BCD-93E2-E3B085C9AB24}">
+                  <p16:designElem xmlns:p16="http://schemas.microsoft.com/office/powerpoint/2015/main" val="1"/>
+                </p:ext>
+              </p:extLst>
+            </p:nvPr>
+          </p:nvSpPr>
+          <p:spPr>
+            <a:xfrm>
+              <a:off x="5310171" y="246888"/>
+              <a:ext cx="54368" cy="59227"/>
+            </a:xfrm>
+            <a:prstGeom prst="ellipse">
+              <a:avLst/>
+            </a:prstGeom>
+            <a:solidFill>
+              <a:schemeClr val="accent1"/>
+            </a:solidFill>
+            <a:ln>
+              <a:noFill/>
+            </a:ln>
+          </p:spPr>
+          <p:style>
+            <a:lnRef idx="2">
+              <a:schemeClr val="accent1">
+                <a:shade val="50000"/>
+              </a:schemeClr>
+            </a:lnRef>
+            <a:fillRef idx="1">
+              <a:schemeClr val="accent1"/>
+            </a:fillRef>
+            <a:effectRef idx="0">
+              <a:schemeClr val="accent1"/>
+            </a:effectRef>
+            <a:fontRef idx="minor">
+              <a:schemeClr val="lt1"/>
+            </a:fontRef>
+          </p:style>
+          <p:txBody>
+            <a:bodyPr rtlCol="0" anchor="ctr"/>
+            <a:lstStyle/>
+            <a:p>
+              <a:pPr algn="ctr"/>
+              <a:endParaRPr lang="en-US"/>
+            </a:p>
+          </p:txBody>
+        </p:sp>
+        <p:sp>
+          <p:nvSpPr>
+            <p:cNvPr id="153" name="Rectangle 64">
+              <a:extLst>
+                <a:ext uri="{FF2B5EF4-FFF2-40B4-BE49-F238E27FC236}">
+                  <a16:creationId xmlns:a16="http://schemas.microsoft.com/office/drawing/2014/main" id="{8CA682D2-789E-45AF-9F8B-52B6A5F60458}"/>
+                </a:ext>
+                <a:ext uri="{C183D7F6-B498-43B3-948B-1728B52AA6E4}">
+                  <adec:decorative xmlns:adec="http://schemas.microsoft.com/office/drawing/2017/decorative" val="1"/>
+                </a:ext>
+              </a:extLst>
+            </p:cNvPr>
+            <p:cNvSpPr/>
+            <p:nvPr>
+              <p:extLst>
+                <p:ext uri="{386F3935-93C4-4BCD-93E2-E3B085C9AB24}">
+                  <p16:designElem xmlns:p16="http://schemas.microsoft.com/office/powerpoint/2015/main" val="1"/>
+                </p:ext>
+              </p:extLst>
+            </p:nvPr>
+          </p:nvSpPr>
+          <p:spPr>
+            <a:xfrm>
+              <a:off x="6434769" y="73152"/>
+              <a:ext cx="54368" cy="59227"/>
+            </a:xfrm>
+            <a:prstGeom prst="ellipse">
+              <a:avLst/>
+            </a:prstGeom>
+            <a:solidFill>
+              <a:schemeClr val="accent1"/>
+            </a:solidFill>
+            <a:ln>
+              <a:noFill/>
+            </a:ln>
+          </p:spPr>
+          <p:style>
+            <a:lnRef idx="2">
+              <a:schemeClr val="accent1">
+                <a:shade val="50000"/>
+              </a:schemeClr>
+            </a:lnRef>
+            <a:fillRef idx="1">
+              <a:schemeClr val="accent1"/>
+            </a:fillRef>
+            <a:effectRef idx="0">
+              <a:schemeClr val="accent1"/>
+            </a:effectRef>
+            <a:fontRef idx="minor">
+              <a:schemeClr val="lt1"/>
+            </a:fontRef>
+          </p:style>
+          <p:txBody>
+            <a:bodyPr rtlCol="0" anchor="ctr"/>
+            <a:lstStyle/>
+            <a:p>
+              <a:pPr algn="ctr"/>
+              <a:endParaRPr lang="en-US"/>
+            </a:p>
+          </p:txBody>
+        </p:sp>
+        <p:sp>
+          <p:nvSpPr>
+            <p:cNvPr id="154" name="Rectangle 66">
+              <a:extLst>
+                <a:ext uri="{FF2B5EF4-FFF2-40B4-BE49-F238E27FC236}">
+                  <a16:creationId xmlns:a16="http://schemas.microsoft.com/office/drawing/2014/main" id="{67035C5F-EEA8-48EA-B087-CE43E4B3FB52}"/>
+                </a:ext>
+                <a:ext uri="{C183D7F6-B498-43B3-948B-1728B52AA6E4}">
+                  <adec:decorative xmlns:adec="http://schemas.microsoft.com/office/drawing/2017/decorative" val="1"/>
+                </a:ext>
+              </a:extLst>
+            </p:cNvPr>
+            <p:cNvSpPr/>
+            <p:nvPr>
+              <p:extLst>
+                <p:ext uri="{386F3935-93C4-4BCD-93E2-E3B085C9AB24}">
+                  <p16:designElem xmlns:p16="http://schemas.microsoft.com/office/powerpoint/2015/main" val="1"/>
+                </p:ext>
+              </p:extLst>
+            </p:nvPr>
+          </p:nvSpPr>
+          <p:spPr>
+            <a:xfrm>
+              <a:off x="6434769" y="246888"/>
+              <a:ext cx="54368" cy="59227"/>
+            </a:xfrm>
+            <a:prstGeom prst="ellipse">
+              <a:avLst/>
+            </a:prstGeom>
+            <a:solidFill>
+              <a:schemeClr val="accent1"/>
+            </a:solidFill>
+            <a:ln>
+              <a:noFill/>
+            </a:ln>
+          </p:spPr>
+          <p:style>
+            <a:lnRef idx="2">
+              <a:schemeClr val="accent1">
+                <a:shade val="50000"/>
+              </a:schemeClr>
+            </a:lnRef>
+            <a:fillRef idx="1">
+              <a:schemeClr val="accent1"/>
+            </a:fillRef>
+            <a:effectRef idx="0">
+              <a:schemeClr val="accent1"/>
+            </a:effectRef>
+            <a:fontRef idx="minor">
+              <a:schemeClr val="lt1"/>
+            </a:fontRef>
+          </p:style>
+          <p:txBody>
+            <a:bodyPr rtlCol="0" anchor="ctr"/>
+            <a:lstStyle/>
+            <a:p>
+              <a:pPr algn="ctr"/>
+              <a:endParaRPr lang="en-US"/>
+            </a:p>
+          </p:txBody>
+        </p:sp>
+        <p:sp>
+          <p:nvSpPr>
+            <p:cNvPr id="155" name="Rectangle 64">
+              <a:extLst>
+                <a:ext uri="{FF2B5EF4-FFF2-40B4-BE49-F238E27FC236}">
+                  <a16:creationId xmlns:a16="http://schemas.microsoft.com/office/drawing/2014/main" id="{F294001B-67C1-4A0B-8695-0B880FCE9FDD}"/>
+                </a:ext>
+                <a:ext uri="{C183D7F6-B498-43B3-948B-1728B52AA6E4}">
+                  <adec:decorative xmlns:adec="http://schemas.microsoft.com/office/drawing/2017/decorative" val="1"/>
+                </a:ext>
+              </a:extLst>
+            </p:cNvPr>
+            <p:cNvSpPr/>
+            <p:nvPr>
+              <p:extLst>
+                <p:ext uri="{386F3935-93C4-4BCD-93E2-E3B085C9AB24}">
+                  <p16:designElem xmlns:p16="http://schemas.microsoft.com/office/powerpoint/2015/main" val="1"/>
+                </p:ext>
+              </p:extLst>
+            </p:nvPr>
+          </p:nvSpPr>
+          <p:spPr>
+            <a:xfrm>
+              <a:off x="6309814" y="73152"/>
+              <a:ext cx="54368" cy="59227"/>
+            </a:xfrm>
+            <a:prstGeom prst="ellipse">
+              <a:avLst/>
+            </a:prstGeom>
+            <a:solidFill>
+              <a:schemeClr val="accent1"/>
+            </a:solidFill>
+            <a:ln>
+              <a:noFill/>
+            </a:ln>
+          </p:spPr>
+          <p:style>
+            <a:lnRef idx="2">
+              <a:schemeClr val="accent1">
+                <a:shade val="50000"/>
+              </a:schemeClr>
+            </a:lnRef>
+            <a:fillRef idx="1">
+              <a:schemeClr val="accent1"/>
+            </a:fillRef>
+            <a:effectRef idx="0">
+              <a:schemeClr val="accent1"/>
+            </a:effectRef>
+            <a:fontRef idx="minor">
+              <a:schemeClr val="lt1"/>
+            </a:fontRef>
+          </p:style>
+          <p:txBody>
+            <a:bodyPr rtlCol="0" anchor="ctr"/>
+            <a:lstStyle/>
+            <a:p>
+              <a:pPr algn="ctr"/>
+              <a:endParaRPr lang="en-US"/>
+            </a:p>
+          </p:txBody>
+        </p:sp>
+        <p:sp>
+          <p:nvSpPr>
+            <p:cNvPr id="156" name="Rectangle 66">
+              <a:extLst>
+                <a:ext uri="{FF2B5EF4-FFF2-40B4-BE49-F238E27FC236}">
+                  <a16:creationId xmlns:a16="http://schemas.microsoft.com/office/drawing/2014/main" id="{B9DDAD3D-52B9-41E2-BDDB-6527D4544C8A}"/>
+                </a:ext>
+                <a:ext uri="{C183D7F6-B498-43B3-948B-1728B52AA6E4}">
+                  <adec:decorative xmlns:adec="http://schemas.microsoft.com/office/drawing/2017/decorative" val="1"/>
+                </a:ext>
+              </a:extLst>
+            </p:cNvPr>
+            <p:cNvSpPr/>
+            <p:nvPr>
+              <p:extLst>
+                <p:ext uri="{386F3935-93C4-4BCD-93E2-E3B085C9AB24}">
+                  <p16:designElem xmlns:p16="http://schemas.microsoft.com/office/powerpoint/2015/main" val="1"/>
+                </p:ext>
+              </p:extLst>
+            </p:nvPr>
+          </p:nvSpPr>
+          <p:spPr>
+            <a:xfrm>
+              <a:off x="6309814" y="246888"/>
+              <a:ext cx="54368" cy="59227"/>
+            </a:xfrm>
+            <a:prstGeom prst="ellipse">
+              <a:avLst/>
+            </a:prstGeom>
+            <a:solidFill>
+              <a:schemeClr val="accent1"/>
+            </a:solidFill>
+            <a:ln>
+              <a:noFill/>
+            </a:ln>
+          </p:spPr>
+          <p:style>
+            <a:lnRef idx="2">
+              <a:schemeClr val="accent1">
+                <a:shade val="50000"/>
+              </a:schemeClr>
+            </a:lnRef>
+            <a:fillRef idx="1">
+              <a:schemeClr val="accent1"/>
+            </a:fillRef>
+            <a:effectRef idx="0">
+              <a:schemeClr val="accent1"/>
+            </a:effectRef>
+            <a:fontRef idx="minor">
+              <a:schemeClr val="lt1"/>
+            </a:fontRef>
+          </p:style>
+          <p:txBody>
+            <a:bodyPr rtlCol="0" anchor="ctr"/>
+            <a:lstStyle/>
+            <a:p>
+              <a:pPr algn="ctr"/>
+              <a:endParaRPr lang="en-US"/>
+            </a:p>
+          </p:txBody>
+        </p:sp>
+        <p:sp>
+          <p:nvSpPr>
+            <p:cNvPr id="157" name="Rectangle 64">
+              <a:extLst>
+                <a:ext uri="{FF2B5EF4-FFF2-40B4-BE49-F238E27FC236}">
+                  <a16:creationId xmlns:a16="http://schemas.microsoft.com/office/drawing/2014/main" id="{B19C0FEA-7121-4182-8CBC-25D82EFF8369}"/>
+                </a:ext>
+                <a:ext uri="{C183D7F6-B498-43B3-948B-1728B52AA6E4}">
+                  <adec:decorative xmlns:adec="http://schemas.microsoft.com/office/drawing/2017/decorative" val="1"/>
+                </a:ext>
+              </a:extLst>
+            </p:cNvPr>
+            <p:cNvSpPr/>
+            <p:nvPr>
+              <p:extLst>
+                <p:ext uri="{386F3935-93C4-4BCD-93E2-E3B085C9AB24}">
+                  <p16:designElem xmlns:p16="http://schemas.microsoft.com/office/powerpoint/2015/main" val="1"/>
+                </p:ext>
+              </p:extLst>
+            </p:nvPr>
+          </p:nvSpPr>
+          <p:spPr>
+            <a:xfrm>
+              <a:off x="6184859" y="73152"/>
+              <a:ext cx="54368" cy="59227"/>
+            </a:xfrm>
+            <a:prstGeom prst="ellipse">
+              <a:avLst/>
+            </a:prstGeom>
+            <a:solidFill>
+              <a:schemeClr val="accent1"/>
+            </a:solidFill>
+            <a:ln>
+              <a:noFill/>
+            </a:ln>
+          </p:spPr>
+          <p:style>
+            <a:lnRef idx="2">
+              <a:schemeClr val="accent1">
+                <a:shade val="50000"/>
+              </a:schemeClr>
+            </a:lnRef>
+            <a:fillRef idx="1">
+              <a:schemeClr val="accent1"/>
+            </a:fillRef>
+            <a:effectRef idx="0">
+              <a:schemeClr val="accent1"/>
+            </a:effectRef>
+            <a:fontRef idx="minor">
+              <a:schemeClr val="lt1"/>
+            </a:fontRef>
+          </p:style>
+          <p:txBody>
+            <a:bodyPr rtlCol="0" anchor="ctr"/>
+            <a:lstStyle/>
+            <a:p>
+              <a:pPr algn="ctr"/>
+              <a:endParaRPr lang="en-US"/>
+            </a:p>
+          </p:txBody>
+        </p:sp>
+        <p:sp>
+          <p:nvSpPr>
+            <p:cNvPr id="158" name="Rectangle 66">
+              <a:extLst>
+                <a:ext uri="{FF2B5EF4-FFF2-40B4-BE49-F238E27FC236}">
+                  <a16:creationId xmlns:a16="http://schemas.microsoft.com/office/drawing/2014/main" id="{7471B4BB-2CDC-43CA-971C-745124043023}"/>
+                </a:ext>
+                <a:ext uri="{C183D7F6-B498-43B3-948B-1728B52AA6E4}">
+                  <adec:decorative xmlns:adec="http://schemas.microsoft.com/office/drawing/2017/decorative" val="1"/>
+                </a:ext>
+              </a:extLst>
+            </p:cNvPr>
+            <p:cNvSpPr/>
+            <p:nvPr>
+              <p:extLst>
+                <p:ext uri="{386F3935-93C4-4BCD-93E2-E3B085C9AB24}">
+                  <p16:designElem xmlns:p16="http://schemas.microsoft.com/office/powerpoint/2015/main" val="1"/>
+                </p:ext>
+              </p:extLst>
+            </p:nvPr>
+          </p:nvSpPr>
+          <p:spPr>
+            <a:xfrm>
+              <a:off x="6184859" y="246888"/>
+              <a:ext cx="54368" cy="59227"/>
+            </a:xfrm>
+            <a:prstGeom prst="ellipse">
+              <a:avLst/>
+            </a:prstGeom>
+            <a:solidFill>
+              <a:schemeClr val="accent1"/>
+            </a:solidFill>
+            <a:ln>
+              <a:noFill/>
+            </a:ln>
+          </p:spPr>
+          <p:style>
+            <a:lnRef idx="2">
+              <a:schemeClr val="accent1">
+                <a:shade val="50000"/>
+              </a:schemeClr>
+            </a:lnRef>
+            <a:fillRef idx="1">
+              <a:schemeClr val="accent1"/>
+            </a:fillRef>
+            <a:effectRef idx="0">
+              <a:schemeClr val="accent1"/>
+            </a:effectRef>
+            <a:fontRef idx="minor">
+              <a:schemeClr val="lt1"/>
+            </a:fontRef>
+          </p:style>
+          <p:txBody>
+            <a:bodyPr rtlCol="0" anchor="ctr"/>
+            <a:lstStyle/>
+            <a:p>
+              <a:pPr algn="ctr"/>
+              <a:endParaRPr lang="en-US"/>
+            </a:p>
+          </p:txBody>
+        </p:sp>
+        <p:sp>
+          <p:nvSpPr>
+            <p:cNvPr id="159" name="Rectangle 64">
+              <a:extLst>
+                <a:ext uri="{FF2B5EF4-FFF2-40B4-BE49-F238E27FC236}">
+                  <a16:creationId xmlns:a16="http://schemas.microsoft.com/office/drawing/2014/main" id="{EC5D7881-2E4B-45D2-BD04-14384232A0D9}"/>
+                </a:ext>
+                <a:ext uri="{C183D7F6-B498-43B3-948B-1728B52AA6E4}">
+                  <adec:decorative xmlns:adec="http://schemas.microsoft.com/office/drawing/2017/decorative" val="1"/>
+                </a:ext>
+              </a:extLst>
+            </p:cNvPr>
+            <p:cNvSpPr/>
+            <p:nvPr>
+              <p:extLst>
+                <p:ext uri="{386F3935-93C4-4BCD-93E2-E3B085C9AB24}">
+                  <p16:designElem xmlns:p16="http://schemas.microsoft.com/office/powerpoint/2015/main" val="1"/>
+                </p:ext>
+              </p:extLst>
+            </p:nvPr>
+          </p:nvSpPr>
+          <p:spPr>
+            <a:xfrm>
+              <a:off x="6059903" y="73152"/>
+              <a:ext cx="54368" cy="59227"/>
+            </a:xfrm>
+            <a:prstGeom prst="ellipse">
+              <a:avLst/>
+            </a:prstGeom>
+            <a:solidFill>
+              <a:schemeClr val="accent1"/>
+            </a:solidFill>
+            <a:ln>
+              <a:noFill/>
+            </a:ln>
+          </p:spPr>
+          <p:style>
+            <a:lnRef idx="2">
+              <a:schemeClr val="accent1">
+                <a:shade val="50000"/>
+              </a:schemeClr>
+            </a:lnRef>
+            <a:fillRef idx="1">
+              <a:schemeClr val="accent1"/>
+            </a:fillRef>
+            <a:effectRef idx="0">
+              <a:schemeClr val="accent1"/>
+            </a:effectRef>
+            <a:fontRef idx="minor">
+              <a:schemeClr val="lt1"/>
+            </a:fontRef>
+          </p:style>
+          <p:txBody>
+            <a:bodyPr rtlCol="0" anchor="ctr"/>
+            <a:lstStyle/>
+            <a:p>
+              <a:pPr algn="ctr"/>
+              <a:endParaRPr lang="en-US"/>
+            </a:p>
+          </p:txBody>
+        </p:sp>
+        <p:sp>
+          <p:nvSpPr>
+            <p:cNvPr id="160" name="Rectangle 66">
+              <a:extLst>
+                <a:ext uri="{FF2B5EF4-FFF2-40B4-BE49-F238E27FC236}">
+                  <a16:creationId xmlns:a16="http://schemas.microsoft.com/office/drawing/2014/main" id="{6F8FA449-4BDF-4F3A-8F3E-FCD14C8A91B6}"/>
+                </a:ext>
+                <a:ext uri="{C183D7F6-B498-43B3-948B-1728B52AA6E4}">
+                  <adec:decorative xmlns:adec="http://schemas.microsoft.com/office/drawing/2017/decorative" val="1"/>
+                </a:ext>
+              </a:extLst>
+            </p:cNvPr>
+            <p:cNvSpPr/>
+            <p:nvPr>
+              <p:extLst>
+                <p:ext uri="{386F3935-93C4-4BCD-93E2-E3B085C9AB24}">
+                  <p16:designElem xmlns:p16="http://schemas.microsoft.com/office/powerpoint/2015/main" val="1"/>
+                </p:ext>
+              </p:extLst>
+            </p:nvPr>
+          </p:nvSpPr>
+          <p:spPr>
+            <a:xfrm>
+              <a:off x="6059903" y="246888"/>
+              <a:ext cx="54368" cy="59227"/>
+            </a:xfrm>
+            <a:prstGeom prst="ellipse">
+              <a:avLst/>
+            </a:prstGeom>
+            <a:solidFill>
+              <a:schemeClr val="accent1"/>
+            </a:solidFill>
+            <a:ln>
+              <a:noFill/>
+            </a:ln>
+          </p:spPr>
+          <p:style>
+            <a:lnRef idx="2">
+              <a:schemeClr val="accent1">
+                <a:shade val="50000"/>
+              </a:schemeClr>
+            </a:lnRef>
+            <a:fillRef idx="1">
+              <a:schemeClr val="accent1"/>
+            </a:fillRef>
+            <a:effectRef idx="0">
+              <a:schemeClr val="accent1"/>
+            </a:effectRef>
+            <a:fontRef idx="minor">
+              <a:schemeClr val="lt1"/>
+            </a:fontRef>
+          </p:style>
+          <p:txBody>
+            <a:bodyPr rtlCol="0" anchor="ctr"/>
+            <a:lstStyle/>
+            <a:p>
+              <a:pPr algn="ctr"/>
+              <a:endParaRPr lang="en-US"/>
+            </a:p>
+          </p:txBody>
+        </p:sp>
+        <p:sp>
+          <p:nvSpPr>
+            <p:cNvPr id="161" name="Rectangle 64">
+              <a:extLst>
+                <a:ext uri="{FF2B5EF4-FFF2-40B4-BE49-F238E27FC236}">
+                  <a16:creationId xmlns:a16="http://schemas.microsoft.com/office/drawing/2014/main" id="{A57516C0-1EB5-4D16-B4F6-F342958E81FA}"/>
+                </a:ext>
+                <a:ext uri="{C183D7F6-B498-43B3-948B-1728B52AA6E4}">
+                  <adec:decorative xmlns:adec="http://schemas.microsoft.com/office/drawing/2017/decorative" val="1"/>
+                </a:ext>
+              </a:extLst>
+            </p:cNvPr>
+            <p:cNvSpPr/>
+            <p:nvPr>
+              <p:extLst>
+                <p:ext uri="{386F3935-93C4-4BCD-93E2-E3B085C9AB24}">
+                  <p16:designElem xmlns:p16="http://schemas.microsoft.com/office/powerpoint/2015/main" val="1"/>
+                </p:ext>
+              </p:extLst>
+            </p:nvPr>
+          </p:nvSpPr>
+          <p:spPr>
+            <a:xfrm>
+              <a:off x="5934948" y="73152"/>
+              <a:ext cx="54368" cy="59227"/>
+            </a:xfrm>
+            <a:prstGeom prst="ellipse">
+              <a:avLst/>
+            </a:prstGeom>
+            <a:solidFill>
+              <a:schemeClr val="accent1"/>
+            </a:solidFill>
+            <a:ln>
+              <a:noFill/>
+            </a:ln>
+          </p:spPr>
+          <p:style>
+            <a:lnRef idx="2">
+              <a:schemeClr val="accent1">
+                <a:shade val="50000"/>
+              </a:schemeClr>
+            </a:lnRef>
+            <a:fillRef idx="1">
+              <a:schemeClr val="accent1"/>
+            </a:fillRef>
+            <a:effectRef idx="0">
+              <a:schemeClr val="accent1"/>
+            </a:effectRef>
+            <a:fontRef idx="minor">
+              <a:schemeClr val="lt1"/>
+            </a:fontRef>
+          </p:style>
+          <p:txBody>
+            <a:bodyPr rtlCol="0" anchor="ctr"/>
+            <a:lstStyle/>
+            <a:p>
+              <a:pPr algn="ctr"/>
+              <a:endParaRPr lang="en-US"/>
+            </a:p>
+          </p:txBody>
+        </p:sp>
+        <p:sp>
+          <p:nvSpPr>
+            <p:cNvPr id="162" name="Rectangle 66">
+              <a:extLst>
+                <a:ext uri="{FF2B5EF4-FFF2-40B4-BE49-F238E27FC236}">
+                  <a16:creationId xmlns:a16="http://schemas.microsoft.com/office/drawing/2014/main" id="{0D12C7D4-2304-4CD8-83B2-B5B11DF630F6}"/>
+                </a:ext>
+                <a:ext uri="{C183D7F6-B498-43B3-948B-1728B52AA6E4}">
+                  <adec:decorative xmlns:adec="http://schemas.microsoft.com/office/drawing/2017/decorative" val="1"/>
+                </a:ext>
+              </a:extLst>
+            </p:cNvPr>
+            <p:cNvSpPr/>
+            <p:nvPr>
+              <p:extLst>
+                <p:ext uri="{386F3935-93C4-4BCD-93E2-E3B085C9AB24}">
+                  <p16:designElem xmlns:p16="http://schemas.microsoft.com/office/powerpoint/2015/main" val="1"/>
+                </p:ext>
+              </p:extLst>
+            </p:nvPr>
+          </p:nvSpPr>
+          <p:spPr>
+            <a:xfrm>
+              <a:off x="5934948" y="246888"/>
+              <a:ext cx="54368" cy="59227"/>
+            </a:xfrm>
+            <a:prstGeom prst="ellipse">
+              <a:avLst/>
+            </a:prstGeom>
+            <a:solidFill>
+              <a:schemeClr val="accent1"/>
+            </a:solidFill>
+            <a:ln>
+              <a:noFill/>
+            </a:ln>
+          </p:spPr>
+          <p:style>
+            <a:lnRef idx="2">
+              <a:schemeClr val="accent1">
+                <a:shade val="50000"/>
+              </a:schemeClr>
+            </a:lnRef>
+            <a:fillRef idx="1">
+              <a:schemeClr val="accent1"/>
+            </a:fillRef>
+            <a:effectRef idx="0">
+              <a:schemeClr val="accent1"/>
+            </a:effectRef>
+            <a:fontRef idx="minor">
+              <a:schemeClr val="lt1"/>
+            </a:fontRef>
+          </p:style>
+          <p:txBody>
+            <a:bodyPr rtlCol="0" anchor="ctr"/>
+            <a:lstStyle/>
+            <a:p>
+              <a:pPr algn="ctr"/>
+              <a:endParaRPr lang="en-US"/>
+            </a:p>
+          </p:txBody>
+        </p:sp>
+      </p:grpSp>
+      <p:sp>
+        <p:nvSpPr>
+          <p:cNvPr id="1051" name="Rectangle 163">
+            <a:extLst>
+              <a:ext uri="{FF2B5EF4-FFF2-40B4-BE49-F238E27FC236}">
+                <a16:creationId xmlns:a16="http://schemas.microsoft.com/office/drawing/2014/main" id="{D9F5512A-48E1-4C07-B75E-3CCC517B6804}"/>
+              </a:ext>
+              <a:ext uri="{C183D7F6-B498-43B3-948B-1728B52AA6E4}">
+                <adec:decorative xmlns:adec="http://schemas.microsoft.com/office/drawing/2017/decorative" val="1"/>
+              </a:ext>
+            </a:extLst>
+          </p:cNvPr>
+          <p:cNvSpPr>
+            <a:spLocks noGrp="1" noRot="1" noChangeAspect="1" noMove="1" noResize="1" noEditPoints="1" noAdjustHandles="1" noChangeArrowheads="1" noChangeShapeType="1" noTextEdit="1"/>
+          </p:cNvSpPr>
+          <p:nvPr>
+            <p:extLst>
+              <p:ext uri="{386F3935-93C4-4BCD-93E2-E3B085C9AB24}">
+                <p16:designElem xmlns:p16="http://schemas.microsoft.com/office/powerpoint/2015/main" val="1"/>
+              </p:ext>
+            </p:extLst>
+          </p:nvPr>
+        </p:nvSpPr>
+        <p:spPr>
+          <a:xfrm>
+            <a:off x="-1" y="3233984"/>
+            <a:ext cx="606972" cy="3624015"/>
+          </a:xfrm>
+          <a:prstGeom prst="rect">
+            <a:avLst/>
+          </a:prstGeom>
+          <a:solidFill>
+            <a:schemeClr val="accent1"/>
+          </a:solidFill>
+          <a:ln>
+            <a:noFill/>
+          </a:ln>
+        </p:spPr>
+        <p:style>
+          <a:lnRef idx="2">
+            <a:schemeClr val="accent1">
+              <a:shade val="50000"/>
+            </a:schemeClr>
+          </a:lnRef>
+          <a:fillRef idx="1">
+            <a:schemeClr val="accent1"/>
+          </a:fillRef>
+          <a:effectRef idx="0">
+            <a:schemeClr val="accent1"/>
+          </a:effectRef>
+          <a:fontRef idx="minor">
+            <a:schemeClr val="lt1"/>
+          </a:fontRef>
+        </p:style>
+        <p:txBody>
+          <a:bodyPr rtlCol="0" anchor="ctr"/>
+          <a:lstStyle/>
+          <a:p>
+            <a:pPr algn="ctr"/>
+            <a:endParaRPr lang="en-US"/>
+          </a:p>
+        </p:txBody>
+      </p:sp>
+      <p:pic>
+        <p:nvPicPr>
+          <p:cNvPr id="6" name="Picture 5">
+            <a:extLst>
+              <a:ext uri="{FF2B5EF4-FFF2-40B4-BE49-F238E27FC236}">
+                <a16:creationId xmlns:a16="http://schemas.microsoft.com/office/drawing/2014/main" id="{C62CB4EB-AFFD-4B98-A52E-436058D200C2}"/>
+              </a:ext>
+            </a:extLst>
+          </p:cNvPr>
+          <p:cNvPicPr>
+            <a:picLocks noChangeAspect="1"/>
+          </p:cNvPicPr>
+          <p:nvPr/>
+        </p:nvPicPr>
+        <p:blipFill>
+          <a:blip r:embed="rId2"/>
+          <a:stretch>
+            <a:fillRect/>
+          </a:stretch>
+        </p:blipFill>
+        <p:spPr>
+          <a:xfrm>
+            <a:off x="1188720" y="1042057"/>
+            <a:ext cx="3743325" cy="1428750"/>
+          </a:xfrm>
+          <a:prstGeom prst="rect">
+            <a:avLst/>
+          </a:prstGeom>
+        </p:spPr>
+      </p:pic>
+      <p:sp>
+        <p:nvSpPr>
+          <p:cNvPr id="45" name="Rectangle 44">
+            <a:extLst>
+              <a:ext uri="{FF2B5EF4-FFF2-40B4-BE49-F238E27FC236}">
+                <a16:creationId xmlns:a16="http://schemas.microsoft.com/office/drawing/2014/main" id="{49F0FD30-2D3B-4D44-81D1-050B4627D050}"/>
+              </a:ext>
+            </a:extLst>
+          </p:cNvPr>
+          <p:cNvSpPr/>
+          <p:nvPr/>
+        </p:nvSpPr>
+        <p:spPr>
+          <a:xfrm>
+            <a:off x="1188720" y="2007002"/>
+            <a:ext cx="1478280" cy="364723"/>
+          </a:xfrm>
+          <a:prstGeom prst="rect">
+            <a:avLst/>
+          </a:prstGeom>
+          <a:noFill/>
+          <a:ln w="28575">
+            <a:solidFill>
+              <a:srgbClr val="FF0000"/>
+            </a:solidFill>
+          </a:ln>
+        </p:spPr>
+        <p:style>
+          <a:lnRef idx="2">
+            <a:schemeClr val="accent1">
+              <a:shade val="50000"/>
+            </a:schemeClr>
+          </a:lnRef>
+          <a:fillRef idx="1">
+            <a:schemeClr val="accent1"/>
+          </a:fillRef>
+          <a:effectRef idx="0">
+            <a:schemeClr val="accent1"/>
+          </a:effectRef>
+          <a:fontRef idx="minor">
+            <a:schemeClr val="lt1"/>
+          </a:fontRef>
+        </p:style>
+        <p:txBody>
+          <a:bodyPr rtlCol="0" anchor="ctr"/>
+          <a:lstStyle/>
+          <a:p>
+            <a:pPr algn="ctr"/>
+            <a:endParaRPr lang="en-CA"/>
+          </a:p>
+        </p:txBody>
+      </p:sp>
+      <p:pic>
+        <p:nvPicPr>
+          <p:cNvPr id="8" name="Picture 7">
+            <a:extLst>
+              <a:ext uri="{FF2B5EF4-FFF2-40B4-BE49-F238E27FC236}">
+                <a16:creationId xmlns:a16="http://schemas.microsoft.com/office/drawing/2014/main" id="{8877FDBA-9823-4A41-811A-CF193A32796B}"/>
+              </a:ext>
+            </a:extLst>
+          </p:cNvPr>
+          <p:cNvPicPr>
+            <a:picLocks noChangeAspect="1"/>
+          </p:cNvPicPr>
+          <p:nvPr/>
+        </p:nvPicPr>
+        <p:blipFill>
+          <a:blip r:embed="rId3"/>
+          <a:stretch>
+            <a:fillRect/>
+          </a:stretch>
+        </p:blipFill>
+        <p:spPr>
+          <a:xfrm>
+            <a:off x="5069769" y="276502"/>
+            <a:ext cx="4564964" cy="6236522"/>
+          </a:xfrm>
+          <a:prstGeom prst="rect">
+            <a:avLst/>
+          </a:prstGeom>
+        </p:spPr>
+      </p:pic>
+      <p:sp>
+        <p:nvSpPr>
+          <p:cNvPr id="48" name="Rectangle 47">
+            <a:extLst>
+              <a:ext uri="{FF2B5EF4-FFF2-40B4-BE49-F238E27FC236}">
+                <a16:creationId xmlns:a16="http://schemas.microsoft.com/office/drawing/2014/main" id="{CDB112B1-2815-40F6-9985-74E27BAA506A}"/>
+              </a:ext>
+            </a:extLst>
+          </p:cNvPr>
+          <p:cNvSpPr/>
+          <p:nvPr/>
+        </p:nvSpPr>
+        <p:spPr>
+          <a:xfrm>
+            <a:off x="4970145" y="1284913"/>
+            <a:ext cx="3538670" cy="991562"/>
+          </a:xfrm>
+          <a:prstGeom prst="rect">
+            <a:avLst/>
+          </a:prstGeom>
+          <a:noFill/>
+          <a:ln w="28575">
+            <a:solidFill>
+              <a:srgbClr val="FF0000"/>
+            </a:solidFill>
+          </a:ln>
+        </p:spPr>
+        <p:style>
+          <a:lnRef idx="2">
+            <a:schemeClr val="accent1">
+              <a:shade val="50000"/>
+            </a:schemeClr>
+          </a:lnRef>
+          <a:fillRef idx="1">
+            <a:schemeClr val="accent1"/>
+          </a:fillRef>
+          <a:effectRef idx="0">
+            <a:schemeClr val="accent1"/>
+          </a:effectRef>
+          <a:fontRef idx="minor">
+            <a:schemeClr val="lt1"/>
+          </a:fontRef>
+        </p:style>
+        <p:txBody>
+          <a:bodyPr rtlCol="0" anchor="ctr"/>
+          <a:lstStyle/>
+          <a:p>
+            <a:pPr algn="ctr"/>
+            <a:endParaRPr lang="en-CA"/>
+          </a:p>
+        </p:txBody>
+      </p:sp>
+    </p:spTree>
+    <p:extLst>
+      <p:ext uri="{BB962C8B-B14F-4D97-AF65-F5344CB8AC3E}">
+        <p14:creationId xmlns:p14="http://schemas.microsoft.com/office/powerpoint/2010/main" val="3530470900"/>
+      </p:ext>
+    </p:extLst>
+  </p:cSld>
+  <p:clrMapOvr>
+    <a:masterClrMapping/>
+  </p:clrMapOvr>
+</p:sld>
+</file>
+
+<file path=ppt/slides/slide19.xml><?xml version="1.0" encoding="utf-8"?>
+<p:sld xmlns:a="http://schemas.openxmlformats.org/drawingml/2006/main" xmlns:r="http://schemas.openxmlformats.org/officeDocument/2006/relationships" xmlns:p="http://schemas.openxmlformats.org/presentationml/2006/main">
+  <p:cSld>
+    <p:bg>
+      <p:bgPr>
+        <a:solidFill>
+          <a:schemeClr val="bg1"/>
+        </a:solidFill>
+        <a:effectLst/>
+      </p:bgPr>
+    </p:bg>
+    <p:spTree>
+      <p:nvGrpSpPr>
+        <p:cNvPr id="1" name=""/>
+        <p:cNvGrpSpPr/>
+        <p:nvPr/>
+      </p:nvGrpSpPr>
+      <p:grpSpPr>
+        <a:xfrm>
+          <a:off x="0" y="0"/>
+          <a:ext cx="0" cy="0"/>
+          <a:chOff x="0" y="0"/>
+          <a:chExt cx="0" cy="0"/>
+        </a:xfrm>
+      </p:grpSpPr>
+      <p:sp useBgFill="1">
+        <p:nvSpPr>
+          <p:cNvPr id="1046" name="Rectangle 137">
+            <a:extLst>
+              <a:ext uri="{FF2B5EF4-FFF2-40B4-BE49-F238E27FC236}">
+                <a16:creationId xmlns:a16="http://schemas.microsoft.com/office/drawing/2014/main" id="{7316481C-0A49-4796-812B-0D64F063B720}"/>
+              </a:ext>
+              <a:ext uri="{C183D7F6-B498-43B3-948B-1728B52AA6E4}">
+                <adec:decorative xmlns:adec="http://schemas.microsoft.com/office/drawing/2017/decorative" val="1"/>
+              </a:ext>
+            </a:extLst>
+          </p:cNvPr>
+          <p:cNvSpPr>
+            <a:spLocks noGrp="1" noRot="1" noChangeAspect="1" noMove="1" noResize="1" noEditPoints="1" noAdjustHandles="1" noChangeArrowheads="1" noChangeShapeType="1" noTextEdit="1"/>
+          </p:cNvSpPr>
+          <p:nvPr>
+            <p:extLst>
+              <p:ext uri="{386F3935-93C4-4BCD-93E2-E3B085C9AB24}">
+                <p16:designElem xmlns:p16="http://schemas.microsoft.com/office/powerpoint/2015/main" val="1"/>
+              </p:ext>
+            </p:extLst>
+          </p:nvPr>
+        </p:nvSpPr>
+        <p:spPr>
+          <a:xfrm>
+            <a:off x="0" y="0"/>
+            <a:ext cx="12192000" cy="6858000"/>
+          </a:xfrm>
+          <a:prstGeom prst="rect">
+            <a:avLst/>
+          </a:prstGeom>
+          <a:ln>
+            <a:noFill/>
+          </a:ln>
+        </p:spPr>
+        <p:style>
+          <a:lnRef idx="2">
+            <a:schemeClr val="accent1">
+              <a:shade val="50000"/>
+            </a:schemeClr>
+          </a:lnRef>
+          <a:fillRef idx="1">
+            <a:schemeClr val="accent1"/>
+          </a:fillRef>
+          <a:effectRef idx="0">
+            <a:schemeClr val="accent1"/>
+          </a:effectRef>
+          <a:fontRef idx="minor">
+            <a:schemeClr val="lt1"/>
+          </a:fontRef>
+        </p:style>
+        <p:txBody>
+          <a:bodyPr rtlCol="0" anchor="ctr"/>
+          <a:lstStyle/>
+          <a:p>
+            <a:pPr algn="ctr"/>
+            <a:endParaRPr lang="en-US"/>
+          </a:p>
+        </p:txBody>
+      </p:sp>
+      <p:sp>
+        <p:nvSpPr>
+          <p:cNvPr id="2" name="Title 1">
+            <a:extLst>
+              <a:ext uri="{FF2B5EF4-FFF2-40B4-BE49-F238E27FC236}">
+                <a16:creationId xmlns:a16="http://schemas.microsoft.com/office/drawing/2014/main" id="{A73A5D8E-3007-4378-92E3-B7AC02C4DC95}"/>
+              </a:ext>
+            </a:extLst>
+          </p:cNvPr>
+          <p:cNvSpPr>
+            <a:spLocks noGrp="1"/>
+          </p:cNvSpPr>
+          <p:nvPr>
+            <p:ph type="title"/>
+          </p:nvPr>
+        </p:nvSpPr>
+        <p:spPr>
+          <a:xfrm>
+            <a:off x="1116498" y="420624"/>
+            <a:ext cx="6499109" cy="506924"/>
+          </a:xfrm>
+        </p:spPr>
+        <p:txBody>
+          <a:bodyPr vert="horz" lIns="91440" tIns="45720" rIns="91440" bIns="45720" rtlCol="0" anchor="b">
+            <a:normAutofit fontScale="90000"/>
+          </a:bodyPr>
+          <a:lstStyle/>
+          <a:p>
+            <a:r>
+              <a:rPr lang="en-US" sz="3200" dirty="0"/>
+              <a:t>Future Works</a:t>
+            </a:r>
+          </a:p>
+        </p:txBody>
+      </p:sp>
+      <p:sp>
+        <p:nvSpPr>
+          <p:cNvPr id="1047" name="Rectangle 139">
+            <a:extLst>
+              <a:ext uri="{FF2B5EF4-FFF2-40B4-BE49-F238E27FC236}">
+                <a16:creationId xmlns:a16="http://schemas.microsoft.com/office/drawing/2014/main" id="{A5271697-90F1-4A23-8EF2-0179F2EAFACB}"/>
+              </a:ext>
+              <a:ext uri="{C183D7F6-B498-43B3-948B-1728B52AA6E4}">
+                <adec:decorative xmlns:adec="http://schemas.microsoft.com/office/drawing/2017/decorative" val="1"/>
+              </a:ext>
+            </a:extLst>
+          </p:cNvPr>
+          <p:cNvSpPr>
+            <a:spLocks noGrp="1" noRot="1" noChangeAspect="1" noMove="1" noResize="1" noEditPoints="1" noAdjustHandles="1" noChangeArrowheads="1" noChangeShapeType="1" noTextEdit="1"/>
+          </p:cNvSpPr>
+          <p:nvPr>
+            <p:extLst>
+              <p:ext uri="{386F3935-93C4-4BCD-93E2-E3B085C9AB24}">
+                <p16:designElem xmlns:p16="http://schemas.microsoft.com/office/powerpoint/2015/main" val="1"/>
+              </p:ext>
+            </p:extLst>
+          </p:nvPr>
+        </p:nvSpPr>
+        <p:spPr>
+          <a:xfrm>
+            <a:off x="-1" y="1"/>
+            <a:ext cx="606972" cy="3233984"/>
+          </a:xfrm>
+          <a:prstGeom prst="rect">
+            <a:avLst/>
+          </a:prstGeom>
+          <a:solidFill>
+            <a:schemeClr val="tx1">
+              <a:lumMod val="85000"/>
+              <a:lumOff val="15000"/>
+            </a:schemeClr>
+          </a:solidFill>
+          <a:ln>
+            <a:noFill/>
+          </a:ln>
+        </p:spPr>
+        <p:style>
+          <a:lnRef idx="2">
+            <a:schemeClr val="accent1">
+              <a:shade val="50000"/>
+            </a:schemeClr>
+          </a:lnRef>
+          <a:fillRef idx="1">
+            <a:schemeClr val="accent1"/>
+          </a:fillRef>
+          <a:effectRef idx="0">
+            <a:schemeClr val="accent1"/>
+          </a:effectRef>
+          <a:fontRef idx="minor">
+            <a:schemeClr val="lt1"/>
+          </a:fontRef>
+        </p:style>
+        <p:txBody>
+          <a:bodyPr rtlCol="0" anchor="ctr"/>
+          <a:lstStyle/>
+          <a:p>
+            <a:pPr algn="ctr"/>
+            <a:endParaRPr lang="en-US"/>
+          </a:p>
+        </p:txBody>
+      </p:sp>
+      <p:grpSp>
+        <p:nvGrpSpPr>
+          <p:cNvPr id="1048" name="Group 141">
+            <a:extLst>
+              <a:ext uri="{FF2B5EF4-FFF2-40B4-BE49-F238E27FC236}">
+                <a16:creationId xmlns:a16="http://schemas.microsoft.com/office/drawing/2014/main" id="{4CB581D0-0B25-4552-8130-B8C8B8D8EA5C}"/>
+              </a:ext>
+              <a:ext uri="{C183D7F6-B498-43B3-948B-1728B52AA6E4}">
+                <adec:decorative xmlns:adec="http://schemas.microsoft.com/office/drawing/2017/decorative" val="1"/>
+              </a:ext>
+            </a:extLst>
+          </p:cNvPr>
+          <p:cNvGrpSpPr>
+            <a:grpSpLocks noGrp="1" noUngrp="1" noRot="1" noChangeAspect="1" noMove="1" noResize="1"/>
+          </p:cNvGrpSpPr>
+          <p:nvPr>
+            <p:extLst>
+              <p:ext uri="{386F3935-93C4-4BCD-93E2-E3B085C9AB24}">
+                <p16:designElem xmlns:p16="http://schemas.microsoft.com/office/powerpoint/2015/main" val="1"/>
+              </p:ext>
+            </p:extLst>
+          </p:nvPr>
+        </p:nvGrpSpPr>
+        <p:grpSpPr>
+          <a:xfrm>
+            <a:off x="1188720" y="73152"/>
+            <a:ext cx="1178966" cy="232963"/>
+            <a:chOff x="5310171" y="73152"/>
+            <a:chExt cx="1178966" cy="232963"/>
+          </a:xfrm>
+        </p:grpSpPr>
+        <p:sp>
+          <p:nvSpPr>
+            <p:cNvPr id="143" name="Rectangle 64">
+              <a:extLst>
+                <a:ext uri="{FF2B5EF4-FFF2-40B4-BE49-F238E27FC236}">
+                  <a16:creationId xmlns:a16="http://schemas.microsoft.com/office/drawing/2014/main" id="{513A0E0E-B9DC-4FB1-B7BD-98AE60B3D8DD}"/>
+                </a:ext>
+                <a:ext uri="{C183D7F6-B498-43B3-948B-1728B52AA6E4}">
+                  <adec:decorative xmlns:adec="http://schemas.microsoft.com/office/drawing/2017/decorative" val="1"/>
+                </a:ext>
+              </a:extLst>
+            </p:cNvPr>
+            <p:cNvSpPr/>
+            <p:nvPr>
+              <p:extLst>
+                <p:ext uri="{386F3935-93C4-4BCD-93E2-E3B085C9AB24}">
+                  <p16:designElem xmlns:p16="http://schemas.microsoft.com/office/powerpoint/2015/main" val="1"/>
+                </p:ext>
+              </p:extLst>
+            </p:nvPr>
+          </p:nvSpPr>
+          <p:spPr>
+            <a:xfrm>
+              <a:off x="5809992" y="73152"/>
+              <a:ext cx="54368" cy="59227"/>
+            </a:xfrm>
+            <a:prstGeom prst="ellipse">
+              <a:avLst/>
+            </a:prstGeom>
+            <a:solidFill>
+              <a:schemeClr val="accent1"/>
+            </a:solidFill>
+            <a:ln>
+              <a:noFill/>
+            </a:ln>
+          </p:spPr>
+          <p:style>
+            <a:lnRef idx="2">
+              <a:schemeClr val="accent1">
+                <a:shade val="50000"/>
+              </a:schemeClr>
+            </a:lnRef>
+            <a:fillRef idx="1">
+              <a:schemeClr val="accent1"/>
+            </a:fillRef>
+            <a:effectRef idx="0">
+              <a:schemeClr val="accent1"/>
+            </a:effectRef>
+            <a:fontRef idx="minor">
+              <a:schemeClr val="lt1"/>
+            </a:fontRef>
+          </p:style>
+          <p:txBody>
+            <a:bodyPr rtlCol="0" anchor="ctr"/>
+            <a:lstStyle/>
+            <a:p>
+              <a:pPr algn="ctr"/>
+              <a:endParaRPr lang="en-US"/>
+            </a:p>
+          </p:txBody>
+        </p:sp>
+        <p:sp>
+          <p:nvSpPr>
+            <p:cNvPr id="1049" name="Rectangle 66">
+              <a:extLst>
+                <a:ext uri="{FF2B5EF4-FFF2-40B4-BE49-F238E27FC236}">
+                  <a16:creationId xmlns:a16="http://schemas.microsoft.com/office/drawing/2014/main" id="{AF323F97-88B1-4FC6-9E17-4EAB6D340D67}"/>
+                </a:ext>
+                <a:ext uri="{C183D7F6-B498-43B3-948B-1728B52AA6E4}">
+                  <adec:decorative xmlns:adec="http://schemas.microsoft.com/office/drawing/2017/decorative" val="1"/>
+                </a:ext>
+              </a:extLst>
+            </p:cNvPr>
+            <p:cNvSpPr/>
+            <p:nvPr>
+              <p:extLst>
+                <p:ext uri="{386F3935-93C4-4BCD-93E2-E3B085C9AB24}">
+                  <p16:designElem xmlns:p16="http://schemas.microsoft.com/office/powerpoint/2015/main" val="1"/>
+                </p:ext>
+              </p:extLst>
+            </p:nvPr>
+          </p:nvSpPr>
+          <p:spPr>
+            <a:xfrm>
+              <a:off x="5809992" y="246888"/>
+              <a:ext cx="54368" cy="59227"/>
+            </a:xfrm>
+            <a:prstGeom prst="ellipse">
+              <a:avLst/>
+            </a:prstGeom>
+            <a:solidFill>
+              <a:schemeClr val="accent1"/>
+            </a:solidFill>
+            <a:ln>
+              <a:noFill/>
+            </a:ln>
+          </p:spPr>
+          <p:style>
+            <a:lnRef idx="2">
+              <a:schemeClr val="accent1">
+                <a:shade val="50000"/>
+              </a:schemeClr>
+            </a:lnRef>
+            <a:fillRef idx="1">
+              <a:schemeClr val="accent1"/>
+            </a:fillRef>
+            <a:effectRef idx="0">
+              <a:schemeClr val="accent1"/>
+            </a:effectRef>
+            <a:fontRef idx="minor">
+              <a:schemeClr val="lt1"/>
+            </a:fontRef>
+          </p:style>
+          <p:txBody>
+            <a:bodyPr rtlCol="0" anchor="ctr"/>
+            <a:lstStyle/>
+            <a:p>
+              <a:pPr algn="ctr"/>
+              <a:endParaRPr lang="en-US"/>
+            </a:p>
+          </p:txBody>
+        </p:sp>
+        <p:sp>
+          <p:nvSpPr>
+            <p:cNvPr id="145" name="Rectangle 64">
+              <a:extLst>
+                <a:ext uri="{FF2B5EF4-FFF2-40B4-BE49-F238E27FC236}">
+                  <a16:creationId xmlns:a16="http://schemas.microsoft.com/office/drawing/2014/main" id="{CD7E1221-66F7-401A-9FA4-7A5999BE5F78}"/>
+                </a:ext>
+                <a:ext uri="{C183D7F6-B498-43B3-948B-1728B52AA6E4}">
+                  <adec:decorative xmlns:adec="http://schemas.microsoft.com/office/drawing/2017/decorative" val="1"/>
+                </a:ext>
+              </a:extLst>
+            </p:cNvPr>
+            <p:cNvSpPr/>
+            <p:nvPr>
+              <p:extLst>
+                <p:ext uri="{386F3935-93C4-4BCD-93E2-E3B085C9AB24}">
+                  <p16:designElem xmlns:p16="http://schemas.microsoft.com/office/powerpoint/2015/main" val="1"/>
+                </p:ext>
+              </p:extLst>
+            </p:nvPr>
+          </p:nvSpPr>
+          <p:spPr>
+            <a:xfrm>
+              <a:off x="5685037" y="73152"/>
+              <a:ext cx="54368" cy="59227"/>
+            </a:xfrm>
+            <a:prstGeom prst="ellipse">
+              <a:avLst/>
+            </a:prstGeom>
+            <a:solidFill>
+              <a:schemeClr val="accent1"/>
+            </a:solidFill>
+            <a:ln>
+              <a:noFill/>
+            </a:ln>
+          </p:spPr>
+          <p:style>
+            <a:lnRef idx="2">
+              <a:schemeClr val="accent1">
+                <a:shade val="50000"/>
+              </a:schemeClr>
+            </a:lnRef>
+            <a:fillRef idx="1">
+              <a:schemeClr val="accent1"/>
+            </a:fillRef>
+            <a:effectRef idx="0">
+              <a:schemeClr val="accent1"/>
+            </a:effectRef>
+            <a:fontRef idx="minor">
+              <a:schemeClr val="lt1"/>
+            </a:fontRef>
+          </p:style>
+          <p:txBody>
+            <a:bodyPr rtlCol="0" anchor="ctr"/>
+            <a:lstStyle/>
+            <a:p>
+              <a:pPr algn="ctr"/>
+              <a:endParaRPr lang="en-US"/>
+            </a:p>
+          </p:txBody>
+        </p:sp>
+        <p:sp>
+          <p:nvSpPr>
+            <p:cNvPr id="1050" name="Rectangle 66">
+              <a:extLst>
+                <a:ext uri="{FF2B5EF4-FFF2-40B4-BE49-F238E27FC236}">
+                  <a16:creationId xmlns:a16="http://schemas.microsoft.com/office/drawing/2014/main" id="{F7959185-BC34-4EC8-84E2-E6907F5FC636}"/>
+                </a:ext>
+                <a:ext uri="{C183D7F6-B498-43B3-948B-1728B52AA6E4}">
+                  <adec:decorative xmlns:adec="http://schemas.microsoft.com/office/drawing/2017/decorative" val="1"/>
+                </a:ext>
+              </a:extLst>
+            </p:cNvPr>
+            <p:cNvSpPr/>
+            <p:nvPr>
+              <p:extLst>
+                <p:ext uri="{386F3935-93C4-4BCD-93E2-E3B085C9AB24}">
+                  <p16:designElem xmlns:p16="http://schemas.microsoft.com/office/powerpoint/2015/main" val="1"/>
+                </p:ext>
+              </p:extLst>
+            </p:nvPr>
+          </p:nvSpPr>
+          <p:spPr>
+            <a:xfrm>
+              <a:off x="5685037" y="246888"/>
+              <a:ext cx="54368" cy="59227"/>
+            </a:xfrm>
+            <a:prstGeom prst="ellipse">
+              <a:avLst/>
+            </a:prstGeom>
+            <a:solidFill>
+              <a:schemeClr val="accent1"/>
+            </a:solidFill>
+            <a:ln>
+              <a:noFill/>
+            </a:ln>
+          </p:spPr>
+          <p:style>
+            <a:lnRef idx="2">
+              <a:schemeClr val="accent1">
+                <a:shade val="50000"/>
+              </a:schemeClr>
+            </a:lnRef>
+            <a:fillRef idx="1">
+              <a:schemeClr val="accent1"/>
+            </a:fillRef>
+            <a:effectRef idx="0">
+              <a:schemeClr val="accent1"/>
+            </a:effectRef>
+            <a:fontRef idx="minor">
+              <a:schemeClr val="lt1"/>
+            </a:fontRef>
+          </p:style>
+          <p:txBody>
+            <a:bodyPr rtlCol="0" anchor="ctr"/>
+            <a:lstStyle/>
+            <a:p>
+              <a:pPr algn="ctr"/>
+              <a:endParaRPr lang="en-US"/>
+            </a:p>
+          </p:txBody>
+        </p:sp>
+        <p:sp>
+          <p:nvSpPr>
+            <p:cNvPr id="147" name="Rectangle 64">
+              <a:extLst>
+                <a:ext uri="{FF2B5EF4-FFF2-40B4-BE49-F238E27FC236}">
+                  <a16:creationId xmlns:a16="http://schemas.microsoft.com/office/drawing/2014/main" id="{8160D755-724C-4DE4-B2B2-BDF7FE1A3450}"/>
+                </a:ext>
+                <a:ext uri="{C183D7F6-B498-43B3-948B-1728B52AA6E4}">
+                  <adec:decorative xmlns:adec="http://schemas.microsoft.com/office/drawing/2017/decorative" val="1"/>
+                </a:ext>
+              </a:extLst>
+            </p:cNvPr>
+            <p:cNvSpPr/>
+            <p:nvPr>
+              <p:extLst>
+                <p:ext uri="{386F3935-93C4-4BCD-93E2-E3B085C9AB24}">
+                  <p16:designElem xmlns:p16="http://schemas.microsoft.com/office/powerpoint/2015/main" val="1"/>
+                </p:ext>
+              </p:extLst>
+            </p:nvPr>
+          </p:nvSpPr>
+          <p:spPr>
+            <a:xfrm>
+              <a:off x="5560082" y="73152"/>
+              <a:ext cx="54368" cy="59227"/>
+            </a:xfrm>
+            <a:prstGeom prst="ellipse">
+              <a:avLst/>
+            </a:prstGeom>
+            <a:solidFill>
+              <a:schemeClr val="accent1"/>
+            </a:solidFill>
+            <a:ln>
+              <a:noFill/>
+            </a:ln>
+          </p:spPr>
+          <p:style>
+            <a:lnRef idx="2">
+              <a:schemeClr val="accent1">
+                <a:shade val="50000"/>
+              </a:schemeClr>
+            </a:lnRef>
+            <a:fillRef idx="1">
+              <a:schemeClr val="accent1"/>
+            </a:fillRef>
+            <a:effectRef idx="0">
+              <a:schemeClr val="accent1"/>
+            </a:effectRef>
+            <a:fontRef idx="minor">
+              <a:schemeClr val="lt1"/>
+            </a:fontRef>
+          </p:style>
+          <p:txBody>
+            <a:bodyPr rtlCol="0" anchor="ctr"/>
+            <a:lstStyle/>
+            <a:p>
+              <a:pPr algn="ctr"/>
+              <a:endParaRPr lang="en-US"/>
+            </a:p>
+          </p:txBody>
+        </p:sp>
+        <p:sp>
+          <p:nvSpPr>
+            <p:cNvPr id="148" name="Rectangle 66">
+              <a:extLst>
+                <a:ext uri="{FF2B5EF4-FFF2-40B4-BE49-F238E27FC236}">
+                  <a16:creationId xmlns:a16="http://schemas.microsoft.com/office/drawing/2014/main" id="{678AF90C-8523-449B-9B2A-EC68A7775394}"/>
+                </a:ext>
+                <a:ext uri="{C183D7F6-B498-43B3-948B-1728B52AA6E4}">
+                  <adec:decorative xmlns:adec="http://schemas.microsoft.com/office/drawing/2017/decorative" val="1"/>
+                </a:ext>
+              </a:extLst>
+            </p:cNvPr>
+            <p:cNvSpPr/>
+            <p:nvPr>
+              <p:extLst>
+                <p:ext uri="{386F3935-93C4-4BCD-93E2-E3B085C9AB24}">
+                  <p16:designElem xmlns:p16="http://schemas.microsoft.com/office/powerpoint/2015/main" val="1"/>
+                </p:ext>
+              </p:extLst>
+            </p:nvPr>
+          </p:nvSpPr>
+          <p:spPr>
+            <a:xfrm>
+              <a:off x="5560082" y="246888"/>
+              <a:ext cx="54368" cy="59227"/>
+            </a:xfrm>
+            <a:prstGeom prst="ellipse">
+              <a:avLst/>
+            </a:prstGeom>
+            <a:solidFill>
+              <a:schemeClr val="accent1"/>
+            </a:solidFill>
+            <a:ln>
+              <a:noFill/>
+            </a:ln>
+          </p:spPr>
+          <p:style>
+            <a:lnRef idx="2">
+              <a:schemeClr val="accent1">
+                <a:shade val="50000"/>
+              </a:schemeClr>
+            </a:lnRef>
+            <a:fillRef idx="1">
+              <a:schemeClr val="accent1"/>
+            </a:fillRef>
+            <a:effectRef idx="0">
+              <a:schemeClr val="accent1"/>
+            </a:effectRef>
+            <a:fontRef idx="minor">
+              <a:schemeClr val="lt1"/>
+            </a:fontRef>
+          </p:style>
+          <p:txBody>
+            <a:bodyPr rtlCol="0" anchor="ctr"/>
+            <a:lstStyle/>
+            <a:p>
+              <a:pPr algn="ctr"/>
+              <a:endParaRPr lang="en-US"/>
+            </a:p>
+          </p:txBody>
+        </p:sp>
+        <p:sp>
+          <p:nvSpPr>
+            <p:cNvPr id="149" name="Rectangle 64">
+              <a:extLst>
+                <a:ext uri="{FF2B5EF4-FFF2-40B4-BE49-F238E27FC236}">
+                  <a16:creationId xmlns:a16="http://schemas.microsoft.com/office/drawing/2014/main" id="{59FC2840-E043-4862-B5F4-5C617EEBFD7C}"/>
+                </a:ext>
+                <a:ext uri="{C183D7F6-B498-43B3-948B-1728B52AA6E4}">
+                  <adec:decorative xmlns:adec="http://schemas.microsoft.com/office/drawing/2017/decorative" val="1"/>
+                </a:ext>
+              </a:extLst>
+            </p:cNvPr>
+            <p:cNvSpPr/>
+            <p:nvPr>
+              <p:extLst>
+                <p:ext uri="{386F3935-93C4-4BCD-93E2-E3B085C9AB24}">
+                  <p16:designElem xmlns:p16="http://schemas.microsoft.com/office/powerpoint/2015/main" val="1"/>
+                </p:ext>
+              </p:extLst>
+            </p:nvPr>
+          </p:nvSpPr>
+          <p:spPr>
+            <a:xfrm>
+              <a:off x="5435126" y="73152"/>
+              <a:ext cx="54368" cy="59227"/>
+            </a:xfrm>
+            <a:prstGeom prst="ellipse">
+              <a:avLst/>
+            </a:prstGeom>
+            <a:solidFill>
+              <a:schemeClr val="accent1"/>
+            </a:solidFill>
+            <a:ln>
+              <a:noFill/>
+            </a:ln>
+          </p:spPr>
+          <p:style>
+            <a:lnRef idx="2">
+              <a:schemeClr val="accent1">
+                <a:shade val="50000"/>
+              </a:schemeClr>
+            </a:lnRef>
+            <a:fillRef idx="1">
+              <a:schemeClr val="accent1"/>
+            </a:fillRef>
+            <a:effectRef idx="0">
+              <a:schemeClr val="accent1"/>
+            </a:effectRef>
+            <a:fontRef idx="minor">
+              <a:schemeClr val="lt1"/>
+            </a:fontRef>
+          </p:style>
+          <p:txBody>
+            <a:bodyPr rtlCol="0" anchor="ctr"/>
+            <a:lstStyle/>
+            <a:p>
+              <a:pPr algn="ctr"/>
+              <a:endParaRPr lang="en-US"/>
+            </a:p>
+          </p:txBody>
+        </p:sp>
+        <p:sp>
+          <p:nvSpPr>
+            <p:cNvPr id="150" name="Rectangle 66">
+              <a:extLst>
+                <a:ext uri="{FF2B5EF4-FFF2-40B4-BE49-F238E27FC236}">
+                  <a16:creationId xmlns:a16="http://schemas.microsoft.com/office/drawing/2014/main" id="{C528239A-AE83-4C6A-BB97-4AAEC3F356E1}"/>
+                </a:ext>
+                <a:ext uri="{C183D7F6-B498-43B3-948B-1728B52AA6E4}">
+                  <adec:decorative xmlns:adec="http://schemas.microsoft.com/office/drawing/2017/decorative" val="1"/>
+                </a:ext>
+              </a:extLst>
+            </p:cNvPr>
+            <p:cNvSpPr/>
+            <p:nvPr>
+              <p:extLst>
+                <p:ext uri="{386F3935-93C4-4BCD-93E2-E3B085C9AB24}">
+                  <p16:designElem xmlns:p16="http://schemas.microsoft.com/office/powerpoint/2015/main" val="1"/>
+                </p:ext>
+              </p:extLst>
+            </p:nvPr>
+          </p:nvSpPr>
+          <p:spPr>
+            <a:xfrm>
+              <a:off x="5435126" y="246888"/>
+              <a:ext cx="54368" cy="59227"/>
+            </a:xfrm>
+            <a:prstGeom prst="ellipse">
+              <a:avLst/>
+            </a:prstGeom>
+            <a:solidFill>
+              <a:schemeClr val="accent1"/>
+            </a:solidFill>
+            <a:ln>
+              <a:noFill/>
+            </a:ln>
+          </p:spPr>
+          <p:style>
+            <a:lnRef idx="2">
+              <a:schemeClr val="accent1">
+                <a:shade val="50000"/>
+              </a:schemeClr>
+            </a:lnRef>
+            <a:fillRef idx="1">
+              <a:schemeClr val="accent1"/>
+            </a:fillRef>
+            <a:effectRef idx="0">
+              <a:schemeClr val="accent1"/>
+            </a:effectRef>
+            <a:fontRef idx="minor">
+              <a:schemeClr val="lt1"/>
+            </a:fontRef>
+          </p:style>
+          <p:txBody>
+            <a:bodyPr rtlCol="0" anchor="ctr"/>
+            <a:lstStyle/>
+            <a:p>
+              <a:pPr algn="ctr"/>
+              <a:endParaRPr lang="en-US"/>
+            </a:p>
+          </p:txBody>
+        </p:sp>
+        <p:sp>
+          <p:nvSpPr>
+            <p:cNvPr id="151" name="Rectangle 64">
+              <a:extLst>
+                <a:ext uri="{FF2B5EF4-FFF2-40B4-BE49-F238E27FC236}">
+                  <a16:creationId xmlns:a16="http://schemas.microsoft.com/office/drawing/2014/main" id="{50543DCB-A7DD-4BD3-9A73-4DD2488721E5}"/>
+                </a:ext>
+                <a:ext uri="{C183D7F6-B498-43B3-948B-1728B52AA6E4}">
+                  <adec:decorative xmlns:adec="http://schemas.microsoft.com/office/drawing/2017/decorative" val="1"/>
+                </a:ext>
+              </a:extLst>
+            </p:cNvPr>
+            <p:cNvSpPr/>
+            <p:nvPr>
+              <p:extLst>
+                <p:ext uri="{386F3935-93C4-4BCD-93E2-E3B085C9AB24}">
+                  <p16:designElem xmlns:p16="http://schemas.microsoft.com/office/powerpoint/2015/main" val="1"/>
+                </p:ext>
+              </p:extLst>
+            </p:nvPr>
+          </p:nvSpPr>
+          <p:spPr>
+            <a:xfrm>
+              <a:off x="5310171" y="73152"/>
+              <a:ext cx="54368" cy="59227"/>
+            </a:xfrm>
+            <a:prstGeom prst="ellipse">
+              <a:avLst/>
+            </a:prstGeom>
+            <a:solidFill>
+              <a:schemeClr val="accent1"/>
+            </a:solidFill>
+            <a:ln>
+              <a:noFill/>
+            </a:ln>
+          </p:spPr>
+          <p:style>
+            <a:lnRef idx="2">
+              <a:schemeClr val="accent1">
+                <a:shade val="50000"/>
+              </a:schemeClr>
+            </a:lnRef>
+            <a:fillRef idx="1">
+              <a:schemeClr val="accent1"/>
+            </a:fillRef>
+            <a:effectRef idx="0">
+              <a:schemeClr val="accent1"/>
+            </a:effectRef>
+            <a:fontRef idx="minor">
+              <a:schemeClr val="lt1"/>
+            </a:fontRef>
+          </p:style>
+          <p:txBody>
+            <a:bodyPr rtlCol="0" anchor="ctr"/>
+            <a:lstStyle/>
+            <a:p>
+              <a:pPr algn="ctr"/>
+              <a:endParaRPr lang="en-US"/>
+            </a:p>
+          </p:txBody>
+        </p:sp>
+        <p:sp>
+          <p:nvSpPr>
+            <p:cNvPr id="152" name="Rectangle 66">
+              <a:extLst>
+                <a:ext uri="{FF2B5EF4-FFF2-40B4-BE49-F238E27FC236}">
+                  <a16:creationId xmlns:a16="http://schemas.microsoft.com/office/drawing/2014/main" id="{F083CBC3-1B65-4EBA-90C5-560382947D72}"/>
+                </a:ext>
+                <a:ext uri="{C183D7F6-B498-43B3-948B-1728B52AA6E4}">
+                  <adec:decorative xmlns:adec="http://schemas.microsoft.com/office/drawing/2017/decorative" val="1"/>
+                </a:ext>
+              </a:extLst>
+            </p:cNvPr>
+            <p:cNvSpPr/>
+            <p:nvPr>
+              <p:extLst>
+                <p:ext uri="{386F3935-93C4-4BCD-93E2-E3B085C9AB24}">
+                  <p16:designElem xmlns:p16="http://schemas.microsoft.com/office/powerpoint/2015/main" val="1"/>
+                </p:ext>
+              </p:extLst>
+            </p:nvPr>
+          </p:nvSpPr>
+          <p:spPr>
+            <a:xfrm>
+              <a:off x="5310171" y="246888"/>
+              <a:ext cx="54368" cy="59227"/>
+            </a:xfrm>
+            <a:prstGeom prst="ellipse">
+              <a:avLst/>
+            </a:prstGeom>
+            <a:solidFill>
+              <a:schemeClr val="accent1"/>
+            </a:solidFill>
+            <a:ln>
+              <a:noFill/>
+            </a:ln>
+          </p:spPr>
+          <p:style>
+            <a:lnRef idx="2">
+              <a:schemeClr val="accent1">
+                <a:shade val="50000"/>
+              </a:schemeClr>
+            </a:lnRef>
+            <a:fillRef idx="1">
+              <a:schemeClr val="accent1"/>
+            </a:fillRef>
+            <a:effectRef idx="0">
+              <a:schemeClr val="accent1"/>
+            </a:effectRef>
+            <a:fontRef idx="minor">
+              <a:schemeClr val="lt1"/>
+            </a:fontRef>
+          </p:style>
+          <p:txBody>
+            <a:bodyPr rtlCol="0" anchor="ctr"/>
+            <a:lstStyle/>
+            <a:p>
+              <a:pPr algn="ctr"/>
+              <a:endParaRPr lang="en-US"/>
+            </a:p>
+          </p:txBody>
+        </p:sp>
+        <p:sp>
+          <p:nvSpPr>
+            <p:cNvPr id="153" name="Rectangle 64">
+              <a:extLst>
+                <a:ext uri="{FF2B5EF4-FFF2-40B4-BE49-F238E27FC236}">
+                  <a16:creationId xmlns:a16="http://schemas.microsoft.com/office/drawing/2014/main" id="{8CA682D2-789E-45AF-9F8B-52B6A5F60458}"/>
+                </a:ext>
+                <a:ext uri="{C183D7F6-B498-43B3-948B-1728B52AA6E4}">
+                  <adec:decorative xmlns:adec="http://schemas.microsoft.com/office/drawing/2017/decorative" val="1"/>
+                </a:ext>
+              </a:extLst>
+            </p:cNvPr>
+            <p:cNvSpPr/>
+            <p:nvPr>
+              <p:extLst>
+                <p:ext uri="{386F3935-93C4-4BCD-93E2-E3B085C9AB24}">
+                  <p16:designElem xmlns:p16="http://schemas.microsoft.com/office/powerpoint/2015/main" val="1"/>
+                </p:ext>
+              </p:extLst>
+            </p:nvPr>
+          </p:nvSpPr>
+          <p:spPr>
+            <a:xfrm>
+              <a:off x="6434769" y="73152"/>
+              <a:ext cx="54368" cy="59227"/>
+            </a:xfrm>
+            <a:prstGeom prst="ellipse">
+              <a:avLst/>
+            </a:prstGeom>
+            <a:solidFill>
+              <a:schemeClr val="accent1"/>
+            </a:solidFill>
+            <a:ln>
+              <a:noFill/>
+            </a:ln>
+          </p:spPr>
+          <p:style>
+            <a:lnRef idx="2">
+              <a:schemeClr val="accent1">
+                <a:shade val="50000"/>
+              </a:schemeClr>
+            </a:lnRef>
+            <a:fillRef idx="1">
+              <a:schemeClr val="accent1"/>
+            </a:fillRef>
+            <a:effectRef idx="0">
+              <a:schemeClr val="accent1"/>
+            </a:effectRef>
+            <a:fontRef idx="minor">
+              <a:schemeClr val="lt1"/>
+            </a:fontRef>
+          </p:style>
+          <p:txBody>
+            <a:bodyPr rtlCol="0" anchor="ctr"/>
+            <a:lstStyle/>
+            <a:p>
+              <a:pPr algn="ctr"/>
+              <a:endParaRPr lang="en-US"/>
+            </a:p>
+          </p:txBody>
+        </p:sp>
+        <p:sp>
+          <p:nvSpPr>
+            <p:cNvPr id="154" name="Rectangle 66">
+              <a:extLst>
+                <a:ext uri="{FF2B5EF4-FFF2-40B4-BE49-F238E27FC236}">
+                  <a16:creationId xmlns:a16="http://schemas.microsoft.com/office/drawing/2014/main" id="{67035C5F-EEA8-48EA-B087-CE43E4B3FB52}"/>
+                </a:ext>
+                <a:ext uri="{C183D7F6-B498-43B3-948B-1728B52AA6E4}">
+                  <adec:decorative xmlns:adec="http://schemas.microsoft.com/office/drawing/2017/decorative" val="1"/>
+                </a:ext>
+              </a:extLst>
+            </p:cNvPr>
+            <p:cNvSpPr/>
+            <p:nvPr>
+              <p:extLst>
+                <p:ext uri="{386F3935-93C4-4BCD-93E2-E3B085C9AB24}">
+                  <p16:designElem xmlns:p16="http://schemas.microsoft.com/office/powerpoint/2015/main" val="1"/>
+                </p:ext>
+              </p:extLst>
+            </p:nvPr>
+          </p:nvSpPr>
+          <p:spPr>
+            <a:xfrm>
+              <a:off x="6434769" y="246888"/>
+              <a:ext cx="54368" cy="59227"/>
+            </a:xfrm>
+            <a:prstGeom prst="ellipse">
+              <a:avLst/>
+            </a:prstGeom>
+            <a:solidFill>
+              <a:schemeClr val="accent1"/>
+            </a:solidFill>
+            <a:ln>
+              <a:noFill/>
+            </a:ln>
+          </p:spPr>
+          <p:style>
+            <a:lnRef idx="2">
+              <a:schemeClr val="accent1">
+                <a:shade val="50000"/>
+              </a:schemeClr>
+            </a:lnRef>
+            <a:fillRef idx="1">
+              <a:schemeClr val="accent1"/>
+            </a:fillRef>
+            <a:effectRef idx="0">
+              <a:schemeClr val="accent1"/>
+            </a:effectRef>
+            <a:fontRef idx="minor">
+              <a:schemeClr val="lt1"/>
+            </a:fontRef>
+          </p:style>
+          <p:txBody>
+            <a:bodyPr rtlCol="0" anchor="ctr"/>
+            <a:lstStyle/>
+            <a:p>
+              <a:pPr algn="ctr"/>
+              <a:endParaRPr lang="en-US"/>
+            </a:p>
+          </p:txBody>
+        </p:sp>
+        <p:sp>
+          <p:nvSpPr>
+            <p:cNvPr id="155" name="Rectangle 64">
+              <a:extLst>
+                <a:ext uri="{FF2B5EF4-FFF2-40B4-BE49-F238E27FC236}">
+                  <a16:creationId xmlns:a16="http://schemas.microsoft.com/office/drawing/2014/main" id="{F294001B-67C1-4A0B-8695-0B880FCE9FDD}"/>
+                </a:ext>
+                <a:ext uri="{C183D7F6-B498-43B3-948B-1728B52AA6E4}">
+                  <adec:decorative xmlns:adec="http://schemas.microsoft.com/office/drawing/2017/decorative" val="1"/>
+                </a:ext>
+              </a:extLst>
+            </p:cNvPr>
+            <p:cNvSpPr/>
+            <p:nvPr>
+              <p:extLst>
+                <p:ext uri="{386F3935-93C4-4BCD-93E2-E3B085C9AB24}">
+                  <p16:designElem xmlns:p16="http://schemas.microsoft.com/office/powerpoint/2015/main" val="1"/>
+                </p:ext>
+              </p:extLst>
+            </p:nvPr>
+          </p:nvSpPr>
+          <p:spPr>
+            <a:xfrm>
+              <a:off x="6309814" y="73152"/>
+              <a:ext cx="54368" cy="59227"/>
+            </a:xfrm>
+            <a:prstGeom prst="ellipse">
+              <a:avLst/>
+            </a:prstGeom>
+            <a:solidFill>
+              <a:schemeClr val="accent1"/>
+            </a:solidFill>
+            <a:ln>
+              <a:noFill/>
+            </a:ln>
+          </p:spPr>
+          <p:style>
+            <a:lnRef idx="2">
+              <a:schemeClr val="accent1">
+                <a:shade val="50000"/>
+              </a:schemeClr>
+            </a:lnRef>
+            <a:fillRef idx="1">
+              <a:schemeClr val="accent1"/>
+            </a:fillRef>
+            <a:effectRef idx="0">
+              <a:schemeClr val="accent1"/>
+            </a:effectRef>
+            <a:fontRef idx="minor">
+              <a:schemeClr val="lt1"/>
+            </a:fontRef>
+          </p:style>
+          <p:txBody>
+            <a:bodyPr rtlCol="0" anchor="ctr"/>
+            <a:lstStyle/>
+            <a:p>
+              <a:pPr algn="ctr"/>
+              <a:endParaRPr lang="en-US"/>
+            </a:p>
+          </p:txBody>
+        </p:sp>
+        <p:sp>
+          <p:nvSpPr>
+            <p:cNvPr id="156" name="Rectangle 66">
+              <a:extLst>
+                <a:ext uri="{FF2B5EF4-FFF2-40B4-BE49-F238E27FC236}">
+                  <a16:creationId xmlns:a16="http://schemas.microsoft.com/office/drawing/2014/main" id="{B9DDAD3D-52B9-41E2-BDDB-6527D4544C8A}"/>
+                </a:ext>
+                <a:ext uri="{C183D7F6-B498-43B3-948B-1728B52AA6E4}">
+                  <adec:decorative xmlns:adec="http://schemas.microsoft.com/office/drawing/2017/decorative" val="1"/>
+                </a:ext>
+              </a:extLst>
+            </p:cNvPr>
+            <p:cNvSpPr/>
+            <p:nvPr>
+              <p:extLst>
+                <p:ext uri="{386F3935-93C4-4BCD-93E2-E3B085C9AB24}">
+                  <p16:designElem xmlns:p16="http://schemas.microsoft.com/office/powerpoint/2015/main" val="1"/>
+                </p:ext>
+              </p:extLst>
+            </p:nvPr>
+          </p:nvSpPr>
+          <p:spPr>
+            <a:xfrm>
+              <a:off x="6309814" y="246888"/>
+              <a:ext cx="54368" cy="59227"/>
+            </a:xfrm>
+            <a:prstGeom prst="ellipse">
+              <a:avLst/>
+            </a:prstGeom>
+            <a:solidFill>
+              <a:schemeClr val="accent1"/>
+            </a:solidFill>
+            <a:ln>
+              <a:noFill/>
+            </a:ln>
+          </p:spPr>
+          <p:style>
+            <a:lnRef idx="2">
+              <a:schemeClr val="accent1">
+                <a:shade val="50000"/>
+              </a:schemeClr>
+            </a:lnRef>
+            <a:fillRef idx="1">
+              <a:schemeClr val="accent1"/>
+            </a:fillRef>
+            <a:effectRef idx="0">
+              <a:schemeClr val="accent1"/>
+            </a:effectRef>
+            <a:fontRef idx="minor">
+              <a:schemeClr val="lt1"/>
+            </a:fontRef>
+          </p:style>
+          <p:txBody>
+            <a:bodyPr rtlCol="0" anchor="ctr"/>
+            <a:lstStyle/>
+            <a:p>
+              <a:pPr algn="ctr"/>
+              <a:endParaRPr lang="en-US"/>
+            </a:p>
+          </p:txBody>
+        </p:sp>
+        <p:sp>
+          <p:nvSpPr>
+            <p:cNvPr id="157" name="Rectangle 64">
+              <a:extLst>
+                <a:ext uri="{FF2B5EF4-FFF2-40B4-BE49-F238E27FC236}">
+                  <a16:creationId xmlns:a16="http://schemas.microsoft.com/office/drawing/2014/main" id="{B19C0FEA-7121-4182-8CBC-25D82EFF8369}"/>
+                </a:ext>
+                <a:ext uri="{C183D7F6-B498-43B3-948B-1728B52AA6E4}">
+                  <adec:decorative xmlns:adec="http://schemas.microsoft.com/office/drawing/2017/decorative" val="1"/>
+                </a:ext>
+              </a:extLst>
+            </p:cNvPr>
+            <p:cNvSpPr/>
+            <p:nvPr>
+              <p:extLst>
+                <p:ext uri="{386F3935-93C4-4BCD-93E2-E3B085C9AB24}">
+                  <p16:designElem xmlns:p16="http://schemas.microsoft.com/office/powerpoint/2015/main" val="1"/>
+                </p:ext>
+              </p:extLst>
+            </p:nvPr>
+          </p:nvSpPr>
+          <p:spPr>
+            <a:xfrm>
+              <a:off x="6184859" y="73152"/>
+              <a:ext cx="54368" cy="59227"/>
+            </a:xfrm>
+            <a:prstGeom prst="ellipse">
+              <a:avLst/>
+            </a:prstGeom>
+            <a:solidFill>
+              <a:schemeClr val="accent1"/>
+            </a:solidFill>
+            <a:ln>
+              <a:noFill/>
+            </a:ln>
+          </p:spPr>
+          <p:style>
+            <a:lnRef idx="2">
+              <a:schemeClr val="accent1">
+                <a:shade val="50000"/>
+              </a:schemeClr>
+            </a:lnRef>
+            <a:fillRef idx="1">
+              <a:schemeClr val="accent1"/>
+            </a:fillRef>
+            <a:effectRef idx="0">
+              <a:schemeClr val="accent1"/>
+            </a:effectRef>
+            <a:fontRef idx="minor">
+              <a:schemeClr val="lt1"/>
+            </a:fontRef>
+          </p:style>
+          <p:txBody>
+            <a:bodyPr rtlCol="0" anchor="ctr"/>
+            <a:lstStyle/>
+            <a:p>
+              <a:pPr algn="ctr"/>
+              <a:endParaRPr lang="en-US"/>
+            </a:p>
+          </p:txBody>
+        </p:sp>
+        <p:sp>
+          <p:nvSpPr>
+            <p:cNvPr id="158" name="Rectangle 66">
+              <a:extLst>
+                <a:ext uri="{FF2B5EF4-FFF2-40B4-BE49-F238E27FC236}">
+                  <a16:creationId xmlns:a16="http://schemas.microsoft.com/office/drawing/2014/main" id="{7471B4BB-2CDC-43CA-971C-745124043023}"/>
+                </a:ext>
+                <a:ext uri="{C183D7F6-B498-43B3-948B-1728B52AA6E4}">
+                  <adec:decorative xmlns:adec="http://schemas.microsoft.com/office/drawing/2017/decorative" val="1"/>
+                </a:ext>
+              </a:extLst>
+            </p:cNvPr>
+            <p:cNvSpPr/>
+            <p:nvPr>
+              <p:extLst>
+                <p:ext uri="{386F3935-93C4-4BCD-93E2-E3B085C9AB24}">
+                  <p16:designElem xmlns:p16="http://schemas.microsoft.com/office/powerpoint/2015/main" val="1"/>
+                </p:ext>
+              </p:extLst>
+            </p:nvPr>
+          </p:nvSpPr>
+          <p:spPr>
+            <a:xfrm>
+              <a:off x="6184859" y="246888"/>
+              <a:ext cx="54368" cy="59227"/>
+            </a:xfrm>
+            <a:prstGeom prst="ellipse">
+              <a:avLst/>
+            </a:prstGeom>
+            <a:solidFill>
+              <a:schemeClr val="accent1"/>
+            </a:solidFill>
+            <a:ln>
+              <a:noFill/>
+            </a:ln>
+          </p:spPr>
+          <p:style>
+            <a:lnRef idx="2">
+              <a:schemeClr val="accent1">
+                <a:shade val="50000"/>
+              </a:schemeClr>
+            </a:lnRef>
+            <a:fillRef idx="1">
+              <a:schemeClr val="accent1"/>
+            </a:fillRef>
+            <a:effectRef idx="0">
+              <a:schemeClr val="accent1"/>
+            </a:effectRef>
+            <a:fontRef idx="minor">
+              <a:schemeClr val="lt1"/>
+            </a:fontRef>
+          </p:style>
+          <p:txBody>
+            <a:bodyPr rtlCol="0" anchor="ctr"/>
+            <a:lstStyle/>
+            <a:p>
+              <a:pPr algn="ctr"/>
+              <a:endParaRPr lang="en-US"/>
+            </a:p>
+          </p:txBody>
+        </p:sp>
+        <p:sp>
+          <p:nvSpPr>
+            <p:cNvPr id="159" name="Rectangle 64">
+              <a:extLst>
+                <a:ext uri="{FF2B5EF4-FFF2-40B4-BE49-F238E27FC236}">
+                  <a16:creationId xmlns:a16="http://schemas.microsoft.com/office/drawing/2014/main" id="{EC5D7881-2E4B-45D2-BD04-14384232A0D9}"/>
+                </a:ext>
+                <a:ext uri="{C183D7F6-B498-43B3-948B-1728B52AA6E4}">
+                  <adec:decorative xmlns:adec="http://schemas.microsoft.com/office/drawing/2017/decorative" val="1"/>
+                </a:ext>
+              </a:extLst>
+            </p:cNvPr>
+            <p:cNvSpPr/>
+            <p:nvPr>
+              <p:extLst>
+                <p:ext uri="{386F3935-93C4-4BCD-93E2-E3B085C9AB24}">
+                  <p16:designElem xmlns:p16="http://schemas.microsoft.com/office/powerpoint/2015/main" val="1"/>
+                </p:ext>
+              </p:extLst>
+            </p:nvPr>
+          </p:nvSpPr>
+          <p:spPr>
+            <a:xfrm>
+              <a:off x="6059903" y="73152"/>
+              <a:ext cx="54368" cy="59227"/>
+            </a:xfrm>
+            <a:prstGeom prst="ellipse">
+              <a:avLst/>
+            </a:prstGeom>
+            <a:solidFill>
+              <a:schemeClr val="accent1"/>
+            </a:solidFill>
+            <a:ln>
+              <a:noFill/>
+            </a:ln>
+          </p:spPr>
+          <p:style>
+            <a:lnRef idx="2">
+              <a:schemeClr val="accent1">
+                <a:shade val="50000"/>
+              </a:schemeClr>
+            </a:lnRef>
+            <a:fillRef idx="1">
+              <a:schemeClr val="accent1"/>
+            </a:fillRef>
+            <a:effectRef idx="0">
+              <a:schemeClr val="accent1"/>
+            </a:effectRef>
+            <a:fontRef idx="minor">
+              <a:schemeClr val="lt1"/>
+            </a:fontRef>
+          </p:style>
+          <p:txBody>
+            <a:bodyPr rtlCol="0" anchor="ctr"/>
+            <a:lstStyle/>
+            <a:p>
+              <a:pPr algn="ctr"/>
+              <a:endParaRPr lang="en-US"/>
+            </a:p>
+          </p:txBody>
+        </p:sp>
+        <p:sp>
+          <p:nvSpPr>
+            <p:cNvPr id="160" name="Rectangle 66">
+              <a:extLst>
+                <a:ext uri="{FF2B5EF4-FFF2-40B4-BE49-F238E27FC236}">
+                  <a16:creationId xmlns:a16="http://schemas.microsoft.com/office/drawing/2014/main" id="{6F8FA449-4BDF-4F3A-8F3E-FCD14C8A91B6}"/>
+                </a:ext>
+                <a:ext uri="{C183D7F6-B498-43B3-948B-1728B52AA6E4}">
+                  <adec:decorative xmlns:adec="http://schemas.microsoft.com/office/drawing/2017/decorative" val="1"/>
+                </a:ext>
+              </a:extLst>
+            </p:cNvPr>
+            <p:cNvSpPr/>
+            <p:nvPr>
+              <p:extLst>
+                <p:ext uri="{386F3935-93C4-4BCD-93E2-E3B085C9AB24}">
+                  <p16:designElem xmlns:p16="http://schemas.microsoft.com/office/powerpoint/2015/main" val="1"/>
+                </p:ext>
+              </p:extLst>
+            </p:nvPr>
+          </p:nvSpPr>
+          <p:spPr>
+            <a:xfrm>
+              <a:off x="6059903" y="246888"/>
+              <a:ext cx="54368" cy="59227"/>
+            </a:xfrm>
+            <a:prstGeom prst="ellipse">
+              <a:avLst/>
+            </a:prstGeom>
+            <a:solidFill>
+              <a:schemeClr val="accent1"/>
+            </a:solidFill>
+            <a:ln>
+              <a:noFill/>
+            </a:ln>
+          </p:spPr>
+          <p:style>
+            <a:lnRef idx="2">
+              <a:schemeClr val="accent1">
+                <a:shade val="50000"/>
+              </a:schemeClr>
+            </a:lnRef>
+            <a:fillRef idx="1">
+              <a:schemeClr val="accent1"/>
+            </a:fillRef>
+            <a:effectRef idx="0">
+              <a:schemeClr val="accent1"/>
+            </a:effectRef>
+            <a:fontRef idx="minor">
+              <a:schemeClr val="lt1"/>
+            </a:fontRef>
+          </p:style>
+          <p:txBody>
+            <a:bodyPr rtlCol="0" anchor="ctr"/>
+            <a:lstStyle/>
+            <a:p>
+              <a:pPr algn="ctr"/>
+              <a:endParaRPr lang="en-US"/>
+            </a:p>
+          </p:txBody>
+        </p:sp>
+        <p:sp>
+          <p:nvSpPr>
+            <p:cNvPr id="161" name="Rectangle 64">
+              <a:extLst>
+                <a:ext uri="{FF2B5EF4-FFF2-40B4-BE49-F238E27FC236}">
+                  <a16:creationId xmlns:a16="http://schemas.microsoft.com/office/drawing/2014/main" id="{A57516C0-1EB5-4D16-B4F6-F342958E81FA}"/>
+                </a:ext>
+                <a:ext uri="{C183D7F6-B498-43B3-948B-1728B52AA6E4}">
+                  <adec:decorative xmlns:adec="http://schemas.microsoft.com/office/drawing/2017/decorative" val="1"/>
+                </a:ext>
+              </a:extLst>
+            </p:cNvPr>
+            <p:cNvSpPr/>
+            <p:nvPr>
+              <p:extLst>
+                <p:ext uri="{386F3935-93C4-4BCD-93E2-E3B085C9AB24}">
+                  <p16:designElem xmlns:p16="http://schemas.microsoft.com/office/powerpoint/2015/main" val="1"/>
+                </p:ext>
+              </p:extLst>
+            </p:nvPr>
+          </p:nvSpPr>
+          <p:spPr>
+            <a:xfrm>
+              <a:off x="5934948" y="73152"/>
+              <a:ext cx="54368" cy="59227"/>
+            </a:xfrm>
+            <a:prstGeom prst="ellipse">
+              <a:avLst/>
+            </a:prstGeom>
+            <a:solidFill>
+              <a:schemeClr val="accent1"/>
+            </a:solidFill>
+            <a:ln>
+              <a:noFill/>
+            </a:ln>
+          </p:spPr>
+          <p:style>
+            <a:lnRef idx="2">
+              <a:schemeClr val="accent1">
+                <a:shade val="50000"/>
+              </a:schemeClr>
+            </a:lnRef>
+            <a:fillRef idx="1">
+              <a:schemeClr val="accent1"/>
+            </a:fillRef>
+            <a:effectRef idx="0">
+              <a:schemeClr val="accent1"/>
+            </a:effectRef>
+            <a:fontRef idx="minor">
+              <a:schemeClr val="lt1"/>
+            </a:fontRef>
+          </p:style>
+          <p:txBody>
+            <a:bodyPr rtlCol="0" anchor="ctr"/>
+            <a:lstStyle/>
+            <a:p>
+              <a:pPr algn="ctr"/>
+              <a:endParaRPr lang="en-US"/>
+            </a:p>
+          </p:txBody>
+        </p:sp>
+        <p:sp>
+          <p:nvSpPr>
+            <p:cNvPr id="162" name="Rectangle 66">
+              <a:extLst>
+                <a:ext uri="{FF2B5EF4-FFF2-40B4-BE49-F238E27FC236}">
+                  <a16:creationId xmlns:a16="http://schemas.microsoft.com/office/drawing/2014/main" id="{0D12C7D4-2304-4CD8-83B2-B5B11DF630F6}"/>
+                </a:ext>
+                <a:ext uri="{C183D7F6-B498-43B3-948B-1728B52AA6E4}">
+                  <adec:decorative xmlns:adec="http://schemas.microsoft.com/office/drawing/2017/decorative" val="1"/>
+                </a:ext>
+              </a:extLst>
+            </p:cNvPr>
+            <p:cNvSpPr/>
+            <p:nvPr>
+              <p:extLst>
+                <p:ext uri="{386F3935-93C4-4BCD-93E2-E3B085C9AB24}">
+                  <p16:designElem xmlns:p16="http://schemas.microsoft.com/office/powerpoint/2015/main" val="1"/>
+                </p:ext>
+              </p:extLst>
+            </p:nvPr>
+          </p:nvSpPr>
+          <p:spPr>
+            <a:xfrm>
+              <a:off x="5934948" y="246888"/>
+              <a:ext cx="54368" cy="59227"/>
+            </a:xfrm>
+            <a:prstGeom prst="ellipse">
+              <a:avLst/>
+            </a:prstGeom>
+            <a:solidFill>
+              <a:schemeClr val="accent1"/>
+            </a:solidFill>
+            <a:ln>
+              <a:noFill/>
+            </a:ln>
+          </p:spPr>
+          <p:style>
+            <a:lnRef idx="2">
+              <a:schemeClr val="accent1">
+                <a:shade val="50000"/>
+              </a:schemeClr>
+            </a:lnRef>
+            <a:fillRef idx="1">
+              <a:schemeClr val="accent1"/>
+            </a:fillRef>
+            <a:effectRef idx="0">
+              <a:schemeClr val="accent1"/>
+            </a:effectRef>
+            <a:fontRef idx="minor">
+              <a:schemeClr val="lt1"/>
+            </a:fontRef>
+          </p:style>
+          <p:txBody>
+            <a:bodyPr rtlCol="0" anchor="ctr"/>
+            <a:lstStyle/>
+            <a:p>
+              <a:pPr algn="ctr"/>
+              <a:endParaRPr lang="en-US"/>
+            </a:p>
+          </p:txBody>
+        </p:sp>
+      </p:grpSp>
+      <p:sp>
+        <p:nvSpPr>
+          <p:cNvPr id="1051" name="Rectangle 163">
+            <a:extLst>
+              <a:ext uri="{FF2B5EF4-FFF2-40B4-BE49-F238E27FC236}">
+                <a16:creationId xmlns:a16="http://schemas.microsoft.com/office/drawing/2014/main" id="{D9F5512A-48E1-4C07-B75E-3CCC517B6804}"/>
+              </a:ext>
+              <a:ext uri="{C183D7F6-B498-43B3-948B-1728B52AA6E4}">
+                <adec:decorative xmlns:adec="http://schemas.microsoft.com/office/drawing/2017/decorative" val="1"/>
+              </a:ext>
+            </a:extLst>
+          </p:cNvPr>
+          <p:cNvSpPr>
+            <a:spLocks noGrp="1" noRot="1" noChangeAspect="1" noMove="1" noResize="1" noEditPoints="1" noAdjustHandles="1" noChangeArrowheads="1" noChangeShapeType="1" noTextEdit="1"/>
+          </p:cNvSpPr>
+          <p:nvPr>
+            <p:extLst>
+              <p:ext uri="{386F3935-93C4-4BCD-93E2-E3B085C9AB24}">
+                <p16:designElem xmlns:p16="http://schemas.microsoft.com/office/powerpoint/2015/main" val="1"/>
+              </p:ext>
+            </p:extLst>
+          </p:nvPr>
+        </p:nvSpPr>
+        <p:spPr>
+          <a:xfrm>
+            <a:off x="-1" y="3233984"/>
+            <a:ext cx="606972" cy="3624015"/>
+          </a:xfrm>
+          <a:prstGeom prst="rect">
+            <a:avLst/>
+          </a:prstGeom>
+          <a:solidFill>
+            <a:schemeClr val="accent1"/>
+          </a:solidFill>
+          <a:ln>
+            <a:noFill/>
+          </a:ln>
+        </p:spPr>
+        <p:style>
+          <a:lnRef idx="2">
+            <a:schemeClr val="accent1">
+              <a:shade val="50000"/>
+            </a:schemeClr>
+          </a:lnRef>
+          <a:fillRef idx="1">
+            <a:schemeClr val="accent1"/>
+          </a:fillRef>
+          <a:effectRef idx="0">
+            <a:schemeClr val="accent1"/>
+          </a:effectRef>
+          <a:fontRef idx="minor">
+            <a:schemeClr val="lt1"/>
+          </a:fontRef>
+        </p:style>
+        <p:txBody>
+          <a:bodyPr rtlCol="0" anchor="ctr"/>
+          <a:lstStyle/>
+          <a:p>
+            <a:pPr algn="ctr"/>
+            <a:endParaRPr lang="en-US"/>
+          </a:p>
+        </p:txBody>
+      </p:sp>
+      <p:sp>
+        <p:nvSpPr>
+          <p:cNvPr id="31" name="TextBox 30">
+            <a:extLst>
+              <a:ext uri="{FF2B5EF4-FFF2-40B4-BE49-F238E27FC236}">
+                <a16:creationId xmlns:a16="http://schemas.microsoft.com/office/drawing/2014/main" id="{61A6F8D3-FAEC-4662-A150-24BD5BBD6B92}"/>
+              </a:ext>
+            </a:extLst>
+          </p:cNvPr>
+          <p:cNvSpPr txBox="1"/>
+          <p:nvPr/>
+        </p:nvSpPr>
+        <p:spPr>
+          <a:xfrm>
+            <a:off x="1116498" y="927548"/>
+            <a:ext cx="10664170" cy="1631216"/>
+          </a:xfrm>
+          <a:prstGeom prst="rect">
+            <a:avLst/>
+          </a:prstGeom>
+          <a:noFill/>
+        </p:spPr>
+        <p:txBody>
+          <a:bodyPr wrap="square" rtlCol="0">
+            <a:spAutoFit/>
+          </a:bodyPr>
+          <a:lstStyle/>
+          <a:p>
+            <a:pPr marL="342900" indent="-342900" algn="just">
+              <a:buFontTx/>
+              <a:buChar char="-"/>
+            </a:pPr>
+            <a:r>
+              <a:rPr lang="en-CA" sz="2000" dirty="0">
+                <a:solidFill>
+                  <a:srgbClr val="0070C0"/>
+                </a:solidFill>
+              </a:rPr>
+              <a:t>When computing resources available, add back ‘model’ column to increase prediction accuracy</a:t>
+            </a:r>
+          </a:p>
+          <a:p>
+            <a:pPr marL="342900" indent="-342900" algn="just">
+              <a:buFontTx/>
+              <a:buChar char="-"/>
+            </a:pPr>
+            <a:endParaRPr lang="en-CA" sz="2000" dirty="0">
+              <a:solidFill>
+                <a:srgbClr val="0070C0"/>
+              </a:solidFill>
+            </a:endParaRPr>
+          </a:p>
+          <a:p>
+            <a:pPr marL="342900" indent="-342900" algn="just">
+              <a:buFontTx/>
+              <a:buChar char="-"/>
+            </a:pPr>
+            <a:r>
+              <a:rPr lang="en-CA" sz="2000" dirty="0">
+                <a:solidFill>
+                  <a:srgbClr val="0070C0"/>
+                </a:solidFill>
+              </a:rPr>
+              <a:t>Further Feature Engineering Tasks to reduce the model complexity</a:t>
+            </a:r>
+          </a:p>
+          <a:p>
+            <a:pPr marL="342900" indent="-342900" algn="just">
+              <a:buFontTx/>
+              <a:buChar char="-"/>
+            </a:pPr>
+            <a:endParaRPr lang="en-CA" sz="2000" dirty="0">
+              <a:solidFill>
+                <a:srgbClr val="0070C0"/>
+              </a:solidFill>
+            </a:endParaRPr>
+          </a:p>
+          <a:p>
+            <a:pPr marL="342900" indent="-342900" algn="just">
+              <a:buFontTx/>
+              <a:buChar char="-"/>
+            </a:pPr>
+            <a:endParaRPr lang="en-CA" sz="2000" dirty="0">
+              <a:solidFill>
+                <a:srgbClr val="0070C0"/>
+              </a:solidFill>
+            </a:endParaRPr>
+          </a:p>
+        </p:txBody>
+      </p:sp>
+    </p:spTree>
+    <p:extLst>
+      <p:ext uri="{BB962C8B-B14F-4D97-AF65-F5344CB8AC3E}">
+        <p14:creationId xmlns:p14="http://schemas.microsoft.com/office/powerpoint/2010/main" val="2123032419"/>
+      </p:ext>
+    </p:extLst>
+  </p:cSld>
+  <p:clrMapOvr>
+    <a:masterClrMapping/>
+  </p:clrMapOvr>
+</p:sld>
+</file>
+
 <file path=ppt/slides/slide2.xml><?xml version="1.0" encoding="utf-8"?>
 <p:sld xmlns:a="http://schemas.openxmlformats.org/drawingml/2006/main" xmlns:r="http://schemas.openxmlformats.org/officeDocument/2006/relationships" xmlns:p="http://schemas.openxmlformats.org/presentationml/2006/main">
   <p:cSld>

--- a/ETL/Final Project.pptx
+++ b/ETL/Final Project.pptx
@@ -4247,6 +4247,38 @@
             <ac:cxnSpMk id="96" creationId="{64750B1E-0DB0-44C7-9D61-74410AB72AD4}"/>
           </ac:cxnSpMkLst>
         </pc:cxnChg>
+      </pc:sldChg>
+    </pc:docChg>
+  </pc:docChgLst>
+  <pc:docChgLst>
+    <pc:chgData name="Thao Hoang" userId="0e23db62feec2a5d" providerId="LiveId" clId="{D017F288-FB75-451A-8870-D00A77427961}"/>
+    <pc:docChg chg="modSld">
+      <pc:chgData name="Thao Hoang" userId="0e23db62feec2a5d" providerId="LiveId" clId="{D017F288-FB75-451A-8870-D00A77427961}" dt="2021-03-24T20:20:37.255" v="227" actId="20577"/>
+      <pc:docMkLst>
+        <pc:docMk/>
+      </pc:docMkLst>
+      <pc:sldChg chg="addSp modSp mod">
+        <pc:chgData name="Thao Hoang" userId="0e23db62feec2a5d" providerId="LiveId" clId="{D017F288-FB75-451A-8870-D00A77427961}" dt="2021-03-24T20:20:37.255" v="227" actId="20577"/>
+        <pc:sldMkLst>
+          <pc:docMk/>
+          <pc:sldMk cId="1950092334" sldId="276"/>
+        </pc:sldMkLst>
+        <pc:spChg chg="mod">
+          <ac:chgData name="Thao Hoang" userId="0e23db62feec2a5d" providerId="LiveId" clId="{D017F288-FB75-451A-8870-D00A77427961}" dt="2021-03-24T20:20:37.255" v="227" actId="20577"/>
+          <ac:spMkLst>
+            <pc:docMk/>
+            <pc:sldMk cId="1950092334" sldId="276"/>
+            <ac:spMk id="31" creationId="{61A6F8D3-FAEC-4662-A150-24BD5BBD6B92}"/>
+          </ac:spMkLst>
+        </pc:spChg>
+        <pc:picChg chg="add mod">
+          <ac:chgData name="Thao Hoang" userId="0e23db62feec2a5d" providerId="LiveId" clId="{D017F288-FB75-451A-8870-D00A77427961}" dt="2021-03-24T20:19:22.955" v="34" actId="1076"/>
+          <ac:picMkLst>
+            <pc:docMk/>
+            <pc:sldMk cId="1950092334" sldId="276"/>
+            <ac:picMk id="4" creationId="{E9EEBA16-AED0-4913-BC5A-65FAAC261B81}"/>
+          </ac:picMkLst>
+        </pc:picChg>
       </pc:sldChg>
     </pc:docChg>
   </pc:docChgLst>
@@ -15947,7 +15979,7 @@
         <p:spPr>
           <a:xfrm>
             <a:off x="1116498" y="1122857"/>
-            <a:ext cx="10664170" cy="1631216"/>
+            <a:ext cx="10664170" cy="3170099"/>
           </a:xfrm>
           <a:prstGeom prst="rect">
             <a:avLst/>
@@ -15995,7 +16027,7 @@
                   <a:srgbClr val="0070C0"/>
                 </a:solidFill>
               </a:rPr>
-              <a:t>Further Feature Engineering Tasks to reduce the model complexity</a:t>
+              <a:t>Further Feature Engineering Tasks to reduce the model complexity while maintaining accuracy</a:t>
             </a:r>
           </a:p>
           <a:p>
@@ -16014,14 +16046,91 @@
               <a:buFontTx/>
               <a:buChar char="-"/>
             </a:pPr>
+            <a:r>
+              <a:rPr lang="en-CA" sz="2000" dirty="0">
+                <a:solidFill>
+                  <a:srgbClr val="0070C0"/>
+                </a:solidFill>
+              </a:rPr>
+              <a:t>Perform ELT: load big datafile onto Data Base and use cloud resources to query and perform transformation and load back clean data sets. Right now we are using Google Drive.</a:t>
+            </a:r>
+          </a:p>
+          <a:p>
+            <a:pPr marL="342900" indent="-342900" algn="just">
+              <a:buFontTx/>
+              <a:buChar char="-"/>
+            </a:pPr>
             <a:endParaRPr lang="en-CA" sz="2000" dirty="0">
               <a:solidFill>
                 <a:srgbClr val="0070C0"/>
               </a:solidFill>
             </a:endParaRPr>
           </a:p>
+          <a:p>
+            <a:pPr marL="342900" indent="-342900" algn="just">
+              <a:buFontTx/>
+              <a:buChar char="-"/>
+            </a:pPr>
+            <a:endParaRPr lang="en-CA" sz="2000" dirty="0">
+              <a:solidFill>
+                <a:srgbClr val="0070C0"/>
+              </a:solidFill>
+            </a:endParaRPr>
+          </a:p>
+          <a:p>
+            <a:pPr marL="342900" indent="-342900" algn="just">
+              <a:buFontTx/>
+              <a:buChar char="-"/>
+            </a:pPr>
+            <a:endParaRPr lang="en-CA" sz="2000" dirty="0">
+              <a:solidFill>
+                <a:srgbClr val="0070C0"/>
+              </a:solidFill>
+            </a:endParaRPr>
+          </a:p>
+          <a:p>
+            <a:pPr marL="342900" indent="-342900" algn="just">
+              <a:buFontTx/>
+              <a:buChar char="-"/>
+            </a:pPr>
+            <a:endParaRPr lang="en-CA" sz="2000" dirty="0">
+              <a:solidFill>
+                <a:srgbClr val="0070C0"/>
+              </a:solidFill>
+            </a:endParaRPr>
+          </a:p>
         </p:txBody>
       </p:sp>
+      <p:pic>
+        <p:nvPicPr>
+          <p:cNvPr id="4" name="Picture 3">
+            <a:extLst>
+              <a:ext uri="{FF2B5EF4-FFF2-40B4-BE49-F238E27FC236}">
+                <a16:creationId xmlns:a16="http://schemas.microsoft.com/office/drawing/2014/main" id="{E9EEBA16-AED0-4913-BC5A-65FAAC261B81}"/>
+              </a:ext>
+            </a:extLst>
+          </p:cNvPr>
+          <p:cNvPicPr>
+            <a:picLocks noChangeAspect="1"/>
+          </p:cNvPicPr>
+          <p:nvPr/>
+        </p:nvPicPr>
+        <p:blipFill>
+          <a:blip r:embed="rId2"/>
+          <a:stretch>
+            <a:fillRect/>
+          </a:stretch>
+        </p:blipFill>
+        <p:spPr>
+          <a:xfrm>
+            <a:off x="3081337" y="3233737"/>
+            <a:ext cx="6029325" cy="2886075"/>
+          </a:xfrm>
+          <a:prstGeom prst="rect">
+            <a:avLst/>
+          </a:prstGeom>
+        </p:spPr>
+      </p:pic>
     </p:spTree>
     <p:extLst>
       <p:ext uri="{BB962C8B-B14F-4D97-AF65-F5344CB8AC3E}">

--- a/ETL/Final Project.pptx
+++ b/ETL/Final Project.pptx
@@ -5,29 +5,30 @@
     <p:sldMasterId id="2147483648" r:id="rId1"/>
   </p:sldMasterIdLst>
   <p:sldIdLst>
-    <p:sldId id="267" r:id="rId2"/>
-    <p:sldId id="257" r:id="rId3"/>
-    <p:sldId id="259" r:id="rId4"/>
-    <p:sldId id="261" r:id="rId5"/>
-    <p:sldId id="262" r:id="rId6"/>
-    <p:sldId id="263" r:id="rId7"/>
-    <p:sldId id="264" r:id="rId8"/>
-    <p:sldId id="265" r:id="rId9"/>
-    <p:sldId id="268" r:id="rId10"/>
-    <p:sldId id="277" r:id="rId11"/>
-    <p:sldId id="278" r:id="rId12"/>
-    <p:sldId id="279" r:id="rId13"/>
-    <p:sldId id="280" r:id="rId14"/>
-    <p:sldId id="281" r:id="rId15"/>
-    <p:sldId id="283" r:id="rId16"/>
-    <p:sldId id="272" r:id="rId17"/>
-    <p:sldId id="266" r:id="rId18"/>
-    <p:sldId id="258" r:id="rId19"/>
-    <p:sldId id="271" r:id="rId20"/>
-    <p:sldId id="274" r:id="rId21"/>
-    <p:sldId id="284" r:id="rId22"/>
-    <p:sldId id="285" r:id="rId23"/>
-    <p:sldId id="276" r:id="rId24"/>
+    <p:sldId id="288" r:id="rId2"/>
+    <p:sldId id="267" r:id="rId3"/>
+    <p:sldId id="257" r:id="rId4"/>
+    <p:sldId id="259" r:id="rId5"/>
+    <p:sldId id="261" r:id="rId6"/>
+    <p:sldId id="262" r:id="rId7"/>
+    <p:sldId id="263" r:id="rId8"/>
+    <p:sldId id="264" r:id="rId9"/>
+    <p:sldId id="265" r:id="rId10"/>
+    <p:sldId id="268" r:id="rId11"/>
+    <p:sldId id="277" r:id="rId12"/>
+    <p:sldId id="278" r:id="rId13"/>
+    <p:sldId id="279" r:id="rId14"/>
+    <p:sldId id="280" r:id="rId15"/>
+    <p:sldId id="281" r:id="rId16"/>
+    <p:sldId id="283" r:id="rId17"/>
+    <p:sldId id="272" r:id="rId18"/>
+    <p:sldId id="266" r:id="rId19"/>
+    <p:sldId id="258" r:id="rId20"/>
+    <p:sldId id="271" r:id="rId21"/>
+    <p:sldId id="274" r:id="rId22"/>
+    <p:sldId id="284" r:id="rId23"/>
+    <p:sldId id="285" r:id="rId24"/>
+    <p:sldId id="276" r:id="rId25"/>
   </p:sldIdLst>
   <p:sldSz cx="12192000" cy="6858000"/>
   <p:notesSz cx="6858000" cy="9144000"/>
@@ -145,6 +146,38 @@
 <file path=ppt/changesInfos/changesInfo1.xml><?xml version="1.0" encoding="utf-8"?>
 <pc:chgInfo xmlns:a="http://schemas.openxmlformats.org/drawingml/2006/main" xmlns:r="http://schemas.openxmlformats.org/officeDocument/2006/relationships" xmlns:ac="http://schemas.microsoft.com/office/drawing/2013/main/command" xmlns:pc="http://schemas.microsoft.com/office/powerpoint/2013/main/command">
   <pc:docChgLst>
+    <pc:chgData name="Thao Hoang" userId="0e23db62feec2a5d" providerId="LiveId" clId="{D017F288-FB75-451A-8870-D00A77427961}"/>
+    <pc:docChg chg="modSld">
+      <pc:chgData name="Thao Hoang" userId="0e23db62feec2a5d" providerId="LiveId" clId="{D017F288-FB75-451A-8870-D00A77427961}" dt="2021-03-24T20:20:37.255" v="227" actId="20577"/>
+      <pc:docMkLst>
+        <pc:docMk/>
+      </pc:docMkLst>
+      <pc:sldChg chg="addSp modSp mod">
+        <pc:chgData name="Thao Hoang" userId="0e23db62feec2a5d" providerId="LiveId" clId="{D017F288-FB75-451A-8870-D00A77427961}" dt="2021-03-24T20:20:37.255" v="227" actId="20577"/>
+        <pc:sldMkLst>
+          <pc:docMk/>
+          <pc:sldMk cId="1950092334" sldId="276"/>
+        </pc:sldMkLst>
+        <pc:spChg chg="mod">
+          <ac:chgData name="Thao Hoang" userId="0e23db62feec2a5d" providerId="LiveId" clId="{D017F288-FB75-451A-8870-D00A77427961}" dt="2021-03-24T20:20:37.255" v="227" actId="20577"/>
+          <ac:spMkLst>
+            <pc:docMk/>
+            <pc:sldMk cId="1950092334" sldId="276"/>
+            <ac:spMk id="31" creationId="{61A6F8D3-FAEC-4662-A150-24BD5BBD6B92}"/>
+          </ac:spMkLst>
+        </pc:spChg>
+        <pc:picChg chg="add mod">
+          <ac:chgData name="Thao Hoang" userId="0e23db62feec2a5d" providerId="LiveId" clId="{D017F288-FB75-451A-8870-D00A77427961}" dt="2021-03-24T20:19:22.955" v="34" actId="1076"/>
+          <ac:picMkLst>
+            <pc:docMk/>
+            <pc:sldMk cId="1950092334" sldId="276"/>
+            <ac:picMk id="4" creationId="{E9EEBA16-AED0-4913-BC5A-65FAAC261B81}"/>
+          </ac:picMkLst>
+        </pc:picChg>
+      </pc:sldChg>
+    </pc:docChg>
+  </pc:docChgLst>
+  <pc:docChgLst>
     <pc:chgData name="Thao Hoang" userId="0e23db62feec2a5d" providerId="LiveId" clId="{0DB6CE43-0538-47A8-8B15-964AF83F7A0C}"/>
     <pc:docChg chg="undo custSel addSld delSld modSld sldOrd">
       <pc:chgData name="Thao Hoang" userId="0e23db62feec2a5d" providerId="LiveId" clId="{0DB6CE43-0538-47A8-8B15-964AF83F7A0C}" dt="2021-03-24T19:15:09.974" v="5564" actId="1076"/>
@@ -4247,38 +4280,6 @@
             <ac:cxnSpMk id="96" creationId="{64750B1E-0DB0-44C7-9D61-74410AB72AD4}"/>
           </ac:cxnSpMkLst>
         </pc:cxnChg>
-      </pc:sldChg>
-    </pc:docChg>
-  </pc:docChgLst>
-  <pc:docChgLst>
-    <pc:chgData name="Thao Hoang" userId="0e23db62feec2a5d" providerId="LiveId" clId="{D017F288-FB75-451A-8870-D00A77427961}"/>
-    <pc:docChg chg="modSld">
-      <pc:chgData name="Thao Hoang" userId="0e23db62feec2a5d" providerId="LiveId" clId="{D017F288-FB75-451A-8870-D00A77427961}" dt="2021-03-24T20:20:37.255" v="227" actId="20577"/>
-      <pc:docMkLst>
-        <pc:docMk/>
-      </pc:docMkLst>
-      <pc:sldChg chg="addSp modSp mod">
-        <pc:chgData name="Thao Hoang" userId="0e23db62feec2a5d" providerId="LiveId" clId="{D017F288-FB75-451A-8870-D00A77427961}" dt="2021-03-24T20:20:37.255" v="227" actId="20577"/>
-        <pc:sldMkLst>
-          <pc:docMk/>
-          <pc:sldMk cId="1950092334" sldId="276"/>
-        </pc:sldMkLst>
-        <pc:spChg chg="mod">
-          <ac:chgData name="Thao Hoang" userId="0e23db62feec2a5d" providerId="LiveId" clId="{D017F288-FB75-451A-8870-D00A77427961}" dt="2021-03-24T20:20:37.255" v="227" actId="20577"/>
-          <ac:spMkLst>
-            <pc:docMk/>
-            <pc:sldMk cId="1950092334" sldId="276"/>
-            <ac:spMk id="31" creationId="{61A6F8D3-FAEC-4662-A150-24BD5BBD6B92}"/>
-          </ac:spMkLst>
-        </pc:spChg>
-        <pc:picChg chg="add mod">
-          <ac:chgData name="Thao Hoang" userId="0e23db62feec2a5d" providerId="LiveId" clId="{D017F288-FB75-451A-8870-D00A77427961}" dt="2021-03-24T20:19:22.955" v="34" actId="1076"/>
-          <ac:picMkLst>
-            <pc:docMk/>
-            <pc:sldMk cId="1950092334" sldId="276"/>
-            <ac:picMk id="4" creationId="{E9EEBA16-AED0-4913-BC5A-65FAAC261B81}"/>
-          </ac:picMkLst>
-        </pc:picChg>
       </pc:sldChg>
     </pc:docChg>
   </pc:docChgLst>
@@ -7506,64 +7507,6 @@
 <file path=ppt/slides/slide1.xml><?xml version="1.0" encoding="utf-8"?>
 <p:sld xmlns:a="http://schemas.openxmlformats.org/drawingml/2006/main" xmlns:r="http://schemas.openxmlformats.org/officeDocument/2006/relationships" xmlns:p="http://schemas.openxmlformats.org/presentationml/2006/main">
   <p:cSld>
-    <p:spTree>
-      <p:nvGrpSpPr>
-        <p:cNvPr id="1" name=""/>
-        <p:cNvGrpSpPr/>
-        <p:nvPr/>
-      </p:nvGrpSpPr>
-      <p:grpSpPr>
-        <a:xfrm>
-          <a:off x="0" y="0"/>
-          <a:ext cx="0" cy="0"/>
-          <a:chOff x="0" y="0"/>
-          <a:chExt cx="0" cy="0"/>
-        </a:xfrm>
-      </p:grpSpPr>
-      <p:sp>
-        <p:nvSpPr>
-          <p:cNvPr id="2" name="Title 1">
-            <a:extLst>
-              <a:ext uri="{FF2B5EF4-FFF2-40B4-BE49-F238E27FC236}">
-                <a16:creationId xmlns:a16="http://schemas.microsoft.com/office/drawing/2014/main" id="{3B1F2363-E781-4330-A2F3-F15BFAC60B31}"/>
-              </a:ext>
-            </a:extLst>
-          </p:cNvPr>
-          <p:cNvSpPr>
-            <a:spLocks noGrp="1"/>
-          </p:cNvSpPr>
-          <p:nvPr>
-            <p:ph type="ctrTitle"/>
-          </p:nvPr>
-        </p:nvSpPr>
-        <p:spPr/>
-        <p:txBody>
-          <a:bodyPr/>
-          <a:lstStyle/>
-          <a:p>
-            <a:r>
-              <a:rPr lang="en-CA" dirty="0"/>
-              <a:t>Data Pre-processing</a:t>
-            </a:r>
-          </a:p>
-        </p:txBody>
-      </p:sp>
-    </p:spTree>
-    <p:extLst>
-      <p:ext uri="{BB962C8B-B14F-4D97-AF65-F5344CB8AC3E}">
-        <p14:creationId xmlns:p14="http://schemas.microsoft.com/office/powerpoint/2010/main" val="2842667180"/>
-      </p:ext>
-    </p:extLst>
-  </p:cSld>
-  <p:clrMapOvr>
-    <a:masterClrMapping/>
-  </p:clrMapOvr>
-</p:sld>
-</file>
-
-<file path=ppt/slides/slide10.xml><?xml version="1.0" encoding="utf-8"?>
-<p:sld xmlns:a="http://schemas.openxmlformats.org/drawingml/2006/main" xmlns:r="http://schemas.openxmlformats.org/officeDocument/2006/relationships" xmlns:p="http://schemas.openxmlformats.org/presentationml/2006/main">
-  <p:cSld>
     <p:bg>
       <p:bgPr>
         <a:solidFill>
@@ -7588,10 +7531,10 @@
       </p:grpSpPr>
       <p:sp>
         <p:nvSpPr>
-          <p:cNvPr id="192" name="Rectangle 191">
+          <p:cNvPr id="15" name="Rectangle 14">
             <a:extLst>
               <a:ext uri="{FF2B5EF4-FFF2-40B4-BE49-F238E27FC236}">
-                <a16:creationId xmlns:a16="http://schemas.microsoft.com/office/drawing/2014/main" id="{6753252F-4873-4F63-801D-CC719279A7D5}"/>
+                <a16:creationId xmlns:a16="http://schemas.microsoft.com/office/drawing/2014/main" id="{9BFE1AD3-B2BC-4567-8B4A-DCB8F908097D}"/>
               </a:ext>
               <a:ext uri="{C183D7F6-B498-43B3-948B-1728B52AA6E4}">
                 <adec:decorative xmlns:adec="http://schemas.microsoft.com/office/drawing/2017/decorative" val="1"/>
@@ -7651,6 +7594,1525 @@
       </p:sp>
       <p:sp>
         <p:nvSpPr>
+          <p:cNvPr id="17" name="Rectangle 16">
+            <a:extLst>
+              <a:ext uri="{FF2B5EF4-FFF2-40B4-BE49-F238E27FC236}">
+                <a16:creationId xmlns:a16="http://schemas.microsoft.com/office/drawing/2014/main" id="{CD70A28E-4FD8-4474-A206-E15B5EBB303F}"/>
+              </a:ext>
+              <a:ext uri="{C183D7F6-B498-43B3-948B-1728B52AA6E4}">
+                <adec:decorative xmlns:adec="http://schemas.microsoft.com/office/drawing/2017/decorative" val="1"/>
+              </a:ext>
+            </a:extLst>
+          </p:cNvPr>
+          <p:cNvSpPr>
+            <a:spLocks noGrp="1" noRot="1" noChangeAspect="1" noMove="1" noResize="1" noEditPoints="1" noAdjustHandles="1" noChangeArrowheads="1" noChangeShapeType="1" noTextEdit="1"/>
+          </p:cNvSpPr>
+          <p:nvPr>
+            <p:extLst>
+              <p:ext uri="{386F3935-93C4-4BCD-93E2-E3B085C9AB24}">
+                <p16:designElem xmlns:p16="http://schemas.microsoft.com/office/powerpoint/2015/main" val="1"/>
+              </p:ext>
+            </p:extLst>
+          </p:nvPr>
+        </p:nvSpPr>
+        <p:spPr>
+          <a:xfrm>
+            <a:off x="0" y="685801"/>
+            <a:ext cx="12188952" cy="5217670"/>
+          </a:xfrm>
+          <a:prstGeom prst="rect">
+            <a:avLst/>
+          </a:prstGeom>
+          <a:gradFill>
+            <a:gsLst>
+              <a:gs pos="0">
+                <a:schemeClr val="accent1">
+                  <a:lumMod val="90000"/>
+                </a:schemeClr>
+              </a:gs>
+              <a:gs pos="25000">
+                <a:schemeClr val="accent1">
+                  <a:lumMod val="90000"/>
+                </a:schemeClr>
+              </a:gs>
+              <a:gs pos="94000">
+                <a:schemeClr val="bg2">
+                  <a:lumMod val="25000"/>
+                </a:schemeClr>
+              </a:gs>
+              <a:gs pos="100000">
+                <a:schemeClr val="bg2">
+                  <a:lumMod val="25000"/>
+                </a:schemeClr>
+              </a:gs>
+            </a:gsLst>
+            <a:lin ang="4200000" scaled="0"/>
+          </a:gradFill>
+          <a:ln>
+            <a:noFill/>
+          </a:ln>
+        </p:spPr>
+        <p:style>
+          <a:lnRef idx="2">
+            <a:schemeClr val="accent1">
+              <a:shade val="50000"/>
+            </a:schemeClr>
+          </a:lnRef>
+          <a:fillRef idx="1">
+            <a:schemeClr val="accent1"/>
+          </a:fillRef>
+          <a:effectRef idx="0">
+            <a:schemeClr val="accent1"/>
+          </a:effectRef>
+          <a:fontRef idx="minor">
+            <a:schemeClr val="lt1"/>
+          </a:fontRef>
+        </p:style>
+        <p:txBody>
+          <a:bodyPr rtlCol="0" anchor="ctr"/>
+          <a:lstStyle/>
+          <a:p>
+            <a:pPr algn="ctr"/>
+            <a:endParaRPr lang="en-US"/>
+          </a:p>
+        </p:txBody>
+      </p:sp>
+      <p:pic>
+        <p:nvPicPr>
+          <p:cNvPr id="19" name="Picture 18">
+            <a:extLst>
+              <a:ext uri="{FF2B5EF4-FFF2-40B4-BE49-F238E27FC236}">
+                <a16:creationId xmlns:a16="http://schemas.microsoft.com/office/drawing/2014/main" id="{FDE75AAD-F4A4-4ED2-9A2F-B2412F936C4D}"/>
+              </a:ext>
+              <a:ext uri="{C183D7F6-B498-43B3-948B-1728B52AA6E4}">
+                <adec:decorative xmlns:adec="http://schemas.microsoft.com/office/drawing/2017/decorative" val="1"/>
+              </a:ext>
+            </a:extLst>
+          </p:cNvPr>
+          <p:cNvPicPr>
+            <a:picLocks noGrp="1" noRot="1" noChangeAspect="1" noMove="1" noResize="1" noEditPoints="1" noAdjustHandles="1" noChangeArrowheads="1" noChangeShapeType="1" noCrop="1"/>
+          </p:cNvPicPr>
+          <p:nvPr>
+            <p:extLst>
+              <p:ext uri="{386F3935-93C4-4BCD-93E2-E3B085C9AB24}">
+                <p16:designElem xmlns:p16="http://schemas.microsoft.com/office/powerpoint/2015/main" val="1"/>
+              </p:ext>
+            </p:extLst>
+          </p:nvPr>
+        </p:nvPicPr>
+        <p:blipFill rotWithShape="1">
+          <a:blip r:embed="rId2">
+            <a:extLst>
+              <a:ext uri="{28A0092B-C50C-407E-A947-70E740481C1C}">
+                <a14:useLocalDpi xmlns:a14="http://schemas.microsoft.com/office/drawing/2010/main" val="0"/>
+              </a:ext>
+            </a:extLst>
+          </a:blip>
+          <a:srcRect l="8235" t="20008" r="8214" b="52759"/>
+          <a:stretch/>
+        </p:blipFill>
+        <p:spPr>
+          <a:xfrm flipV="1">
+            <a:off x="2" y="0"/>
+            <a:ext cx="12191999" cy="2235323"/>
+          </a:xfrm>
+          <a:custGeom>
+            <a:avLst/>
+            <a:gdLst>
+              <a:gd name="connsiteX0" fmla="*/ 0 w 12191999"/>
+              <a:gd name="connsiteY0" fmla="*/ 2235323 h 2235323"/>
+              <a:gd name="connsiteX1" fmla="*/ 12191999 w 12191999"/>
+              <a:gd name="connsiteY1" fmla="*/ 2235323 h 2235323"/>
+              <a:gd name="connsiteX2" fmla="*/ 12191999 w 12191999"/>
+              <a:gd name="connsiteY2" fmla="*/ 0 h 2235323"/>
+              <a:gd name="connsiteX3" fmla="*/ 0 w 12191999"/>
+              <a:gd name="connsiteY3" fmla="*/ 0 h 2235323"/>
+            </a:gdLst>
+            <a:ahLst/>
+            <a:cxnLst>
+              <a:cxn ang="0">
+                <a:pos x="connsiteX0" y="connsiteY0"/>
+              </a:cxn>
+              <a:cxn ang="0">
+                <a:pos x="connsiteX1" y="connsiteY1"/>
+              </a:cxn>
+              <a:cxn ang="0">
+                <a:pos x="connsiteX2" y="connsiteY2"/>
+              </a:cxn>
+              <a:cxn ang="0">
+                <a:pos x="connsiteX3" y="connsiteY3"/>
+              </a:cxn>
+            </a:cxnLst>
+            <a:rect l="l" t="t" r="r" b="b"/>
+            <a:pathLst>
+              <a:path w="12191999" h="2235323">
+                <a:moveTo>
+                  <a:pt x="0" y="2235323"/>
+                </a:moveTo>
+                <a:lnTo>
+                  <a:pt x="12191999" y="2235323"/>
+                </a:lnTo>
+                <a:lnTo>
+                  <a:pt x="12191999" y="0"/>
+                </a:lnTo>
+                <a:lnTo>
+                  <a:pt x="0" y="0"/>
+                </a:lnTo>
+                <a:close/>
+              </a:path>
+            </a:pathLst>
+          </a:custGeom>
+        </p:spPr>
+      </p:pic>
+      <p:sp>
+        <p:nvSpPr>
+          <p:cNvPr id="2" name="Title 1">
+            <a:extLst>
+              <a:ext uri="{FF2B5EF4-FFF2-40B4-BE49-F238E27FC236}">
+                <a16:creationId xmlns:a16="http://schemas.microsoft.com/office/drawing/2014/main" id="{13D93A1D-1E87-408F-B3C2-AA0CE421F3CE}"/>
+              </a:ext>
+            </a:extLst>
+          </p:cNvPr>
+          <p:cNvSpPr>
+            <a:spLocks noGrp="1"/>
+          </p:cNvSpPr>
+          <p:nvPr>
+            <p:ph type="ctrTitle"/>
+          </p:nvPr>
+        </p:nvSpPr>
+        <p:spPr>
+          <a:xfrm>
+            <a:off x="753925" y="1601735"/>
+            <a:ext cx="10684151" cy="1991979"/>
+          </a:xfrm>
+        </p:spPr>
+        <p:txBody>
+          <a:bodyPr anchor="b">
+            <a:normAutofit/>
+          </a:bodyPr>
+          <a:lstStyle/>
+          <a:p>
+            <a:r>
+              <a:rPr lang="en-CA" sz="6600">
+                <a:solidFill>
+                  <a:srgbClr val="FFFFFF"/>
+                </a:solidFill>
+              </a:rPr>
+              <a:t>Price Your Car! </a:t>
+            </a:r>
+          </a:p>
+        </p:txBody>
+      </p:sp>
+      <p:pic>
+        <p:nvPicPr>
+          <p:cNvPr id="21" name="Picture 20">
+            <a:extLst>
+              <a:ext uri="{FF2B5EF4-FFF2-40B4-BE49-F238E27FC236}">
+                <a16:creationId xmlns:a16="http://schemas.microsoft.com/office/drawing/2014/main" id="{DA20CE0B-92EC-45FD-8F68-38003D6D8CA7}"/>
+              </a:ext>
+              <a:ext uri="{C183D7F6-B498-43B3-948B-1728B52AA6E4}">
+                <adec:decorative xmlns:adec="http://schemas.microsoft.com/office/drawing/2017/decorative" val="1"/>
+              </a:ext>
+            </a:extLst>
+          </p:cNvPr>
+          <p:cNvPicPr>
+            <a:picLocks noGrp="1" noRot="1" noChangeAspect="1" noMove="1" noResize="1" noEditPoints="1" noAdjustHandles="1" noChangeArrowheads="1" noChangeShapeType="1" noCrop="1"/>
+          </p:cNvPicPr>
+          <p:nvPr>
+            <p:extLst>
+              <p:ext uri="{386F3935-93C4-4BCD-93E2-E3B085C9AB24}">
+                <p16:designElem xmlns:p16="http://schemas.microsoft.com/office/powerpoint/2015/main" val="1"/>
+              </p:ext>
+            </p:extLst>
+          </p:nvPr>
+        </p:nvPicPr>
+        <p:blipFill rotWithShape="1">
+          <a:blip r:embed="rId2">
+            <a:extLst>
+              <a:ext uri="{28A0092B-C50C-407E-A947-70E740481C1C}">
+                <a14:useLocalDpi xmlns:a14="http://schemas.microsoft.com/office/drawing/2010/main" val="0"/>
+              </a:ext>
+            </a:extLst>
+          </a:blip>
+          <a:srcRect l="8235" t="-1" r="8214" b="80325"/>
+          <a:stretch/>
+        </p:blipFill>
+        <p:spPr>
+          <a:xfrm flipV="1">
+            <a:off x="0" y="4586080"/>
+            <a:ext cx="12191999" cy="1614974"/>
+          </a:xfrm>
+          <a:custGeom>
+            <a:avLst/>
+            <a:gdLst>
+              <a:gd name="connsiteX0" fmla="*/ 0 w 12191999"/>
+              <a:gd name="connsiteY0" fmla="*/ 1614974 h 1614974"/>
+              <a:gd name="connsiteX1" fmla="*/ 12191999 w 12191999"/>
+              <a:gd name="connsiteY1" fmla="*/ 1614974 h 1614974"/>
+              <a:gd name="connsiteX2" fmla="*/ 12191999 w 12191999"/>
+              <a:gd name="connsiteY2" fmla="*/ 0 h 1614974"/>
+              <a:gd name="connsiteX3" fmla="*/ 0 w 12191999"/>
+              <a:gd name="connsiteY3" fmla="*/ 0 h 1614974"/>
+            </a:gdLst>
+            <a:ahLst/>
+            <a:cxnLst>
+              <a:cxn ang="0">
+                <a:pos x="connsiteX0" y="connsiteY0"/>
+              </a:cxn>
+              <a:cxn ang="0">
+                <a:pos x="connsiteX1" y="connsiteY1"/>
+              </a:cxn>
+              <a:cxn ang="0">
+                <a:pos x="connsiteX2" y="connsiteY2"/>
+              </a:cxn>
+              <a:cxn ang="0">
+                <a:pos x="connsiteX3" y="connsiteY3"/>
+              </a:cxn>
+            </a:cxnLst>
+            <a:rect l="l" t="t" r="r" b="b"/>
+            <a:pathLst>
+              <a:path w="12191999" h="1614974">
+                <a:moveTo>
+                  <a:pt x="0" y="1614974"/>
+                </a:moveTo>
+                <a:lnTo>
+                  <a:pt x="12191999" y="1614974"/>
+                </a:lnTo>
+                <a:lnTo>
+                  <a:pt x="12191999" y="0"/>
+                </a:lnTo>
+                <a:lnTo>
+                  <a:pt x="0" y="0"/>
+                </a:lnTo>
+                <a:close/>
+              </a:path>
+            </a:pathLst>
+          </a:custGeom>
+        </p:spPr>
+      </p:pic>
+      <p:sp>
+        <p:nvSpPr>
+          <p:cNvPr id="3" name="Subtitle 2">
+            <a:extLst>
+              <a:ext uri="{FF2B5EF4-FFF2-40B4-BE49-F238E27FC236}">
+                <a16:creationId xmlns:a16="http://schemas.microsoft.com/office/drawing/2014/main" id="{BCD8DED2-4CFA-4D8A-A3CF-1AC29878CC99}"/>
+              </a:ext>
+            </a:extLst>
+          </p:cNvPr>
+          <p:cNvSpPr>
+            <a:spLocks noGrp="1"/>
+          </p:cNvSpPr>
+          <p:nvPr>
+            <p:ph type="subTitle" idx="1"/>
+          </p:nvPr>
+        </p:nvSpPr>
+        <p:spPr>
+          <a:xfrm>
+            <a:off x="1171575" y="3806169"/>
+            <a:ext cx="9469211" cy="865639"/>
+          </a:xfrm>
+        </p:spPr>
+        <p:txBody>
+          <a:bodyPr anchor="t">
+            <a:normAutofit/>
+          </a:bodyPr>
+          <a:lstStyle/>
+          <a:p>
+            <a:r>
+              <a:rPr lang="en-CA" sz="3200">
+                <a:solidFill>
+                  <a:srgbClr val="FFFFFF"/>
+                </a:solidFill>
+              </a:rPr>
+              <a:t>Creating a price estimator for your used vehicle</a:t>
+            </a:r>
+          </a:p>
+        </p:txBody>
+      </p:sp>
+      <p:pic>
+        <p:nvPicPr>
+          <p:cNvPr id="7" name="Picture 6" descr="On My Way Dude">
+            <a:extLst>
+              <a:ext uri="{FF2B5EF4-FFF2-40B4-BE49-F238E27FC236}">
+                <a16:creationId xmlns:a16="http://schemas.microsoft.com/office/drawing/2014/main" id="{2C482845-8785-4D5D-8C40-E563E12C399E}"/>
+              </a:ext>
+            </a:extLst>
+          </p:cNvPr>
+          <p:cNvPicPr>
+            <a:picLocks noChangeAspect="1"/>
+          </p:cNvPicPr>
+          <p:nvPr/>
+        </p:nvPicPr>
+        <p:blipFill>
+          <a:blip r:embed="rId3">
+            <a:extLst>
+              <a:ext uri="{28A0092B-C50C-407E-A947-70E740481C1C}">
+                <a14:useLocalDpi xmlns:a14="http://schemas.microsoft.com/office/drawing/2010/main" val="0"/>
+              </a:ext>
+            </a:extLst>
+          </a:blip>
+          <a:stretch>
+            <a:fillRect/>
+          </a:stretch>
+        </p:blipFill>
+        <p:spPr>
+          <a:xfrm>
+            <a:off x="408761" y="3944744"/>
+            <a:ext cx="2913256" cy="2913256"/>
+          </a:xfrm>
+          <a:prstGeom prst="rect">
+            <a:avLst/>
+          </a:prstGeom>
+        </p:spPr>
+      </p:pic>
+    </p:spTree>
+    <p:extLst>
+      <p:ext uri="{BB962C8B-B14F-4D97-AF65-F5344CB8AC3E}">
+        <p14:creationId xmlns:p14="http://schemas.microsoft.com/office/powerpoint/2010/main" val="497666344"/>
+      </p:ext>
+    </p:extLst>
+  </p:cSld>
+  <p:clrMapOvr>
+    <a:masterClrMapping/>
+  </p:clrMapOvr>
+</p:sld>
+</file>
+
+<file path=ppt/slides/slide10.xml><?xml version="1.0" encoding="utf-8"?>
+<p:sld xmlns:a="http://schemas.openxmlformats.org/drawingml/2006/main" xmlns:r="http://schemas.openxmlformats.org/officeDocument/2006/relationships" xmlns:p="http://schemas.openxmlformats.org/presentationml/2006/main">
+  <p:cSld>
+    <p:spTree>
+      <p:nvGrpSpPr>
+        <p:cNvPr id="1" name=""/>
+        <p:cNvGrpSpPr/>
+        <p:nvPr/>
+      </p:nvGrpSpPr>
+      <p:grpSpPr>
+        <a:xfrm>
+          <a:off x="0" y="0"/>
+          <a:ext cx="0" cy="0"/>
+          <a:chOff x="0" y="0"/>
+          <a:chExt cx="0" cy="0"/>
+        </a:xfrm>
+      </p:grpSpPr>
+      <p:grpSp>
+        <p:nvGrpSpPr>
+          <p:cNvPr id="32" name="Group 31">
+            <a:extLst>
+              <a:ext uri="{FF2B5EF4-FFF2-40B4-BE49-F238E27FC236}">
+                <a16:creationId xmlns:a16="http://schemas.microsoft.com/office/drawing/2014/main" id="{5C904505-2964-44B9-BF34-54EDBC475B76}"/>
+              </a:ext>
+            </a:extLst>
+          </p:cNvPr>
+          <p:cNvGrpSpPr/>
+          <p:nvPr/>
+        </p:nvGrpSpPr>
+        <p:grpSpPr>
+          <a:xfrm>
+            <a:off x="0" y="1661309"/>
+            <a:ext cx="12039600" cy="3381925"/>
+            <a:chOff x="76200" y="231741"/>
+            <a:chExt cx="12039600" cy="3381925"/>
+          </a:xfrm>
+        </p:grpSpPr>
+        <p:pic>
+          <p:nvPicPr>
+            <p:cNvPr id="20" name="Picture 19">
+              <a:extLst>
+                <a:ext uri="{FF2B5EF4-FFF2-40B4-BE49-F238E27FC236}">
+                  <a16:creationId xmlns:a16="http://schemas.microsoft.com/office/drawing/2014/main" id="{9E4BDB0C-588C-4575-8ABB-8215A1FCD6E3}"/>
+                </a:ext>
+              </a:extLst>
+            </p:cNvPr>
+            <p:cNvPicPr>
+              <a:picLocks noChangeAspect="1"/>
+            </p:cNvPicPr>
+            <p:nvPr/>
+          </p:nvPicPr>
+          <p:blipFill>
+            <a:blip r:embed="rId2"/>
+            <a:stretch>
+              <a:fillRect/>
+            </a:stretch>
+          </p:blipFill>
+          <p:spPr>
+            <a:xfrm>
+              <a:off x="76200" y="231741"/>
+              <a:ext cx="12039600" cy="2162175"/>
+            </a:xfrm>
+            <a:prstGeom prst="rect">
+              <a:avLst/>
+            </a:prstGeom>
+          </p:spPr>
+        </p:pic>
+        <p:sp>
+          <p:nvSpPr>
+            <p:cNvPr id="12" name="Rectangle 11">
+              <a:extLst>
+                <a:ext uri="{FF2B5EF4-FFF2-40B4-BE49-F238E27FC236}">
+                  <a16:creationId xmlns:a16="http://schemas.microsoft.com/office/drawing/2014/main" id="{1F77AD13-EC65-409A-AEFB-1B36D8384C6B}"/>
+                </a:ext>
+              </a:extLst>
+            </p:cNvPr>
+            <p:cNvSpPr/>
+            <p:nvPr/>
+          </p:nvSpPr>
+          <p:spPr>
+            <a:xfrm>
+              <a:off x="754602" y="679741"/>
+              <a:ext cx="577049" cy="1738559"/>
+            </a:xfrm>
+            <a:prstGeom prst="rect">
+              <a:avLst/>
+            </a:prstGeom>
+            <a:noFill/>
+            <a:ln w="28575">
+              <a:solidFill>
+                <a:srgbClr val="FF0000"/>
+              </a:solidFill>
+            </a:ln>
+          </p:spPr>
+          <p:style>
+            <a:lnRef idx="2">
+              <a:schemeClr val="accent1">
+                <a:shade val="50000"/>
+              </a:schemeClr>
+            </a:lnRef>
+            <a:fillRef idx="1">
+              <a:schemeClr val="accent1"/>
+            </a:fillRef>
+            <a:effectRef idx="0">
+              <a:schemeClr val="accent1"/>
+            </a:effectRef>
+            <a:fontRef idx="minor">
+              <a:schemeClr val="lt1"/>
+            </a:fontRef>
+          </p:style>
+          <p:txBody>
+            <a:bodyPr rtlCol="0" anchor="ctr"/>
+            <a:lstStyle/>
+            <a:p>
+              <a:pPr algn="ctr"/>
+              <a:endParaRPr lang="en-CA" dirty="0"/>
+            </a:p>
+          </p:txBody>
+        </p:sp>
+        <p:sp>
+          <p:nvSpPr>
+            <p:cNvPr id="8" name="TextBox 7">
+              <a:extLst>
+                <a:ext uri="{FF2B5EF4-FFF2-40B4-BE49-F238E27FC236}">
+                  <a16:creationId xmlns:a16="http://schemas.microsoft.com/office/drawing/2014/main" id="{6EB52767-63E2-4679-A188-717ABC5063EE}"/>
+                </a:ext>
+              </a:extLst>
+            </p:cNvPr>
+            <p:cNvSpPr txBox="1"/>
+            <p:nvPr/>
+          </p:nvSpPr>
+          <p:spPr>
+            <a:xfrm>
+              <a:off x="651769" y="2418300"/>
+              <a:ext cx="870011" cy="369332"/>
+            </a:xfrm>
+            <a:prstGeom prst="rect">
+              <a:avLst/>
+            </a:prstGeom>
+            <a:noFill/>
+          </p:spPr>
+          <p:txBody>
+            <a:bodyPr wrap="square" rtlCol="0">
+              <a:spAutoFit/>
+            </a:bodyPr>
+            <a:lstStyle/>
+            <a:p>
+              <a:r>
+                <a:rPr lang="en-CA" dirty="0">
+                  <a:solidFill>
+                    <a:srgbClr val="FF0000"/>
+                  </a:solidFill>
+                </a:rPr>
+                <a:t>‘target’</a:t>
+              </a:r>
+            </a:p>
+          </p:txBody>
+        </p:sp>
+        <p:sp>
+          <p:nvSpPr>
+            <p:cNvPr id="16" name="Rectangle 15">
+              <a:extLst>
+                <a:ext uri="{FF2B5EF4-FFF2-40B4-BE49-F238E27FC236}">
+                  <a16:creationId xmlns:a16="http://schemas.microsoft.com/office/drawing/2014/main" id="{7D88A429-9E3C-43B1-A4A0-B59FA24EF621}"/>
+                </a:ext>
+              </a:extLst>
+            </p:cNvPr>
+            <p:cNvSpPr/>
+            <p:nvPr/>
+          </p:nvSpPr>
+          <p:spPr>
+            <a:xfrm>
+              <a:off x="10822037" y="923901"/>
+              <a:ext cx="1182050" cy="1313272"/>
+            </a:xfrm>
+            <a:prstGeom prst="rect">
+              <a:avLst/>
+            </a:prstGeom>
+            <a:noFill/>
+            <a:ln w="28575">
+              <a:solidFill>
+                <a:srgbClr val="00B050"/>
+              </a:solidFill>
+            </a:ln>
+          </p:spPr>
+          <p:style>
+            <a:lnRef idx="2">
+              <a:schemeClr val="accent1">
+                <a:shade val="50000"/>
+              </a:schemeClr>
+            </a:lnRef>
+            <a:fillRef idx="1">
+              <a:schemeClr val="accent1"/>
+            </a:fillRef>
+            <a:effectRef idx="0">
+              <a:schemeClr val="accent1"/>
+            </a:effectRef>
+            <a:fontRef idx="minor">
+              <a:schemeClr val="lt1"/>
+            </a:fontRef>
+          </p:style>
+          <p:txBody>
+            <a:bodyPr rtlCol="0" anchor="ctr"/>
+            <a:lstStyle/>
+            <a:p>
+              <a:pPr algn="ctr"/>
+              <a:endParaRPr lang="en-CA" dirty="0"/>
+            </a:p>
+          </p:txBody>
+        </p:sp>
+        <p:sp>
+          <p:nvSpPr>
+            <p:cNvPr id="17" name="Rectangle 16">
+              <a:extLst>
+                <a:ext uri="{FF2B5EF4-FFF2-40B4-BE49-F238E27FC236}">
+                  <a16:creationId xmlns:a16="http://schemas.microsoft.com/office/drawing/2014/main" id="{150062D6-0505-4326-BEDD-E9793AE4D992}"/>
+                </a:ext>
+              </a:extLst>
+            </p:cNvPr>
+            <p:cNvSpPr/>
+            <p:nvPr/>
+          </p:nvSpPr>
+          <p:spPr>
+            <a:xfrm>
+              <a:off x="6379345" y="923901"/>
+              <a:ext cx="577049" cy="1313272"/>
+            </a:xfrm>
+            <a:prstGeom prst="rect">
+              <a:avLst/>
+            </a:prstGeom>
+            <a:noFill/>
+            <a:ln w="28575">
+              <a:solidFill>
+                <a:srgbClr val="00B050"/>
+              </a:solidFill>
+            </a:ln>
+          </p:spPr>
+          <p:style>
+            <a:lnRef idx="2">
+              <a:schemeClr val="accent1">
+                <a:shade val="50000"/>
+              </a:schemeClr>
+            </a:lnRef>
+            <a:fillRef idx="1">
+              <a:schemeClr val="accent1"/>
+            </a:fillRef>
+            <a:effectRef idx="0">
+              <a:schemeClr val="accent1"/>
+            </a:effectRef>
+            <a:fontRef idx="minor">
+              <a:schemeClr val="lt1"/>
+            </a:fontRef>
+          </p:style>
+          <p:txBody>
+            <a:bodyPr rtlCol="0" anchor="ctr"/>
+            <a:lstStyle/>
+            <a:p>
+              <a:pPr algn="ctr"/>
+              <a:endParaRPr lang="en-CA" dirty="0"/>
+            </a:p>
+          </p:txBody>
+        </p:sp>
+        <p:sp>
+          <p:nvSpPr>
+            <p:cNvPr id="18" name="TextBox 17">
+              <a:extLst>
+                <a:ext uri="{FF2B5EF4-FFF2-40B4-BE49-F238E27FC236}">
+                  <a16:creationId xmlns:a16="http://schemas.microsoft.com/office/drawing/2014/main" id="{8EF573FC-12A4-459D-A62A-8B6079979A6E}"/>
+                </a:ext>
+              </a:extLst>
+            </p:cNvPr>
+            <p:cNvSpPr txBox="1"/>
+            <p:nvPr/>
+          </p:nvSpPr>
+          <p:spPr>
+            <a:xfrm>
+              <a:off x="5255582" y="3244334"/>
+              <a:ext cx="2547891" cy="369332"/>
+            </a:xfrm>
+            <a:prstGeom prst="rect">
+              <a:avLst/>
+            </a:prstGeom>
+            <a:noFill/>
+          </p:spPr>
+          <p:txBody>
+            <a:bodyPr wrap="square" rtlCol="0">
+              <a:spAutoFit/>
+            </a:bodyPr>
+            <a:lstStyle/>
+            <a:p>
+              <a:r>
+                <a:rPr lang="en-CA" dirty="0">
+                  <a:solidFill>
+                    <a:srgbClr val="00B050"/>
+                  </a:solidFill>
+                </a:rPr>
+                <a:t>5 Numerical Features</a:t>
+              </a:r>
+            </a:p>
+          </p:txBody>
+        </p:sp>
+        <p:sp>
+          <p:nvSpPr>
+            <p:cNvPr id="19" name="Rectangle 18">
+              <a:extLst>
+                <a:ext uri="{FF2B5EF4-FFF2-40B4-BE49-F238E27FC236}">
+                  <a16:creationId xmlns:a16="http://schemas.microsoft.com/office/drawing/2014/main" id="{F4DA7CF9-B07D-4979-B7A8-09CA6285EBC3}"/>
+                </a:ext>
+              </a:extLst>
+            </p:cNvPr>
+            <p:cNvSpPr/>
+            <p:nvPr/>
+          </p:nvSpPr>
+          <p:spPr>
+            <a:xfrm>
+              <a:off x="5142367" y="923901"/>
+              <a:ext cx="773873" cy="1313272"/>
+            </a:xfrm>
+            <a:prstGeom prst="rect">
+              <a:avLst/>
+            </a:prstGeom>
+            <a:noFill/>
+            <a:ln w="28575">
+              <a:solidFill>
+                <a:srgbClr val="00B050"/>
+              </a:solidFill>
+            </a:ln>
+          </p:spPr>
+          <p:style>
+            <a:lnRef idx="2">
+              <a:schemeClr val="accent1">
+                <a:shade val="50000"/>
+              </a:schemeClr>
+            </a:lnRef>
+            <a:fillRef idx="1">
+              <a:schemeClr val="accent1"/>
+            </a:fillRef>
+            <a:effectRef idx="0">
+              <a:schemeClr val="accent1"/>
+            </a:effectRef>
+            <a:fontRef idx="minor">
+              <a:schemeClr val="lt1"/>
+            </a:fontRef>
+          </p:style>
+          <p:txBody>
+            <a:bodyPr rtlCol="0" anchor="ctr"/>
+            <a:lstStyle/>
+            <a:p>
+              <a:pPr algn="ctr"/>
+              <a:endParaRPr lang="en-CA" dirty="0"/>
+            </a:p>
+          </p:txBody>
+        </p:sp>
+        <p:cxnSp>
+          <p:nvCxnSpPr>
+            <p:cNvPr id="23" name="Straight Arrow Connector 22">
+              <a:extLst>
+                <a:ext uri="{FF2B5EF4-FFF2-40B4-BE49-F238E27FC236}">
+                  <a16:creationId xmlns:a16="http://schemas.microsoft.com/office/drawing/2014/main" id="{BE72CC57-7A94-4C35-85D2-2080AAA300D9}"/>
+                </a:ext>
+              </a:extLst>
+            </p:cNvPr>
+            <p:cNvCxnSpPr>
+              <a:cxnSpLocks/>
+              <a:stCxn id="19" idx="2"/>
+              <a:endCxn id="18" idx="0"/>
+            </p:cNvCxnSpPr>
+            <p:nvPr/>
+          </p:nvCxnSpPr>
+          <p:spPr>
+            <a:xfrm>
+              <a:off x="5529304" y="2237173"/>
+              <a:ext cx="1000224" cy="1007161"/>
+            </a:xfrm>
+            <a:prstGeom prst="straightConnector1">
+              <a:avLst/>
+            </a:prstGeom>
+            <a:ln w="19050">
+              <a:solidFill>
+                <a:srgbClr val="00B050"/>
+              </a:solidFill>
+              <a:tailEnd type="triangle"/>
+            </a:ln>
+          </p:spPr>
+          <p:style>
+            <a:lnRef idx="1">
+              <a:schemeClr val="accent6"/>
+            </a:lnRef>
+            <a:fillRef idx="0">
+              <a:schemeClr val="accent6"/>
+            </a:fillRef>
+            <a:effectRef idx="0">
+              <a:schemeClr val="accent6"/>
+            </a:effectRef>
+            <a:fontRef idx="minor">
+              <a:schemeClr val="tx1"/>
+            </a:fontRef>
+          </p:style>
+        </p:cxnSp>
+        <p:cxnSp>
+          <p:nvCxnSpPr>
+            <p:cNvPr id="26" name="Straight Arrow Connector 25">
+              <a:extLst>
+                <a:ext uri="{FF2B5EF4-FFF2-40B4-BE49-F238E27FC236}">
+                  <a16:creationId xmlns:a16="http://schemas.microsoft.com/office/drawing/2014/main" id="{11445BB4-3E9B-40BC-AD50-C30B93A12C45}"/>
+                </a:ext>
+              </a:extLst>
+            </p:cNvPr>
+            <p:cNvCxnSpPr>
+              <a:cxnSpLocks/>
+              <a:stCxn id="17" idx="2"/>
+              <a:endCxn id="18" idx="0"/>
+            </p:cNvCxnSpPr>
+            <p:nvPr/>
+          </p:nvCxnSpPr>
+          <p:spPr>
+            <a:xfrm flipH="1">
+              <a:off x="6529528" y="2237173"/>
+              <a:ext cx="138342" cy="1007161"/>
+            </a:xfrm>
+            <a:prstGeom prst="straightConnector1">
+              <a:avLst/>
+            </a:prstGeom>
+            <a:ln w="19050">
+              <a:solidFill>
+                <a:srgbClr val="00B050"/>
+              </a:solidFill>
+              <a:tailEnd type="triangle"/>
+            </a:ln>
+          </p:spPr>
+          <p:style>
+            <a:lnRef idx="1">
+              <a:schemeClr val="accent6"/>
+            </a:lnRef>
+            <a:fillRef idx="0">
+              <a:schemeClr val="accent6"/>
+            </a:fillRef>
+            <a:effectRef idx="0">
+              <a:schemeClr val="accent6"/>
+            </a:effectRef>
+            <a:fontRef idx="minor">
+              <a:schemeClr val="tx1"/>
+            </a:fontRef>
+          </p:style>
+        </p:cxnSp>
+        <p:cxnSp>
+          <p:nvCxnSpPr>
+            <p:cNvPr id="29" name="Straight Arrow Connector 28">
+              <a:extLst>
+                <a:ext uri="{FF2B5EF4-FFF2-40B4-BE49-F238E27FC236}">
+                  <a16:creationId xmlns:a16="http://schemas.microsoft.com/office/drawing/2014/main" id="{5E647C1A-C6CB-4DFC-8923-7ECD69B91F8B}"/>
+                </a:ext>
+              </a:extLst>
+            </p:cNvPr>
+            <p:cNvCxnSpPr>
+              <a:cxnSpLocks/>
+              <a:stCxn id="16" idx="2"/>
+              <a:endCxn id="18" idx="0"/>
+            </p:cNvCxnSpPr>
+            <p:nvPr/>
+          </p:nvCxnSpPr>
+          <p:spPr>
+            <a:xfrm flipH="1">
+              <a:off x="6529528" y="2237173"/>
+              <a:ext cx="4883534" cy="1007161"/>
+            </a:xfrm>
+            <a:prstGeom prst="straightConnector1">
+              <a:avLst/>
+            </a:prstGeom>
+            <a:ln w="19050">
+              <a:solidFill>
+                <a:srgbClr val="00B050"/>
+              </a:solidFill>
+              <a:tailEnd type="triangle"/>
+            </a:ln>
+          </p:spPr>
+          <p:style>
+            <a:lnRef idx="1">
+              <a:schemeClr val="accent6"/>
+            </a:lnRef>
+            <a:fillRef idx="0">
+              <a:schemeClr val="accent6"/>
+            </a:fillRef>
+            <a:effectRef idx="0">
+              <a:schemeClr val="accent6"/>
+            </a:effectRef>
+            <a:fontRef idx="minor">
+              <a:schemeClr val="tx1"/>
+            </a:fontRef>
+          </p:style>
+        </p:cxnSp>
+      </p:grpSp>
+      <p:sp>
+        <p:nvSpPr>
+          <p:cNvPr id="34" name="Rectangle 33">
+            <a:extLst>
+              <a:ext uri="{FF2B5EF4-FFF2-40B4-BE49-F238E27FC236}">
+                <a16:creationId xmlns:a16="http://schemas.microsoft.com/office/drawing/2014/main" id="{E12E4D76-241E-4D9F-BDE3-049C6B0B76AC}"/>
+              </a:ext>
+            </a:extLst>
+          </p:cNvPr>
+          <p:cNvSpPr/>
+          <p:nvPr/>
+        </p:nvSpPr>
+        <p:spPr>
+          <a:xfrm>
+            <a:off x="6935121" y="2353468"/>
+            <a:ext cx="3755789" cy="1296356"/>
+          </a:xfrm>
+          <a:prstGeom prst="rect">
+            <a:avLst/>
+          </a:prstGeom>
+          <a:noFill/>
+          <a:ln w="28575">
+            <a:solidFill>
+              <a:srgbClr val="FFC000"/>
+            </a:solidFill>
+          </a:ln>
+        </p:spPr>
+        <p:style>
+          <a:lnRef idx="2">
+            <a:schemeClr val="accent1">
+              <a:shade val="50000"/>
+            </a:schemeClr>
+          </a:lnRef>
+          <a:fillRef idx="1">
+            <a:schemeClr val="accent1"/>
+          </a:fillRef>
+          <a:effectRef idx="0">
+            <a:schemeClr val="accent1"/>
+          </a:effectRef>
+          <a:fontRef idx="minor">
+            <a:schemeClr val="lt1"/>
+          </a:fontRef>
+        </p:style>
+        <p:txBody>
+          <a:bodyPr rtlCol="0" anchor="ctr"/>
+          <a:lstStyle/>
+          <a:p>
+            <a:pPr algn="ctr"/>
+            <a:endParaRPr lang="en-CA" dirty="0"/>
+          </a:p>
+        </p:txBody>
+      </p:sp>
+      <p:sp>
+        <p:nvSpPr>
+          <p:cNvPr id="36" name="Rectangle 35">
+            <a:extLst>
+              <a:ext uri="{FF2B5EF4-FFF2-40B4-BE49-F238E27FC236}">
+                <a16:creationId xmlns:a16="http://schemas.microsoft.com/office/drawing/2014/main" id="{66C69D7E-5EA8-4B69-9529-98EBA87F4534}"/>
+              </a:ext>
+            </a:extLst>
+          </p:cNvPr>
+          <p:cNvSpPr/>
+          <p:nvPr/>
+        </p:nvSpPr>
+        <p:spPr>
+          <a:xfrm>
+            <a:off x="5894967" y="2353468"/>
+            <a:ext cx="353252" cy="1289843"/>
+          </a:xfrm>
+          <a:prstGeom prst="rect">
+            <a:avLst/>
+          </a:prstGeom>
+          <a:noFill/>
+          <a:ln w="28575">
+            <a:solidFill>
+              <a:srgbClr val="FFC000"/>
+            </a:solidFill>
+          </a:ln>
+        </p:spPr>
+        <p:style>
+          <a:lnRef idx="2">
+            <a:schemeClr val="accent1">
+              <a:shade val="50000"/>
+            </a:schemeClr>
+          </a:lnRef>
+          <a:fillRef idx="1">
+            <a:schemeClr val="accent1"/>
+          </a:fillRef>
+          <a:effectRef idx="0">
+            <a:schemeClr val="accent1"/>
+          </a:effectRef>
+          <a:fontRef idx="minor">
+            <a:schemeClr val="lt1"/>
+          </a:fontRef>
+        </p:style>
+        <p:txBody>
+          <a:bodyPr rtlCol="0" anchor="ctr"/>
+          <a:lstStyle/>
+          <a:p>
+            <a:pPr algn="ctr"/>
+            <a:endParaRPr lang="en-CA" dirty="0"/>
+          </a:p>
+        </p:txBody>
+      </p:sp>
+      <p:sp>
+        <p:nvSpPr>
+          <p:cNvPr id="41" name="TextBox 40">
+            <a:extLst>
+              <a:ext uri="{FF2B5EF4-FFF2-40B4-BE49-F238E27FC236}">
+                <a16:creationId xmlns:a16="http://schemas.microsoft.com/office/drawing/2014/main" id="{2BF33BC7-9341-4FE2-9954-D4F33CB71CEA}"/>
+              </a:ext>
+            </a:extLst>
+          </p:cNvPr>
+          <p:cNvSpPr txBox="1"/>
+          <p:nvPr/>
+        </p:nvSpPr>
+        <p:spPr>
+          <a:xfrm>
+            <a:off x="5011240" y="561550"/>
+            <a:ext cx="2547891" cy="369332"/>
+          </a:xfrm>
+          <a:prstGeom prst="rect">
+            <a:avLst/>
+          </a:prstGeom>
+          <a:noFill/>
+        </p:spPr>
+        <p:txBody>
+          <a:bodyPr wrap="square" rtlCol="0">
+            <a:spAutoFit/>
+          </a:bodyPr>
+          <a:lstStyle/>
+          <a:p>
+            <a:r>
+              <a:rPr lang="en-CA" dirty="0">
+                <a:solidFill>
+                  <a:srgbClr val="FFC000"/>
+                </a:solidFill>
+              </a:rPr>
+              <a:t>11 Categorical</a:t>
+            </a:r>
+            <a:r>
+              <a:rPr lang="en-CA" dirty="0">
+                <a:solidFill>
+                  <a:srgbClr val="00B050"/>
+                </a:solidFill>
+              </a:rPr>
+              <a:t> </a:t>
+            </a:r>
+            <a:r>
+              <a:rPr lang="en-CA" dirty="0">
+                <a:solidFill>
+                  <a:srgbClr val="FFC000"/>
+                </a:solidFill>
+              </a:rPr>
+              <a:t>Features</a:t>
+            </a:r>
+          </a:p>
+        </p:txBody>
+      </p:sp>
+      <p:cxnSp>
+        <p:nvCxnSpPr>
+          <p:cNvPr id="42" name="Straight Arrow Connector 41">
+            <a:extLst>
+              <a:ext uri="{FF2B5EF4-FFF2-40B4-BE49-F238E27FC236}">
+                <a16:creationId xmlns:a16="http://schemas.microsoft.com/office/drawing/2014/main" id="{01650E09-B65F-4D1C-B1A8-CE0B8316F863}"/>
+              </a:ext>
+            </a:extLst>
+          </p:cNvPr>
+          <p:cNvCxnSpPr>
+            <a:cxnSpLocks/>
+            <a:endCxn id="18" idx="0"/>
+          </p:cNvCxnSpPr>
+          <p:nvPr/>
+        </p:nvCxnSpPr>
+        <p:spPr>
+          <a:xfrm>
+            <a:off x="3160450" y="3666741"/>
+            <a:ext cx="3292878" cy="1007161"/>
+          </a:xfrm>
+          <a:prstGeom prst="straightConnector1">
+            <a:avLst/>
+          </a:prstGeom>
+          <a:ln w="19050">
+            <a:solidFill>
+              <a:srgbClr val="00B050"/>
+            </a:solidFill>
+            <a:tailEnd type="triangle"/>
+          </a:ln>
+        </p:spPr>
+        <p:style>
+          <a:lnRef idx="1">
+            <a:schemeClr val="accent6"/>
+          </a:lnRef>
+          <a:fillRef idx="0">
+            <a:schemeClr val="accent6"/>
+          </a:fillRef>
+          <a:effectRef idx="0">
+            <a:schemeClr val="accent6"/>
+          </a:effectRef>
+          <a:fontRef idx="minor">
+            <a:schemeClr val="tx1"/>
+          </a:fontRef>
+        </p:style>
+      </p:cxnSp>
+      <p:sp>
+        <p:nvSpPr>
+          <p:cNvPr id="46" name="Rectangle 45">
+            <a:extLst>
+              <a:ext uri="{FF2B5EF4-FFF2-40B4-BE49-F238E27FC236}">
+                <a16:creationId xmlns:a16="http://schemas.microsoft.com/office/drawing/2014/main" id="{9EA46A85-E025-4651-9EC5-EB4FA0BB8340}"/>
+              </a:ext>
+            </a:extLst>
+          </p:cNvPr>
+          <p:cNvSpPr/>
+          <p:nvPr/>
+        </p:nvSpPr>
+        <p:spPr>
+          <a:xfrm>
+            <a:off x="1310378" y="2372127"/>
+            <a:ext cx="1588921" cy="1296356"/>
+          </a:xfrm>
+          <a:prstGeom prst="rect">
+            <a:avLst/>
+          </a:prstGeom>
+          <a:noFill/>
+          <a:ln w="28575">
+            <a:solidFill>
+              <a:srgbClr val="FFC000"/>
+            </a:solidFill>
+          </a:ln>
+        </p:spPr>
+        <p:style>
+          <a:lnRef idx="2">
+            <a:schemeClr val="accent1">
+              <a:shade val="50000"/>
+            </a:schemeClr>
+          </a:lnRef>
+          <a:fillRef idx="1">
+            <a:schemeClr val="accent1"/>
+          </a:fillRef>
+          <a:effectRef idx="0">
+            <a:schemeClr val="accent1"/>
+          </a:effectRef>
+          <a:fontRef idx="minor">
+            <a:schemeClr val="lt1"/>
+          </a:fontRef>
+        </p:style>
+        <p:txBody>
+          <a:bodyPr rtlCol="0" anchor="ctr"/>
+          <a:lstStyle/>
+          <a:p>
+            <a:pPr algn="ctr"/>
+            <a:endParaRPr lang="en-CA" dirty="0"/>
+          </a:p>
+        </p:txBody>
+      </p:sp>
+      <p:cxnSp>
+        <p:nvCxnSpPr>
+          <p:cNvPr id="47" name="Straight Arrow Connector 46">
+            <a:extLst>
+              <a:ext uri="{FF2B5EF4-FFF2-40B4-BE49-F238E27FC236}">
+                <a16:creationId xmlns:a16="http://schemas.microsoft.com/office/drawing/2014/main" id="{95BA9E86-B6C1-463B-BE1D-3651FCDEFD28}"/>
+              </a:ext>
+            </a:extLst>
+          </p:cNvPr>
+          <p:cNvCxnSpPr>
+            <a:cxnSpLocks/>
+            <a:endCxn id="41" idx="2"/>
+          </p:cNvCxnSpPr>
+          <p:nvPr/>
+        </p:nvCxnSpPr>
+        <p:spPr>
+          <a:xfrm flipV="1">
+            <a:off x="2050742" y="930882"/>
+            <a:ext cx="4234444" cy="1150708"/>
+          </a:xfrm>
+          <a:prstGeom prst="straightConnector1">
+            <a:avLst/>
+          </a:prstGeom>
+          <a:ln w="19050">
+            <a:solidFill>
+              <a:srgbClr val="FFC000"/>
+            </a:solidFill>
+            <a:tailEnd type="triangle"/>
+          </a:ln>
+        </p:spPr>
+        <p:style>
+          <a:lnRef idx="1">
+            <a:schemeClr val="accent6"/>
+          </a:lnRef>
+          <a:fillRef idx="0">
+            <a:schemeClr val="accent6"/>
+          </a:fillRef>
+          <a:effectRef idx="0">
+            <a:schemeClr val="accent6"/>
+          </a:effectRef>
+          <a:fontRef idx="minor">
+            <a:schemeClr val="tx1"/>
+          </a:fontRef>
+        </p:style>
+      </p:cxnSp>
+      <p:cxnSp>
+        <p:nvCxnSpPr>
+          <p:cNvPr id="50" name="Straight Arrow Connector 49">
+            <a:extLst>
+              <a:ext uri="{FF2B5EF4-FFF2-40B4-BE49-F238E27FC236}">
+                <a16:creationId xmlns:a16="http://schemas.microsoft.com/office/drawing/2014/main" id="{D757B2FA-7AF8-4C4B-9534-70B95309CE16}"/>
+              </a:ext>
+            </a:extLst>
+          </p:cNvPr>
+          <p:cNvCxnSpPr>
+            <a:cxnSpLocks/>
+            <a:endCxn id="41" idx="2"/>
+          </p:cNvCxnSpPr>
+          <p:nvPr/>
+        </p:nvCxnSpPr>
+        <p:spPr>
+          <a:xfrm flipV="1">
+            <a:off x="4261282" y="930882"/>
+            <a:ext cx="2023904" cy="1116572"/>
+          </a:xfrm>
+          <a:prstGeom prst="straightConnector1">
+            <a:avLst/>
+          </a:prstGeom>
+          <a:ln w="19050">
+            <a:solidFill>
+              <a:srgbClr val="FFC000"/>
+            </a:solidFill>
+            <a:tailEnd type="triangle"/>
+          </a:ln>
+        </p:spPr>
+        <p:style>
+          <a:lnRef idx="1">
+            <a:schemeClr val="accent6"/>
+          </a:lnRef>
+          <a:fillRef idx="0">
+            <a:schemeClr val="accent6"/>
+          </a:fillRef>
+          <a:effectRef idx="0">
+            <a:schemeClr val="accent6"/>
+          </a:effectRef>
+          <a:fontRef idx="minor">
+            <a:schemeClr val="tx1"/>
+          </a:fontRef>
+        </p:style>
+      </p:cxnSp>
+      <p:cxnSp>
+        <p:nvCxnSpPr>
+          <p:cNvPr id="53" name="Straight Arrow Connector 52">
+            <a:extLst>
+              <a:ext uri="{FF2B5EF4-FFF2-40B4-BE49-F238E27FC236}">
+                <a16:creationId xmlns:a16="http://schemas.microsoft.com/office/drawing/2014/main" id="{6CB46EB4-2CEE-4955-9E20-49128B115D04}"/>
+              </a:ext>
+            </a:extLst>
+          </p:cNvPr>
+          <p:cNvCxnSpPr>
+            <a:cxnSpLocks/>
+            <a:endCxn id="41" idx="2"/>
+          </p:cNvCxnSpPr>
+          <p:nvPr/>
+        </p:nvCxnSpPr>
+        <p:spPr>
+          <a:xfrm flipV="1">
+            <a:off x="6096000" y="930882"/>
+            <a:ext cx="189186" cy="1071914"/>
+          </a:xfrm>
+          <a:prstGeom prst="straightConnector1">
+            <a:avLst/>
+          </a:prstGeom>
+          <a:ln w="19050">
+            <a:solidFill>
+              <a:srgbClr val="FFC000"/>
+            </a:solidFill>
+            <a:tailEnd type="triangle"/>
+          </a:ln>
+        </p:spPr>
+        <p:style>
+          <a:lnRef idx="1">
+            <a:schemeClr val="accent6"/>
+          </a:lnRef>
+          <a:fillRef idx="0">
+            <a:schemeClr val="accent6"/>
+          </a:fillRef>
+          <a:effectRef idx="0">
+            <a:schemeClr val="accent6"/>
+          </a:effectRef>
+          <a:fontRef idx="minor">
+            <a:schemeClr val="tx1"/>
+          </a:fontRef>
+        </p:style>
+      </p:cxnSp>
+      <p:cxnSp>
+        <p:nvCxnSpPr>
+          <p:cNvPr id="56" name="Straight Arrow Connector 55">
+            <a:extLst>
+              <a:ext uri="{FF2B5EF4-FFF2-40B4-BE49-F238E27FC236}">
+                <a16:creationId xmlns:a16="http://schemas.microsoft.com/office/drawing/2014/main" id="{7163AC44-93DA-4B23-B367-4CD7A7DFDC5D}"/>
+              </a:ext>
+            </a:extLst>
+          </p:cNvPr>
+          <p:cNvCxnSpPr>
+            <a:cxnSpLocks/>
+            <a:endCxn id="41" idx="2"/>
+          </p:cNvCxnSpPr>
+          <p:nvPr/>
+        </p:nvCxnSpPr>
+        <p:spPr>
+          <a:xfrm flipH="1" flipV="1">
+            <a:off x="6285186" y="930882"/>
+            <a:ext cx="2397176" cy="1095344"/>
+          </a:xfrm>
+          <a:prstGeom prst="straightConnector1">
+            <a:avLst/>
+          </a:prstGeom>
+          <a:ln w="19050">
+            <a:solidFill>
+              <a:srgbClr val="FFC000"/>
+            </a:solidFill>
+            <a:tailEnd type="triangle"/>
+          </a:ln>
+        </p:spPr>
+        <p:style>
+          <a:lnRef idx="1">
+            <a:schemeClr val="accent6"/>
+          </a:lnRef>
+          <a:fillRef idx="0">
+            <a:schemeClr val="accent6"/>
+          </a:fillRef>
+          <a:effectRef idx="0">
+            <a:schemeClr val="accent6"/>
+          </a:effectRef>
+          <a:fontRef idx="minor">
+            <a:schemeClr val="tx1"/>
+          </a:fontRef>
+        </p:style>
+      </p:cxnSp>
+      <p:sp>
+        <p:nvSpPr>
+          <p:cNvPr id="60" name="Rectangle 59">
+            <a:extLst>
+              <a:ext uri="{FF2B5EF4-FFF2-40B4-BE49-F238E27FC236}">
+                <a16:creationId xmlns:a16="http://schemas.microsoft.com/office/drawing/2014/main" id="{15F2DE43-5098-436A-9305-4EA1509EE95A}"/>
+              </a:ext>
+            </a:extLst>
+          </p:cNvPr>
+          <p:cNvSpPr/>
+          <p:nvPr/>
+        </p:nvSpPr>
+        <p:spPr>
+          <a:xfrm>
+            <a:off x="3414553" y="2374222"/>
+            <a:ext cx="1588921" cy="1296356"/>
+          </a:xfrm>
+          <a:prstGeom prst="rect">
+            <a:avLst/>
+          </a:prstGeom>
+          <a:noFill/>
+          <a:ln w="28575">
+            <a:solidFill>
+              <a:srgbClr val="FFC000"/>
+            </a:solidFill>
+          </a:ln>
+        </p:spPr>
+        <p:style>
+          <a:lnRef idx="2">
+            <a:schemeClr val="accent1">
+              <a:shade val="50000"/>
+            </a:schemeClr>
+          </a:lnRef>
+          <a:fillRef idx="1">
+            <a:schemeClr val="accent1"/>
+          </a:fillRef>
+          <a:effectRef idx="0">
+            <a:schemeClr val="accent1"/>
+          </a:effectRef>
+          <a:fontRef idx="minor">
+            <a:schemeClr val="lt1"/>
+          </a:fontRef>
+        </p:style>
+        <p:txBody>
+          <a:bodyPr rtlCol="0" anchor="ctr"/>
+          <a:lstStyle/>
+          <a:p>
+            <a:pPr algn="ctr"/>
+            <a:endParaRPr lang="en-CA" dirty="0"/>
+          </a:p>
+        </p:txBody>
+      </p:sp>
+      <p:sp>
+        <p:nvSpPr>
+          <p:cNvPr id="61" name="Rectangle 60">
+            <a:extLst>
+              <a:ext uri="{FF2B5EF4-FFF2-40B4-BE49-F238E27FC236}">
+                <a16:creationId xmlns:a16="http://schemas.microsoft.com/office/drawing/2014/main" id="{FCC3FA69-B06F-4561-BB09-89C14EF7211B}"/>
+              </a:ext>
+            </a:extLst>
+          </p:cNvPr>
+          <p:cNvSpPr/>
+          <p:nvPr/>
+        </p:nvSpPr>
+        <p:spPr>
+          <a:xfrm>
+            <a:off x="2952859" y="2372127"/>
+            <a:ext cx="418806" cy="1313272"/>
+          </a:xfrm>
+          <a:prstGeom prst="rect">
+            <a:avLst/>
+          </a:prstGeom>
+          <a:noFill/>
+          <a:ln w="28575">
+            <a:solidFill>
+              <a:srgbClr val="00B050"/>
+            </a:solidFill>
+          </a:ln>
+        </p:spPr>
+        <p:style>
+          <a:lnRef idx="2">
+            <a:schemeClr val="accent1">
+              <a:shade val="50000"/>
+            </a:schemeClr>
+          </a:lnRef>
+          <a:fillRef idx="1">
+            <a:schemeClr val="accent1"/>
+          </a:fillRef>
+          <a:effectRef idx="0">
+            <a:schemeClr val="accent1"/>
+          </a:effectRef>
+          <a:fontRef idx="minor">
+            <a:schemeClr val="lt1"/>
+          </a:fontRef>
+        </p:style>
+        <p:txBody>
+          <a:bodyPr rtlCol="0" anchor="ctr"/>
+          <a:lstStyle/>
+          <a:p>
+            <a:pPr algn="ctr"/>
+            <a:endParaRPr lang="en-CA" dirty="0"/>
+          </a:p>
+        </p:txBody>
+      </p:sp>
+    </p:spTree>
+    <p:extLst>
+      <p:ext uri="{BB962C8B-B14F-4D97-AF65-F5344CB8AC3E}">
+        <p14:creationId xmlns:p14="http://schemas.microsoft.com/office/powerpoint/2010/main" val="1072093582"/>
+      </p:ext>
+    </p:extLst>
+  </p:cSld>
+  <p:clrMapOvr>
+    <a:masterClrMapping/>
+  </p:clrMapOvr>
+</p:sld>
+</file>
+
+<file path=ppt/slides/slide11.xml><?xml version="1.0" encoding="utf-8"?>
+<p:sld xmlns:a="http://schemas.openxmlformats.org/drawingml/2006/main" xmlns:r="http://schemas.openxmlformats.org/officeDocument/2006/relationships" xmlns:p="http://schemas.openxmlformats.org/presentationml/2006/main">
+  <p:cSld>
+    <p:bg>
+      <p:bgPr>
+        <a:solidFill>
+          <a:schemeClr val="bg1"/>
+        </a:solidFill>
+        <a:effectLst/>
+      </p:bgPr>
+    </p:bg>
+    <p:spTree>
+      <p:nvGrpSpPr>
+        <p:cNvPr id="1" name=""/>
+        <p:cNvGrpSpPr/>
+        <p:nvPr/>
+      </p:nvGrpSpPr>
+      <p:grpSpPr>
+        <a:xfrm>
+          <a:off x="0" y="0"/>
+          <a:ext cx="0" cy="0"/>
+          <a:chOff x="0" y="0"/>
+          <a:chExt cx="0" cy="0"/>
+        </a:xfrm>
+      </p:grpSpPr>
+      <p:sp>
+        <p:nvSpPr>
+          <p:cNvPr id="192" name="Rectangle 191">
+            <a:extLst>
+              <a:ext uri="{FF2B5EF4-FFF2-40B4-BE49-F238E27FC236}">
+                <a16:creationId xmlns:a16="http://schemas.microsoft.com/office/drawing/2014/main" id="{6753252F-4873-4F63-801D-CC719279A7D5}"/>
+              </a:ext>
+              <a:ext uri="{C183D7F6-B498-43B3-948B-1728B52AA6E4}">
+                <adec:decorative xmlns:adec="http://schemas.microsoft.com/office/drawing/2017/decorative" val="1"/>
+              </a:ext>
+            </a:extLst>
+          </p:cNvPr>
+          <p:cNvSpPr>
+            <a:spLocks noGrp="1" noRot="1" noChangeAspect="1" noMove="1" noResize="1" noEditPoints="1" noAdjustHandles="1" noChangeArrowheads="1" noChangeShapeType="1" noTextEdit="1"/>
+          </p:cNvSpPr>
+          <p:nvPr>
+            <p:extLst>
+              <p:ext uri="{386F3935-93C4-4BCD-93E2-E3B085C9AB24}">
+                <p16:designElem xmlns:p16="http://schemas.microsoft.com/office/powerpoint/2015/main" val="1"/>
+              </p:ext>
+            </p:extLst>
+          </p:nvPr>
+        </p:nvSpPr>
+        <p:spPr>
+          <a:xfrm>
+            <a:off x="0" y="0"/>
+            <a:ext cx="12192000" cy="6858000"/>
+          </a:xfrm>
+          <a:prstGeom prst="rect">
+            <a:avLst/>
+          </a:prstGeom>
+          <a:solidFill>
+            <a:srgbClr val="FFFFFF"/>
+          </a:solidFill>
+          <a:ln>
+            <a:noFill/>
+          </a:ln>
+        </p:spPr>
+        <p:style>
+          <a:lnRef idx="2">
+            <a:schemeClr val="accent1">
+              <a:shade val="50000"/>
+            </a:schemeClr>
+          </a:lnRef>
+          <a:fillRef idx="1">
+            <a:schemeClr val="accent1"/>
+          </a:fillRef>
+          <a:effectRef idx="0">
+            <a:schemeClr val="accent1"/>
+          </a:effectRef>
+          <a:fontRef idx="minor">
+            <a:schemeClr val="lt1"/>
+          </a:fontRef>
+        </p:style>
+        <p:txBody>
+          <a:bodyPr rtlCol="0" anchor="ctr"/>
+          <a:lstStyle/>
+          <a:p>
+            <a:pPr algn="ctr"/>
+            <a:endParaRPr lang="en-US"/>
+          </a:p>
+        </p:txBody>
+      </p:sp>
+      <p:sp>
+        <p:nvSpPr>
           <p:cNvPr id="193" name="Rectangle 192">
             <a:extLst>
               <a:ext uri="{FF2B5EF4-FFF2-40B4-BE49-F238E27FC236}">
@@ -7963,7 +9425,7 @@
 </p:sld>
 </file>
 
-<file path=ppt/slides/slide11.xml><?xml version="1.0" encoding="utf-8"?>
+<file path=ppt/slides/slide12.xml><?xml version="1.0" encoding="utf-8"?>
 <p:sld xmlns:a="http://schemas.openxmlformats.org/drawingml/2006/main" xmlns:r="http://schemas.openxmlformats.org/officeDocument/2006/relationships" xmlns:p="http://schemas.openxmlformats.org/presentationml/2006/main">
   <p:cSld>
     <p:bg>
@@ -8281,7 +9743,7 @@
 </p:sld>
 </file>
 
-<file path=ppt/slides/slide12.xml><?xml version="1.0" encoding="utf-8"?>
+<file path=ppt/slides/slide13.xml><?xml version="1.0" encoding="utf-8"?>
 <p:sld xmlns:a="http://schemas.openxmlformats.org/drawingml/2006/main" xmlns:r="http://schemas.openxmlformats.org/officeDocument/2006/relationships" xmlns:p="http://schemas.openxmlformats.org/presentationml/2006/main">
   <p:cSld>
     <p:bg>
@@ -8614,7 +10076,7 @@
 </p:sld>
 </file>
 
-<file path=ppt/slides/slide13.xml><?xml version="1.0" encoding="utf-8"?>
+<file path=ppt/slides/slide14.xml><?xml version="1.0" encoding="utf-8"?>
 <p:sld xmlns:a="http://schemas.openxmlformats.org/drawingml/2006/main" xmlns:r="http://schemas.openxmlformats.org/officeDocument/2006/relationships" xmlns:p="http://schemas.openxmlformats.org/presentationml/2006/main">
   <p:cSld>
     <p:bg>
@@ -9003,7 +10465,7 @@
 </p:sld>
 </file>
 
-<file path=ppt/slides/slide14.xml><?xml version="1.0" encoding="utf-8"?>
+<file path=ppt/slides/slide15.xml><?xml version="1.0" encoding="utf-8"?>
 <p:sld xmlns:a="http://schemas.openxmlformats.org/drawingml/2006/main" xmlns:r="http://schemas.openxmlformats.org/officeDocument/2006/relationships" xmlns:p="http://schemas.openxmlformats.org/presentationml/2006/main">
   <p:cSld>
     <p:bg>
@@ -10257,7 +11719,7 @@
 </p:sld>
 </file>
 
-<file path=ppt/slides/slide15.xml><?xml version="1.0" encoding="utf-8"?>
+<file path=ppt/slides/slide16.xml><?xml version="1.0" encoding="utf-8"?>
 <p:sld xmlns:a="http://schemas.openxmlformats.org/drawingml/2006/main" xmlns:r="http://schemas.openxmlformats.org/officeDocument/2006/relationships" xmlns:p="http://schemas.openxmlformats.org/presentationml/2006/main">
   <p:cSld>
     <p:bg>
@@ -11942,7 +13404,7 @@
 </p:sld>
 </file>
 
-<file path=ppt/slides/slide16.xml><?xml version="1.0" encoding="utf-8"?>
+<file path=ppt/slides/slide17.xml><?xml version="1.0" encoding="utf-8"?>
 <p:sld xmlns:a="http://schemas.openxmlformats.org/drawingml/2006/main" xmlns:r="http://schemas.openxmlformats.org/officeDocument/2006/relationships" xmlns:p="http://schemas.openxmlformats.org/presentationml/2006/main">
   <p:cSld>
     <p:bg>
@@ -12442,7 +13904,7 @@
 </p:sld>
 </file>
 
-<file path=ppt/slides/slide17.xml><?xml version="1.0" encoding="utf-8"?>
+<file path=ppt/slides/slide18.xml><?xml version="1.0" encoding="utf-8"?>
 <p:sld xmlns:a="http://schemas.openxmlformats.org/drawingml/2006/main" xmlns:r="http://schemas.openxmlformats.org/officeDocument/2006/relationships" xmlns:p="http://schemas.openxmlformats.org/presentationml/2006/main">
   <p:cSld>
     <p:spTree>
@@ -12520,7 +13982,7 @@
 </p:sld>
 </file>
 
-<file path=ppt/slides/slide18.xml><?xml version="1.0" encoding="utf-8"?>
+<file path=ppt/slides/slide19.xml><?xml version="1.0" encoding="utf-8"?>
 <p:sld xmlns:a="http://schemas.openxmlformats.org/drawingml/2006/main" xmlns:r="http://schemas.openxmlformats.org/officeDocument/2006/relationships" xmlns:p="http://schemas.openxmlformats.org/presentationml/2006/main">
   <p:cSld>
     <p:spTree>
@@ -12937,7 +14399,65 @@
 </p:sld>
 </file>
 
-<file path=ppt/slides/slide19.xml><?xml version="1.0" encoding="utf-8"?>
+<file path=ppt/slides/slide2.xml><?xml version="1.0" encoding="utf-8"?>
+<p:sld xmlns:a="http://schemas.openxmlformats.org/drawingml/2006/main" xmlns:r="http://schemas.openxmlformats.org/officeDocument/2006/relationships" xmlns:p="http://schemas.openxmlformats.org/presentationml/2006/main">
+  <p:cSld>
+    <p:spTree>
+      <p:nvGrpSpPr>
+        <p:cNvPr id="1" name=""/>
+        <p:cNvGrpSpPr/>
+        <p:nvPr/>
+      </p:nvGrpSpPr>
+      <p:grpSpPr>
+        <a:xfrm>
+          <a:off x="0" y="0"/>
+          <a:ext cx="0" cy="0"/>
+          <a:chOff x="0" y="0"/>
+          <a:chExt cx="0" cy="0"/>
+        </a:xfrm>
+      </p:grpSpPr>
+      <p:sp>
+        <p:nvSpPr>
+          <p:cNvPr id="2" name="Title 1">
+            <a:extLst>
+              <a:ext uri="{FF2B5EF4-FFF2-40B4-BE49-F238E27FC236}">
+                <a16:creationId xmlns:a16="http://schemas.microsoft.com/office/drawing/2014/main" id="{3B1F2363-E781-4330-A2F3-F15BFAC60B31}"/>
+              </a:ext>
+            </a:extLst>
+          </p:cNvPr>
+          <p:cNvSpPr>
+            <a:spLocks noGrp="1"/>
+          </p:cNvSpPr>
+          <p:nvPr>
+            <p:ph type="ctrTitle"/>
+          </p:nvPr>
+        </p:nvSpPr>
+        <p:spPr/>
+        <p:txBody>
+          <a:bodyPr/>
+          <a:lstStyle/>
+          <a:p>
+            <a:r>
+              <a:rPr lang="en-CA" dirty="0"/>
+              <a:t>Data Pre-processing</a:t>
+            </a:r>
+          </a:p>
+        </p:txBody>
+      </p:sp>
+    </p:spTree>
+    <p:extLst>
+      <p:ext uri="{BB962C8B-B14F-4D97-AF65-F5344CB8AC3E}">
+        <p14:creationId xmlns:p14="http://schemas.microsoft.com/office/powerpoint/2010/main" val="2842667180"/>
+      </p:ext>
+    </p:extLst>
+  </p:cSld>
+  <p:clrMapOvr>
+    <a:masterClrMapping/>
+  </p:clrMapOvr>
+</p:sld>
+</file>
+
+<file path=ppt/slides/slide20.xml><?xml version="1.0" encoding="utf-8"?>
 <p:sld xmlns:a="http://schemas.openxmlformats.org/drawingml/2006/main" xmlns:r="http://schemas.openxmlformats.org/officeDocument/2006/relationships" xmlns:p="http://schemas.openxmlformats.org/presentationml/2006/main">
   <p:cSld>
     <p:spTree>
@@ -13093,712 +14613,7 @@
 </p:sld>
 </file>
 
-<file path=ppt/slides/slide2.xml><?xml version="1.0" encoding="utf-8"?>
-<p:sld xmlns:a="http://schemas.openxmlformats.org/drawingml/2006/main" xmlns:r="http://schemas.openxmlformats.org/officeDocument/2006/relationships" xmlns:p="http://schemas.openxmlformats.org/presentationml/2006/main">
-  <p:cSld>
-    <p:bg>
-      <p:bgPr>
-        <a:solidFill>
-          <a:schemeClr val="bg1"/>
-        </a:solidFill>
-        <a:effectLst/>
-      </p:bgPr>
-    </p:bg>
-    <p:spTree>
-      <p:nvGrpSpPr>
-        <p:cNvPr id="1" name=""/>
-        <p:cNvGrpSpPr/>
-        <p:nvPr/>
-      </p:nvGrpSpPr>
-      <p:grpSpPr>
-        <a:xfrm>
-          <a:off x="0" y="0"/>
-          <a:ext cx="0" cy="0"/>
-          <a:chOff x="0" y="0"/>
-          <a:chExt cx="0" cy="0"/>
-        </a:xfrm>
-      </p:grpSpPr>
-      <p:sp>
-        <p:nvSpPr>
-          <p:cNvPr id="13" name="Freeform: Shape 12">
-            <a:extLst>
-              <a:ext uri="{FF2B5EF4-FFF2-40B4-BE49-F238E27FC236}">
-                <a16:creationId xmlns:a16="http://schemas.microsoft.com/office/drawing/2014/main" id="{E4505C23-674B-4195-81D6-0C127FEAE3F8}"/>
-              </a:ext>
-              <a:ext uri="{C183D7F6-B498-43B3-948B-1728B52AA6E4}">
-                <adec:decorative xmlns:adec="http://schemas.microsoft.com/office/drawing/2017/decorative" val="1"/>
-              </a:ext>
-            </a:extLst>
-          </p:cNvPr>
-          <p:cNvSpPr>
-            <a:spLocks noGrp="1" noRot="1" noChangeAspect="1" noMove="1" noResize="1" noEditPoints="1" noAdjustHandles="1" noChangeArrowheads="1" noChangeShapeType="1" noTextEdit="1"/>
-          </p:cNvSpPr>
-          <p:nvPr>
-            <p:extLst>
-              <p:ext uri="{386F3935-93C4-4BCD-93E2-E3B085C9AB24}">
-                <p16:designElem xmlns:p16="http://schemas.microsoft.com/office/powerpoint/2015/main" val="1"/>
-              </p:ext>
-            </p:extLst>
-          </p:nvPr>
-        </p:nvSpPr>
-        <p:spPr>
-          <a:xfrm>
-            <a:off x="0" y="5367908"/>
-            <a:ext cx="9161029" cy="1490093"/>
-          </a:xfrm>
-          <a:custGeom>
-            <a:avLst/>
-            <a:gdLst>
-              <a:gd name="connsiteX0" fmla="*/ 0 w 9161029"/>
-              <a:gd name="connsiteY0" fmla="*/ 0 h 1490093"/>
-              <a:gd name="connsiteX1" fmla="*/ 2046494 w 9161029"/>
-              <a:gd name="connsiteY1" fmla="*/ 0 h 1490093"/>
-              <a:gd name="connsiteX2" fmla="*/ 2496613 w 9161029"/>
-              <a:gd name="connsiteY2" fmla="*/ 0 h 1490093"/>
-              <a:gd name="connsiteX3" fmla="*/ 3235839 w 9161029"/>
-              <a:gd name="connsiteY3" fmla="*/ 0 h 1490093"/>
-              <a:gd name="connsiteX4" fmla="*/ 9161029 w 9161029"/>
-              <a:gd name="connsiteY4" fmla="*/ 0 h 1490093"/>
-              <a:gd name="connsiteX5" fmla="*/ 8470921 w 9161029"/>
-              <a:gd name="connsiteY5" fmla="*/ 1490093 h 1490093"/>
-              <a:gd name="connsiteX6" fmla="*/ 0 w 9161029"/>
-              <a:gd name="connsiteY6" fmla="*/ 1490093 h 1490093"/>
-            </a:gdLst>
-            <a:ahLst/>
-            <a:cxnLst>
-              <a:cxn ang="0">
-                <a:pos x="connsiteX0" y="connsiteY0"/>
-              </a:cxn>
-              <a:cxn ang="0">
-                <a:pos x="connsiteX1" y="connsiteY1"/>
-              </a:cxn>
-              <a:cxn ang="0">
-                <a:pos x="connsiteX2" y="connsiteY2"/>
-              </a:cxn>
-              <a:cxn ang="0">
-                <a:pos x="connsiteX3" y="connsiteY3"/>
-              </a:cxn>
-              <a:cxn ang="0">
-                <a:pos x="connsiteX4" y="connsiteY4"/>
-              </a:cxn>
-              <a:cxn ang="0">
-                <a:pos x="connsiteX5" y="connsiteY5"/>
-              </a:cxn>
-              <a:cxn ang="0">
-                <a:pos x="connsiteX6" y="connsiteY6"/>
-              </a:cxn>
-            </a:cxnLst>
-            <a:rect l="l" t="t" r="r" b="b"/>
-            <a:pathLst>
-              <a:path w="9161029" h="1490093">
-                <a:moveTo>
-                  <a:pt x="0" y="0"/>
-                </a:moveTo>
-                <a:lnTo>
-                  <a:pt x="2046494" y="0"/>
-                </a:lnTo>
-                <a:lnTo>
-                  <a:pt x="2496613" y="0"/>
-                </a:lnTo>
-                <a:lnTo>
-                  <a:pt x="3235839" y="0"/>
-                </a:lnTo>
-                <a:lnTo>
-                  <a:pt x="9161029" y="0"/>
-                </a:lnTo>
-                <a:lnTo>
-                  <a:pt x="8470921" y="1490093"/>
-                </a:lnTo>
-                <a:lnTo>
-                  <a:pt x="0" y="1490093"/>
-                </a:lnTo>
-                <a:close/>
-              </a:path>
-            </a:pathLst>
-          </a:custGeom>
-          <a:solidFill>
-            <a:schemeClr val="tx1">
-              <a:lumMod val="50000"/>
-              <a:lumOff val="50000"/>
-              <a:alpha val="40000"/>
-            </a:schemeClr>
-          </a:solidFill>
-          <a:ln>
-            <a:noFill/>
-          </a:ln>
-        </p:spPr>
-        <p:style>
-          <a:lnRef idx="2">
-            <a:schemeClr val="accent1">
-              <a:shade val="50000"/>
-            </a:schemeClr>
-          </a:lnRef>
-          <a:fillRef idx="1">
-            <a:schemeClr val="accent1"/>
-          </a:fillRef>
-          <a:effectRef idx="0">
-            <a:schemeClr val="accent1"/>
-          </a:effectRef>
-          <a:fontRef idx="minor">
-            <a:schemeClr val="lt1"/>
-          </a:fontRef>
-        </p:style>
-        <p:txBody>
-          <a:bodyPr rtlCol="0" anchor="ctr"/>
-          <a:lstStyle/>
-          <a:p>
-            <a:pPr algn="ctr"/>
-            <a:endParaRPr lang="en-US"/>
-          </a:p>
-        </p:txBody>
-      </p:sp>
-      <p:sp>
-        <p:nvSpPr>
-          <p:cNvPr id="15" name="Freeform: Shape 14">
-            <a:extLst>
-              <a:ext uri="{FF2B5EF4-FFF2-40B4-BE49-F238E27FC236}">
-                <a16:creationId xmlns:a16="http://schemas.microsoft.com/office/drawing/2014/main" id="{65C9B8F0-FF66-4C15-BD05-E86B87331846}"/>
-              </a:ext>
-              <a:ext uri="{C183D7F6-B498-43B3-948B-1728B52AA6E4}">
-                <adec:decorative xmlns:adec="http://schemas.microsoft.com/office/drawing/2017/decorative" val="1"/>
-              </a:ext>
-            </a:extLst>
-          </p:cNvPr>
-          <p:cNvSpPr>
-            <a:spLocks noGrp="1" noRot="1" noChangeAspect="1" noMove="1" noResize="1" noEditPoints="1" noAdjustHandles="1" noChangeArrowheads="1" noChangeShapeType="1" noTextEdit="1"/>
-          </p:cNvSpPr>
-          <p:nvPr>
-            <p:extLst>
-              <p:ext uri="{386F3935-93C4-4BCD-93E2-E3B085C9AB24}">
-                <p16:designElem xmlns:p16="http://schemas.microsoft.com/office/powerpoint/2015/main" val="1"/>
-              </p:ext>
-            </p:extLst>
-          </p:nvPr>
-        </p:nvSpPr>
-        <p:spPr>
-          <a:xfrm>
-            <a:off x="8763037" y="5367908"/>
-            <a:ext cx="3428963" cy="1490093"/>
-          </a:xfrm>
-          <a:custGeom>
-            <a:avLst/>
-            <a:gdLst>
-              <a:gd name="connsiteX0" fmla="*/ 690108 w 3428963"/>
-              <a:gd name="connsiteY0" fmla="*/ 0 h 1490093"/>
-              <a:gd name="connsiteX1" fmla="*/ 3428963 w 3428963"/>
-              <a:gd name="connsiteY1" fmla="*/ 0 h 1490093"/>
-              <a:gd name="connsiteX2" fmla="*/ 3428963 w 3428963"/>
-              <a:gd name="connsiteY2" fmla="*/ 1490093 h 1490093"/>
-              <a:gd name="connsiteX3" fmla="*/ 0 w 3428963"/>
-              <a:gd name="connsiteY3" fmla="*/ 1490093 h 1490093"/>
-            </a:gdLst>
-            <a:ahLst/>
-            <a:cxnLst>
-              <a:cxn ang="0">
-                <a:pos x="connsiteX0" y="connsiteY0"/>
-              </a:cxn>
-              <a:cxn ang="0">
-                <a:pos x="connsiteX1" y="connsiteY1"/>
-              </a:cxn>
-              <a:cxn ang="0">
-                <a:pos x="connsiteX2" y="connsiteY2"/>
-              </a:cxn>
-              <a:cxn ang="0">
-                <a:pos x="connsiteX3" y="connsiteY3"/>
-              </a:cxn>
-            </a:cxnLst>
-            <a:rect l="l" t="t" r="r" b="b"/>
-            <a:pathLst>
-              <a:path w="3428963" h="1490093">
-                <a:moveTo>
-                  <a:pt x="690108" y="0"/>
-                </a:moveTo>
-                <a:lnTo>
-                  <a:pt x="3428963" y="0"/>
-                </a:lnTo>
-                <a:lnTo>
-                  <a:pt x="3428963" y="1490093"/>
-                </a:lnTo>
-                <a:lnTo>
-                  <a:pt x="0" y="1490093"/>
-                </a:lnTo>
-                <a:close/>
-              </a:path>
-            </a:pathLst>
-          </a:custGeom>
-          <a:solidFill>
-            <a:schemeClr val="tx1">
-              <a:alpha val="70000"/>
-            </a:schemeClr>
-          </a:solidFill>
-          <a:ln>
-            <a:noFill/>
-          </a:ln>
-        </p:spPr>
-        <p:style>
-          <a:lnRef idx="2">
-            <a:schemeClr val="accent1">
-              <a:shade val="50000"/>
-            </a:schemeClr>
-          </a:lnRef>
-          <a:fillRef idx="1">
-            <a:schemeClr val="accent1"/>
-          </a:fillRef>
-          <a:effectRef idx="0">
-            <a:schemeClr val="accent1"/>
-          </a:effectRef>
-          <a:fontRef idx="minor">
-            <a:schemeClr val="lt1"/>
-          </a:fontRef>
-        </p:style>
-        <p:txBody>
-          <a:bodyPr wrap="square" rtlCol="0" anchor="ctr">
-            <a:noAutofit/>
-          </a:bodyPr>
-          <a:lstStyle/>
-          <a:p>
-            <a:pPr algn="ctr"/>
-            <a:endParaRPr lang="en-US"/>
-          </a:p>
-        </p:txBody>
-      </p:sp>
-      <p:sp>
-        <p:nvSpPr>
-          <p:cNvPr id="2" name="Title 1">
-            <a:extLst>
-              <a:ext uri="{FF2B5EF4-FFF2-40B4-BE49-F238E27FC236}">
-                <a16:creationId xmlns:a16="http://schemas.microsoft.com/office/drawing/2014/main" id="{A73A5D8E-3007-4378-92E3-B7AC02C4DC95}"/>
-              </a:ext>
-            </a:extLst>
-          </p:cNvPr>
-          <p:cNvSpPr>
-            <a:spLocks noGrp="1"/>
-          </p:cNvSpPr>
-          <p:nvPr>
-            <p:ph type="title"/>
-          </p:nvPr>
-        </p:nvSpPr>
-        <p:spPr>
-          <a:xfrm>
-            <a:off x="838200" y="5529884"/>
-            <a:ext cx="7719381" cy="1096331"/>
-          </a:xfrm>
-        </p:spPr>
-        <p:txBody>
-          <a:bodyPr>
-            <a:normAutofit/>
-          </a:bodyPr>
-          <a:lstStyle/>
-          <a:p>
-            <a:r>
-              <a:rPr lang="en-CA" dirty="0"/>
-              <a:t>Dataset Quality Check</a:t>
-            </a:r>
-          </a:p>
-        </p:txBody>
-      </p:sp>
-      <p:sp>
-        <p:nvSpPr>
-          <p:cNvPr id="12" name="TextBox 11">
-            <a:extLst>
-              <a:ext uri="{FF2B5EF4-FFF2-40B4-BE49-F238E27FC236}">
-                <a16:creationId xmlns:a16="http://schemas.microsoft.com/office/drawing/2014/main" id="{B732C5A0-B3E4-484E-ADF8-6C0AEF5D3BD6}"/>
-              </a:ext>
-            </a:extLst>
-          </p:cNvPr>
-          <p:cNvSpPr txBox="1"/>
-          <p:nvPr/>
-        </p:nvSpPr>
-        <p:spPr>
-          <a:xfrm>
-            <a:off x="995915" y="3350329"/>
-            <a:ext cx="10357913" cy="1631216"/>
-          </a:xfrm>
-          <a:prstGeom prst="rect">
-            <a:avLst/>
-          </a:prstGeom>
-          <a:noFill/>
-        </p:spPr>
-        <p:txBody>
-          <a:bodyPr wrap="square" rtlCol="0">
-            <a:spAutoFit/>
-          </a:bodyPr>
-          <a:lstStyle/>
-          <a:p>
-            <a:pPr marL="285750" indent="-285750">
-              <a:buFont typeface="Arial" panose="020B0604020202020204" pitchFamily="34" charset="0"/>
-              <a:buChar char="•"/>
-            </a:pPr>
-            <a:r>
-              <a:rPr lang="en-CA" sz="2000" dirty="0">
-                <a:solidFill>
-                  <a:srgbClr val="0070C0"/>
-                </a:solidFill>
-              </a:rPr>
-              <a:t>Invalid inputs (filter)</a:t>
-            </a:r>
-          </a:p>
-          <a:p>
-            <a:pPr marL="800100" lvl="1" indent="-342900">
-              <a:buFont typeface="Courier New" panose="02070309020205020404" pitchFamily="49" charset="0"/>
-              <a:buChar char="o"/>
-            </a:pPr>
-            <a:r>
-              <a:rPr lang="en-CA" sz="2000" dirty="0">
-                <a:solidFill>
-                  <a:srgbClr val="0070C0"/>
-                </a:solidFill>
-              </a:rPr>
-              <a:t>Price range: $100 - $200,000</a:t>
-            </a:r>
-          </a:p>
-          <a:p>
-            <a:pPr marL="800100" lvl="1" indent="-342900">
-              <a:buFont typeface="Courier New" panose="02070309020205020404" pitchFamily="49" charset="0"/>
-              <a:buChar char="o"/>
-            </a:pPr>
-            <a:r>
-              <a:rPr lang="en-CA" sz="2000" dirty="0">
-                <a:solidFill>
-                  <a:srgbClr val="0070C0"/>
-                </a:solidFill>
-              </a:rPr>
-              <a:t>Odometer: 10km – 200,000km</a:t>
-            </a:r>
-          </a:p>
-          <a:p>
-            <a:pPr marL="285750" indent="-285750">
-              <a:buFont typeface="Arial" panose="020B0604020202020204" pitchFamily="34" charset="0"/>
-              <a:buChar char="•"/>
-            </a:pPr>
-            <a:r>
-              <a:rPr lang="en-CA" sz="2000" dirty="0">
-                <a:solidFill>
-                  <a:srgbClr val="0070C0"/>
-                </a:solidFill>
-              </a:rPr>
-              <a:t>NAN values (drop or replace)</a:t>
-            </a:r>
-          </a:p>
-          <a:p>
-            <a:pPr marL="285750" indent="-285750">
-              <a:buFont typeface="Arial" panose="020B0604020202020204" pitchFamily="34" charset="0"/>
-              <a:buChar char="•"/>
-            </a:pPr>
-            <a:r>
-              <a:rPr lang="en-CA" sz="2000" dirty="0">
-                <a:solidFill>
-                  <a:srgbClr val="0070C0"/>
-                </a:solidFill>
-              </a:rPr>
-              <a:t>Mean values are in different scales (Standard Scaler)</a:t>
-            </a:r>
-          </a:p>
-        </p:txBody>
-      </p:sp>
-      <p:grpSp>
-        <p:nvGrpSpPr>
-          <p:cNvPr id="18" name="Group 17">
-            <a:extLst>
-              <a:ext uri="{FF2B5EF4-FFF2-40B4-BE49-F238E27FC236}">
-                <a16:creationId xmlns:a16="http://schemas.microsoft.com/office/drawing/2014/main" id="{F48CACD1-D284-4023-AA7B-5F4F159A9020}"/>
-              </a:ext>
-            </a:extLst>
-          </p:cNvPr>
-          <p:cNvGrpSpPr/>
-          <p:nvPr/>
-        </p:nvGrpSpPr>
-        <p:grpSpPr>
-          <a:xfrm>
-            <a:off x="838199" y="404512"/>
-            <a:ext cx="10622873" cy="2854635"/>
-            <a:chOff x="838199" y="404511"/>
-            <a:chExt cx="10514013" cy="3967163"/>
-          </a:xfrm>
-        </p:grpSpPr>
-        <p:pic>
-          <p:nvPicPr>
-            <p:cNvPr id="5" name="Picture 4" descr="Table&#10;&#10;Description automatically generated">
-              <a:extLst>
-                <a:ext uri="{FF2B5EF4-FFF2-40B4-BE49-F238E27FC236}">
-                  <a16:creationId xmlns:a16="http://schemas.microsoft.com/office/drawing/2014/main" id="{721EB0FC-B238-4517-8FEE-F45A51FA597C}"/>
-                </a:ext>
-              </a:extLst>
-            </p:cNvPr>
-            <p:cNvPicPr>
-              <a:picLocks noChangeAspect="1"/>
-            </p:cNvPicPr>
-            <p:nvPr/>
-          </p:nvPicPr>
-          <p:blipFill>
-            <a:blip r:embed="rId2"/>
-            <a:stretch>
-              <a:fillRect/>
-            </a:stretch>
-          </p:blipFill>
-          <p:spPr>
-            <a:xfrm>
-              <a:off x="838199" y="404511"/>
-              <a:ext cx="8905875" cy="3967163"/>
-            </a:xfrm>
-            <a:prstGeom prst="rect">
-              <a:avLst/>
-            </a:prstGeom>
-          </p:spPr>
-        </p:pic>
-        <p:pic>
-          <p:nvPicPr>
-            <p:cNvPr id="8" name="Picture 7" descr="Graphical user interface&#10;&#10;Description automatically generated with low confidence">
-              <a:extLst>
-                <a:ext uri="{FF2B5EF4-FFF2-40B4-BE49-F238E27FC236}">
-                  <a16:creationId xmlns:a16="http://schemas.microsoft.com/office/drawing/2014/main" id="{9C2B4C27-66F4-4A46-9E4A-FFBB9026870C}"/>
-                </a:ext>
-              </a:extLst>
-            </p:cNvPr>
-            <p:cNvPicPr>
-              <a:picLocks noChangeAspect="1"/>
-            </p:cNvPicPr>
-            <p:nvPr/>
-          </p:nvPicPr>
-          <p:blipFill>
-            <a:blip r:embed="rId3"/>
-            <a:stretch>
-              <a:fillRect/>
-            </a:stretch>
-          </p:blipFill>
-          <p:spPr>
-            <a:xfrm>
-              <a:off x="9813924" y="404511"/>
-              <a:ext cx="1538288" cy="3967163"/>
-            </a:xfrm>
-            <a:prstGeom prst="rect">
-              <a:avLst/>
-            </a:prstGeom>
-          </p:spPr>
-        </p:pic>
-        <p:sp>
-          <p:nvSpPr>
-            <p:cNvPr id="10" name="Rectangle 9">
-              <a:extLst>
-                <a:ext uri="{FF2B5EF4-FFF2-40B4-BE49-F238E27FC236}">
-                  <a16:creationId xmlns:a16="http://schemas.microsoft.com/office/drawing/2014/main" id="{7F7AC390-1FD2-4FB2-A626-86DE1F899C57}"/>
-                </a:ext>
-              </a:extLst>
-            </p:cNvPr>
-            <p:cNvSpPr/>
-            <p:nvPr/>
-          </p:nvSpPr>
-          <p:spPr>
-            <a:xfrm>
-              <a:off x="998782" y="1756126"/>
-              <a:ext cx="8584707" cy="372862"/>
-            </a:xfrm>
-            <a:prstGeom prst="rect">
-              <a:avLst/>
-            </a:prstGeom>
-            <a:noFill/>
-            <a:ln w="28575">
-              <a:solidFill>
-                <a:srgbClr val="FF0000"/>
-              </a:solidFill>
-            </a:ln>
-          </p:spPr>
-          <p:style>
-            <a:lnRef idx="2">
-              <a:schemeClr val="accent1">
-                <a:shade val="50000"/>
-              </a:schemeClr>
-            </a:lnRef>
-            <a:fillRef idx="1">
-              <a:schemeClr val="accent1"/>
-            </a:fillRef>
-            <a:effectRef idx="0">
-              <a:schemeClr val="accent1"/>
-            </a:effectRef>
-            <a:fontRef idx="minor">
-              <a:schemeClr val="lt1"/>
-            </a:fontRef>
-          </p:style>
-          <p:txBody>
-            <a:bodyPr rtlCol="0" anchor="ctr"/>
-            <a:lstStyle/>
-            <a:p>
-              <a:pPr algn="ctr"/>
-              <a:endParaRPr lang="en-CA"/>
-            </a:p>
-          </p:txBody>
-        </p:sp>
-        <p:sp>
-          <p:nvSpPr>
-            <p:cNvPr id="14" name="Rectangle 13">
-              <a:extLst>
-                <a:ext uri="{FF2B5EF4-FFF2-40B4-BE49-F238E27FC236}">
-                  <a16:creationId xmlns:a16="http://schemas.microsoft.com/office/drawing/2014/main" id="{F52B74A5-C989-41A5-A925-6870E7F2FCE6}"/>
-                </a:ext>
-              </a:extLst>
-            </p:cNvPr>
-            <p:cNvSpPr/>
-            <p:nvPr/>
-          </p:nvSpPr>
-          <p:spPr>
-            <a:xfrm>
-              <a:off x="10666604" y="1256387"/>
-              <a:ext cx="579437" cy="2731199"/>
-            </a:xfrm>
-            <a:prstGeom prst="rect">
-              <a:avLst/>
-            </a:prstGeom>
-            <a:noFill/>
-            <a:ln w="28575">
-              <a:solidFill>
-                <a:srgbClr val="FF0000"/>
-              </a:solidFill>
-            </a:ln>
-          </p:spPr>
-          <p:style>
-            <a:lnRef idx="2">
-              <a:schemeClr val="accent1">
-                <a:shade val="50000"/>
-              </a:schemeClr>
-            </a:lnRef>
-            <a:fillRef idx="1">
-              <a:schemeClr val="accent1"/>
-            </a:fillRef>
-            <a:effectRef idx="0">
-              <a:schemeClr val="accent1"/>
-            </a:effectRef>
-            <a:fontRef idx="minor">
-              <a:schemeClr val="lt1"/>
-            </a:fontRef>
-          </p:style>
-          <p:txBody>
-            <a:bodyPr rtlCol="0" anchor="ctr"/>
-            <a:lstStyle/>
-            <a:p>
-              <a:pPr algn="ctr"/>
-              <a:endParaRPr lang="en-CA"/>
-            </a:p>
-          </p:txBody>
-        </p:sp>
-        <p:sp>
-          <p:nvSpPr>
-            <p:cNvPr id="16" name="Rectangle 15">
-              <a:extLst>
-                <a:ext uri="{FF2B5EF4-FFF2-40B4-BE49-F238E27FC236}">
-                  <a16:creationId xmlns:a16="http://schemas.microsoft.com/office/drawing/2014/main" id="{CCEA0AA4-C0BE-4C53-B0EA-196573E18E22}"/>
-                </a:ext>
-              </a:extLst>
-            </p:cNvPr>
-            <p:cNvSpPr/>
-            <p:nvPr/>
-          </p:nvSpPr>
-          <p:spPr>
-            <a:xfrm>
-              <a:off x="2947386" y="2388092"/>
-              <a:ext cx="3879542" cy="372862"/>
-            </a:xfrm>
-            <a:prstGeom prst="rect">
-              <a:avLst/>
-            </a:prstGeom>
-            <a:noFill/>
-            <a:ln w="28575">
-              <a:solidFill>
-                <a:srgbClr val="FF0000"/>
-              </a:solidFill>
-            </a:ln>
-          </p:spPr>
-          <p:style>
-            <a:lnRef idx="2">
-              <a:schemeClr val="accent1">
-                <a:shade val="50000"/>
-              </a:schemeClr>
-            </a:lnRef>
-            <a:fillRef idx="1">
-              <a:schemeClr val="accent1"/>
-            </a:fillRef>
-            <a:effectRef idx="0">
-              <a:schemeClr val="accent1"/>
-            </a:effectRef>
-            <a:fontRef idx="minor">
-              <a:schemeClr val="lt1"/>
-            </a:fontRef>
-          </p:style>
-          <p:txBody>
-            <a:bodyPr rtlCol="0" anchor="ctr"/>
-            <a:lstStyle/>
-            <a:p>
-              <a:pPr algn="ctr"/>
-              <a:endParaRPr lang="en-CA"/>
-            </a:p>
-          </p:txBody>
-        </p:sp>
-        <p:sp>
-          <p:nvSpPr>
-            <p:cNvPr id="17" name="Rectangle 16">
-              <a:extLst>
-                <a:ext uri="{FF2B5EF4-FFF2-40B4-BE49-F238E27FC236}">
-                  <a16:creationId xmlns:a16="http://schemas.microsoft.com/office/drawing/2014/main" id="{C028704C-0251-4EAB-AF81-751DEAB95E23}"/>
-                </a:ext>
-              </a:extLst>
-            </p:cNvPr>
-            <p:cNvSpPr/>
-            <p:nvPr/>
-          </p:nvSpPr>
-          <p:spPr>
-            <a:xfrm>
-              <a:off x="2947385" y="3871440"/>
-              <a:ext cx="3879542" cy="372862"/>
-            </a:xfrm>
-            <a:prstGeom prst="rect">
-              <a:avLst/>
-            </a:prstGeom>
-            <a:noFill/>
-            <a:ln w="28575">
-              <a:solidFill>
-                <a:srgbClr val="FF0000"/>
-              </a:solidFill>
-            </a:ln>
-          </p:spPr>
-          <p:style>
-            <a:lnRef idx="2">
-              <a:schemeClr val="accent1">
-                <a:shade val="50000"/>
-              </a:schemeClr>
-            </a:lnRef>
-            <a:fillRef idx="1">
-              <a:schemeClr val="accent1"/>
-            </a:fillRef>
-            <a:effectRef idx="0">
-              <a:schemeClr val="accent1"/>
-            </a:effectRef>
-            <a:fontRef idx="minor">
-              <a:schemeClr val="lt1"/>
-            </a:fontRef>
-          </p:style>
-          <p:txBody>
-            <a:bodyPr rtlCol="0" anchor="ctr"/>
-            <a:lstStyle/>
-            <a:p>
-              <a:pPr algn="ctr"/>
-              <a:endParaRPr lang="en-CA"/>
-            </a:p>
-          </p:txBody>
-        </p:sp>
-      </p:grpSp>
-    </p:spTree>
-    <p:extLst>
-      <p:ext uri="{BB962C8B-B14F-4D97-AF65-F5344CB8AC3E}">
-        <p14:creationId xmlns:p14="http://schemas.microsoft.com/office/powerpoint/2010/main" val="3845440351"/>
-      </p:ext>
-    </p:extLst>
-  </p:cSld>
-  <p:clrMapOvr>
-    <a:masterClrMapping/>
-  </p:clrMapOvr>
-</p:sld>
-</file>
-
-<file path=ppt/slides/slide20.xml><?xml version="1.0" encoding="utf-8"?>
+<file path=ppt/slides/slide21.xml><?xml version="1.0" encoding="utf-8"?>
 <p:sld xmlns:a="http://schemas.openxmlformats.org/drawingml/2006/main" xmlns:r="http://schemas.openxmlformats.org/officeDocument/2006/relationships" xmlns:p="http://schemas.openxmlformats.org/presentationml/2006/main">
   <p:cSld>
     <p:bg>
@@ -15716,7 +16531,7 @@
 </p:sld>
 </file>
 
-<file path=ppt/slides/slide21.xml><?xml version="1.0" encoding="utf-8"?>
+<file path=ppt/slides/slide22.xml><?xml version="1.0" encoding="utf-8"?>
 <p:sld xmlns:a="http://schemas.openxmlformats.org/drawingml/2006/main" xmlns:r="http://schemas.openxmlformats.org/officeDocument/2006/relationships" xmlns:p="http://schemas.openxmlformats.org/presentationml/2006/main">
   <p:cSld>
     <p:spTree>
@@ -15854,7 +16669,7 @@
 </p:sld>
 </file>
 
-<file path=ppt/slides/slide22.xml><?xml version="1.0" encoding="utf-8"?>
+<file path=ppt/slides/slide23.xml><?xml version="1.0" encoding="utf-8"?>
 <p:sld xmlns:a="http://schemas.openxmlformats.org/drawingml/2006/main" xmlns:r="http://schemas.openxmlformats.org/officeDocument/2006/relationships" xmlns:p="http://schemas.openxmlformats.org/presentationml/2006/main">
   <p:cSld>
     <p:spTree>
@@ -15912,7 +16727,7 @@
 </p:sld>
 </file>
 
-<file path=ppt/slides/slide23.xml><?xml version="1.0" encoding="utf-8"?>
+<file path=ppt/slides/slide24.xml><?xml version="1.0" encoding="utf-8"?>
 <p:sld xmlns:a="http://schemas.openxmlformats.org/drawingml/2006/main" xmlns:r="http://schemas.openxmlformats.org/officeDocument/2006/relationships" xmlns:p="http://schemas.openxmlformats.org/presentationml/2006/main">
   <p:cSld>
     <p:spTree>
@@ -16145,6 +16960,711 @@
 </file>
 
 <file path=ppt/slides/slide3.xml><?xml version="1.0" encoding="utf-8"?>
+<p:sld xmlns:a="http://schemas.openxmlformats.org/drawingml/2006/main" xmlns:r="http://schemas.openxmlformats.org/officeDocument/2006/relationships" xmlns:p="http://schemas.openxmlformats.org/presentationml/2006/main">
+  <p:cSld>
+    <p:bg>
+      <p:bgPr>
+        <a:solidFill>
+          <a:schemeClr val="bg1"/>
+        </a:solidFill>
+        <a:effectLst/>
+      </p:bgPr>
+    </p:bg>
+    <p:spTree>
+      <p:nvGrpSpPr>
+        <p:cNvPr id="1" name=""/>
+        <p:cNvGrpSpPr/>
+        <p:nvPr/>
+      </p:nvGrpSpPr>
+      <p:grpSpPr>
+        <a:xfrm>
+          <a:off x="0" y="0"/>
+          <a:ext cx="0" cy="0"/>
+          <a:chOff x="0" y="0"/>
+          <a:chExt cx="0" cy="0"/>
+        </a:xfrm>
+      </p:grpSpPr>
+      <p:sp>
+        <p:nvSpPr>
+          <p:cNvPr id="13" name="Freeform: Shape 12">
+            <a:extLst>
+              <a:ext uri="{FF2B5EF4-FFF2-40B4-BE49-F238E27FC236}">
+                <a16:creationId xmlns:a16="http://schemas.microsoft.com/office/drawing/2014/main" id="{E4505C23-674B-4195-81D6-0C127FEAE3F8}"/>
+              </a:ext>
+              <a:ext uri="{C183D7F6-B498-43B3-948B-1728B52AA6E4}">
+                <adec:decorative xmlns:adec="http://schemas.microsoft.com/office/drawing/2017/decorative" val="1"/>
+              </a:ext>
+            </a:extLst>
+          </p:cNvPr>
+          <p:cNvSpPr>
+            <a:spLocks noGrp="1" noRot="1" noChangeAspect="1" noMove="1" noResize="1" noEditPoints="1" noAdjustHandles="1" noChangeArrowheads="1" noChangeShapeType="1" noTextEdit="1"/>
+          </p:cNvSpPr>
+          <p:nvPr>
+            <p:extLst>
+              <p:ext uri="{386F3935-93C4-4BCD-93E2-E3B085C9AB24}">
+                <p16:designElem xmlns:p16="http://schemas.microsoft.com/office/powerpoint/2015/main" val="1"/>
+              </p:ext>
+            </p:extLst>
+          </p:nvPr>
+        </p:nvSpPr>
+        <p:spPr>
+          <a:xfrm>
+            <a:off x="0" y="5367908"/>
+            <a:ext cx="9161029" cy="1490093"/>
+          </a:xfrm>
+          <a:custGeom>
+            <a:avLst/>
+            <a:gdLst>
+              <a:gd name="connsiteX0" fmla="*/ 0 w 9161029"/>
+              <a:gd name="connsiteY0" fmla="*/ 0 h 1490093"/>
+              <a:gd name="connsiteX1" fmla="*/ 2046494 w 9161029"/>
+              <a:gd name="connsiteY1" fmla="*/ 0 h 1490093"/>
+              <a:gd name="connsiteX2" fmla="*/ 2496613 w 9161029"/>
+              <a:gd name="connsiteY2" fmla="*/ 0 h 1490093"/>
+              <a:gd name="connsiteX3" fmla="*/ 3235839 w 9161029"/>
+              <a:gd name="connsiteY3" fmla="*/ 0 h 1490093"/>
+              <a:gd name="connsiteX4" fmla="*/ 9161029 w 9161029"/>
+              <a:gd name="connsiteY4" fmla="*/ 0 h 1490093"/>
+              <a:gd name="connsiteX5" fmla="*/ 8470921 w 9161029"/>
+              <a:gd name="connsiteY5" fmla="*/ 1490093 h 1490093"/>
+              <a:gd name="connsiteX6" fmla="*/ 0 w 9161029"/>
+              <a:gd name="connsiteY6" fmla="*/ 1490093 h 1490093"/>
+            </a:gdLst>
+            <a:ahLst/>
+            <a:cxnLst>
+              <a:cxn ang="0">
+                <a:pos x="connsiteX0" y="connsiteY0"/>
+              </a:cxn>
+              <a:cxn ang="0">
+                <a:pos x="connsiteX1" y="connsiteY1"/>
+              </a:cxn>
+              <a:cxn ang="0">
+                <a:pos x="connsiteX2" y="connsiteY2"/>
+              </a:cxn>
+              <a:cxn ang="0">
+                <a:pos x="connsiteX3" y="connsiteY3"/>
+              </a:cxn>
+              <a:cxn ang="0">
+                <a:pos x="connsiteX4" y="connsiteY4"/>
+              </a:cxn>
+              <a:cxn ang="0">
+                <a:pos x="connsiteX5" y="connsiteY5"/>
+              </a:cxn>
+              <a:cxn ang="0">
+                <a:pos x="connsiteX6" y="connsiteY6"/>
+              </a:cxn>
+            </a:cxnLst>
+            <a:rect l="l" t="t" r="r" b="b"/>
+            <a:pathLst>
+              <a:path w="9161029" h="1490093">
+                <a:moveTo>
+                  <a:pt x="0" y="0"/>
+                </a:moveTo>
+                <a:lnTo>
+                  <a:pt x="2046494" y="0"/>
+                </a:lnTo>
+                <a:lnTo>
+                  <a:pt x="2496613" y="0"/>
+                </a:lnTo>
+                <a:lnTo>
+                  <a:pt x="3235839" y="0"/>
+                </a:lnTo>
+                <a:lnTo>
+                  <a:pt x="9161029" y="0"/>
+                </a:lnTo>
+                <a:lnTo>
+                  <a:pt x="8470921" y="1490093"/>
+                </a:lnTo>
+                <a:lnTo>
+                  <a:pt x="0" y="1490093"/>
+                </a:lnTo>
+                <a:close/>
+              </a:path>
+            </a:pathLst>
+          </a:custGeom>
+          <a:solidFill>
+            <a:schemeClr val="tx1">
+              <a:lumMod val="50000"/>
+              <a:lumOff val="50000"/>
+              <a:alpha val="40000"/>
+            </a:schemeClr>
+          </a:solidFill>
+          <a:ln>
+            <a:noFill/>
+          </a:ln>
+        </p:spPr>
+        <p:style>
+          <a:lnRef idx="2">
+            <a:schemeClr val="accent1">
+              <a:shade val="50000"/>
+            </a:schemeClr>
+          </a:lnRef>
+          <a:fillRef idx="1">
+            <a:schemeClr val="accent1"/>
+          </a:fillRef>
+          <a:effectRef idx="0">
+            <a:schemeClr val="accent1"/>
+          </a:effectRef>
+          <a:fontRef idx="minor">
+            <a:schemeClr val="lt1"/>
+          </a:fontRef>
+        </p:style>
+        <p:txBody>
+          <a:bodyPr rtlCol="0" anchor="ctr"/>
+          <a:lstStyle/>
+          <a:p>
+            <a:pPr algn="ctr"/>
+            <a:endParaRPr lang="en-US"/>
+          </a:p>
+        </p:txBody>
+      </p:sp>
+      <p:sp>
+        <p:nvSpPr>
+          <p:cNvPr id="15" name="Freeform: Shape 14">
+            <a:extLst>
+              <a:ext uri="{FF2B5EF4-FFF2-40B4-BE49-F238E27FC236}">
+                <a16:creationId xmlns:a16="http://schemas.microsoft.com/office/drawing/2014/main" id="{65C9B8F0-FF66-4C15-BD05-E86B87331846}"/>
+              </a:ext>
+              <a:ext uri="{C183D7F6-B498-43B3-948B-1728B52AA6E4}">
+                <adec:decorative xmlns:adec="http://schemas.microsoft.com/office/drawing/2017/decorative" val="1"/>
+              </a:ext>
+            </a:extLst>
+          </p:cNvPr>
+          <p:cNvSpPr>
+            <a:spLocks noGrp="1" noRot="1" noChangeAspect="1" noMove="1" noResize="1" noEditPoints="1" noAdjustHandles="1" noChangeArrowheads="1" noChangeShapeType="1" noTextEdit="1"/>
+          </p:cNvSpPr>
+          <p:nvPr>
+            <p:extLst>
+              <p:ext uri="{386F3935-93C4-4BCD-93E2-E3B085C9AB24}">
+                <p16:designElem xmlns:p16="http://schemas.microsoft.com/office/powerpoint/2015/main" val="1"/>
+              </p:ext>
+            </p:extLst>
+          </p:nvPr>
+        </p:nvSpPr>
+        <p:spPr>
+          <a:xfrm>
+            <a:off x="8763037" y="5367908"/>
+            <a:ext cx="3428963" cy="1490093"/>
+          </a:xfrm>
+          <a:custGeom>
+            <a:avLst/>
+            <a:gdLst>
+              <a:gd name="connsiteX0" fmla="*/ 690108 w 3428963"/>
+              <a:gd name="connsiteY0" fmla="*/ 0 h 1490093"/>
+              <a:gd name="connsiteX1" fmla="*/ 3428963 w 3428963"/>
+              <a:gd name="connsiteY1" fmla="*/ 0 h 1490093"/>
+              <a:gd name="connsiteX2" fmla="*/ 3428963 w 3428963"/>
+              <a:gd name="connsiteY2" fmla="*/ 1490093 h 1490093"/>
+              <a:gd name="connsiteX3" fmla="*/ 0 w 3428963"/>
+              <a:gd name="connsiteY3" fmla="*/ 1490093 h 1490093"/>
+            </a:gdLst>
+            <a:ahLst/>
+            <a:cxnLst>
+              <a:cxn ang="0">
+                <a:pos x="connsiteX0" y="connsiteY0"/>
+              </a:cxn>
+              <a:cxn ang="0">
+                <a:pos x="connsiteX1" y="connsiteY1"/>
+              </a:cxn>
+              <a:cxn ang="0">
+                <a:pos x="connsiteX2" y="connsiteY2"/>
+              </a:cxn>
+              <a:cxn ang="0">
+                <a:pos x="connsiteX3" y="connsiteY3"/>
+              </a:cxn>
+            </a:cxnLst>
+            <a:rect l="l" t="t" r="r" b="b"/>
+            <a:pathLst>
+              <a:path w="3428963" h="1490093">
+                <a:moveTo>
+                  <a:pt x="690108" y="0"/>
+                </a:moveTo>
+                <a:lnTo>
+                  <a:pt x="3428963" y="0"/>
+                </a:lnTo>
+                <a:lnTo>
+                  <a:pt x="3428963" y="1490093"/>
+                </a:lnTo>
+                <a:lnTo>
+                  <a:pt x="0" y="1490093"/>
+                </a:lnTo>
+                <a:close/>
+              </a:path>
+            </a:pathLst>
+          </a:custGeom>
+          <a:solidFill>
+            <a:schemeClr val="tx1">
+              <a:alpha val="70000"/>
+            </a:schemeClr>
+          </a:solidFill>
+          <a:ln>
+            <a:noFill/>
+          </a:ln>
+        </p:spPr>
+        <p:style>
+          <a:lnRef idx="2">
+            <a:schemeClr val="accent1">
+              <a:shade val="50000"/>
+            </a:schemeClr>
+          </a:lnRef>
+          <a:fillRef idx="1">
+            <a:schemeClr val="accent1"/>
+          </a:fillRef>
+          <a:effectRef idx="0">
+            <a:schemeClr val="accent1"/>
+          </a:effectRef>
+          <a:fontRef idx="minor">
+            <a:schemeClr val="lt1"/>
+          </a:fontRef>
+        </p:style>
+        <p:txBody>
+          <a:bodyPr wrap="square" rtlCol="0" anchor="ctr">
+            <a:noAutofit/>
+          </a:bodyPr>
+          <a:lstStyle/>
+          <a:p>
+            <a:pPr algn="ctr"/>
+            <a:endParaRPr lang="en-US"/>
+          </a:p>
+        </p:txBody>
+      </p:sp>
+      <p:sp>
+        <p:nvSpPr>
+          <p:cNvPr id="2" name="Title 1">
+            <a:extLst>
+              <a:ext uri="{FF2B5EF4-FFF2-40B4-BE49-F238E27FC236}">
+                <a16:creationId xmlns:a16="http://schemas.microsoft.com/office/drawing/2014/main" id="{A73A5D8E-3007-4378-92E3-B7AC02C4DC95}"/>
+              </a:ext>
+            </a:extLst>
+          </p:cNvPr>
+          <p:cNvSpPr>
+            <a:spLocks noGrp="1"/>
+          </p:cNvSpPr>
+          <p:nvPr>
+            <p:ph type="title"/>
+          </p:nvPr>
+        </p:nvSpPr>
+        <p:spPr>
+          <a:xfrm>
+            <a:off x="838200" y="5529884"/>
+            <a:ext cx="7719381" cy="1096331"/>
+          </a:xfrm>
+        </p:spPr>
+        <p:txBody>
+          <a:bodyPr>
+            <a:normAutofit/>
+          </a:bodyPr>
+          <a:lstStyle/>
+          <a:p>
+            <a:r>
+              <a:rPr lang="en-CA" dirty="0"/>
+              <a:t>Dataset Quality Check</a:t>
+            </a:r>
+          </a:p>
+        </p:txBody>
+      </p:sp>
+      <p:sp>
+        <p:nvSpPr>
+          <p:cNvPr id="12" name="TextBox 11">
+            <a:extLst>
+              <a:ext uri="{FF2B5EF4-FFF2-40B4-BE49-F238E27FC236}">
+                <a16:creationId xmlns:a16="http://schemas.microsoft.com/office/drawing/2014/main" id="{B732C5A0-B3E4-484E-ADF8-6C0AEF5D3BD6}"/>
+              </a:ext>
+            </a:extLst>
+          </p:cNvPr>
+          <p:cNvSpPr txBox="1"/>
+          <p:nvPr/>
+        </p:nvSpPr>
+        <p:spPr>
+          <a:xfrm>
+            <a:off x="995915" y="3350329"/>
+            <a:ext cx="10357913" cy="1631216"/>
+          </a:xfrm>
+          <a:prstGeom prst="rect">
+            <a:avLst/>
+          </a:prstGeom>
+          <a:noFill/>
+        </p:spPr>
+        <p:txBody>
+          <a:bodyPr wrap="square" rtlCol="0">
+            <a:spAutoFit/>
+          </a:bodyPr>
+          <a:lstStyle/>
+          <a:p>
+            <a:pPr marL="285750" indent="-285750">
+              <a:buFont typeface="Arial" panose="020B0604020202020204" pitchFamily="34" charset="0"/>
+              <a:buChar char="•"/>
+            </a:pPr>
+            <a:r>
+              <a:rPr lang="en-CA" sz="2000" dirty="0">
+                <a:solidFill>
+                  <a:srgbClr val="0070C0"/>
+                </a:solidFill>
+              </a:rPr>
+              <a:t>Invalid inputs (filter)</a:t>
+            </a:r>
+          </a:p>
+          <a:p>
+            <a:pPr marL="800100" lvl="1" indent="-342900">
+              <a:buFont typeface="Courier New" panose="02070309020205020404" pitchFamily="49" charset="0"/>
+              <a:buChar char="o"/>
+            </a:pPr>
+            <a:r>
+              <a:rPr lang="en-CA" sz="2000" dirty="0">
+                <a:solidFill>
+                  <a:srgbClr val="0070C0"/>
+                </a:solidFill>
+              </a:rPr>
+              <a:t>Price range: $100 - $200,000</a:t>
+            </a:r>
+          </a:p>
+          <a:p>
+            <a:pPr marL="800100" lvl="1" indent="-342900">
+              <a:buFont typeface="Courier New" panose="02070309020205020404" pitchFamily="49" charset="0"/>
+              <a:buChar char="o"/>
+            </a:pPr>
+            <a:r>
+              <a:rPr lang="en-CA" sz="2000" dirty="0">
+                <a:solidFill>
+                  <a:srgbClr val="0070C0"/>
+                </a:solidFill>
+              </a:rPr>
+              <a:t>Odometer: 10km – 200,000km</a:t>
+            </a:r>
+          </a:p>
+          <a:p>
+            <a:pPr marL="285750" indent="-285750">
+              <a:buFont typeface="Arial" panose="020B0604020202020204" pitchFamily="34" charset="0"/>
+              <a:buChar char="•"/>
+            </a:pPr>
+            <a:r>
+              <a:rPr lang="en-CA" sz="2000" dirty="0">
+                <a:solidFill>
+                  <a:srgbClr val="0070C0"/>
+                </a:solidFill>
+              </a:rPr>
+              <a:t>NAN values (drop or replace)</a:t>
+            </a:r>
+          </a:p>
+          <a:p>
+            <a:pPr marL="285750" indent="-285750">
+              <a:buFont typeface="Arial" panose="020B0604020202020204" pitchFamily="34" charset="0"/>
+              <a:buChar char="•"/>
+            </a:pPr>
+            <a:r>
+              <a:rPr lang="en-CA" sz="2000" dirty="0">
+                <a:solidFill>
+                  <a:srgbClr val="0070C0"/>
+                </a:solidFill>
+              </a:rPr>
+              <a:t>Mean values are in different scales (Standard Scaler)</a:t>
+            </a:r>
+          </a:p>
+        </p:txBody>
+      </p:sp>
+      <p:grpSp>
+        <p:nvGrpSpPr>
+          <p:cNvPr id="18" name="Group 17">
+            <a:extLst>
+              <a:ext uri="{FF2B5EF4-FFF2-40B4-BE49-F238E27FC236}">
+                <a16:creationId xmlns:a16="http://schemas.microsoft.com/office/drawing/2014/main" id="{F48CACD1-D284-4023-AA7B-5F4F159A9020}"/>
+              </a:ext>
+            </a:extLst>
+          </p:cNvPr>
+          <p:cNvGrpSpPr/>
+          <p:nvPr/>
+        </p:nvGrpSpPr>
+        <p:grpSpPr>
+          <a:xfrm>
+            <a:off x="838199" y="404512"/>
+            <a:ext cx="10622873" cy="2854635"/>
+            <a:chOff x="838199" y="404511"/>
+            <a:chExt cx="10514013" cy="3967163"/>
+          </a:xfrm>
+        </p:grpSpPr>
+        <p:pic>
+          <p:nvPicPr>
+            <p:cNvPr id="5" name="Picture 4" descr="Table&#10;&#10;Description automatically generated">
+              <a:extLst>
+                <a:ext uri="{FF2B5EF4-FFF2-40B4-BE49-F238E27FC236}">
+                  <a16:creationId xmlns:a16="http://schemas.microsoft.com/office/drawing/2014/main" id="{721EB0FC-B238-4517-8FEE-F45A51FA597C}"/>
+                </a:ext>
+              </a:extLst>
+            </p:cNvPr>
+            <p:cNvPicPr>
+              <a:picLocks noChangeAspect="1"/>
+            </p:cNvPicPr>
+            <p:nvPr/>
+          </p:nvPicPr>
+          <p:blipFill>
+            <a:blip r:embed="rId2"/>
+            <a:stretch>
+              <a:fillRect/>
+            </a:stretch>
+          </p:blipFill>
+          <p:spPr>
+            <a:xfrm>
+              <a:off x="838199" y="404511"/>
+              <a:ext cx="8905875" cy="3967163"/>
+            </a:xfrm>
+            <a:prstGeom prst="rect">
+              <a:avLst/>
+            </a:prstGeom>
+          </p:spPr>
+        </p:pic>
+        <p:pic>
+          <p:nvPicPr>
+            <p:cNvPr id="8" name="Picture 7" descr="Graphical user interface&#10;&#10;Description automatically generated with low confidence">
+              <a:extLst>
+                <a:ext uri="{FF2B5EF4-FFF2-40B4-BE49-F238E27FC236}">
+                  <a16:creationId xmlns:a16="http://schemas.microsoft.com/office/drawing/2014/main" id="{9C2B4C27-66F4-4A46-9E4A-FFBB9026870C}"/>
+                </a:ext>
+              </a:extLst>
+            </p:cNvPr>
+            <p:cNvPicPr>
+              <a:picLocks noChangeAspect="1"/>
+            </p:cNvPicPr>
+            <p:nvPr/>
+          </p:nvPicPr>
+          <p:blipFill>
+            <a:blip r:embed="rId3"/>
+            <a:stretch>
+              <a:fillRect/>
+            </a:stretch>
+          </p:blipFill>
+          <p:spPr>
+            <a:xfrm>
+              <a:off x="9813924" y="404511"/>
+              <a:ext cx="1538288" cy="3967163"/>
+            </a:xfrm>
+            <a:prstGeom prst="rect">
+              <a:avLst/>
+            </a:prstGeom>
+          </p:spPr>
+        </p:pic>
+        <p:sp>
+          <p:nvSpPr>
+            <p:cNvPr id="10" name="Rectangle 9">
+              <a:extLst>
+                <a:ext uri="{FF2B5EF4-FFF2-40B4-BE49-F238E27FC236}">
+                  <a16:creationId xmlns:a16="http://schemas.microsoft.com/office/drawing/2014/main" id="{7F7AC390-1FD2-4FB2-A626-86DE1F899C57}"/>
+                </a:ext>
+              </a:extLst>
+            </p:cNvPr>
+            <p:cNvSpPr/>
+            <p:nvPr/>
+          </p:nvSpPr>
+          <p:spPr>
+            <a:xfrm>
+              <a:off x="998782" y="1756126"/>
+              <a:ext cx="8584707" cy="372862"/>
+            </a:xfrm>
+            <a:prstGeom prst="rect">
+              <a:avLst/>
+            </a:prstGeom>
+            <a:noFill/>
+            <a:ln w="28575">
+              <a:solidFill>
+                <a:srgbClr val="FF0000"/>
+              </a:solidFill>
+            </a:ln>
+          </p:spPr>
+          <p:style>
+            <a:lnRef idx="2">
+              <a:schemeClr val="accent1">
+                <a:shade val="50000"/>
+              </a:schemeClr>
+            </a:lnRef>
+            <a:fillRef idx="1">
+              <a:schemeClr val="accent1"/>
+            </a:fillRef>
+            <a:effectRef idx="0">
+              <a:schemeClr val="accent1"/>
+            </a:effectRef>
+            <a:fontRef idx="minor">
+              <a:schemeClr val="lt1"/>
+            </a:fontRef>
+          </p:style>
+          <p:txBody>
+            <a:bodyPr rtlCol="0" anchor="ctr"/>
+            <a:lstStyle/>
+            <a:p>
+              <a:pPr algn="ctr"/>
+              <a:endParaRPr lang="en-CA"/>
+            </a:p>
+          </p:txBody>
+        </p:sp>
+        <p:sp>
+          <p:nvSpPr>
+            <p:cNvPr id="14" name="Rectangle 13">
+              <a:extLst>
+                <a:ext uri="{FF2B5EF4-FFF2-40B4-BE49-F238E27FC236}">
+                  <a16:creationId xmlns:a16="http://schemas.microsoft.com/office/drawing/2014/main" id="{F52B74A5-C989-41A5-A925-6870E7F2FCE6}"/>
+                </a:ext>
+              </a:extLst>
+            </p:cNvPr>
+            <p:cNvSpPr/>
+            <p:nvPr/>
+          </p:nvSpPr>
+          <p:spPr>
+            <a:xfrm>
+              <a:off x="10666604" y="1256387"/>
+              <a:ext cx="579437" cy="2731199"/>
+            </a:xfrm>
+            <a:prstGeom prst="rect">
+              <a:avLst/>
+            </a:prstGeom>
+            <a:noFill/>
+            <a:ln w="28575">
+              <a:solidFill>
+                <a:srgbClr val="FF0000"/>
+              </a:solidFill>
+            </a:ln>
+          </p:spPr>
+          <p:style>
+            <a:lnRef idx="2">
+              <a:schemeClr val="accent1">
+                <a:shade val="50000"/>
+              </a:schemeClr>
+            </a:lnRef>
+            <a:fillRef idx="1">
+              <a:schemeClr val="accent1"/>
+            </a:fillRef>
+            <a:effectRef idx="0">
+              <a:schemeClr val="accent1"/>
+            </a:effectRef>
+            <a:fontRef idx="minor">
+              <a:schemeClr val="lt1"/>
+            </a:fontRef>
+          </p:style>
+          <p:txBody>
+            <a:bodyPr rtlCol="0" anchor="ctr"/>
+            <a:lstStyle/>
+            <a:p>
+              <a:pPr algn="ctr"/>
+              <a:endParaRPr lang="en-CA"/>
+            </a:p>
+          </p:txBody>
+        </p:sp>
+        <p:sp>
+          <p:nvSpPr>
+            <p:cNvPr id="16" name="Rectangle 15">
+              <a:extLst>
+                <a:ext uri="{FF2B5EF4-FFF2-40B4-BE49-F238E27FC236}">
+                  <a16:creationId xmlns:a16="http://schemas.microsoft.com/office/drawing/2014/main" id="{CCEA0AA4-C0BE-4C53-B0EA-196573E18E22}"/>
+                </a:ext>
+              </a:extLst>
+            </p:cNvPr>
+            <p:cNvSpPr/>
+            <p:nvPr/>
+          </p:nvSpPr>
+          <p:spPr>
+            <a:xfrm>
+              <a:off x="2947386" y="2388092"/>
+              <a:ext cx="3879542" cy="372862"/>
+            </a:xfrm>
+            <a:prstGeom prst="rect">
+              <a:avLst/>
+            </a:prstGeom>
+            <a:noFill/>
+            <a:ln w="28575">
+              <a:solidFill>
+                <a:srgbClr val="FF0000"/>
+              </a:solidFill>
+            </a:ln>
+          </p:spPr>
+          <p:style>
+            <a:lnRef idx="2">
+              <a:schemeClr val="accent1">
+                <a:shade val="50000"/>
+              </a:schemeClr>
+            </a:lnRef>
+            <a:fillRef idx="1">
+              <a:schemeClr val="accent1"/>
+            </a:fillRef>
+            <a:effectRef idx="0">
+              <a:schemeClr val="accent1"/>
+            </a:effectRef>
+            <a:fontRef idx="minor">
+              <a:schemeClr val="lt1"/>
+            </a:fontRef>
+          </p:style>
+          <p:txBody>
+            <a:bodyPr rtlCol="0" anchor="ctr"/>
+            <a:lstStyle/>
+            <a:p>
+              <a:pPr algn="ctr"/>
+              <a:endParaRPr lang="en-CA"/>
+            </a:p>
+          </p:txBody>
+        </p:sp>
+        <p:sp>
+          <p:nvSpPr>
+            <p:cNvPr id="17" name="Rectangle 16">
+              <a:extLst>
+                <a:ext uri="{FF2B5EF4-FFF2-40B4-BE49-F238E27FC236}">
+                  <a16:creationId xmlns:a16="http://schemas.microsoft.com/office/drawing/2014/main" id="{C028704C-0251-4EAB-AF81-751DEAB95E23}"/>
+                </a:ext>
+              </a:extLst>
+            </p:cNvPr>
+            <p:cNvSpPr/>
+            <p:nvPr/>
+          </p:nvSpPr>
+          <p:spPr>
+            <a:xfrm>
+              <a:off x="2947385" y="3871440"/>
+              <a:ext cx="3879542" cy="372862"/>
+            </a:xfrm>
+            <a:prstGeom prst="rect">
+              <a:avLst/>
+            </a:prstGeom>
+            <a:noFill/>
+            <a:ln w="28575">
+              <a:solidFill>
+                <a:srgbClr val="FF0000"/>
+              </a:solidFill>
+            </a:ln>
+          </p:spPr>
+          <p:style>
+            <a:lnRef idx="2">
+              <a:schemeClr val="accent1">
+                <a:shade val="50000"/>
+              </a:schemeClr>
+            </a:lnRef>
+            <a:fillRef idx="1">
+              <a:schemeClr val="accent1"/>
+            </a:fillRef>
+            <a:effectRef idx="0">
+              <a:schemeClr val="accent1"/>
+            </a:effectRef>
+            <a:fontRef idx="minor">
+              <a:schemeClr val="lt1"/>
+            </a:fontRef>
+          </p:style>
+          <p:txBody>
+            <a:bodyPr rtlCol="0" anchor="ctr"/>
+            <a:lstStyle/>
+            <a:p>
+              <a:pPr algn="ctr"/>
+              <a:endParaRPr lang="en-CA"/>
+            </a:p>
+          </p:txBody>
+        </p:sp>
+      </p:grpSp>
+    </p:spTree>
+    <p:extLst>
+      <p:ext uri="{BB962C8B-B14F-4D97-AF65-F5344CB8AC3E}">
+        <p14:creationId xmlns:p14="http://schemas.microsoft.com/office/powerpoint/2010/main" val="3845440351"/>
+      </p:ext>
+    </p:extLst>
+  </p:cSld>
+  <p:clrMapOvr>
+    <a:masterClrMapping/>
+  </p:clrMapOvr>
+</p:sld>
+</file>
+
+<file path=ppt/slides/slide4.xml><?xml version="1.0" encoding="utf-8"?>
 <p:sld xmlns:a="http://schemas.openxmlformats.org/drawingml/2006/main" xmlns:r="http://schemas.openxmlformats.org/officeDocument/2006/relationships" xmlns:p="http://schemas.openxmlformats.org/presentationml/2006/main">
   <p:cSld>
     <p:bg>
@@ -17360,7 +18880,7 @@
 </p:sld>
 </file>
 
-<file path=ppt/slides/slide4.xml><?xml version="1.0" encoding="utf-8"?>
+<file path=ppt/slides/slide5.xml><?xml version="1.0" encoding="utf-8"?>
 <p:sld xmlns:a="http://schemas.openxmlformats.org/drawingml/2006/main" xmlns:r="http://schemas.openxmlformats.org/officeDocument/2006/relationships" xmlns:p="http://schemas.openxmlformats.org/presentationml/2006/main">
   <p:cSld>
     <p:bg>
@@ -18229,7 +19749,7 @@
 </p:sld>
 </file>
 
-<file path=ppt/slides/slide5.xml><?xml version="1.0" encoding="utf-8"?>
+<file path=ppt/slides/slide6.xml><?xml version="1.0" encoding="utf-8"?>
 <p:sld xmlns:a="http://schemas.openxmlformats.org/drawingml/2006/main" xmlns:r="http://schemas.openxmlformats.org/officeDocument/2006/relationships" xmlns:p="http://schemas.openxmlformats.org/presentationml/2006/main">
   <p:cSld>
     <p:bg>
@@ -19201,7 +20721,7 @@
 </p:sld>
 </file>
 
-<file path=ppt/slides/slide6.xml><?xml version="1.0" encoding="utf-8"?>
+<file path=ppt/slides/slide7.xml><?xml version="1.0" encoding="utf-8"?>
 <p:sld xmlns:a="http://schemas.openxmlformats.org/drawingml/2006/main" xmlns:r="http://schemas.openxmlformats.org/officeDocument/2006/relationships" xmlns:p="http://schemas.openxmlformats.org/presentationml/2006/main">
   <p:cSld>
     <p:bg>
@@ -19583,7 +21103,7 @@
 </p:sld>
 </file>
 
-<file path=ppt/slides/slide7.xml><?xml version="1.0" encoding="utf-8"?>
+<file path=ppt/slides/slide8.xml><?xml version="1.0" encoding="utf-8"?>
 <p:sld xmlns:a="http://schemas.openxmlformats.org/drawingml/2006/main" xmlns:r="http://schemas.openxmlformats.org/officeDocument/2006/relationships" xmlns:p="http://schemas.openxmlformats.org/presentationml/2006/main">
   <p:cSld>
     <p:bg>
@@ -20004,7 +21524,7 @@
 </p:sld>
 </file>
 
-<file path=ppt/slides/slide8.xml><?xml version="1.0" encoding="utf-8"?>
+<file path=ppt/slides/slide9.xml><?xml version="1.0" encoding="utf-8"?>
 <p:sld xmlns:a="http://schemas.openxmlformats.org/drawingml/2006/main" xmlns:r="http://schemas.openxmlformats.org/officeDocument/2006/relationships" xmlns:p="http://schemas.openxmlformats.org/presentationml/2006/main">
   <p:cSld>
     <p:bg>
@@ -20377,1051 +21897,6 @@
     <p:extLst>
       <p:ext uri="{BB962C8B-B14F-4D97-AF65-F5344CB8AC3E}">
         <p14:creationId xmlns:p14="http://schemas.microsoft.com/office/powerpoint/2010/main" val="4108103839"/>
-      </p:ext>
-    </p:extLst>
-  </p:cSld>
-  <p:clrMapOvr>
-    <a:masterClrMapping/>
-  </p:clrMapOvr>
-</p:sld>
-</file>
-
-<file path=ppt/slides/slide9.xml><?xml version="1.0" encoding="utf-8"?>
-<p:sld xmlns:a="http://schemas.openxmlformats.org/drawingml/2006/main" xmlns:r="http://schemas.openxmlformats.org/officeDocument/2006/relationships" xmlns:p="http://schemas.openxmlformats.org/presentationml/2006/main">
-  <p:cSld>
-    <p:spTree>
-      <p:nvGrpSpPr>
-        <p:cNvPr id="1" name=""/>
-        <p:cNvGrpSpPr/>
-        <p:nvPr/>
-      </p:nvGrpSpPr>
-      <p:grpSpPr>
-        <a:xfrm>
-          <a:off x="0" y="0"/>
-          <a:ext cx="0" cy="0"/>
-          <a:chOff x="0" y="0"/>
-          <a:chExt cx="0" cy="0"/>
-        </a:xfrm>
-      </p:grpSpPr>
-      <p:grpSp>
-        <p:nvGrpSpPr>
-          <p:cNvPr id="32" name="Group 31">
-            <a:extLst>
-              <a:ext uri="{FF2B5EF4-FFF2-40B4-BE49-F238E27FC236}">
-                <a16:creationId xmlns:a16="http://schemas.microsoft.com/office/drawing/2014/main" id="{5C904505-2964-44B9-BF34-54EDBC475B76}"/>
-              </a:ext>
-            </a:extLst>
-          </p:cNvPr>
-          <p:cNvGrpSpPr/>
-          <p:nvPr/>
-        </p:nvGrpSpPr>
-        <p:grpSpPr>
-          <a:xfrm>
-            <a:off x="0" y="1661309"/>
-            <a:ext cx="12039600" cy="3381925"/>
-            <a:chOff x="76200" y="231741"/>
-            <a:chExt cx="12039600" cy="3381925"/>
-          </a:xfrm>
-        </p:grpSpPr>
-        <p:pic>
-          <p:nvPicPr>
-            <p:cNvPr id="20" name="Picture 19">
-              <a:extLst>
-                <a:ext uri="{FF2B5EF4-FFF2-40B4-BE49-F238E27FC236}">
-                  <a16:creationId xmlns:a16="http://schemas.microsoft.com/office/drawing/2014/main" id="{9E4BDB0C-588C-4575-8ABB-8215A1FCD6E3}"/>
-                </a:ext>
-              </a:extLst>
-            </p:cNvPr>
-            <p:cNvPicPr>
-              <a:picLocks noChangeAspect="1"/>
-            </p:cNvPicPr>
-            <p:nvPr/>
-          </p:nvPicPr>
-          <p:blipFill>
-            <a:blip r:embed="rId2"/>
-            <a:stretch>
-              <a:fillRect/>
-            </a:stretch>
-          </p:blipFill>
-          <p:spPr>
-            <a:xfrm>
-              <a:off x="76200" y="231741"/>
-              <a:ext cx="12039600" cy="2162175"/>
-            </a:xfrm>
-            <a:prstGeom prst="rect">
-              <a:avLst/>
-            </a:prstGeom>
-          </p:spPr>
-        </p:pic>
-        <p:sp>
-          <p:nvSpPr>
-            <p:cNvPr id="12" name="Rectangle 11">
-              <a:extLst>
-                <a:ext uri="{FF2B5EF4-FFF2-40B4-BE49-F238E27FC236}">
-                  <a16:creationId xmlns:a16="http://schemas.microsoft.com/office/drawing/2014/main" id="{1F77AD13-EC65-409A-AEFB-1B36D8384C6B}"/>
-                </a:ext>
-              </a:extLst>
-            </p:cNvPr>
-            <p:cNvSpPr/>
-            <p:nvPr/>
-          </p:nvSpPr>
-          <p:spPr>
-            <a:xfrm>
-              <a:off x="754602" y="679741"/>
-              <a:ext cx="577049" cy="1738559"/>
-            </a:xfrm>
-            <a:prstGeom prst="rect">
-              <a:avLst/>
-            </a:prstGeom>
-            <a:noFill/>
-            <a:ln w="28575">
-              <a:solidFill>
-                <a:srgbClr val="FF0000"/>
-              </a:solidFill>
-            </a:ln>
-          </p:spPr>
-          <p:style>
-            <a:lnRef idx="2">
-              <a:schemeClr val="accent1">
-                <a:shade val="50000"/>
-              </a:schemeClr>
-            </a:lnRef>
-            <a:fillRef idx="1">
-              <a:schemeClr val="accent1"/>
-            </a:fillRef>
-            <a:effectRef idx="0">
-              <a:schemeClr val="accent1"/>
-            </a:effectRef>
-            <a:fontRef idx="minor">
-              <a:schemeClr val="lt1"/>
-            </a:fontRef>
-          </p:style>
-          <p:txBody>
-            <a:bodyPr rtlCol="0" anchor="ctr"/>
-            <a:lstStyle/>
-            <a:p>
-              <a:pPr algn="ctr"/>
-              <a:endParaRPr lang="en-CA" dirty="0"/>
-            </a:p>
-          </p:txBody>
-        </p:sp>
-        <p:sp>
-          <p:nvSpPr>
-            <p:cNvPr id="8" name="TextBox 7">
-              <a:extLst>
-                <a:ext uri="{FF2B5EF4-FFF2-40B4-BE49-F238E27FC236}">
-                  <a16:creationId xmlns:a16="http://schemas.microsoft.com/office/drawing/2014/main" id="{6EB52767-63E2-4679-A188-717ABC5063EE}"/>
-                </a:ext>
-              </a:extLst>
-            </p:cNvPr>
-            <p:cNvSpPr txBox="1"/>
-            <p:nvPr/>
-          </p:nvSpPr>
-          <p:spPr>
-            <a:xfrm>
-              <a:off x="651769" y="2418300"/>
-              <a:ext cx="870011" cy="369332"/>
-            </a:xfrm>
-            <a:prstGeom prst="rect">
-              <a:avLst/>
-            </a:prstGeom>
-            <a:noFill/>
-          </p:spPr>
-          <p:txBody>
-            <a:bodyPr wrap="square" rtlCol="0">
-              <a:spAutoFit/>
-            </a:bodyPr>
-            <a:lstStyle/>
-            <a:p>
-              <a:r>
-                <a:rPr lang="en-CA" dirty="0">
-                  <a:solidFill>
-                    <a:srgbClr val="FF0000"/>
-                  </a:solidFill>
-                </a:rPr>
-                <a:t>‘target’</a:t>
-              </a:r>
-            </a:p>
-          </p:txBody>
-        </p:sp>
-        <p:sp>
-          <p:nvSpPr>
-            <p:cNvPr id="16" name="Rectangle 15">
-              <a:extLst>
-                <a:ext uri="{FF2B5EF4-FFF2-40B4-BE49-F238E27FC236}">
-                  <a16:creationId xmlns:a16="http://schemas.microsoft.com/office/drawing/2014/main" id="{7D88A429-9E3C-43B1-A4A0-B59FA24EF621}"/>
-                </a:ext>
-              </a:extLst>
-            </p:cNvPr>
-            <p:cNvSpPr/>
-            <p:nvPr/>
-          </p:nvSpPr>
-          <p:spPr>
-            <a:xfrm>
-              <a:off x="10822037" y="923901"/>
-              <a:ext cx="1182050" cy="1313272"/>
-            </a:xfrm>
-            <a:prstGeom prst="rect">
-              <a:avLst/>
-            </a:prstGeom>
-            <a:noFill/>
-            <a:ln w="28575">
-              <a:solidFill>
-                <a:srgbClr val="00B050"/>
-              </a:solidFill>
-            </a:ln>
-          </p:spPr>
-          <p:style>
-            <a:lnRef idx="2">
-              <a:schemeClr val="accent1">
-                <a:shade val="50000"/>
-              </a:schemeClr>
-            </a:lnRef>
-            <a:fillRef idx="1">
-              <a:schemeClr val="accent1"/>
-            </a:fillRef>
-            <a:effectRef idx="0">
-              <a:schemeClr val="accent1"/>
-            </a:effectRef>
-            <a:fontRef idx="minor">
-              <a:schemeClr val="lt1"/>
-            </a:fontRef>
-          </p:style>
-          <p:txBody>
-            <a:bodyPr rtlCol="0" anchor="ctr"/>
-            <a:lstStyle/>
-            <a:p>
-              <a:pPr algn="ctr"/>
-              <a:endParaRPr lang="en-CA" dirty="0"/>
-            </a:p>
-          </p:txBody>
-        </p:sp>
-        <p:sp>
-          <p:nvSpPr>
-            <p:cNvPr id="17" name="Rectangle 16">
-              <a:extLst>
-                <a:ext uri="{FF2B5EF4-FFF2-40B4-BE49-F238E27FC236}">
-                  <a16:creationId xmlns:a16="http://schemas.microsoft.com/office/drawing/2014/main" id="{150062D6-0505-4326-BEDD-E9793AE4D992}"/>
-                </a:ext>
-              </a:extLst>
-            </p:cNvPr>
-            <p:cNvSpPr/>
-            <p:nvPr/>
-          </p:nvSpPr>
-          <p:spPr>
-            <a:xfrm>
-              <a:off x="6379345" y="923901"/>
-              <a:ext cx="577049" cy="1313272"/>
-            </a:xfrm>
-            <a:prstGeom prst="rect">
-              <a:avLst/>
-            </a:prstGeom>
-            <a:noFill/>
-            <a:ln w="28575">
-              <a:solidFill>
-                <a:srgbClr val="00B050"/>
-              </a:solidFill>
-            </a:ln>
-          </p:spPr>
-          <p:style>
-            <a:lnRef idx="2">
-              <a:schemeClr val="accent1">
-                <a:shade val="50000"/>
-              </a:schemeClr>
-            </a:lnRef>
-            <a:fillRef idx="1">
-              <a:schemeClr val="accent1"/>
-            </a:fillRef>
-            <a:effectRef idx="0">
-              <a:schemeClr val="accent1"/>
-            </a:effectRef>
-            <a:fontRef idx="minor">
-              <a:schemeClr val="lt1"/>
-            </a:fontRef>
-          </p:style>
-          <p:txBody>
-            <a:bodyPr rtlCol="0" anchor="ctr"/>
-            <a:lstStyle/>
-            <a:p>
-              <a:pPr algn="ctr"/>
-              <a:endParaRPr lang="en-CA" dirty="0"/>
-            </a:p>
-          </p:txBody>
-        </p:sp>
-        <p:sp>
-          <p:nvSpPr>
-            <p:cNvPr id="18" name="TextBox 17">
-              <a:extLst>
-                <a:ext uri="{FF2B5EF4-FFF2-40B4-BE49-F238E27FC236}">
-                  <a16:creationId xmlns:a16="http://schemas.microsoft.com/office/drawing/2014/main" id="{8EF573FC-12A4-459D-A62A-8B6079979A6E}"/>
-                </a:ext>
-              </a:extLst>
-            </p:cNvPr>
-            <p:cNvSpPr txBox="1"/>
-            <p:nvPr/>
-          </p:nvSpPr>
-          <p:spPr>
-            <a:xfrm>
-              <a:off x="5255582" y="3244334"/>
-              <a:ext cx="2547891" cy="369332"/>
-            </a:xfrm>
-            <a:prstGeom prst="rect">
-              <a:avLst/>
-            </a:prstGeom>
-            <a:noFill/>
-          </p:spPr>
-          <p:txBody>
-            <a:bodyPr wrap="square" rtlCol="0">
-              <a:spAutoFit/>
-            </a:bodyPr>
-            <a:lstStyle/>
-            <a:p>
-              <a:r>
-                <a:rPr lang="en-CA" dirty="0">
-                  <a:solidFill>
-                    <a:srgbClr val="00B050"/>
-                  </a:solidFill>
-                </a:rPr>
-                <a:t>5 Numerical Features</a:t>
-              </a:r>
-            </a:p>
-          </p:txBody>
-        </p:sp>
-        <p:sp>
-          <p:nvSpPr>
-            <p:cNvPr id="19" name="Rectangle 18">
-              <a:extLst>
-                <a:ext uri="{FF2B5EF4-FFF2-40B4-BE49-F238E27FC236}">
-                  <a16:creationId xmlns:a16="http://schemas.microsoft.com/office/drawing/2014/main" id="{F4DA7CF9-B07D-4979-B7A8-09CA6285EBC3}"/>
-                </a:ext>
-              </a:extLst>
-            </p:cNvPr>
-            <p:cNvSpPr/>
-            <p:nvPr/>
-          </p:nvSpPr>
-          <p:spPr>
-            <a:xfrm>
-              <a:off x="5142367" y="923901"/>
-              <a:ext cx="773873" cy="1313272"/>
-            </a:xfrm>
-            <a:prstGeom prst="rect">
-              <a:avLst/>
-            </a:prstGeom>
-            <a:noFill/>
-            <a:ln w="28575">
-              <a:solidFill>
-                <a:srgbClr val="00B050"/>
-              </a:solidFill>
-            </a:ln>
-          </p:spPr>
-          <p:style>
-            <a:lnRef idx="2">
-              <a:schemeClr val="accent1">
-                <a:shade val="50000"/>
-              </a:schemeClr>
-            </a:lnRef>
-            <a:fillRef idx="1">
-              <a:schemeClr val="accent1"/>
-            </a:fillRef>
-            <a:effectRef idx="0">
-              <a:schemeClr val="accent1"/>
-            </a:effectRef>
-            <a:fontRef idx="minor">
-              <a:schemeClr val="lt1"/>
-            </a:fontRef>
-          </p:style>
-          <p:txBody>
-            <a:bodyPr rtlCol="0" anchor="ctr"/>
-            <a:lstStyle/>
-            <a:p>
-              <a:pPr algn="ctr"/>
-              <a:endParaRPr lang="en-CA" dirty="0"/>
-            </a:p>
-          </p:txBody>
-        </p:sp>
-        <p:cxnSp>
-          <p:nvCxnSpPr>
-            <p:cNvPr id="23" name="Straight Arrow Connector 22">
-              <a:extLst>
-                <a:ext uri="{FF2B5EF4-FFF2-40B4-BE49-F238E27FC236}">
-                  <a16:creationId xmlns:a16="http://schemas.microsoft.com/office/drawing/2014/main" id="{BE72CC57-7A94-4C35-85D2-2080AAA300D9}"/>
-                </a:ext>
-              </a:extLst>
-            </p:cNvPr>
-            <p:cNvCxnSpPr>
-              <a:cxnSpLocks/>
-              <a:stCxn id="19" idx="2"/>
-              <a:endCxn id="18" idx="0"/>
-            </p:cNvCxnSpPr>
-            <p:nvPr/>
-          </p:nvCxnSpPr>
-          <p:spPr>
-            <a:xfrm>
-              <a:off x="5529304" y="2237173"/>
-              <a:ext cx="1000224" cy="1007161"/>
-            </a:xfrm>
-            <a:prstGeom prst="straightConnector1">
-              <a:avLst/>
-            </a:prstGeom>
-            <a:ln w="19050">
-              <a:solidFill>
-                <a:srgbClr val="00B050"/>
-              </a:solidFill>
-              <a:tailEnd type="triangle"/>
-            </a:ln>
-          </p:spPr>
-          <p:style>
-            <a:lnRef idx="1">
-              <a:schemeClr val="accent6"/>
-            </a:lnRef>
-            <a:fillRef idx="0">
-              <a:schemeClr val="accent6"/>
-            </a:fillRef>
-            <a:effectRef idx="0">
-              <a:schemeClr val="accent6"/>
-            </a:effectRef>
-            <a:fontRef idx="minor">
-              <a:schemeClr val="tx1"/>
-            </a:fontRef>
-          </p:style>
-        </p:cxnSp>
-        <p:cxnSp>
-          <p:nvCxnSpPr>
-            <p:cNvPr id="26" name="Straight Arrow Connector 25">
-              <a:extLst>
-                <a:ext uri="{FF2B5EF4-FFF2-40B4-BE49-F238E27FC236}">
-                  <a16:creationId xmlns:a16="http://schemas.microsoft.com/office/drawing/2014/main" id="{11445BB4-3E9B-40BC-AD50-C30B93A12C45}"/>
-                </a:ext>
-              </a:extLst>
-            </p:cNvPr>
-            <p:cNvCxnSpPr>
-              <a:cxnSpLocks/>
-              <a:stCxn id="17" idx="2"/>
-              <a:endCxn id="18" idx="0"/>
-            </p:cNvCxnSpPr>
-            <p:nvPr/>
-          </p:nvCxnSpPr>
-          <p:spPr>
-            <a:xfrm flipH="1">
-              <a:off x="6529528" y="2237173"/>
-              <a:ext cx="138342" cy="1007161"/>
-            </a:xfrm>
-            <a:prstGeom prst="straightConnector1">
-              <a:avLst/>
-            </a:prstGeom>
-            <a:ln w="19050">
-              <a:solidFill>
-                <a:srgbClr val="00B050"/>
-              </a:solidFill>
-              <a:tailEnd type="triangle"/>
-            </a:ln>
-          </p:spPr>
-          <p:style>
-            <a:lnRef idx="1">
-              <a:schemeClr val="accent6"/>
-            </a:lnRef>
-            <a:fillRef idx="0">
-              <a:schemeClr val="accent6"/>
-            </a:fillRef>
-            <a:effectRef idx="0">
-              <a:schemeClr val="accent6"/>
-            </a:effectRef>
-            <a:fontRef idx="minor">
-              <a:schemeClr val="tx1"/>
-            </a:fontRef>
-          </p:style>
-        </p:cxnSp>
-        <p:cxnSp>
-          <p:nvCxnSpPr>
-            <p:cNvPr id="29" name="Straight Arrow Connector 28">
-              <a:extLst>
-                <a:ext uri="{FF2B5EF4-FFF2-40B4-BE49-F238E27FC236}">
-                  <a16:creationId xmlns:a16="http://schemas.microsoft.com/office/drawing/2014/main" id="{5E647C1A-C6CB-4DFC-8923-7ECD69B91F8B}"/>
-                </a:ext>
-              </a:extLst>
-            </p:cNvPr>
-            <p:cNvCxnSpPr>
-              <a:cxnSpLocks/>
-              <a:stCxn id="16" idx="2"/>
-              <a:endCxn id="18" idx="0"/>
-            </p:cNvCxnSpPr>
-            <p:nvPr/>
-          </p:nvCxnSpPr>
-          <p:spPr>
-            <a:xfrm flipH="1">
-              <a:off x="6529528" y="2237173"/>
-              <a:ext cx="4883534" cy="1007161"/>
-            </a:xfrm>
-            <a:prstGeom prst="straightConnector1">
-              <a:avLst/>
-            </a:prstGeom>
-            <a:ln w="19050">
-              <a:solidFill>
-                <a:srgbClr val="00B050"/>
-              </a:solidFill>
-              <a:tailEnd type="triangle"/>
-            </a:ln>
-          </p:spPr>
-          <p:style>
-            <a:lnRef idx="1">
-              <a:schemeClr val="accent6"/>
-            </a:lnRef>
-            <a:fillRef idx="0">
-              <a:schemeClr val="accent6"/>
-            </a:fillRef>
-            <a:effectRef idx="0">
-              <a:schemeClr val="accent6"/>
-            </a:effectRef>
-            <a:fontRef idx="minor">
-              <a:schemeClr val="tx1"/>
-            </a:fontRef>
-          </p:style>
-        </p:cxnSp>
-      </p:grpSp>
-      <p:sp>
-        <p:nvSpPr>
-          <p:cNvPr id="34" name="Rectangle 33">
-            <a:extLst>
-              <a:ext uri="{FF2B5EF4-FFF2-40B4-BE49-F238E27FC236}">
-                <a16:creationId xmlns:a16="http://schemas.microsoft.com/office/drawing/2014/main" id="{E12E4D76-241E-4D9F-BDE3-049C6B0B76AC}"/>
-              </a:ext>
-            </a:extLst>
-          </p:cNvPr>
-          <p:cNvSpPr/>
-          <p:nvPr/>
-        </p:nvSpPr>
-        <p:spPr>
-          <a:xfrm>
-            <a:off x="6935121" y="2353468"/>
-            <a:ext cx="3755789" cy="1296356"/>
-          </a:xfrm>
-          <a:prstGeom prst="rect">
-            <a:avLst/>
-          </a:prstGeom>
-          <a:noFill/>
-          <a:ln w="28575">
-            <a:solidFill>
-              <a:srgbClr val="FFC000"/>
-            </a:solidFill>
-          </a:ln>
-        </p:spPr>
-        <p:style>
-          <a:lnRef idx="2">
-            <a:schemeClr val="accent1">
-              <a:shade val="50000"/>
-            </a:schemeClr>
-          </a:lnRef>
-          <a:fillRef idx="1">
-            <a:schemeClr val="accent1"/>
-          </a:fillRef>
-          <a:effectRef idx="0">
-            <a:schemeClr val="accent1"/>
-          </a:effectRef>
-          <a:fontRef idx="minor">
-            <a:schemeClr val="lt1"/>
-          </a:fontRef>
-        </p:style>
-        <p:txBody>
-          <a:bodyPr rtlCol="0" anchor="ctr"/>
-          <a:lstStyle/>
-          <a:p>
-            <a:pPr algn="ctr"/>
-            <a:endParaRPr lang="en-CA" dirty="0"/>
-          </a:p>
-        </p:txBody>
-      </p:sp>
-      <p:sp>
-        <p:nvSpPr>
-          <p:cNvPr id="36" name="Rectangle 35">
-            <a:extLst>
-              <a:ext uri="{FF2B5EF4-FFF2-40B4-BE49-F238E27FC236}">
-                <a16:creationId xmlns:a16="http://schemas.microsoft.com/office/drawing/2014/main" id="{66C69D7E-5EA8-4B69-9529-98EBA87F4534}"/>
-              </a:ext>
-            </a:extLst>
-          </p:cNvPr>
-          <p:cNvSpPr/>
-          <p:nvPr/>
-        </p:nvSpPr>
-        <p:spPr>
-          <a:xfrm>
-            <a:off x="5894967" y="2353468"/>
-            <a:ext cx="353252" cy="1289843"/>
-          </a:xfrm>
-          <a:prstGeom prst="rect">
-            <a:avLst/>
-          </a:prstGeom>
-          <a:noFill/>
-          <a:ln w="28575">
-            <a:solidFill>
-              <a:srgbClr val="FFC000"/>
-            </a:solidFill>
-          </a:ln>
-        </p:spPr>
-        <p:style>
-          <a:lnRef idx="2">
-            <a:schemeClr val="accent1">
-              <a:shade val="50000"/>
-            </a:schemeClr>
-          </a:lnRef>
-          <a:fillRef idx="1">
-            <a:schemeClr val="accent1"/>
-          </a:fillRef>
-          <a:effectRef idx="0">
-            <a:schemeClr val="accent1"/>
-          </a:effectRef>
-          <a:fontRef idx="minor">
-            <a:schemeClr val="lt1"/>
-          </a:fontRef>
-        </p:style>
-        <p:txBody>
-          <a:bodyPr rtlCol="0" anchor="ctr"/>
-          <a:lstStyle/>
-          <a:p>
-            <a:pPr algn="ctr"/>
-            <a:endParaRPr lang="en-CA" dirty="0"/>
-          </a:p>
-        </p:txBody>
-      </p:sp>
-      <p:sp>
-        <p:nvSpPr>
-          <p:cNvPr id="41" name="TextBox 40">
-            <a:extLst>
-              <a:ext uri="{FF2B5EF4-FFF2-40B4-BE49-F238E27FC236}">
-                <a16:creationId xmlns:a16="http://schemas.microsoft.com/office/drawing/2014/main" id="{2BF33BC7-9341-4FE2-9954-D4F33CB71CEA}"/>
-              </a:ext>
-            </a:extLst>
-          </p:cNvPr>
-          <p:cNvSpPr txBox="1"/>
-          <p:nvPr/>
-        </p:nvSpPr>
-        <p:spPr>
-          <a:xfrm>
-            <a:off x="5011240" y="561550"/>
-            <a:ext cx="2547891" cy="369332"/>
-          </a:xfrm>
-          <a:prstGeom prst="rect">
-            <a:avLst/>
-          </a:prstGeom>
-          <a:noFill/>
-        </p:spPr>
-        <p:txBody>
-          <a:bodyPr wrap="square" rtlCol="0">
-            <a:spAutoFit/>
-          </a:bodyPr>
-          <a:lstStyle/>
-          <a:p>
-            <a:r>
-              <a:rPr lang="en-CA" dirty="0">
-                <a:solidFill>
-                  <a:srgbClr val="FFC000"/>
-                </a:solidFill>
-              </a:rPr>
-              <a:t>11 Categorical</a:t>
-            </a:r>
-            <a:r>
-              <a:rPr lang="en-CA" dirty="0">
-                <a:solidFill>
-                  <a:srgbClr val="00B050"/>
-                </a:solidFill>
-              </a:rPr>
-              <a:t> </a:t>
-            </a:r>
-            <a:r>
-              <a:rPr lang="en-CA" dirty="0">
-                <a:solidFill>
-                  <a:srgbClr val="FFC000"/>
-                </a:solidFill>
-              </a:rPr>
-              <a:t>Features</a:t>
-            </a:r>
-          </a:p>
-        </p:txBody>
-      </p:sp>
-      <p:cxnSp>
-        <p:nvCxnSpPr>
-          <p:cNvPr id="42" name="Straight Arrow Connector 41">
-            <a:extLst>
-              <a:ext uri="{FF2B5EF4-FFF2-40B4-BE49-F238E27FC236}">
-                <a16:creationId xmlns:a16="http://schemas.microsoft.com/office/drawing/2014/main" id="{01650E09-B65F-4D1C-B1A8-CE0B8316F863}"/>
-              </a:ext>
-            </a:extLst>
-          </p:cNvPr>
-          <p:cNvCxnSpPr>
-            <a:cxnSpLocks/>
-            <a:endCxn id="18" idx="0"/>
-          </p:cNvCxnSpPr>
-          <p:nvPr/>
-        </p:nvCxnSpPr>
-        <p:spPr>
-          <a:xfrm>
-            <a:off x="3160450" y="3666741"/>
-            <a:ext cx="3292878" cy="1007161"/>
-          </a:xfrm>
-          <a:prstGeom prst="straightConnector1">
-            <a:avLst/>
-          </a:prstGeom>
-          <a:ln w="19050">
-            <a:solidFill>
-              <a:srgbClr val="00B050"/>
-            </a:solidFill>
-            <a:tailEnd type="triangle"/>
-          </a:ln>
-        </p:spPr>
-        <p:style>
-          <a:lnRef idx="1">
-            <a:schemeClr val="accent6"/>
-          </a:lnRef>
-          <a:fillRef idx="0">
-            <a:schemeClr val="accent6"/>
-          </a:fillRef>
-          <a:effectRef idx="0">
-            <a:schemeClr val="accent6"/>
-          </a:effectRef>
-          <a:fontRef idx="minor">
-            <a:schemeClr val="tx1"/>
-          </a:fontRef>
-        </p:style>
-      </p:cxnSp>
-      <p:sp>
-        <p:nvSpPr>
-          <p:cNvPr id="46" name="Rectangle 45">
-            <a:extLst>
-              <a:ext uri="{FF2B5EF4-FFF2-40B4-BE49-F238E27FC236}">
-                <a16:creationId xmlns:a16="http://schemas.microsoft.com/office/drawing/2014/main" id="{9EA46A85-E025-4651-9EC5-EB4FA0BB8340}"/>
-              </a:ext>
-            </a:extLst>
-          </p:cNvPr>
-          <p:cNvSpPr/>
-          <p:nvPr/>
-        </p:nvSpPr>
-        <p:spPr>
-          <a:xfrm>
-            <a:off x="1310378" y="2372127"/>
-            <a:ext cx="1588921" cy="1296356"/>
-          </a:xfrm>
-          <a:prstGeom prst="rect">
-            <a:avLst/>
-          </a:prstGeom>
-          <a:noFill/>
-          <a:ln w="28575">
-            <a:solidFill>
-              <a:srgbClr val="FFC000"/>
-            </a:solidFill>
-          </a:ln>
-        </p:spPr>
-        <p:style>
-          <a:lnRef idx="2">
-            <a:schemeClr val="accent1">
-              <a:shade val="50000"/>
-            </a:schemeClr>
-          </a:lnRef>
-          <a:fillRef idx="1">
-            <a:schemeClr val="accent1"/>
-          </a:fillRef>
-          <a:effectRef idx="0">
-            <a:schemeClr val="accent1"/>
-          </a:effectRef>
-          <a:fontRef idx="minor">
-            <a:schemeClr val="lt1"/>
-          </a:fontRef>
-        </p:style>
-        <p:txBody>
-          <a:bodyPr rtlCol="0" anchor="ctr"/>
-          <a:lstStyle/>
-          <a:p>
-            <a:pPr algn="ctr"/>
-            <a:endParaRPr lang="en-CA" dirty="0"/>
-          </a:p>
-        </p:txBody>
-      </p:sp>
-      <p:cxnSp>
-        <p:nvCxnSpPr>
-          <p:cNvPr id="47" name="Straight Arrow Connector 46">
-            <a:extLst>
-              <a:ext uri="{FF2B5EF4-FFF2-40B4-BE49-F238E27FC236}">
-                <a16:creationId xmlns:a16="http://schemas.microsoft.com/office/drawing/2014/main" id="{95BA9E86-B6C1-463B-BE1D-3651FCDEFD28}"/>
-              </a:ext>
-            </a:extLst>
-          </p:cNvPr>
-          <p:cNvCxnSpPr>
-            <a:cxnSpLocks/>
-            <a:endCxn id="41" idx="2"/>
-          </p:cNvCxnSpPr>
-          <p:nvPr/>
-        </p:nvCxnSpPr>
-        <p:spPr>
-          <a:xfrm flipV="1">
-            <a:off x="2050742" y="930882"/>
-            <a:ext cx="4234444" cy="1150708"/>
-          </a:xfrm>
-          <a:prstGeom prst="straightConnector1">
-            <a:avLst/>
-          </a:prstGeom>
-          <a:ln w="19050">
-            <a:solidFill>
-              <a:srgbClr val="FFC000"/>
-            </a:solidFill>
-            <a:tailEnd type="triangle"/>
-          </a:ln>
-        </p:spPr>
-        <p:style>
-          <a:lnRef idx="1">
-            <a:schemeClr val="accent6"/>
-          </a:lnRef>
-          <a:fillRef idx="0">
-            <a:schemeClr val="accent6"/>
-          </a:fillRef>
-          <a:effectRef idx="0">
-            <a:schemeClr val="accent6"/>
-          </a:effectRef>
-          <a:fontRef idx="minor">
-            <a:schemeClr val="tx1"/>
-          </a:fontRef>
-        </p:style>
-      </p:cxnSp>
-      <p:cxnSp>
-        <p:nvCxnSpPr>
-          <p:cNvPr id="50" name="Straight Arrow Connector 49">
-            <a:extLst>
-              <a:ext uri="{FF2B5EF4-FFF2-40B4-BE49-F238E27FC236}">
-                <a16:creationId xmlns:a16="http://schemas.microsoft.com/office/drawing/2014/main" id="{D757B2FA-7AF8-4C4B-9534-70B95309CE16}"/>
-              </a:ext>
-            </a:extLst>
-          </p:cNvPr>
-          <p:cNvCxnSpPr>
-            <a:cxnSpLocks/>
-            <a:endCxn id="41" idx="2"/>
-          </p:cNvCxnSpPr>
-          <p:nvPr/>
-        </p:nvCxnSpPr>
-        <p:spPr>
-          <a:xfrm flipV="1">
-            <a:off x="4261282" y="930882"/>
-            <a:ext cx="2023904" cy="1116572"/>
-          </a:xfrm>
-          <a:prstGeom prst="straightConnector1">
-            <a:avLst/>
-          </a:prstGeom>
-          <a:ln w="19050">
-            <a:solidFill>
-              <a:srgbClr val="FFC000"/>
-            </a:solidFill>
-            <a:tailEnd type="triangle"/>
-          </a:ln>
-        </p:spPr>
-        <p:style>
-          <a:lnRef idx="1">
-            <a:schemeClr val="accent6"/>
-          </a:lnRef>
-          <a:fillRef idx="0">
-            <a:schemeClr val="accent6"/>
-          </a:fillRef>
-          <a:effectRef idx="0">
-            <a:schemeClr val="accent6"/>
-          </a:effectRef>
-          <a:fontRef idx="minor">
-            <a:schemeClr val="tx1"/>
-          </a:fontRef>
-        </p:style>
-      </p:cxnSp>
-      <p:cxnSp>
-        <p:nvCxnSpPr>
-          <p:cNvPr id="53" name="Straight Arrow Connector 52">
-            <a:extLst>
-              <a:ext uri="{FF2B5EF4-FFF2-40B4-BE49-F238E27FC236}">
-                <a16:creationId xmlns:a16="http://schemas.microsoft.com/office/drawing/2014/main" id="{6CB46EB4-2CEE-4955-9E20-49128B115D04}"/>
-              </a:ext>
-            </a:extLst>
-          </p:cNvPr>
-          <p:cNvCxnSpPr>
-            <a:cxnSpLocks/>
-            <a:endCxn id="41" idx="2"/>
-          </p:cNvCxnSpPr>
-          <p:nvPr/>
-        </p:nvCxnSpPr>
-        <p:spPr>
-          <a:xfrm flipV="1">
-            <a:off x="6096000" y="930882"/>
-            <a:ext cx="189186" cy="1071914"/>
-          </a:xfrm>
-          <a:prstGeom prst="straightConnector1">
-            <a:avLst/>
-          </a:prstGeom>
-          <a:ln w="19050">
-            <a:solidFill>
-              <a:srgbClr val="FFC000"/>
-            </a:solidFill>
-            <a:tailEnd type="triangle"/>
-          </a:ln>
-        </p:spPr>
-        <p:style>
-          <a:lnRef idx="1">
-            <a:schemeClr val="accent6"/>
-          </a:lnRef>
-          <a:fillRef idx="0">
-            <a:schemeClr val="accent6"/>
-          </a:fillRef>
-          <a:effectRef idx="0">
-            <a:schemeClr val="accent6"/>
-          </a:effectRef>
-          <a:fontRef idx="minor">
-            <a:schemeClr val="tx1"/>
-          </a:fontRef>
-        </p:style>
-      </p:cxnSp>
-      <p:cxnSp>
-        <p:nvCxnSpPr>
-          <p:cNvPr id="56" name="Straight Arrow Connector 55">
-            <a:extLst>
-              <a:ext uri="{FF2B5EF4-FFF2-40B4-BE49-F238E27FC236}">
-                <a16:creationId xmlns:a16="http://schemas.microsoft.com/office/drawing/2014/main" id="{7163AC44-93DA-4B23-B367-4CD7A7DFDC5D}"/>
-              </a:ext>
-            </a:extLst>
-          </p:cNvPr>
-          <p:cNvCxnSpPr>
-            <a:cxnSpLocks/>
-            <a:endCxn id="41" idx="2"/>
-          </p:cNvCxnSpPr>
-          <p:nvPr/>
-        </p:nvCxnSpPr>
-        <p:spPr>
-          <a:xfrm flipH="1" flipV="1">
-            <a:off x="6285186" y="930882"/>
-            <a:ext cx="2397176" cy="1095344"/>
-          </a:xfrm>
-          <a:prstGeom prst="straightConnector1">
-            <a:avLst/>
-          </a:prstGeom>
-          <a:ln w="19050">
-            <a:solidFill>
-              <a:srgbClr val="FFC000"/>
-            </a:solidFill>
-            <a:tailEnd type="triangle"/>
-          </a:ln>
-        </p:spPr>
-        <p:style>
-          <a:lnRef idx="1">
-            <a:schemeClr val="accent6"/>
-          </a:lnRef>
-          <a:fillRef idx="0">
-            <a:schemeClr val="accent6"/>
-          </a:fillRef>
-          <a:effectRef idx="0">
-            <a:schemeClr val="accent6"/>
-          </a:effectRef>
-          <a:fontRef idx="minor">
-            <a:schemeClr val="tx1"/>
-          </a:fontRef>
-        </p:style>
-      </p:cxnSp>
-      <p:sp>
-        <p:nvSpPr>
-          <p:cNvPr id="60" name="Rectangle 59">
-            <a:extLst>
-              <a:ext uri="{FF2B5EF4-FFF2-40B4-BE49-F238E27FC236}">
-                <a16:creationId xmlns:a16="http://schemas.microsoft.com/office/drawing/2014/main" id="{15F2DE43-5098-436A-9305-4EA1509EE95A}"/>
-              </a:ext>
-            </a:extLst>
-          </p:cNvPr>
-          <p:cNvSpPr/>
-          <p:nvPr/>
-        </p:nvSpPr>
-        <p:spPr>
-          <a:xfrm>
-            <a:off x="3414553" y="2374222"/>
-            <a:ext cx="1588921" cy="1296356"/>
-          </a:xfrm>
-          <a:prstGeom prst="rect">
-            <a:avLst/>
-          </a:prstGeom>
-          <a:noFill/>
-          <a:ln w="28575">
-            <a:solidFill>
-              <a:srgbClr val="FFC000"/>
-            </a:solidFill>
-          </a:ln>
-        </p:spPr>
-        <p:style>
-          <a:lnRef idx="2">
-            <a:schemeClr val="accent1">
-              <a:shade val="50000"/>
-            </a:schemeClr>
-          </a:lnRef>
-          <a:fillRef idx="1">
-            <a:schemeClr val="accent1"/>
-          </a:fillRef>
-          <a:effectRef idx="0">
-            <a:schemeClr val="accent1"/>
-          </a:effectRef>
-          <a:fontRef idx="minor">
-            <a:schemeClr val="lt1"/>
-          </a:fontRef>
-        </p:style>
-        <p:txBody>
-          <a:bodyPr rtlCol="0" anchor="ctr"/>
-          <a:lstStyle/>
-          <a:p>
-            <a:pPr algn="ctr"/>
-            <a:endParaRPr lang="en-CA" dirty="0"/>
-          </a:p>
-        </p:txBody>
-      </p:sp>
-      <p:sp>
-        <p:nvSpPr>
-          <p:cNvPr id="61" name="Rectangle 60">
-            <a:extLst>
-              <a:ext uri="{FF2B5EF4-FFF2-40B4-BE49-F238E27FC236}">
-                <a16:creationId xmlns:a16="http://schemas.microsoft.com/office/drawing/2014/main" id="{FCC3FA69-B06F-4561-BB09-89C14EF7211B}"/>
-              </a:ext>
-            </a:extLst>
-          </p:cNvPr>
-          <p:cNvSpPr/>
-          <p:nvPr/>
-        </p:nvSpPr>
-        <p:spPr>
-          <a:xfrm>
-            <a:off x="2952859" y="2372127"/>
-            <a:ext cx="418806" cy="1313272"/>
-          </a:xfrm>
-          <a:prstGeom prst="rect">
-            <a:avLst/>
-          </a:prstGeom>
-          <a:noFill/>
-          <a:ln w="28575">
-            <a:solidFill>
-              <a:srgbClr val="00B050"/>
-            </a:solidFill>
-          </a:ln>
-        </p:spPr>
-        <p:style>
-          <a:lnRef idx="2">
-            <a:schemeClr val="accent1">
-              <a:shade val="50000"/>
-            </a:schemeClr>
-          </a:lnRef>
-          <a:fillRef idx="1">
-            <a:schemeClr val="accent1"/>
-          </a:fillRef>
-          <a:effectRef idx="0">
-            <a:schemeClr val="accent1"/>
-          </a:effectRef>
-          <a:fontRef idx="minor">
-            <a:schemeClr val="lt1"/>
-          </a:fontRef>
-        </p:style>
-        <p:txBody>
-          <a:bodyPr rtlCol="0" anchor="ctr"/>
-          <a:lstStyle/>
-          <a:p>
-            <a:pPr algn="ctr"/>
-            <a:endParaRPr lang="en-CA" dirty="0"/>
-          </a:p>
-        </p:txBody>
-      </p:sp>
-    </p:spTree>
-    <p:extLst>
-      <p:ext uri="{BB962C8B-B14F-4D97-AF65-F5344CB8AC3E}">
-        <p14:creationId xmlns:p14="http://schemas.microsoft.com/office/powerpoint/2010/main" val="1072093582"/>
       </p:ext>
     </p:extLst>
   </p:cSld>

--- a/ETL/Final Project.pptx
+++ b/ETL/Final Project.pptx
@@ -7,7 +7,7 @@
     <p:sldMasterId id="2147483698" r:id="rId3"/>
   </p:sldMasterIdLst>
   <p:notesMasterIdLst>
-    <p:notesMasterId r:id="rId37"/>
+    <p:notesMasterId r:id="rId45"/>
   </p:notesMasterIdLst>
   <p:sldIdLst>
     <p:sldId id="323" r:id="rId4"/>
@@ -39,10 +39,18 @@
     <p:sldId id="345" r:id="rId30"/>
     <p:sldId id="346" r:id="rId31"/>
     <p:sldId id="350" r:id="rId32"/>
-    <p:sldId id="327" r:id="rId33"/>
-    <p:sldId id="351" r:id="rId34"/>
-    <p:sldId id="352" r:id="rId35"/>
-    <p:sldId id="316" r:id="rId36"/>
+    <p:sldId id="355" r:id="rId33"/>
+    <p:sldId id="356" r:id="rId34"/>
+    <p:sldId id="361" r:id="rId35"/>
+    <p:sldId id="362" r:id="rId36"/>
+    <p:sldId id="327" r:id="rId37"/>
+    <p:sldId id="351" r:id="rId38"/>
+    <p:sldId id="357" r:id="rId39"/>
+    <p:sldId id="358" r:id="rId40"/>
+    <p:sldId id="359" r:id="rId41"/>
+    <p:sldId id="360" r:id="rId42"/>
+    <p:sldId id="352" r:id="rId43"/>
+    <p:sldId id="316" r:id="rId44"/>
   </p:sldIdLst>
   <p:sldSz cx="12192000" cy="6858000"/>
   <p:notesSz cx="6858000" cy="9144000"/>
@@ -28031,6 +28039,1026 @@
 <file path=ppt/slides/slide30.xml><?xml version="1.0" encoding="utf-8"?>
 <p:sld xmlns:a="http://schemas.openxmlformats.org/drawingml/2006/main" xmlns:r="http://schemas.openxmlformats.org/officeDocument/2006/relationships" xmlns:p="http://schemas.openxmlformats.org/presentationml/2006/main">
   <p:cSld>
+    <p:bg>
+      <p:bgPr>
+        <a:solidFill>
+          <a:schemeClr val="bg1"/>
+        </a:solidFill>
+        <a:effectLst/>
+      </p:bgPr>
+    </p:bg>
+    <p:spTree>
+      <p:nvGrpSpPr>
+        <p:cNvPr id="1" name=""/>
+        <p:cNvGrpSpPr/>
+        <p:nvPr/>
+      </p:nvGrpSpPr>
+      <p:grpSpPr>
+        <a:xfrm>
+          <a:off x="0" y="0"/>
+          <a:ext cx="0" cy="0"/>
+          <a:chOff x="0" y="0"/>
+          <a:chExt cx="0" cy="0"/>
+        </a:xfrm>
+      </p:grpSpPr>
+      <p:pic>
+        <p:nvPicPr>
+          <p:cNvPr id="43" name="Picture 42">
+            <a:extLst>
+              <a:ext uri="{FF2B5EF4-FFF2-40B4-BE49-F238E27FC236}">
+                <a16:creationId xmlns:a16="http://schemas.microsoft.com/office/drawing/2014/main" id="{FEE503B7-779D-4984-92F2-5525CCF1E97D}"/>
+              </a:ext>
+            </a:extLst>
+          </p:cNvPr>
+          <p:cNvPicPr>
+            <a:picLocks noChangeAspect="1"/>
+          </p:cNvPicPr>
+          <p:nvPr/>
+        </p:nvPicPr>
+        <p:blipFill>
+          <a:blip r:embed="rId2"/>
+          <a:stretch>
+            <a:fillRect/>
+          </a:stretch>
+        </p:blipFill>
+        <p:spPr>
+          <a:xfrm>
+            <a:off x="0" y="-26576"/>
+            <a:ext cx="12186443" cy="1401323"/>
+          </a:xfrm>
+          <a:prstGeom prst="rect">
+            <a:avLst/>
+          </a:prstGeom>
+        </p:spPr>
+      </p:pic>
+      <p:sp>
+        <p:nvSpPr>
+          <p:cNvPr id="2" name="Title 1">
+            <a:extLst>
+              <a:ext uri="{FF2B5EF4-FFF2-40B4-BE49-F238E27FC236}">
+                <a16:creationId xmlns:a16="http://schemas.microsoft.com/office/drawing/2014/main" id="{A73A5D8E-3007-4378-92E3-B7AC02C4DC95}"/>
+              </a:ext>
+            </a:extLst>
+          </p:cNvPr>
+          <p:cNvSpPr>
+            <a:spLocks noGrp="1"/>
+          </p:cNvSpPr>
+          <p:nvPr>
+            <p:ph type="title"/>
+          </p:nvPr>
+        </p:nvSpPr>
+        <p:spPr>
+          <a:xfrm>
+            <a:off x="843380" y="420624"/>
+            <a:ext cx="10910656" cy="506924"/>
+          </a:xfrm>
+        </p:spPr>
+        <p:txBody>
+          <a:bodyPr vert="horz" lIns="91440" tIns="45720" rIns="91440" bIns="45720" rtlCol="0" anchor="b">
+            <a:noAutofit/>
+          </a:bodyPr>
+          <a:lstStyle/>
+          <a:p>
+            <a:r>
+              <a:rPr lang="en-US" sz="4000" dirty="0">
+                <a:solidFill>
+                  <a:schemeClr val="bg1"/>
+                </a:solidFill>
+              </a:rPr>
+              <a:t>Title</a:t>
+            </a:r>
+          </a:p>
+        </p:txBody>
+      </p:sp>
+      <p:sp>
+        <p:nvSpPr>
+          <p:cNvPr id="3" name="Slide Number Placeholder 2">
+            <a:extLst>
+              <a:ext uri="{FF2B5EF4-FFF2-40B4-BE49-F238E27FC236}">
+                <a16:creationId xmlns:a16="http://schemas.microsoft.com/office/drawing/2014/main" id="{8CF058F1-2A0D-4AD0-A580-8FC9569FA4AD}"/>
+              </a:ext>
+            </a:extLst>
+          </p:cNvPr>
+          <p:cNvSpPr>
+            <a:spLocks noGrp="1"/>
+          </p:cNvSpPr>
+          <p:nvPr>
+            <p:ph type="sldNum" sz="quarter" idx="12"/>
+          </p:nvPr>
+        </p:nvSpPr>
+        <p:spPr>
+          <a:xfrm>
+            <a:off x="8610599" y="6356350"/>
+            <a:ext cx="3265967" cy="365125"/>
+          </a:xfrm>
+        </p:spPr>
+        <p:txBody>
+          <a:bodyPr/>
+          <a:lstStyle/>
+          <a:p>
+            <a:pPr marL="0" marR="0" lvl="0" indent="0" algn="r" defTabSz="914400" rtl="0" eaLnBrk="1" fontAlgn="auto" latinLnBrk="0" hangingPunct="1">
+              <a:lnSpc>
+                <a:spcPct val="100000"/>
+              </a:lnSpc>
+              <a:spcBef>
+                <a:spcPts val="0"/>
+              </a:spcBef>
+              <a:spcAft>
+                <a:spcPts val="0"/>
+              </a:spcAft>
+              <a:buClrTx/>
+              <a:buSzTx/>
+              <a:buFontTx/>
+              <a:buNone/>
+              <a:tabLst/>
+              <a:defRPr/>
+            </a:pPr>
+            <a:fld id="{E28A5A4C-58AC-4127-BE37-66A2AC9B423A}" type="slidenum">
+              <a:rPr kumimoji="0" lang="en-CA" sz="1600" b="0" i="0" u="none" strike="noStrike" kern="1200" cap="none" spc="0" normalizeH="0" baseline="0" noProof="0" smtClean="0">
+                <a:ln>
+                  <a:noFill/>
+                </a:ln>
+                <a:solidFill>
+                  <a:srgbClr val="338DCD"/>
+                </a:solidFill>
+                <a:effectLst/>
+                <a:uLnTx/>
+                <a:uFillTx/>
+                <a:latin typeface="Calibri" panose="020F0502020204030204"/>
+                <a:ea typeface="+mn-ea"/>
+                <a:cs typeface="+mn-cs"/>
+              </a:rPr>
+              <a:pPr marL="0" marR="0" lvl="0" indent="0" algn="r" defTabSz="914400" rtl="0" eaLnBrk="1" fontAlgn="auto" latinLnBrk="0" hangingPunct="1">
+                <a:lnSpc>
+                  <a:spcPct val="100000"/>
+                </a:lnSpc>
+                <a:spcBef>
+                  <a:spcPts val="0"/>
+                </a:spcBef>
+                <a:spcAft>
+                  <a:spcPts val="0"/>
+                </a:spcAft>
+                <a:buClrTx/>
+                <a:buSzTx/>
+                <a:buFontTx/>
+                <a:buNone/>
+                <a:tabLst/>
+                <a:defRPr/>
+              </a:pPr>
+              <a:t>30</a:t>
+            </a:fld>
+            <a:endParaRPr kumimoji="0" lang="en-CA" sz="1600" b="0" i="0" u="none" strike="noStrike" kern="1200" cap="none" spc="0" normalizeH="0" baseline="0" noProof="0" dirty="0">
+              <a:ln>
+                <a:noFill/>
+              </a:ln>
+              <a:solidFill>
+                <a:srgbClr val="338DCD"/>
+              </a:solidFill>
+              <a:effectLst/>
+              <a:uLnTx/>
+              <a:uFillTx/>
+              <a:latin typeface="Calibri" panose="020F0502020204030204"/>
+              <a:ea typeface="+mn-ea"/>
+              <a:cs typeface="+mn-cs"/>
+            </a:endParaRPr>
+          </a:p>
+        </p:txBody>
+      </p:sp>
+      <p:sp>
+        <p:nvSpPr>
+          <p:cNvPr id="16" name="Title 2">
+            <a:extLst>
+              <a:ext uri="{FF2B5EF4-FFF2-40B4-BE49-F238E27FC236}">
+                <a16:creationId xmlns:a16="http://schemas.microsoft.com/office/drawing/2014/main" id="{2FEE6315-C3EC-496D-B21A-4F02E3934B7F}"/>
+              </a:ext>
+            </a:extLst>
+          </p:cNvPr>
+          <p:cNvSpPr txBox="1">
+            <a:spLocks/>
+          </p:cNvSpPr>
+          <p:nvPr/>
+        </p:nvSpPr>
+        <p:spPr>
+          <a:xfrm>
+            <a:off x="835421" y="1877204"/>
+            <a:ext cx="10515600" cy="1325563"/>
+          </a:xfrm>
+          <a:prstGeom prst="rect">
+            <a:avLst/>
+          </a:prstGeom>
+        </p:spPr>
+        <p:txBody>
+          <a:bodyPr vert="horz" lIns="91440" tIns="45720" rIns="91440" bIns="45720" rtlCol="0" anchor="ctr">
+            <a:normAutofit/>
+          </a:bodyPr>
+          <a:lstStyle>
+            <a:lvl1pPr algn="l" defTabSz="914400" rtl="0" eaLnBrk="1" latinLnBrk="0" hangingPunct="1">
+              <a:lnSpc>
+                <a:spcPct val="90000"/>
+              </a:lnSpc>
+              <a:spcBef>
+                <a:spcPct val="0"/>
+              </a:spcBef>
+              <a:buNone/>
+              <a:defRPr sz="4400" kern="1200">
+                <a:solidFill>
+                  <a:schemeClr val="tx1"/>
+                </a:solidFill>
+                <a:latin typeface="+mj-lt"/>
+                <a:ea typeface="+mj-ea"/>
+                <a:cs typeface="+mj-cs"/>
+              </a:defRPr>
+            </a:lvl1pPr>
+          </a:lstStyle>
+          <a:p>
+            <a:r>
+              <a:rPr lang="en-CA" dirty="0"/>
+              <a:t>Fill in final model info</a:t>
+            </a:r>
+          </a:p>
+        </p:txBody>
+      </p:sp>
+    </p:spTree>
+    <p:extLst>
+      <p:ext uri="{BB962C8B-B14F-4D97-AF65-F5344CB8AC3E}">
+        <p14:creationId xmlns:p14="http://schemas.microsoft.com/office/powerpoint/2010/main" val="4177199914"/>
+      </p:ext>
+    </p:extLst>
+  </p:cSld>
+  <p:clrMapOvr>
+    <a:masterClrMapping/>
+  </p:clrMapOvr>
+</p:sld>
+</file>
+
+<file path=ppt/slides/slide31.xml><?xml version="1.0" encoding="utf-8"?>
+<p:sld xmlns:a="http://schemas.openxmlformats.org/drawingml/2006/main" xmlns:r="http://schemas.openxmlformats.org/officeDocument/2006/relationships" xmlns:p="http://schemas.openxmlformats.org/presentationml/2006/main">
+  <p:cSld>
+    <p:bg>
+      <p:bgPr>
+        <a:solidFill>
+          <a:schemeClr val="bg1"/>
+        </a:solidFill>
+        <a:effectLst/>
+      </p:bgPr>
+    </p:bg>
+    <p:spTree>
+      <p:nvGrpSpPr>
+        <p:cNvPr id="1" name=""/>
+        <p:cNvGrpSpPr/>
+        <p:nvPr/>
+      </p:nvGrpSpPr>
+      <p:grpSpPr>
+        <a:xfrm>
+          <a:off x="0" y="0"/>
+          <a:ext cx="0" cy="0"/>
+          <a:chOff x="0" y="0"/>
+          <a:chExt cx="0" cy="0"/>
+        </a:xfrm>
+      </p:grpSpPr>
+      <p:pic>
+        <p:nvPicPr>
+          <p:cNvPr id="43" name="Picture 42">
+            <a:extLst>
+              <a:ext uri="{FF2B5EF4-FFF2-40B4-BE49-F238E27FC236}">
+                <a16:creationId xmlns:a16="http://schemas.microsoft.com/office/drawing/2014/main" id="{FEE503B7-779D-4984-92F2-5525CCF1E97D}"/>
+              </a:ext>
+            </a:extLst>
+          </p:cNvPr>
+          <p:cNvPicPr>
+            <a:picLocks noChangeAspect="1"/>
+          </p:cNvPicPr>
+          <p:nvPr/>
+        </p:nvPicPr>
+        <p:blipFill>
+          <a:blip r:embed="rId2"/>
+          <a:stretch>
+            <a:fillRect/>
+          </a:stretch>
+        </p:blipFill>
+        <p:spPr>
+          <a:xfrm>
+            <a:off x="0" y="-26576"/>
+            <a:ext cx="12186443" cy="1401323"/>
+          </a:xfrm>
+          <a:prstGeom prst="rect">
+            <a:avLst/>
+          </a:prstGeom>
+        </p:spPr>
+      </p:pic>
+      <p:sp>
+        <p:nvSpPr>
+          <p:cNvPr id="2" name="Title 1">
+            <a:extLst>
+              <a:ext uri="{FF2B5EF4-FFF2-40B4-BE49-F238E27FC236}">
+                <a16:creationId xmlns:a16="http://schemas.microsoft.com/office/drawing/2014/main" id="{A73A5D8E-3007-4378-92E3-B7AC02C4DC95}"/>
+              </a:ext>
+            </a:extLst>
+          </p:cNvPr>
+          <p:cNvSpPr>
+            <a:spLocks noGrp="1"/>
+          </p:cNvSpPr>
+          <p:nvPr>
+            <p:ph type="title"/>
+          </p:nvPr>
+        </p:nvSpPr>
+        <p:spPr>
+          <a:xfrm>
+            <a:off x="843380" y="420624"/>
+            <a:ext cx="10910656" cy="506924"/>
+          </a:xfrm>
+        </p:spPr>
+        <p:txBody>
+          <a:bodyPr vert="horz" lIns="91440" tIns="45720" rIns="91440" bIns="45720" rtlCol="0" anchor="b">
+            <a:noAutofit/>
+          </a:bodyPr>
+          <a:lstStyle/>
+          <a:p>
+            <a:r>
+              <a:rPr lang="en-US" sz="4000" dirty="0">
+                <a:solidFill>
+                  <a:schemeClr val="bg1"/>
+                </a:solidFill>
+              </a:rPr>
+              <a:t>Title</a:t>
+            </a:r>
+          </a:p>
+        </p:txBody>
+      </p:sp>
+      <p:sp>
+        <p:nvSpPr>
+          <p:cNvPr id="3" name="Slide Number Placeholder 2">
+            <a:extLst>
+              <a:ext uri="{FF2B5EF4-FFF2-40B4-BE49-F238E27FC236}">
+                <a16:creationId xmlns:a16="http://schemas.microsoft.com/office/drawing/2014/main" id="{8CF058F1-2A0D-4AD0-A580-8FC9569FA4AD}"/>
+              </a:ext>
+            </a:extLst>
+          </p:cNvPr>
+          <p:cNvSpPr>
+            <a:spLocks noGrp="1"/>
+          </p:cNvSpPr>
+          <p:nvPr>
+            <p:ph type="sldNum" sz="quarter" idx="12"/>
+          </p:nvPr>
+        </p:nvSpPr>
+        <p:spPr>
+          <a:xfrm>
+            <a:off x="8610599" y="6356350"/>
+            <a:ext cx="3265967" cy="365125"/>
+          </a:xfrm>
+        </p:spPr>
+        <p:txBody>
+          <a:bodyPr/>
+          <a:lstStyle/>
+          <a:p>
+            <a:pPr marL="0" marR="0" lvl="0" indent="0" algn="r" defTabSz="914400" rtl="0" eaLnBrk="1" fontAlgn="auto" latinLnBrk="0" hangingPunct="1">
+              <a:lnSpc>
+                <a:spcPct val="100000"/>
+              </a:lnSpc>
+              <a:spcBef>
+                <a:spcPts val="0"/>
+              </a:spcBef>
+              <a:spcAft>
+                <a:spcPts val="0"/>
+              </a:spcAft>
+              <a:buClrTx/>
+              <a:buSzTx/>
+              <a:buFontTx/>
+              <a:buNone/>
+              <a:tabLst/>
+              <a:defRPr/>
+            </a:pPr>
+            <a:fld id="{E28A5A4C-58AC-4127-BE37-66A2AC9B423A}" type="slidenum">
+              <a:rPr kumimoji="0" lang="en-CA" sz="1600" b="0" i="0" u="none" strike="noStrike" kern="1200" cap="none" spc="0" normalizeH="0" baseline="0" noProof="0" smtClean="0">
+                <a:ln>
+                  <a:noFill/>
+                </a:ln>
+                <a:solidFill>
+                  <a:srgbClr val="338DCD"/>
+                </a:solidFill>
+                <a:effectLst/>
+                <a:uLnTx/>
+                <a:uFillTx/>
+                <a:latin typeface="Calibri" panose="020F0502020204030204"/>
+                <a:ea typeface="+mn-ea"/>
+                <a:cs typeface="+mn-cs"/>
+              </a:rPr>
+              <a:pPr marL="0" marR="0" lvl="0" indent="0" algn="r" defTabSz="914400" rtl="0" eaLnBrk="1" fontAlgn="auto" latinLnBrk="0" hangingPunct="1">
+                <a:lnSpc>
+                  <a:spcPct val="100000"/>
+                </a:lnSpc>
+                <a:spcBef>
+                  <a:spcPts val="0"/>
+                </a:spcBef>
+                <a:spcAft>
+                  <a:spcPts val="0"/>
+                </a:spcAft>
+                <a:buClrTx/>
+                <a:buSzTx/>
+                <a:buFontTx/>
+                <a:buNone/>
+                <a:tabLst/>
+                <a:defRPr/>
+              </a:pPr>
+              <a:t>31</a:t>
+            </a:fld>
+            <a:endParaRPr kumimoji="0" lang="en-CA" sz="1600" b="0" i="0" u="none" strike="noStrike" kern="1200" cap="none" spc="0" normalizeH="0" baseline="0" noProof="0" dirty="0">
+              <a:ln>
+                <a:noFill/>
+              </a:ln>
+              <a:solidFill>
+                <a:srgbClr val="338DCD"/>
+              </a:solidFill>
+              <a:effectLst/>
+              <a:uLnTx/>
+              <a:uFillTx/>
+              <a:latin typeface="Calibri" panose="020F0502020204030204"/>
+              <a:ea typeface="+mn-ea"/>
+              <a:cs typeface="+mn-cs"/>
+            </a:endParaRPr>
+          </a:p>
+        </p:txBody>
+      </p:sp>
+      <p:sp>
+        <p:nvSpPr>
+          <p:cNvPr id="16" name="Title 2">
+            <a:extLst>
+              <a:ext uri="{FF2B5EF4-FFF2-40B4-BE49-F238E27FC236}">
+                <a16:creationId xmlns:a16="http://schemas.microsoft.com/office/drawing/2014/main" id="{2FEE6315-C3EC-496D-B21A-4F02E3934B7F}"/>
+              </a:ext>
+            </a:extLst>
+          </p:cNvPr>
+          <p:cNvSpPr txBox="1">
+            <a:spLocks/>
+          </p:cNvSpPr>
+          <p:nvPr/>
+        </p:nvSpPr>
+        <p:spPr>
+          <a:xfrm>
+            <a:off x="835421" y="1877204"/>
+            <a:ext cx="10515600" cy="1325563"/>
+          </a:xfrm>
+          <a:prstGeom prst="rect">
+            <a:avLst/>
+          </a:prstGeom>
+        </p:spPr>
+        <p:txBody>
+          <a:bodyPr vert="horz" lIns="91440" tIns="45720" rIns="91440" bIns="45720" rtlCol="0" anchor="ctr">
+            <a:normAutofit/>
+          </a:bodyPr>
+          <a:lstStyle>
+            <a:lvl1pPr algn="l" defTabSz="914400" rtl="0" eaLnBrk="1" latinLnBrk="0" hangingPunct="1">
+              <a:lnSpc>
+                <a:spcPct val="90000"/>
+              </a:lnSpc>
+              <a:spcBef>
+                <a:spcPct val="0"/>
+              </a:spcBef>
+              <a:buNone/>
+              <a:defRPr sz="4400" kern="1200">
+                <a:solidFill>
+                  <a:schemeClr val="tx1"/>
+                </a:solidFill>
+                <a:latin typeface="+mj-lt"/>
+                <a:ea typeface="+mj-ea"/>
+                <a:cs typeface="+mj-cs"/>
+              </a:defRPr>
+            </a:lvl1pPr>
+          </a:lstStyle>
+          <a:p>
+            <a:r>
+              <a:rPr lang="en-CA" dirty="0"/>
+              <a:t>Fill in final model info</a:t>
+            </a:r>
+          </a:p>
+        </p:txBody>
+      </p:sp>
+    </p:spTree>
+    <p:extLst>
+      <p:ext uri="{BB962C8B-B14F-4D97-AF65-F5344CB8AC3E}">
+        <p14:creationId xmlns:p14="http://schemas.microsoft.com/office/powerpoint/2010/main" val="4029739456"/>
+      </p:ext>
+    </p:extLst>
+  </p:cSld>
+  <p:clrMapOvr>
+    <a:masterClrMapping/>
+  </p:clrMapOvr>
+</p:sld>
+</file>
+
+<file path=ppt/slides/slide32.xml><?xml version="1.0" encoding="utf-8"?>
+<p:sld xmlns:a="http://schemas.openxmlformats.org/drawingml/2006/main" xmlns:r="http://schemas.openxmlformats.org/officeDocument/2006/relationships" xmlns:p="http://schemas.openxmlformats.org/presentationml/2006/main">
+  <p:cSld>
+    <p:bg>
+      <p:bgPr>
+        <a:solidFill>
+          <a:schemeClr val="bg1"/>
+        </a:solidFill>
+        <a:effectLst/>
+      </p:bgPr>
+    </p:bg>
+    <p:spTree>
+      <p:nvGrpSpPr>
+        <p:cNvPr id="1" name=""/>
+        <p:cNvGrpSpPr/>
+        <p:nvPr/>
+      </p:nvGrpSpPr>
+      <p:grpSpPr>
+        <a:xfrm>
+          <a:off x="0" y="0"/>
+          <a:ext cx="0" cy="0"/>
+          <a:chOff x="0" y="0"/>
+          <a:chExt cx="0" cy="0"/>
+        </a:xfrm>
+      </p:grpSpPr>
+      <p:pic>
+        <p:nvPicPr>
+          <p:cNvPr id="43" name="Picture 42">
+            <a:extLst>
+              <a:ext uri="{FF2B5EF4-FFF2-40B4-BE49-F238E27FC236}">
+                <a16:creationId xmlns:a16="http://schemas.microsoft.com/office/drawing/2014/main" id="{FEE503B7-779D-4984-92F2-5525CCF1E97D}"/>
+              </a:ext>
+            </a:extLst>
+          </p:cNvPr>
+          <p:cNvPicPr>
+            <a:picLocks noChangeAspect="1"/>
+          </p:cNvPicPr>
+          <p:nvPr/>
+        </p:nvPicPr>
+        <p:blipFill>
+          <a:blip r:embed="rId2"/>
+          <a:stretch>
+            <a:fillRect/>
+          </a:stretch>
+        </p:blipFill>
+        <p:spPr>
+          <a:xfrm>
+            <a:off x="0" y="-26576"/>
+            <a:ext cx="12186443" cy="1401323"/>
+          </a:xfrm>
+          <a:prstGeom prst="rect">
+            <a:avLst/>
+          </a:prstGeom>
+        </p:spPr>
+      </p:pic>
+      <p:sp>
+        <p:nvSpPr>
+          <p:cNvPr id="2" name="Title 1">
+            <a:extLst>
+              <a:ext uri="{FF2B5EF4-FFF2-40B4-BE49-F238E27FC236}">
+                <a16:creationId xmlns:a16="http://schemas.microsoft.com/office/drawing/2014/main" id="{A73A5D8E-3007-4378-92E3-B7AC02C4DC95}"/>
+              </a:ext>
+            </a:extLst>
+          </p:cNvPr>
+          <p:cNvSpPr>
+            <a:spLocks noGrp="1"/>
+          </p:cNvSpPr>
+          <p:nvPr>
+            <p:ph type="title"/>
+          </p:nvPr>
+        </p:nvSpPr>
+        <p:spPr>
+          <a:xfrm>
+            <a:off x="843380" y="420624"/>
+            <a:ext cx="10910656" cy="506924"/>
+          </a:xfrm>
+        </p:spPr>
+        <p:txBody>
+          <a:bodyPr vert="horz" lIns="91440" tIns="45720" rIns="91440" bIns="45720" rtlCol="0" anchor="b">
+            <a:noAutofit/>
+          </a:bodyPr>
+          <a:lstStyle/>
+          <a:p>
+            <a:r>
+              <a:rPr lang="en-US" sz="4000" dirty="0">
+                <a:solidFill>
+                  <a:schemeClr val="bg1"/>
+                </a:solidFill>
+              </a:rPr>
+              <a:t>Title</a:t>
+            </a:r>
+          </a:p>
+        </p:txBody>
+      </p:sp>
+      <p:sp>
+        <p:nvSpPr>
+          <p:cNvPr id="3" name="Slide Number Placeholder 2">
+            <a:extLst>
+              <a:ext uri="{FF2B5EF4-FFF2-40B4-BE49-F238E27FC236}">
+                <a16:creationId xmlns:a16="http://schemas.microsoft.com/office/drawing/2014/main" id="{8CF058F1-2A0D-4AD0-A580-8FC9569FA4AD}"/>
+              </a:ext>
+            </a:extLst>
+          </p:cNvPr>
+          <p:cNvSpPr>
+            <a:spLocks noGrp="1"/>
+          </p:cNvSpPr>
+          <p:nvPr>
+            <p:ph type="sldNum" sz="quarter" idx="12"/>
+          </p:nvPr>
+        </p:nvSpPr>
+        <p:spPr>
+          <a:xfrm>
+            <a:off x="8610599" y="6356350"/>
+            <a:ext cx="3265967" cy="365125"/>
+          </a:xfrm>
+        </p:spPr>
+        <p:txBody>
+          <a:bodyPr/>
+          <a:lstStyle/>
+          <a:p>
+            <a:pPr marL="0" marR="0" lvl="0" indent="0" algn="r" defTabSz="914400" rtl="0" eaLnBrk="1" fontAlgn="auto" latinLnBrk="0" hangingPunct="1">
+              <a:lnSpc>
+                <a:spcPct val="100000"/>
+              </a:lnSpc>
+              <a:spcBef>
+                <a:spcPts val="0"/>
+              </a:spcBef>
+              <a:spcAft>
+                <a:spcPts val="0"/>
+              </a:spcAft>
+              <a:buClrTx/>
+              <a:buSzTx/>
+              <a:buFontTx/>
+              <a:buNone/>
+              <a:tabLst/>
+              <a:defRPr/>
+            </a:pPr>
+            <a:fld id="{E28A5A4C-58AC-4127-BE37-66A2AC9B423A}" type="slidenum">
+              <a:rPr kumimoji="0" lang="en-CA" sz="1600" b="0" i="0" u="none" strike="noStrike" kern="1200" cap="none" spc="0" normalizeH="0" baseline="0" noProof="0" smtClean="0">
+                <a:ln>
+                  <a:noFill/>
+                </a:ln>
+                <a:solidFill>
+                  <a:srgbClr val="338DCD"/>
+                </a:solidFill>
+                <a:effectLst/>
+                <a:uLnTx/>
+                <a:uFillTx/>
+                <a:latin typeface="Calibri" panose="020F0502020204030204"/>
+                <a:ea typeface="+mn-ea"/>
+                <a:cs typeface="+mn-cs"/>
+              </a:rPr>
+              <a:pPr marL="0" marR="0" lvl="0" indent="0" algn="r" defTabSz="914400" rtl="0" eaLnBrk="1" fontAlgn="auto" latinLnBrk="0" hangingPunct="1">
+                <a:lnSpc>
+                  <a:spcPct val="100000"/>
+                </a:lnSpc>
+                <a:spcBef>
+                  <a:spcPts val="0"/>
+                </a:spcBef>
+                <a:spcAft>
+                  <a:spcPts val="0"/>
+                </a:spcAft>
+                <a:buClrTx/>
+                <a:buSzTx/>
+                <a:buFontTx/>
+                <a:buNone/>
+                <a:tabLst/>
+                <a:defRPr/>
+              </a:pPr>
+              <a:t>32</a:t>
+            </a:fld>
+            <a:endParaRPr kumimoji="0" lang="en-CA" sz="1600" b="0" i="0" u="none" strike="noStrike" kern="1200" cap="none" spc="0" normalizeH="0" baseline="0" noProof="0" dirty="0">
+              <a:ln>
+                <a:noFill/>
+              </a:ln>
+              <a:solidFill>
+                <a:srgbClr val="338DCD"/>
+              </a:solidFill>
+              <a:effectLst/>
+              <a:uLnTx/>
+              <a:uFillTx/>
+              <a:latin typeface="Calibri" panose="020F0502020204030204"/>
+              <a:ea typeface="+mn-ea"/>
+              <a:cs typeface="+mn-cs"/>
+            </a:endParaRPr>
+          </a:p>
+        </p:txBody>
+      </p:sp>
+      <p:sp>
+        <p:nvSpPr>
+          <p:cNvPr id="16" name="Title 2">
+            <a:extLst>
+              <a:ext uri="{FF2B5EF4-FFF2-40B4-BE49-F238E27FC236}">
+                <a16:creationId xmlns:a16="http://schemas.microsoft.com/office/drawing/2014/main" id="{2FEE6315-C3EC-496D-B21A-4F02E3934B7F}"/>
+              </a:ext>
+            </a:extLst>
+          </p:cNvPr>
+          <p:cNvSpPr txBox="1">
+            <a:spLocks/>
+          </p:cNvSpPr>
+          <p:nvPr/>
+        </p:nvSpPr>
+        <p:spPr>
+          <a:xfrm>
+            <a:off x="835421" y="1877204"/>
+            <a:ext cx="10515600" cy="1325563"/>
+          </a:xfrm>
+          <a:prstGeom prst="rect">
+            <a:avLst/>
+          </a:prstGeom>
+        </p:spPr>
+        <p:txBody>
+          <a:bodyPr vert="horz" lIns="91440" tIns="45720" rIns="91440" bIns="45720" rtlCol="0" anchor="ctr">
+            <a:normAutofit/>
+          </a:bodyPr>
+          <a:lstStyle>
+            <a:lvl1pPr algn="l" defTabSz="914400" rtl="0" eaLnBrk="1" latinLnBrk="0" hangingPunct="1">
+              <a:lnSpc>
+                <a:spcPct val="90000"/>
+              </a:lnSpc>
+              <a:spcBef>
+                <a:spcPct val="0"/>
+              </a:spcBef>
+              <a:buNone/>
+              <a:defRPr sz="4400" kern="1200">
+                <a:solidFill>
+                  <a:schemeClr val="tx1"/>
+                </a:solidFill>
+                <a:latin typeface="+mj-lt"/>
+                <a:ea typeface="+mj-ea"/>
+                <a:cs typeface="+mj-cs"/>
+              </a:defRPr>
+            </a:lvl1pPr>
+          </a:lstStyle>
+          <a:p>
+            <a:r>
+              <a:rPr lang="en-CA" dirty="0"/>
+              <a:t>Fill in final model info</a:t>
+            </a:r>
+          </a:p>
+        </p:txBody>
+      </p:sp>
+    </p:spTree>
+    <p:extLst>
+      <p:ext uri="{BB962C8B-B14F-4D97-AF65-F5344CB8AC3E}">
+        <p14:creationId xmlns:p14="http://schemas.microsoft.com/office/powerpoint/2010/main" val="3698179607"/>
+      </p:ext>
+    </p:extLst>
+  </p:cSld>
+  <p:clrMapOvr>
+    <a:masterClrMapping/>
+  </p:clrMapOvr>
+</p:sld>
+</file>
+
+<file path=ppt/slides/slide33.xml><?xml version="1.0" encoding="utf-8"?>
+<p:sld xmlns:a="http://schemas.openxmlformats.org/drawingml/2006/main" xmlns:r="http://schemas.openxmlformats.org/officeDocument/2006/relationships" xmlns:p="http://schemas.openxmlformats.org/presentationml/2006/main">
+  <p:cSld>
+    <p:bg>
+      <p:bgPr>
+        <a:solidFill>
+          <a:schemeClr val="bg1"/>
+        </a:solidFill>
+        <a:effectLst/>
+      </p:bgPr>
+    </p:bg>
+    <p:spTree>
+      <p:nvGrpSpPr>
+        <p:cNvPr id="1" name=""/>
+        <p:cNvGrpSpPr/>
+        <p:nvPr/>
+      </p:nvGrpSpPr>
+      <p:grpSpPr>
+        <a:xfrm>
+          <a:off x="0" y="0"/>
+          <a:ext cx="0" cy="0"/>
+          <a:chOff x="0" y="0"/>
+          <a:chExt cx="0" cy="0"/>
+        </a:xfrm>
+      </p:grpSpPr>
+      <p:pic>
+        <p:nvPicPr>
+          <p:cNvPr id="43" name="Picture 42">
+            <a:extLst>
+              <a:ext uri="{FF2B5EF4-FFF2-40B4-BE49-F238E27FC236}">
+                <a16:creationId xmlns:a16="http://schemas.microsoft.com/office/drawing/2014/main" id="{FEE503B7-779D-4984-92F2-5525CCF1E97D}"/>
+              </a:ext>
+            </a:extLst>
+          </p:cNvPr>
+          <p:cNvPicPr>
+            <a:picLocks noChangeAspect="1"/>
+          </p:cNvPicPr>
+          <p:nvPr/>
+        </p:nvPicPr>
+        <p:blipFill>
+          <a:blip r:embed="rId2"/>
+          <a:stretch>
+            <a:fillRect/>
+          </a:stretch>
+        </p:blipFill>
+        <p:spPr>
+          <a:xfrm>
+            <a:off x="0" y="-26576"/>
+            <a:ext cx="12186443" cy="1401323"/>
+          </a:xfrm>
+          <a:prstGeom prst="rect">
+            <a:avLst/>
+          </a:prstGeom>
+        </p:spPr>
+      </p:pic>
+      <p:sp>
+        <p:nvSpPr>
+          <p:cNvPr id="2" name="Title 1">
+            <a:extLst>
+              <a:ext uri="{FF2B5EF4-FFF2-40B4-BE49-F238E27FC236}">
+                <a16:creationId xmlns:a16="http://schemas.microsoft.com/office/drawing/2014/main" id="{A73A5D8E-3007-4378-92E3-B7AC02C4DC95}"/>
+              </a:ext>
+            </a:extLst>
+          </p:cNvPr>
+          <p:cNvSpPr>
+            <a:spLocks noGrp="1"/>
+          </p:cNvSpPr>
+          <p:nvPr>
+            <p:ph type="title"/>
+          </p:nvPr>
+        </p:nvSpPr>
+        <p:spPr>
+          <a:xfrm>
+            <a:off x="843380" y="420624"/>
+            <a:ext cx="10910656" cy="506924"/>
+          </a:xfrm>
+        </p:spPr>
+        <p:txBody>
+          <a:bodyPr vert="horz" lIns="91440" tIns="45720" rIns="91440" bIns="45720" rtlCol="0" anchor="b">
+            <a:noAutofit/>
+          </a:bodyPr>
+          <a:lstStyle/>
+          <a:p>
+            <a:r>
+              <a:rPr lang="en-US" sz="4000" dirty="0">
+                <a:solidFill>
+                  <a:schemeClr val="bg1"/>
+                </a:solidFill>
+              </a:rPr>
+              <a:t>Title</a:t>
+            </a:r>
+          </a:p>
+        </p:txBody>
+      </p:sp>
+      <p:sp>
+        <p:nvSpPr>
+          <p:cNvPr id="3" name="Slide Number Placeholder 2">
+            <a:extLst>
+              <a:ext uri="{FF2B5EF4-FFF2-40B4-BE49-F238E27FC236}">
+                <a16:creationId xmlns:a16="http://schemas.microsoft.com/office/drawing/2014/main" id="{8CF058F1-2A0D-4AD0-A580-8FC9569FA4AD}"/>
+              </a:ext>
+            </a:extLst>
+          </p:cNvPr>
+          <p:cNvSpPr>
+            <a:spLocks noGrp="1"/>
+          </p:cNvSpPr>
+          <p:nvPr>
+            <p:ph type="sldNum" sz="quarter" idx="12"/>
+          </p:nvPr>
+        </p:nvSpPr>
+        <p:spPr>
+          <a:xfrm>
+            <a:off x="8610599" y="6356350"/>
+            <a:ext cx="3265967" cy="365125"/>
+          </a:xfrm>
+        </p:spPr>
+        <p:txBody>
+          <a:bodyPr/>
+          <a:lstStyle/>
+          <a:p>
+            <a:pPr marL="0" marR="0" lvl="0" indent="0" algn="r" defTabSz="914400" rtl="0" eaLnBrk="1" fontAlgn="auto" latinLnBrk="0" hangingPunct="1">
+              <a:lnSpc>
+                <a:spcPct val="100000"/>
+              </a:lnSpc>
+              <a:spcBef>
+                <a:spcPts val="0"/>
+              </a:spcBef>
+              <a:spcAft>
+                <a:spcPts val="0"/>
+              </a:spcAft>
+              <a:buClrTx/>
+              <a:buSzTx/>
+              <a:buFontTx/>
+              <a:buNone/>
+              <a:tabLst/>
+              <a:defRPr/>
+            </a:pPr>
+            <a:fld id="{E28A5A4C-58AC-4127-BE37-66A2AC9B423A}" type="slidenum">
+              <a:rPr kumimoji="0" lang="en-CA" sz="1600" b="0" i="0" u="none" strike="noStrike" kern="1200" cap="none" spc="0" normalizeH="0" baseline="0" noProof="0" smtClean="0">
+                <a:ln>
+                  <a:noFill/>
+                </a:ln>
+                <a:solidFill>
+                  <a:srgbClr val="338DCD"/>
+                </a:solidFill>
+                <a:effectLst/>
+                <a:uLnTx/>
+                <a:uFillTx/>
+                <a:latin typeface="Calibri" panose="020F0502020204030204"/>
+                <a:ea typeface="+mn-ea"/>
+                <a:cs typeface="+mn-cs"/>
+              </a:rPr>
+              <a:pPr marL="0" marR="0" lvl="0" indent="0" algn="r" defTabSz="914400" rtl="0" eaLnBrk="1" fontAlgn="auto" latinLnBrk="0" hangingPunct="1">
+                <a:lnSpc>
+                  <a:spcPct val="100000"/>
+                </a:lnSpc>
+                <a:spcBef>
+                  <a:spcPts val="0"/>
+                </a:spcBef>
+                <a:spcAft>
+                  <a:spcPts val="0"/>
+                </a:spcAft>
+                <a:buClrTx/>
+                <a:buSzTx/>
+                <a:buFontTx/>
+                <a:buNone/>
+                <a:tabLst/>
+                <a:defRPr/>
+              </a:pPr>
+              <a:t>33</a:t>
+            </a:fld>
+            <a:endParaRPr kumimoji="0" lang="en-CA" sz="1600" b="0" i="0" u="none" strike="noStrike" kern="1200" cap="none" spc="0" normalizeH="0" baseline="0" noProof="0" dirty="0">
+              <a:ln>
+                <a:noFill/>
+              </a:ln>
+              <a:solidFill>
+                <a:srgbClr val="338DCD"/>
+              </a:solidFill>
+              <a:effectLst/>
+              <a:uLnTx/>
+              <a:uFillTx/>
+              <a:latin typeface="Calibri" panose="020F0502020204030204"/>
+              <a:ea typeface="+mn-ea"/>
+              <a:cs typeface="+mn-cs"/>
+            </a:endParaRPr>
+          </a:p>
+        </p:txBody>
+      </p:sp>
+      <p:sp>
+        <p:nvSpPr>
+          <p:cNvPr id="16" name="Title 2">
+            <a:extLst>
+              <a:ext uri="{FF2B5EF4-FFF2-40B4-BE49-F238E27FC236}">
+                <a16:creationId xmlns:a16="http://schemas.microsoft.com/office/drawing/2014/main" id="{2FEE6315-C3EC-496D-B21A-4F02E3934B7F}"/>
+              </a:ext>
+            </a:extLst>
+          </p:cNvPr>
+          <p:cNvSpPr txBox="1">
+            <a:spLocks/>
+          </p:cNvSpPr>
+          <p:nvPr/>
+        </p:nvSpPr>
+        <p:spPr>
+          <a:xfrm>
+            <a:off x="835421" y="1877204"/>
+            <a:ext cx="10515600" cy="1325563"/>
+          </a:xfrm>
+          <a:prstGeom prst="rect">
+            <a:avLst/>
+          </a:prstGeom>
+        </p:spPr>
+        <p:txBody>
+          <a:bodyPr vert="horz" lIns="91440" tIns="45720" rIns="91440" bIns="45720" rtlCol="0" anchor="ctr">
+            <a:normAutofit/>
+          </a:bodyPr>
+          <a:lstStyle>
+            <a:lvl1pPr algn="l" defTabSz="914400" rtl="0" eaLnBrk="1" latinLnBrk="0" hangingPunct="1">
+              <a:lnSpc>
+                <a:spcPct val="90000"/>
+              </a:lnSpc>
+              <a:spcBef>
+                <a:spcPct val="0"/>
+              </a:spcBef>
+              <a:buNone/>
+              <a:defRPr sz="4400" kern="1200">
+                <a:solidFill>
+                  <a:schemeClr val="tx1"/>
+                </a:solidFill>
+                <a:latin typeface="+mj-lt"/>
+                <a:ea typeface="+mj-ea"/>
+                <a:cs typeface="+mj-cs"/>
+              </a:defRPr>
+            </a:lvl1pPr>
+          </a:lstStyle>
+          <a:p>
+            <a:r>
+              <a:rPr lang="en-CA" dirty="0"/>
+              <a:t>Fill in final model info</a:t>
+            </a:r>
+          </a:p>
+        </p:txBody>
+      </p:sp>
+    </p:spTree>
+    <p:extLst>
+      <p:ext uri="{BB962C8B-B14F-4D97-AF65-F5344CB8AC3E}">
+        <p14:creationId xmlns:p14="http://schemas.microsoft.com/office/powerpoint/2010/main" val="1830213289"/>
+      </p:ext>
+    </p:extLst>
+  </p:cSld>
+  <p:clrMapOvr>
+    <a:masterClrMapping/>
+  </p:clrMapOvr>
+</p:sld>
+</file>
+
+<file path=ppt/slides/slide34.xml><?xml version="1.0" encoding="utf-8"?>
+<p:sld xmlns:a="http://schemas.openxmlformats.org/drawingml/2006/main" xmlns:r="http://schemas.openxmlformats.org/officeDocument/2006/relationships" xmlns:p="http://schemas.openxmlformats.org/presentationml/2006/main">
+  <p:cSld>
     <p:spTree>
       <p:nvGrpSpPr>
         <p:cNvPr id="1" name=""/>
@@ -28613,7 +29641,7 @@
                 </a:solidFill>
               </a:rPr>
               <a:pPr/>
-              <a:t>30</a:t>
+              <a:t>34</a:t>
             </a:fld>
             <a:endParaRPr lang="en-CA" sz="1600" dirty="0">
               <a:solidFill>
@@ -28636,7 +29664,7 @@
 </p:sld>
 </file>
 
-<file path=ppt/slides/slide31.xml><?xml version="1.0" encoding="utf-8"?>
+<file path=ppt/slides/slide35.xml><?xml version="1.0" encoding="utf-8"?>
 <p:sld xmlns:a="http://schemas.openxmlformats.org/drawingml/2006/main" xmlns:r="http://schemas.openxmlformats.org/officeDocument/2006/relationships" xmlns:p="http://schemas.openxmlformats.org/presentationml/2006/main">
   <p:cSld>
     <p:spTree>
@@ -28797,7 +29825,7 @@
                 <a:tabLst/>
                 <a:defRPr/>
               </a:pPr>
-              <a:t>31</a:t>
+              <a:t>35</a:t>
             </a:fld>
             <a:endParaRPr kumimoji="0" lang="en-CA" sz="1600" b="0" i="0" u="none" strike="noStrike" kern="1200" cap="none" spc="0" normalizeH="0" baseline="0" noProof="0" dirty="0">
               <a:ln>
@@ -28883,7 +29911,7 @@
 </p:sld>
 </file>
 
-<file path=ppt/slides/slide32.xml><?xml version="1.0" encoding="utf-8"?>
+<file path=ppt/slides/slide36.xml><?xml version="1.0" encoding="utf-8"?>
 <p:sld xmlns:a="http://schemas.openxmlformats.org/drawingml/2006/main" xmlns:r="http://schemas.openxmlformats.org/officeDocument/2006/relationships" xmlns:p="http://schemas.openxmlformats.org/presentationml/2006/main">
   <p:cSld>
     <p:spTree>
@@ -28948,7 +29976,7 @@
         </p:nvSpPr>
         <p:spPr>
           <a:xfrm>
-            <a:off x="843380" y="480299"/>
+            <a:off x="843380" y="420624"/>
             <a:ext cx="10910656" cy="506924"/>
           </a:xfrm>
         </p:spPr>
@@ -28964,7 +29992,7 @@
                   <a:schemeClr val="bg1"/>
                 </a:solidFill>
               </a:rPr>
-              <a:t>Future Work</a:t>
+              <a:t>Title</a:t>
             </a:r>
           </a:p>
         </p:txBody>
@@ -29044,7 +30072,7 @@
                 <a:tabLst/>
                 <a:defRPr/>
               </a:pPr>
-              <a:t>32</a:t>
+              <a:t>36</a:t>
             </a:fld>
             <a:endParaRPr kumimoji="0" lang="en-CA" sz="1600" b="0" i="0" u="none" strike="noStrike" kern="1200" cap="none" spc="0" normalizeH="0" baseline="0" noProof="0" dirty="0">
               <a:ln>
@@ -29065,175 +30093,62 @@
       </p:sp>
       <p:sp>
         <p:nvSpPr>
-          <p:cNvPr id="7" name="TextBox 6">
+          <p:cNvPr id="16" name="Title 2">
             <a:extLst>
               <a:ext uri="{FF2B5EF4-FFF2-40B4-BE49-F238E27FC236}">
-                <a16:creationId xmlns:a16="http://schemas.microsoft.com/office/drawing/2014/main" id="{A724120D-E930-4DDA-BA58-C494FBFD9EA2}"/>
+                <a16:creationId xmlns:a16="http://schemas.microsoft.com/office/drawing/2014/main" id="{2FEE6315-C3EC-496D-B21A-4F02E3934B7F}"/>
               </a:ext>
             </a:extLst>
           </p:cNvPr>
-          <p:cNvSpPr txBox="1"/>
+          <p:cNvSpPr txBox="1">
+            <a:spLocks/>
+          </p:cNvSpPr>
           <p:nvPr/>
         </p:nvSpPr>
         <p:spPr>
           <a:xfrm>
-            <a:off x="843380" y="1672941"/>
-            <a:ext cx="10810356" cy="2862322"/>
-          </a:xfrm>
-          <a:prstGeom prst="rect">
-            <a:avLst/>
-          </a:prstGeom>
-          <a:noFill/>
-        </p:spPr>
-        <p:txBody>
-          <a:bodyPr wrap="square">
-            <a:spAutoFit/>
-          </a:bodyPr>
-          <a:lstStyle/>
-          <a:p>
-            <a:pPr marL="342900" indent="-342900" algn="just">
-              <a:buFontTx/>
-              <a:buChar char="-"/>
-            </a:pPr>
-            <a:r>
-              <a:rPr lang="en-CA" sz="1800" dirty="0">
-                <a:solidFill>
-                  <a:srgbClr val="0070C0"/>
-                </a:solidFill>
-              </a:rPr>
-              <a:t>When computing resources available, add back ‘model’ column to increase prediction accuracy</a:t>
-            </a:r>
-          </a:p>
-          <a:p>
-            <a:pPr marL="342900" indent="-342900" algn="just">
-              <a:buFontTx/>
-              <a:buChar char="-"/>
-            </a:pPr>
-            <a:endParaRPr lang="en-CA" sz="1800" dirty="0">
-              <a:solidFill>
-                <a:srgbClr val="0070C0"/>
-              </a:solidFill>
-            </a:endParaRPr>
-          </a:p>
-          <a:p>
-            <a:pPr marL="342900" indent="-342900" algn="just">
-              <a:buFontTx/>
-              <a:buChar char="-"/>
-            </a:pPr>
-            <a:r>
-              <a:rPr lang="en-CA" sz="1800" dirty="0">
-                <a:solidFill>
-                  <a:srgbClr val="0070C0"/>
-                </a:solidFill>
-              </a:rPr>
-              <a:t>Further Feature Engineering Tasks to reduce the model complexity while maintaining accuracy</a:t>
-            </a:r>
-          </a:p>
-          <a:p>
-            <a:pPr marL="342900" indent="-342900" algn="just">
-              <a:buFontTx/>
-              <a:buChar char="-"/>
-            </a:pPr>
-            <a:endParaRPr lang="en-CA" sz="1800" dirty="0">
-              <a:solidFill>
-                <a:srgbClr val="0070C0"/>
-              </a:solidFill>
-            </a:endParaRPr>
-          </a:p>
-          <a:p>
-            <a:pPr marL="342900" indent="-342900" algn="just">
-              <a:buFontTx/>
-              <a:buChar char="-"/>
-            </a:pPr>
-            <a:r>
-              <a:rPr lang="en-CA" sz="1800" dirty="0">
-                <a:solidFill>
-                  <a:srgbClr val="0070C0"/>
-                </a:solidFill>
-              </a:rPr>
-              <a:t>Perform ELT: load big datafile onto Data Base and use cloud resources to query and perform transformation and load back clean data sets. Right now we are using Google Drive.</a:t>
-            </a:r>
-          </a:p>
-          <a:p>
-            <a:pPr marL="342900" indent="-342900" algn="just">
-              <a:buFontTx/>
-              <a:buChar char="-"/>
-            </a:pPr>
-            <a:endParaRPr lang="en-CA" sz="1800" dirty="0">
-              <a:solidFill>
-                <a:srgbClr val="0070C0"/>
-              </a:solidFill>
-            </a:endParaRPr>
-          </a:p>
-          <a:p>
-            <a:pPr marL="342900" indent="-342900" algn="just">
-              <a:buFontTx/>
-              <a:buChar char="-"/>
-            </a:pPr>
-            <a:endParaRPr lang="en-CA" sz="1800" dirty="0">
-              <a:solidFill>
-                <a:srgbClr val="0070C0"/>
-              </a:solidFill>
-            </a:endParaRPr>
-          </a:p>
-          <a:p>
-            <a:pPr marL="342900" indent="-342900" algn="just">
-              <a:buFontTx/>
-              <a:buChar char="-"/>
-            </a:pPr>
-            <a:endParaRPr lang="en-CA" sz="1800" dirty="0">
-              <a:solidFill>
-                <a:srgbClr val="0070C0"/>
-              </a:solidFill>
-            </a:endParaRPr>
-          </a:p>
-          <a:p>
-            <a:pPr marL="342900" indent="-342900" algn="just">
-              <a:buFontTx/>
-              <a:buChar char="-"/>
-            </a:pPr>
-            <a:endParaRPr lang="en-CA" sz="1800" dirty="0">
-              <a:solidFill>
-                <a:srgbClr val="0070C0"/>
-              </a:solidFill>
-            </a:endParaRPr>
-          </a:p>
-        </p:txBody>
-      </p:sp>
-      <p:pic>
-        <p:nvPicPr>
-          <p:cNvPr id="8" name="Picture 7">
-            <a:extLst>
-              <a:ext uri="{FF2B5EF4-FFF2-40B4-BE49-F238E27FC236}">
-                <a16:creationId xmlns:a16="http://schemas.microsoft.com/office/drawing/2014/main" id="{33CB5DDE-FF3E-4143-906B-DF793DA0E2DC}"/>
-              </a:ext>
-            </a:extLst>
-          </p:cNvPr>
-          <p:cNvPicPr>
-            <a:picLocks noChangeAspect="1"/>
-          </p:cNvPicPr>
-          <p:nvPr/>
-        </p:nvPicPr>
-        <p:blipFill>
-          <a:blip r:embed="rId3"/>
-          <a:stretch>
-            <a:fillRect/>
-          </a:stretch>
-        </p:blipFill>
-        <p:spPr>
-          <a:xfrm>
-            <a:off x="3078558" y="3551301"/>
-            <a:ext cx="6029325" cy="2886075"/>
+            <a:off x="835421" y="1877204"/>
+            <a:ext cx="10515600" cy="1325563"/>
           </a:xfrm>
           <a:prstGeom prst="rect">
             <a:avLst/>
           </a:prstGeom>
         </p:spPr>
-      </p:pic>
+        <p:txBody>
+          <a:bodyPr vert="horz" lIns="91440" tIns="45720" rIns="91440" bIns="45720" rtlCol="0" anchor="ctr">
+            <a:normAutofit/>
+          </a:bodyPr>
+          <a:lstStyle>
+            <a:lvl1pPr algn="l" defTabSz="914400" rtl="0" eaLnBrk="1" latinLnBrk="0" hangingPunct="1">
+              <a:lnSpc>
+                <a:spcPct val="90000"/>
+              </a:lnSpc>
+              <a:spcBef>
+                <a:spcPct val="0"/>
+              </a:spcBef>
+              <a:buNone/>
+              <a:defRPr sz="4400" kern="1200">
+                <a:solidFill>
+                  <a:schemeClr val="tx1"/>
+                </a:solidFill>
+                <a:latin typeface="+mj-lt"/>
+                <a:ea typeface="+mj-ea"/>
+                <a:cs typeface="+mj-cs"/>
+              </a:defRPr>
+            </a:lvl1pPr>
+          </a:lstStyle>
+          <a:p>
+            <a:r>
+              <a:rPr lang="en-CA" dirty="0"/>
+              <a:t>Front end - May</a:t>
+            </a:r>
+          </a:p>
+        </p:txBody>
+      </p:sp>
     </p:spTree>
     <p:extLst>
       <p:ext uri="{BB962C8B-B14F-4D97-AF65-F5344CB8AC3E}">
-        <p14:creationId xmlns:p14="http://schemas.microsoft.com/office/powerpoint/2010/main" val="2530308764"/>
+        <p14:creationId xmlns:p14="http://schemas.microsoft.com/office/powerpoint/2010/main" val="4086058733"/>
       </p:ext>
     </p:extLst>
   </p:cSld>
@@ -29243,7 +30158,7 @@
 </p:sld>
 </file>
 
-<file path=ppt/slides/slide33.xml><?xml version="1.0" encoding="utf-8"?>
+<file path=ppt/slides/slide37.xml><?xml version="1.0" encoding="utf-8"?>
 <p:sld xmlns:a="http://schemas.openxmlformats.org/drawingml/2006/main" xmlns:r="http://schemas.openxmlformats.org/officeDocument/2006/relationships" xmlns:p="http://schemas.openxmlformats.org/presentationml/2006/main">
   <p:cSld>
     <p:spTree>
@@ -29260,104 +30175,721 @@
           <a:chExt cx="0" cy="0"/>
         </a:xfrm>
       </p:grpSpPr>
+      <p:pic>
+        <p:nvPicPr>
+          <p:cNvPr id="43" name="Picture 42">
+            <a:extLst>
+              <a:ext uri="{FF2B5EF4-FFF2-40B4-BE49-F238E27FC236}">
+                <a16:creationId xmlns:a16="http://schemas.microsoft.com/office/drawing/2014/main" id="{FEE503B7-779D-4984-92F2-5525CCF1E97D}"/>
+              </a:ext>
+            </a:extLst>
+          </p:cNvPr>
+          <p:cNvPicPr>
+            <a:picLocks noChangeAspect="1"/>
+          </p:cNvPicPr>
+          <p:nvPr/>
+        </p:nvPicPr>
+        <p:blipFill>
+          <a:blip r:embed="rId2"/>
+          <a:stretch>
+            <a:fillRect/>
+          </a:stretch>
+        </p:blipFill>
+        <p:spPr>
+          <a:xfrm>
+            <a:off x="0" y="-26576"/>
+            <a:ext cx="12186443" cy="1401323"/>
+          </a:xfrm>
+          <a:prstGeom prst="rect">
+            <a:avLst/>
+          </a:prstGeom>
+        </p:spPr>
+      </p:pic>
       <p:sp>
         <p:nvSpPr>
-          <p:cNvPr id="3" name="TextBox 2">
+          <p:cNvPr id="2" name="Title 1">
             <a:extLst>
               <a:ext uri="{FF2B5EF4-FFF2-40B4-BE49-F238E27FC236}">
-                <a16:creationId xmlns:a16="http://schemas.microsoft.com/office/drawing/2014/main" id="{020C8F30-9C91-4D39-A29C-BCE4134E41E9}"/>
+                <a16:creationId xmlns:a16="http://schemas.microsoft.com/office/drawing/2014/main" id="{A73A5D8E-3007-4378-92E3-B7AC02C4DC95}"/>
               </a:ext>
             </a:extLst>
           </p:cNvPr>
-          <p:cNvSpPr txBox="1"/>
+          <p:cNvSpPr>
+            <a:spLocks noGrp="1"/>
+          </p:cNvSpPr>
+          <p:nvPr>
+            <p:ph type="title"/>
+          </p:nvPr>
+        </p:nvSpPr>
+        <p:spPr>
+          <a:xfrm>
+            <a:off x="843380" y="420624"/>
+            <a:ext cx="10910656" cy="506924"/>
+          </a:xfrm>
+        </p:spPr>
+        <p:txBody>
+          <a:bodyPr vert="horz" lIns="91440" tIns="45720" rIns="91440" bIns="45720" rtlCol="0" anchor="b">
+            <a:noAutofit/>
+          </a:bodyPr>
+          <a:lstStyle/>
+          <a:p>
+            <a:r>
+              <a:rPr lang="en-US" sz="4000" dirty="0">
+                <a:solidFill>
+                  <a:schemeClr val="bg1"/>
+                </a:solidFill>
+              </a:rPr>
+              <a:t>Title</a:t>
+            </a:r>
+          </a:p>
+        </p:txBody>
+      </p:sp>
+      <p:sp>
+        <p:nvSpPr>
+          <p:cNvPr id="3" name="Slide Number Placeholder 2">
+            <a:extLst>
+              <a:ext uri="{FF2B5EF4-FFF2-40B4-BE49-F238E27FC236}">
+                <a16:creationId xmlns:a16="http://schemas.microsoft.com/office/drawing/2014/main" id="{8CF058F1-2A0D-4AD0-A580-8FC9569FA4AD}"/>
+              </a:ext>
+            </a:extLst>
+          </p:cNvPr>
+          <p:cNvSpPr>
+            <a:spLocks noGrp="1"/>
+          </p:cNvSpPr>
+          <p:nvPr>
+            <p:ph type="sldNum" sz="quarter" idx="12"/>
+          </p:nvPr>
+        </p:nvSpPr>
+        <p:spPr>
+          <a:xfrm>
+            <a:off x="8610600" y="6356350"/>
+            <a:ext cx="3143436" cy="365125"/>
+          </a:xfrm>
+        </p:spPr>
+        <p:txBody>
+          <a:bodyPr/>
+          <a:lstStyle/>
+          <a:p>
+            <a:pPr marL="0" marR="0" lvl="0" indent="0" algn="r" defTabSz="914400" rtl="0" eaLnBrk="1" fontAlgn="auto" latinLnBrk="0" hangingPunct="1">
+              <a:lnSpc>
+                <a:spcPct val="100000"/>
+              </a:lnSpc>
+              <a:spcBef>
+                <a:spcPts val="0"/>
+              </a:spcBef>
+              <a:spcAft>
+                <a:spcPts val="0"/>
+              </a:spcAft>
+              <a:buClrTx/>
+              <a:buSzTx/>
+              <a:buFontTx/>
+              <a:buNone/>
+              <a:tabLst/>
+              <a:defRPr/>
+            </a:pPr>
+            <a:fld id="{E28A5A4C-58AC-4127-BE37-66A2AC9B423A}" type="slidenum">
+              <a:rPr kumimoji="0" lang="en-CA" sz="1600" b="0" i="0" u="none" strike="noStrike" kern="1200" cap="none" spc="0" normalizeH="0" baseline="0" noProof="0" smtClean="0">
+                <a:ln>
+                  <a:noFill/>
+                </a:ln>
+                <a:solidFill>
+                  <a:srgbClr val="338DCD"/>
+                </a:solidFill>
+                <a:effectLst/>
+                <a:uLnTx/>
+                <a:uFillTx/>
+                <a:latin typeface="Calibri" panose="020F0502020204030204"/>
+                <a:ea typeface="+mn-ea"/>
+                <a:cs typeface="+mn-cs"/>
+              </a:rPr>
+              <a:pPr marL="0" marR="0" lvl="0" indent="0" algn="r" defTabSz="914400" rtl="0" eaLnBrk="1" fontAlgn="auto" latinLnBrk="0" hangingPunct="1">
+                <a:lnSpc>
+                  <a:spcPct val="100000"/>
+                </a:lnSpc>
+                <a:spcBef>
+                  <a:spcPts val="0"/>
+                </a:spcBef>
+                <a:spcAft>
+                  <a:spcPts val="0"/>
+                </a:spcAft>
+                <a:buClrTx/>
+                <a:buSzTx/>
+                <a:buFontTx/>
+                <a:buNone/>
+                <a:tabLst/>
+                <a:defRPr/>
+              </a:pPr>
+              <a:t>37</a:t>
+            </a:fld>
+            <a:endParaRPr kumimoji="0" lang="en-CA" sz="1600" b="0" i="0" u="none" strike="noStrike" kern="1200" cap="none" spc="0" normalizeH="0" baseline="0" noProof="0" dirty="0">
+              <a:ln>
+                <a:noFill/>
+              </a:ln>
+              <a:solidFill>
+                <a:srgbClr val="338DCD"/>
+              </a:solidFill>
+              <a:effectLst/>
+              <a:uLnTx/>
+              <a:uFillTx/>
+              <a:latin typeface="Calibri" panose="020F0502020204030204"/>
+              <a:ea typeface="+mn-ea"/>
+              <a:cs typeface="+mn-cs"/>
+            </a:endParaRPr>
+          </a:p>
+        </p:txBody>
+      </p:sp>
+      <p:sp>
+        <p:nvSpPr>
+          <p:cNvPr id="16" name="Title 2">
+            <a:extLst>
+              <a:ext uri="{FF2B5EF4-FFF2-40B4-BE49-F238E27FC236}">
+                <a16:creationId xmlns:a16="http://schemas.microsoft.com/office/drawing/2014/main" id="{2FEE6315-C3EC-496D-B21A-4F02E3934B7F}"/>
+              </a:ext>
+            </a:extLst>
+          </p:cNvPr>
+          <p:cNvSpPr txBox="1">
+            <a:spLocks/>
+          </p:cNvSpPr>
           <p:nvPr/>
         </p:nvSpPr>
         <p:spPr>
           <a:xfrm>
-            <a:off x="0" y="4644593"/>
-            <a:ext cx="12192000" cy="1015663"/>
+            <a:off x="835421" y="1877204"/>
+            <a:ext cx="10515600" cy="1325563"/>
           </a:xfrm>
           <a:prstGeom prst="rect">
             <a:avLst/>
           </a:prstGeom>
-          <a:noFill/>
         </p:spPr>
         <p:txBody>
-          <a:bodyPr wrap="square" rtlCol="0" anchor="ctr">
-            <a:spAutoFit/>
+          <a:bodyPr vert="horz" lIns="91440" tIns="45720" rIns="91440" bIns="45720" rtlCol="0" anchor="ctr">
+            <a:normAutofit/>
           </a:bodyPr>
-          <a:lstStyle/>
-          <a:p>
-            <a:pPr algn="ctr"/>
+          <a:lstStyle>
+            <a:lvl1pPr algn="l" defTabSz="914400" rtl="0" eaLnBrk="1" latinLnBrk="0" hangingPunct="1">
+              <a:lnSpc>
+                <a:spcPct val="90000"/>
+              </a:lnSpc>
+              <a:spcBef>
+                <a:spcPct val="0"/>
+              </a:spcBef>
+              <a:buNone/>
+              <a:defRPr sz="4400" kern="1200">
+                <a:solidFill>
+                  <a:schemeClr val="tx1"/>
+                </a:solidFill>
+                <a:latin typeface="+mj-lt"/>
+                <a:ea typeface="+mj-ea"/>
+                <a:cs typeface="+mj-cs"/>
+              </a:defRPr>
+            </a:lvl1pPr>
+          </a:lstStyle>
+          <a:p>
             <a:r>
-              <a:rPr lang="en-US" altLang="ko-KR" sz="6000" dirty="0">
-                <a:solidFill>
-                  <a:schemeClr val="bg1"/>
-                </a:solidFill>
-                <a:cs typeface="Arial" pitchFamily="34" charset="0"/>
-              </a:rPr>
-              <a:t>THANK YOU</a:t>
+              <a:rPr lang="en-CA" dirty="0"/>
+              <a:t>Front end - May</a:t>
             </a:r>
-            <a:endParaRPr lang="ko-KR" altLang="en-US" sz="6000" dirty="0">
-              <a:solidFill>
-                <a:schemeClr val="bg1"/>
-              </a:solidFill>
-              <a:cs typeface="Arial" pitchFamily="34" charset="0"/>
-            </a:endParaRPr>
-          </a:p>
-        </p:txBody>
-      </p:sp>
-      <p:sp>
-        <p:nvSpPr>
-          <p:cNvPr id="4" name="TextBox 3">
-            <a:extLst>
-              <a:ext uri="{FF2B5EF4-FFF2-40B4-BE49-F238E27FC236}">
-                <a16:creationId xmlns:a16="http://schemas.microsoft.com/office/drawing/2014/main" id="{298CF959-4651-4C64-A08C-8F2BDE46A824}"/>
-              </a:ext>
-            </a:extLst>
-          </p:cNvPr>
-          <p:cNvSpPr txBox="1"/>
-          <p:nvPr/>
-        </p:nvSpPr>
-        <p:spPr>
-          <a:xfrm>
-            <a:off x="0" y="5660256"/>
-            <a:ext cx="12191852" cy="584775"/>
-          </a:xfrm>
-          <a:prstGeom prst="rect">
-            <a:avLst/>
-          </a:prstGeom>
-          <a:noFill/>
-        </p:spPr>
-        <p:txBody>
-          <a:bodyPr wrap="square" rtlCol="0" anchor="ctr">
-            <a:spAutoFit/>
-          </a:bodyPr>
-          <a:lstStyle/>
-          <a:p>
-            <a:pPr algn="ctr"/>
-            <a:r>
-              <a:rPr lang="en-US" altLang="ko-KR" sz="3200" dirty="0">
-                <a:solidFill>
-                  <a:schemeClr val="bg1"/>
-                </a:solidFill>
-                <a:cs typeface="Arial" pitchFamily="34" charset="0"/>
-              </a:rPr>
-              <a:t>Any Questions?</a:t>
-            </a:r>
-            <a:endParaRPr lang="ko-KR" altLang="en-US" sz="3200" dirty="0">
-              <a:solidFill>
-                <a:schemeClr val="bg1"/>
-              </a:solidFill>
-              <a:cs typeface="Arial" pitchFamily="34" charset="0"/>
-            </a:endParaRPr>
           </a:p>
         </p:txBody>
       </p:sp>
     </p:spTree>
     <p:extLst>
       <p:ext uri="{BB962C8B-B14F-4D97-AF65-F5344CB8AC3E}">
-        <p14:creationId xmlns:p14="http://schemas.microsoft.com/office/powerpoint/2010/main" val="1832103495"/>
+        <p14:creationId xmlns:p14="http://schemas.microsoft.com/office/powerpoint/2010/main" val="2138777971"/>
+      </p:ext>
+    </p:extLst>
+  </p:cSld>
+  <p:clrMapOvr>
+    <a:masterClrMapping/>
+  </p:clrMapOvr>
+</p:sld>
+</file>
+
+<file path=ppt/slides/slide38.xml><?xml version="1.0" encoding="utf-8"?>
+<p:sld xmlns:a="http://schemas.openxmlformats.org/drawingml/2006/main" xmlns:r="http://schemas.openxmlformats.org/officeDocument/2006/relationships" xmlns:p="http://schemas.openxmlformats.org/presentationml/2006/main">
+  <p:cSld>
+    <p:spTree>
+      <p:nvGrpSpPr>
+        <p:cNvPr id="1" name=""/>
+        <p:cNvGrpSpPr/>
+        <p:nvPr/>
+      </p:nvGrpSpPr>
+      <p:grpSpPr>
+        <a:xfrm>
+          <a:off x="0" y="0"/>
+          <a:ext cx="0" cy="0"/>
+          <a:chOff x="0" y="0"/>
+          <a:chExt cx="0" cy="0"/>
+        </a:xfrm>
+      </p:grpSpPr>
+      <p:pic>
+        <p:nvPicPr>
+          <p:cNvPr id="43" name="Picture 42">
+            <a:extLst>
+              <a:ext uri="{FF2B5EF4-FFF2-40B4-BE49-F238E27FC236}">
+                <a16:creationId xmlns:a16="http://schemas.microsoft.com/office/drawing/2014/main" id="{FEE503B7-779D-4984-92F2-5525CCF1E97D}"/>
+              </a:ext>
+            </a:extLst>
+          </p:cNvPr>
+          <p:cNvPicPr>
+            <a:picLocks noChangeAspect="1"/>
+          </p:cNvPicPr>
+          <p:nvPr/>
+        </p:nvPicPr>
+        <p:blipFill>
+          <a:blip r:embed="rId2"/>
+          <a:stretch>
+            <a:fillRect/>
+          </a:stretch>
+        </p:blipFill>
+        <p:spPr>
+          <a:xfrm>
+            <a:off x="0" y="-26576"/>
+            <a:ext cx="12186443" cy="1401323"/>
+          </a:xfrm>
+          <a:prstGeom prst="rect">
+            <a:avLst/>
+          </a:prstGeom>
+        </p:spPr>
+      </p:pic>
+      <p:sp>
+        <p:nvSpPr>
+          <p:cNvPr id="2" name="Title 1">
+            <a:extLst>
+              <a:ext uri="{FF2B5EF4-FFF2-40B4-BE49-F238E27FC236}">
+                <a16:creationId xmlns:a16="http://schemas.microsoft.com/office/drawing/2014/main" id="{A73A5D8E-3007-4378-92E3-B7AC02C4DC95}"/>
+              </a:ext>
+            </a:extLst>
+          </p:cNvPr>
+          <p:cNvSpPr>
+            <a:spLocks noGrp="1"/>
+          </p:cNvSpPr>
+          <p:nvPr>
+            <p:ph type="title"/>
+          </p:nvPr>
+        </p:nvSpPr>
+        <p:spPr>
+          <a:xfrm>
+            <a:off x="843380" y="420624"/>
+            <a:ext cx="10910656" cy="506924"/>
+          </a:xfrm>
+        </p:spPr>
+        <p:txBody>
+          <a:bodyPr vert="horz" lIns="91440" tIns="45720" rIns="91440" bIns="45720" rtlCol="0" anchor="b">
+            <a:noAutofit/>
+          </a:bodyPr>
+          <a:lstStyle/>
+          <a:p>
+            <a:r>
+              <a:rPr lang="en-US" sz="4000" dirty="0">
+                <a:solidFill>
+                  <a:schemeClr val="bg1"/>
+                </a:solidFill>
+              </a:rPr>
+              <a:t>Title</a:t>
+            </a:r>
+          </a:p>
+        </p:txBody>
+      </p:sp>
+      <p:sp>
+        <p:nvSpPr>
+          <p:cNvPr id="3" name="Slide Number Placeholder 2">
+            <a:extLst>
+              <a:ext uri="{FF2B5EF4-FFF2-40B4-BE49-F238E27FC236}">
+                <a16:creationId xmlns:a16="http://schemas.microsoft.com/office/drawing/2014/main" id="{8CF058F1-2A0D-4AD0-A580-8FC9569FA4AD}"/>
+              </a:ext>
+            </a:extLst>
+          </p:cNvPr>
+          <p:cNvSpPr>
+            <a:spLocks noGrp="1"/>
+          </p:cNvSpPr>
+          <p:nvPr>
+            <p:ph type="sldNum" sz="quarter" idx="12"/>
+          </p:nvPr>
+        </p:nvSpPr>
+        <p:spPr>
+          <a:xfrm>
+            <a:off x="8610600" y="6356350"/>
+            <a:ext cx="3143436" cy="365125"/>
+          </a:xfrm>
+        </p:spPr>
+        <p:txBody>
+          <a:bodyPr/>
+          <a:lstStyle/>
+          <a:p>
+            <a:pPr marL="0" marR="0" lvl="0" indent="0" algn="r" defTabSz="914400" rtl="0" eaLnBrk="1" fontAlgn="auto" latinLnBrk="0" hangingPunct="1">
+              <a:lnSpc>
+                <a:spcPct val="100000"/>
+              </a:lnSpc>
+              <a:spcBef>
+                <a:spcPts val="0"/>
+              </a:spcBef>
+              <a:spcAft>
+                <a:spcPts val="0"/>
+              </a:spcAft>
+              <a:buClrTx/>
+              <a:buSzTx/>
+              <a:buFontTx/>
+              <a:buNone/>
+              <a:tabLst/>
+              <a:defRPr/>
+            </a:pPr>
+            <a:fld id="{E28A5A4C-58AC-4127-BE37-66A2AC9B423A}" type="slidenum">
+              <a:rPr kumimoji="0" lang="en-CA" sz="1600" b="0" i="0" u="none" strike="noStrike" kern="1200" cap="none" spc="0" normalizeH="0" baseline="0" noProof="0" smtClean="0">
+                <a:ln>
+                  <a:noFill/>
+                </a:ln>
+                <a:solidFill>
+                  <a:srgbClr val="338DCD"/>
+                </a:solidFill>
+                <a:effectLst/>
+                <a:uLnTx/>
+                <a:uFillTx/>
+                <a:latin typeface="Calibri" panose="020F0502020204030204"/>
+                <a:ea typeface="+mn-ea"/>
+                <a:cs typeface="+mn-cs"/>
+              </a:rPr>
+              <a:pPr marL="0" marR="0" lvl="0" indent="0" algn="r" defTabSz="914400" rtl="0" eaLnBrk="1" fontAlgn="auto" latinLnBrk="0" hangingPunct="1">
+                <a:lnSpc>
+                  <a:spcPct val="100000"/>
+                </a:lnSpc>
+                <a:spcBef>
+                  <a:spcPts val="0"/>
+                </a:spcBef>
+                <a:spcAft>
+                  <a:spcPts val="0"/>
+                </a:spcAft>
+                <a:buClrTx/>
+                <a:buSzTx/>
+                <a:buFontTx/>
+                <a:buNone/>
+                <a:tabLst/>
+                <a:defRPr/>
+              </a:pPr>
+              <a:t>38</a:t>
+            </a:fld>
+            <a:endParaRPr kumimoji="0" lang="en-CA" sz="1600" b="0" i="0" u="none" strike="noStrike" kern="1200" cap="none" spc="0" normalizeH="0" baseline="0" noProof="0" dirty="0">
+              <a:ln>
+                <a:noFill/>
+              </a:ln>
+              <a:solidFill>
+                <a:srgbClr val="338DCD"/>
+              </a:solidFill>
+              <a:effectLst/>
+              <a:uLnTx/>
+              <a:uFillTx/>
+              <a:latin typeface="Calibri" panose="020F0502020204030204"/>
+              <a:ea typeface="+mn-ea"/>
+              <a:cs typeface="+mn-cs"/>
+            </a:endParaRPr>
+          </a:p>
+        </p:txBody>
+      </p:sp>
+      <p:sp>
+        <p:nvSpPr>
+          <p:cNvPr id="16" name="Title 2">
+            <a:extLst>
+              <a:ext uri="{FF2B5EF4-FFF2-40B4-BE49-F238E27FC236}">
+                <a16:creationId xmlns:a16="http://schemas.microsoft.com/office/drawing/2014/main" id="{2FEE6315-C3EC-496D-B21A-4F02E3934B7F}"/>
+              </a:ext>
+            </a:extLst>
+          </p:cNvPr>
+          <p:cNvSpPr txBox="1">
+            <a:spLocks/>
+          </p:cNvSpPr>
+          <p:nvPr/>
+        </p:nvSpPr>
+        <p:spPr>
+          <a:xfrm>
+            <a:off x="835421" y="1877204"/>
+            <a:ext cx="10515600" cy="1325563"/>
+          </a:xfrm>
+          <a:prstGeom prst="rect">
+            <a:avLst/>
+          </a:prstGeom>
+        </p:spPr>
+        <p:txBody>
+          <a:bodyPr vert="horz" lIns="91440" tIns="45720" rIns="91440" bIns="45720" rtlCol="0" anchor="ctr">
+            <a:normAutofit/>
+          </a:bodyPr>
+          <a:lstStyle>
+            <a:lvl1pPr algn="l" defTabSz="914400" rtl="0" eaLnBrk="1" latinLnBrk="0" hangingPunct="1">
+              <a:lnSpc>
+                <a:spcPct val="90000"/>
+              </a:lnSpc>
+              <a:spcBef>
+                <a:spcPct val="0"/>
+              </a:spcBef>
+              <a:buNone/>
+              <a:defRPr sz="4400" kern="1200">
+                <a:solidFill>
+                  <a:schemeClr val="tx1"/>
+                </a:solidFill>
+                <a:latin typeface="+mj-lt"/>
+                <a:ea typeface="+mj-ea"/>
+                <a:cs typeface="+mj-cs"/>
+              </a:defRPr>
+            </a:lvl1pPr>
+          </a:lstStyle>
+          <a:p>
+            <a:r>
+              <a:rPr lang="en-CA" dirty="0"/>
+              <a:t>Front end - May</a:t>
+            </a:r>
+          </a:p>
+        </p:txBody>
+      </p:sp>
+    </p:spTree>
+    <p:extLst>
+      <p:ext uri="{BB962C8B-B14F-4D97-AF65-F5344CB8AC3E}">
+        <p14:creationId xmlns:p14="http://schemas.microsoft.com/office/powerpoint/2010/main" val="2210533151"/>
+      </p:ext>
+    </p:extLst>
+  </p:cSld>
+  <p:clrMapOvr>
+    <a:masterClrMapping/>
+  </p:clrMapOvr>
+</p:sld>
+</file>
+
+<file path=ppt/slides/slide39.xml><?xml version="1.0" encoding="utf-8"?>
+<p:sld xmlns:a="http://schemas.openxmlformats.org/drawingml/2006/main" xmlns:r="http://schemas.openxmlformats.org/officeDocument/2006/relationships" xmlns:p="http://schemas.openxmlformats.org/presentationml/2006/main">
+  <p:cSld>
+    <p:spTree>
+      <p:nvGrpSpPr>
+        <p:cNvPr id="1" name=""/>
+        <p:cNvGrpSpPr/>
+        <p:nvPr/>
+      </p:nvGrpSpPr>
+      <p:grpSpPr>
+        <a:xfrm>
+          <a:off x="0" y="0"/>
+          <a:ext cx="0" cy="0"/>
+          <a:chOff x="0" y="0"/>
+          <a:chExt cx="0" cy="0"/>
+        </a:xfrm>
+      </p:grpSpPr>
+      <p:pic>
+        <p:nvPicPr>
+          <p:cNvPr id="43" name="Picture 42">
+            <a:extLst>
+              <a:ext uri="{FF2B5EF4-FFF2-40B4-BE49-F238E27FC236}">
+                <a16:creationId xmlns:a16="http://schemas.microsoft.com/office/drawing/2014/main" id="{FEE503B7-779D-4984-92F2-5525CCF1E97D}"/>
+              </a:ext>
+            </a:extLst>
+          </p:cNvPr>
+          <p:cNvPicPr>
+            <a:picLocks noChangeAspect="1"/>
+          </p:cNvPicPr>
+          <p:nvPr/>
+        </p:nvPicPr>
+        <p:blipFill>
+          <a:blip r:embed="rId2"/>
+          <a:stretch>
+            <a:fillRect/>
+          </a:stretch>
+        </p:blipFill>
+        <p:spPr>
+          <a:xfrm>
+            <a:off x="0" y="-26576"/>
+            <a:ext cx="12186443" cy="1401323"/>
+          </a:xfrm>
+          <a:prstGeom prst="rect">
+            <a:avLst/>
+          </a:prstGeom>
+        </p:spPr>
+      </p:pic>
+      <p:sp>
+        <p:nvSpPr>
+          <p:cNvPr id="2" name="Title 1">
+            <a:extLst>
+              <a:ext uri="{FF2B5EF4-FFF2-40B4-BE49-F238E27FC236}">
+                <a16:creationId xmlns:a16="http://schemas.microsoft.com/office/drawing/2014/main" id="{A73A5D8E-3007-4378-92E3-B7AC02C4DC95}"/>
+              </a:ext>
+            </a:extLst>
+          </p:cNvPr>
+          <p:cNvSpPr>
+            <a:spLocks noGrp="1"/>
+          </p:cNvSpPr>
+          <p:nvPr>
+            <p:ph type="title"/>
+          </p:nvPr>
+        </p:nvSpPr>
+        <p:spPr>
+          <a:xfrm>
+            <a:off x="843380" y="420624"/>
+            <a:ext cx="10910656" cy="506924"/>
+          </a:xfrm>
+        </p:spPr>
+        <p:txBody>
+          <a:bodyPr vert="horz" lIns="91440" tIns="45720" rIns="91440" bIns="45720" rtlCol="0" anchor="b">
+            <a:noAutofit/>
+          </a:bodyPr>
+          <a:lstStyle/>
+          <a:p>
+            <a:r>
+              <a:rPr lang="en-US" sz="4000" dirty="0">
+                <a:solidFill>
+                  <a:schemeClr val="bg1"/>
+                </a:solidFill>
+              </a:rPr>
+              <a:t>Title</a:t>
+            </a:r>
+          </a:p>
+        </p:txBody>
+      </p:sp>
+      <p:sp>
+        <p:nvSpPr>
+          <p:cNvPr id="3" name="Slide Number Placeholder 2">
+            <a:extLst>
+              <a:ext uri="{FF2B5EF4-FFF2-40B4-BE49-F238E27FC236}">
+                <a16:creationId xmlns:a16="http://schemas.microsoft.com/office/drawing/2014/main" id="{8CF058F1-2A0D-4AD0-A580-8FC9569FA4AD}"/>
+              </a:ext>
+            </a:extLst>
+          </p:cNvPr>
+          <p:cNvSpPr>
+            <a:spLocks noGrp="1"/>
+          </p:cNvSpPr>
+          <p:nvPr>
+            <p:ph type="sldNum" sz="quarter" idx="12"/>
+          </p:nvPr>
+        </p:nvSpPr>
+        <p:spPr>
+          <a:xfrm>
+            <a:off x="8610600" y="6356350"/>
+            <a:ext cx="3143436" cy="365125"/>
+          </a:xfrm>
+        </p:spPr>
+        <p:txBody>
+          <a:bodyPr/>
+          <a:lstStyle/>
+          <a:p>
+            <a:pPr marL="0" marR="0" lvl="0" indent="0" algn="r" defTabSz="914400" rtl="0" eaLnBrk="1" fontAlgn="auto" latinLnBrk="0" hangingPunct="1">
+              <a:lnSpc>
+                <a:spcPct val="100000"/>
+              </a:lnSpc>
+              <a:spcBef>
+                <a:spcPts val="0"/>
+              </a:spcBef>
+              <a:spcAft>
+                <a:spcPts val="0"/>
+              </a:spcAft>
+              <a:buClrTx/>
+              <a:buSzTx/>
+              <a:buFontTx/>
+              <a:buNone/>
+              <a:tabLst/>
+              <a:defRPr/>
+            </a:pPr>
+            <a:fld id="{E28A5A4C-58AC-4127-BE37-66A2AC9B423A}" type="slidenum">
+              <a:rPr kumimoji="0" lang="en-CA" sz="1600" b="0" i="0" u="none" strike="noStrike" kern="1200" cap="none" spc="0" normalizeH="0" baseline="0" noProof="0" smtClean="0">
+                <a:ln>
+                  <a:noFill/>
+                </a:ln>
+                <a:solidFill>
+                  <a:srgbClr val="338DCD"/>
+                </a:solidFill>
+                <a:effectLst/>
+                <a:uLnTx/>
+                <a:uFillTx/>
+                <a:latin typeface="Calibri" panose="020F0502020204030204"/>
+                <a:ea typeface="+mn-ea"/>
+                <a:cs typeface="+mn-cs"/>
+              </a:rPr>
+              <a:pPr marL="0" marR="0" lvl="0" indent="0" algn="r" defTabSz="914400" rtl="0" eaLnBrk="1" fontAlgn="auto" latinLnBrk="0" hangingPunct="1">
+                <a:lnSpc>
+                  <a:spcPct val="100000"/>
+                </a:lnSpc>
+                <a:spcBef>
+                  <a:spcPts val="0"/>
+                </a:spcBef>
+                <a:spcAft>
+                  <a:spcPts val="0"/>
+                </a:spcAft>
+                <a:buClrTx/>
+                <a:buSzTx/>
+                <a:buFontTx/>
+                <a:buNone/>
+                <a:tabLst/>
+                <a:defRPr/>
+              </a:pPr>
+              <a:t>39</a:t>
+            </a:fld>
+            <a:endParaRPr kumimoji="0" lang="en-CA" sz="1600" b="0" i="0" u="none" strike="noStrike" kern="1200" cap="none" spc="0" normalizeH="0" baseline="0" noProof="0" dirty="0">
+              <a:ln>
+                <a:noFill/>
+              </a:ln>
+              <a:solidFill>
+                <a:srgbClr val="338DCD"/>
+              </a:solidFill>
+              <a:effectLst/>
+              <a:uLnTx/>
+              <a:uFillTx/>
+              <a:latin typeface="Calibri" panose="020F0502020204030204"/>
+              <a:ea typeface="+mn-ea"/>
+              <a:cs typeface="+mn-cs"/>
+            </a:endParaRPr>
+          </a:p>
+        </p:txBody>
+      </p:sp>
+      <p:sp>
+        <p:nvSpPr>
+          <p:cNvPr id="16" name="Title 2">
+            <a:extLst>
+              <a:ext uri="{FF2B5EF4-FFF2-40B4-BE49-F238E27FC236}">
+                <a16:creationId xmlns:a16="http://schemas.microsoft.com/office/drawing/2014/main" id="{2FEE6315-C3EC-496D-B21A-4F02E3934B7F}"/>
+              </a:ext>
+            </a:extLst>
+          </p:cNvPr>
+          <p:cNvSpPr txBox="1">
+            <a:spLocks/>
+          </p:cNvSpPr>
+          <p:nvPr/>
+        </p:nvSpPr>
+        <p:spPr>
+          <a:xfrm>
+            <a:off x="835421" y="1877204"/>
+            <a:ext cx="10515600" cy="1325563"/>
+          </a:xfrm>
+          <a:prstGeom prst="rect">
+            <a:avLst/>
+          </a:prstGeom>
+        </p:spPr>
+        <p:txBody>
+          <a:bodyPr vert="horz" lIns="91440" tIns="45720" rIns="91440" bIns="45720" rtlCol="0" anchor="ctr">
+            <a:normAutofit/>
+          </a:bodyPr>
+          <a:lstStyle>
+            <a:lvl1pPr algn="l" defTabSz="914400" rtl="0" eaLnBrk="1" latinLnBrk="0" hangingPunct="1">
+              <a:lnSpc>
+                <a:spcPct val="90000"/>
+              </a:lnSpc>
+              <a:spcBef>
+                <a:spcPct val="0"/>
+              </a:spcBef>
+              <a:buNone/>
+              <a:defRPr sz="4400" kern="1200">
+                <a:solidFill>
+                  <a:schemeClr val="tx1"/>
+                </a:solidFill>
+                <a:latin typeface="+mj-lt"/>
+                <a:ea typeface="+mj-ea"/>
+                <a:cs typeface="+mj-cs"/>
+              </a:defRPr>
+            </a:lvl1pPr>
+          </a:lstStyle>
+          <a:p>
+            <a:r>
+              <a:rPr lang="en-CA" dirty="0"/>
+              <a:t>Front end - May</a:t>
+            </a:r>
+          </a:p>
+        </p:txBody>
+      </p:sp>
+    </p:spTree>
+    <p:extLst>
+      <p:ext uri="{BB962C8B-B14F-4D97-AF65-F5344CB8AC3E}">
+        <p14:creationId xmlns:p14="http://schemas.microsoft.com/office/powerpoint/2010/main" val="2009067766"/>
       </p:ext>
     </p:extLst>
   </p:cSld>
@@ -30023,6 +31555,490 @@
     <p:extLst>
       <p:ext uri="{BB962C8B-B14F-4D97-AF65-F5344CB8AC3E}">
         <p14:creationId xmlns:p14="http://schemas.microsoft.com/office/powerpoint/2010/main" val="2922752646"/>
+      </p:ext>
+    </p:extLst>
+  </p:cSld>
+  <p:clrMapOvr>
+    <a:masterClrMapping/>
+  </p:clrMapOvr>
+</p:sld>
+</file>
+
+<file path=ppt/slides/slide40.xml><?xml version="1.0" encoding="utf-8"?>
+<p:sld xmlns:a="http://schemas.openxmlformats.org/drawingml/2006/main" xmlns:r="http://schemas.openxmlformats.org/officeDocument/2006/relationships" xmlns:p="http://schemas.openxmlformats.org/presentationml/2006/main">
+  <p:cSld>
+    <p:spTree>
+      <p:nvGrpSpPr>
+        <p:cNvPr id="1" name=""/>
+        <p:cNvGrpSpPr/>
+        <p:nvPr/>
+      </p:nvGrpSpPr>
+      <p:grpSpPr>
+        <a:xfrm>
+          <a:off x="0" y="0"/>
+          <a:ext cx="0" cy="0"/>
+          <a:chOff x="0" y="0"/>
+          <a:chExt cx="0" cy="0"/>
+        </a:xfrm>
+      </p:grpSpPr>
+      <p:pic>
+        <p:nvPicPr>
+          <p:cNvPr id="43" name="Picture 42">
+            <a:extLst>
+              <a:ext uri="{FF2B5EF4-FFF2-40B4-BE49-F238E27FC236}">
+                <a16:creationId xmlns:a16="http://schemas.microsoft.com/office/drawing/2014/main" id="{FEE503B7-779D-4984-92F2-5525CCF1E97D}"/>
+              </a:ext>
+            </a:extLst>
+          </p:cNvPr>
+          <p:cNvPicPr>
+            <a:picLocks noChangeAspect="1"/>
+          </p:cNvPicPr>
+          <p:nvPr/>
+        </p:nvPicPr>
+        <p:blipFill>
+          <a:blip r:embed="rId2"/>
+          <a:stretch>
+            <a:fillRect/>
+          </a:stretch>
+        </p:blipFill>
+        <p:spPr>
+          <a:xfrm>
+            <a:off x="0" y="-26576"/>
+            <a:ext cx="12186443" cy="1401323"/>
+          </a:xfrm>
+          <a:prstGeom prst="rect">
+            <a:avLst/>
+          </a:prstGeom>
+        </p:spPr>
+      </p:pic>
+      <p:sp>
+        <p:nvSpPr>
+          <p:cNvPr id="2" name="Title 1">
+            <a:extLst>
+              <a:ext uri="{FF2B5EF4-FFF2-40B4-BE49-F238E27FC236}">
+                <a16:creationId xmlns:a16="http://schemas.microsoft.com/office/drawing/2014/main" id="{A73A5D8E-3007-4378-92E3-B7AC02C4DC95}"/>
+              </a:ext>
+            </a:extLst>
+          </p:cNvPr>
+          <p:cNvSpPr>
+            <a:spLocks noGrp="1"/>
+          </p:cNvSpPr>
+          <p:nvPr>
+            <p:ph type="title"/>
+          </p:nvPr>
+        </p:nvSpPr>
+        <p:spPr>
+          <a:xfrm>
+            <a:off x="843380" y="480299"/>
+            <a:ext cx="10910656" cy="506924"/>
+          </a:xfrm>
+        </p:spPr>
+        <p:txBody>
+          <a:bodyPr vert="horz" lIns="91440" tIns="45720" rIns="91440" bIns="45720" rtlCol="0" anchor="b">
+            <a:noAutofit/>
+          </a:bodyPr>
+          <a:lstStyle/>
+          <a:p>
+            <a:r>
+              <a:rPr lang="en-US" sz="4000" dirty="0">
+                <a:solidFill>
+                  <a:schemeClr val="bg1"/>
+                </a:solidFill>
+              </a:rPr>
+              <a:t>Future Work</a:t>
+            </a:r>
+          </a:p>
+        </p:txBody>
+      </p:sp>
+      <p:sp>
+        <p:nvSpPr>
+          <p:cNvPr id="3" name="Slide Number Placeholder 2">
+            <a:extLst>
+              <a:ext uri="{FF2B5EF4-FFF2-40B4-BE49-F238E27FC236}">
+                <a16:creationId xmlns:a16="http://schemas.microsoft.com/office/drawing/2014/main" id="{8CF058F1-2A0D-4AD0-A580-8FC9569FA4AD}"/>
+              </a:ext>
+            </a:extLst>
+          </p:cNvPr>
+          <p:cNvSpPr>
+            <a:spLocks noGrp="1"/>
+          </p:cNvSpPr>
+          <p:nvPr>
+            <p:ph type="sldNum" sz="quarter" idx="12"/>
+          </p:nvPr>
+        </p:nvSpPr>
+        <p:spPr>
+          <a:xfrm>
+            <a:off x="8610600" y="6356350"/>
+            <a:ext cx="3143436" cy="365125"/>
+          </a:xfrm>
+        </p:spPr>
+        <p:txBody>
+          <a:bodyPr/>
+          <a:lstStyle/>
+          <a:p>
+            <a:pPr marL="0" marR="0" lvl="0" indent="0" algn="r" defTabSz="914400" rtl="0" eaLnBrk="1" fontAlgn="auto" latinLnBrk="0" hangingPunct="1">
+              <a:lnSpc>
+                <a:spcPct val="100000"/>
+              </a:lnSpc>
+              <a:spcBef>
+                <a:spcPts val="0"/>
+              </a:spcBef>
+              <a:spcAft>
+                <a:spcPts val="0"/>
+              </a:spcAft>
+              <a:buClrTx/>
+              <a:buSzTx/>
+              <a:buFontTx/>
+              <a:buNone/>
+              <a:tabLst/>
+              <a:defRPr/>
+            </a:pPr>
+            <a:fld id="{E28A5A4C-58AC-4127-BE37-66A2AC9B423A}" type="slidenum">
+              <a:rPr kumimoji="0" lang="en-CA" sz="1600" b="0" i="0" u="none" strike="noStrike" kern="1200" cap="none" spc="0" normalizeH="0" baseline="0" noProof="0" smtClean="0">
+                <a:ln>
+                  <a:noFill/>
+                </a:ln>
+                <a:solidFill>
+                  <a:srgbClr val="338DCD"/>
+                </a:solidFill>
+                <a:effectLst/>
+                <a:uLnTx/>
+                <a:uFillTx/>
+                <a:latin typeface="Calibri" panose="020F0502020204030204"/>
+                <a:ea typeface="+mn-ea"/>
+                <a:cs typeface="+mn-cs"/>
+              </a:rPr>
+              <a:pPr marL="0" marR="0" lvl="0" indent="0" algn="r" defTabSz="914400" rtl="0" eaLnBrk="1" fontAlgn="auto" latinLnBrk="0" hangingPunct="1">
+                <a:lnSpc>
+                  <a:spcPct val="100000"/>
+                </a:lnSpc>
+                <a:spcBef>
+                  <a:spcPts val="0"/>
+                </a:spcBef>
+                <a:spcAft>
+                  <a:spcPts val="0"/>
+                </a:spcAft>
+                <a:buClrTx/>
+                <a:buSzTx/>
+                <a:buFontTx/>
+                <a:buNone/>
+                <a:tabLst/>
+                <a:defRPr/>
+              </a:pPr>
+              <a:t>40</a:t>
+            </a:fld>
+            <a:endParaRPr kumimoji="0" lang="en-CA" sz="1600" b="0" i="0" u="none" strike="noStrike" kern="1200" cap="none" spc="0" normalizeH="0" baseline="0" noProof="0" dirty="0">
+              <a:ln>
+                <a:noFill/>
+              </a:ln>
+              <a:solidFill>
+                <a:srgbClr val="338DCD"/>
+              </a:solidFill>
+              <a:effectLst/>
+              <a:uLnTx/>
+              <a:uFillTx/>
+              <a:latin typeface="Calibri" panose="020F0502020204030204"/>
+              <a:ea typeface="+mn-ea"/>
+              <a:cs typeface="+mn-cs"/>
+            </a:endParaRPr>
+          </a:p>
+        </p:txBody>
+      </p:sp>
+      <p:sp>
+        <p:nvSpPr>
+          <p:cNvPr id="7" name="TextBox 6">
+            <a:extLst>
+              <a:ext uri="{FF2B5EF4-FFF2-40B4-BE49-F238E27FC236}">
+                <a16:creationId xmlns:a16="http://schemas.microsoft.com/office/drawing/2014/main" id="{A724120D-E930-4DDA-BA58-C494FBFD9EA2}"/>
+              </a:ext>
+            </a:extLst>
+          </p:cNvPr>
+          <p:cNvSpPr txBox="1"/>
+          <p:nvPr/>
+        </p:nvSpPr>
+        <p:spPr>
+          <a:xfrm>
+            <a:off x="843380" y="1672941"/>
+            <a:ext cx="10810356" cy="2862322"/>
+          </a:xfrm>
+          <a:prstGeom prst="rect">
+            <a:avLst/>
+          </a:prstGeom>
+          <a:noFill/>
+        </p:spPr>
+        <p:txBody>
+          <a:bodyPr wrap="square">
+            <a:spAutoFit/>
+          </a:bodyPr>
+          <a:lstStyle/>
+          <a:p>
+            <a:pPr marL="342900" indent="-342900" algn="just">
+              <a:buFontTx/>
+              <a:buChar char="-"/>
+            </a:pPr>
+            <a:r>
+              <a:rPr lang="en-CA" sz="1800" dirty="0">
+                <a:solidFill>
+                  <a:srgbClr val="0070C0"/>
+                </a:solidFill>
+              </a:rPr>
+              <a:t>When computing resources available, add back ‘model’ column to increase prediction accuracy</a:t>
+            </a:r>
+          </a:p>
+          <a:p>
+            <a:pPr marL="342900" indent="-342900" algn="just">
+              <a:buFontTx/>
+              <a:buChar char="-"/>
+            </a:pPr>
+            <a:endParaRPr lang="en-CA" sz="1800" dirty="0">
+              <a:solidFill>
+                <a:srgbClr val="0070C0"/>
+              </a:solidFill>
+            </a:endParaRPr>
+          </a:p>
+          <a:p>
+            <a:pPr marL="342900" indent="-342900" algn="just">
+              <a:buFontTx/>
+              <a:buChar char="-"/>
+            </a:pPr>
+            <a:r>
+              <a:rPr lang="en-CA" sz="1800" dirty="0">
+                <a:solidFill>
+                  <a:srgbClr val="0070C0"/>
+                </a:solidFill>
+              </a:rPr>
+              <a:t>Further Feature Engineering Tasks to reduce the model complexity while maintaining accuracy</a:t>
+            </a:r>
+          </a:p>
+          <a:p>
+            <a:pPr marL="342900" indent="-342900" algn="just">
+              <a:buFontTx/>
+              <a:buChar char="-"/>
+            </a:pPr>
+            <a:endParaRPr lang="en-CA" sz="1800" dirty="0">
+              <a:solidFill>
+                <a:srgbClr val="0070C0"/>
+              </a:solidFill>
+            </a:endParaRPr>
+          </a:p>
+          <a:p>
+            <a:pPr marL="342900" indent="-342900" algn="just">
+              <a:buFontTx/>
+              <a:buChar char="-"/>
+            </a:pPr>
+            <a:r>
+              <a:rPr lang="en-CA" sz="1800" dirty="0">
+                <a:solidFill>
+                  <a:srgbClr val="0070C0"/>
+                </a:solidFill>
+              </a:rPr>
+              <a:t>Perform ELT: load big datafile onto Data Base and use cloud resources to query and perform transformation and load back clean data sets. Right now we are using Google Drive.</a:t>
+            </a:r>
+          </a:p>
+          <a:p>
+            <a:pPr marL="342900" indent="-342900" algn="just">
+              <a:buFontTx/>
+              <a:buChar char="-"/>
+            </a:pPr>
+            <a:endParaRPr lang="en-CA" sz="1800" dirty="0">
+              <a:solidFill>
+                <a:srgbClr val="0070C0"/>
+              </a:solidFill>
+            </a:endParaRPr>
+          </a:p>
+          <a:p>
+            <a:pPr marL="342900" indent="-342900" algn="just">
+              <a:buFontTx/>
+              <a:buChar char="-"/>
+            </a:pPr>
+            <a:endParaRPr lang="en-CA" sz="1800" dirty="0">
+              <a:solidFill>
+                <a:srgbClr val="0070C0"/>
+              </a:solidFill>
+            </a:endParaRPr>
+          </a:p>
+          <a:p>
+            <a:pPr marL="342900" indent="-342900" algn="just">
+              <a:buFontTx/>
+              <a:buChar char="-"/>
+            </a:pPr>
+            <a:endParaRPr lang="en-CA" sz="1800" dirty="0">
+              <a:solidFill>
+                <a:srgbClr val="0070C0"/>
+              </a:solidFill>
+            </a:endParaRPr>
+          </a:p>
+          <a:p>
+            <a:pPr marL="342900" indent="-342900" algn="just">
+              <a:buFontTx/>
+              <a:buChar char="-"/>
+            </a:pPr>
+            <a:endParaRPr lang="en-CA" sz="1800" dirty="0">
+              <a:solidFill>
+                <a:srgbClr val="0070C0"/>
+              </a:solidFill>
+            </a:endParaRPr>
+          </a:p>
+        </p:txBody>
+      </p:sp>
+      <p:pic>
+        <p:nvPicPr>
+          <p:cNvPr id="8" name="Picture 7">
+            <a:extLst>
+              <a:ext uri="{FF2B5EF4-FFF2-40B4-BE49-F238E27FC236}">
+                <a16:creationId xmlns:a16="http://schemas.microsoft.com/office/drawing/2014/main" id="{33CB5DDE-FF3E-4143-906B-DF793DA0E2DC}"/>
+              </a:ext>
+            </a:extLst>
+          </p:cNvPr>
+          <p:cNvPicPr>
+            <a:picLocks noChangeAspect="1"/>
+          </p:cNvPicPr>
+          <p:nvPr/>
+        </p:nvPicPr>
+        <p:blipFill>
+          <a:blip r:embed="rId3"/>
+          <a:stretch>
+            <a:fillRect/>
+          </a:stretch>
+        </p:blipFill>
+        <p:spPr>
+          <a:xfrm>
+            <a:off x="3078558" y="3551301"/>
+            <a:ext cx="6029325" cy="2886075"/>
+          </a:xfrm>
+          <a:prstGeom prst="rect">
+            <a:avLst/>
+          </a:prstGeom>
+        </p:spPr>
+      </p:pic>
+    </p:spTree>
+    <p:extLst>
+      <p:ext uri="{BB962C8B-B14F-4D97-AF65-F5344CB8AC3E}">
+        <p14:creationId xmlns:p14="http://schemas.microsoft.com/office/powerpoint/2010/main" val="2530308764"/>
+      </p:ext>
+    </p:extLst>
+  </p:cSld>
+  <p:clrMapOvr>
+    <a:masterClrMapping/>
+  </p:clrMapOvr>
+</p:sld>
+</file>
+
+<file path=ppt/slides/slide41.xml><?xml version="1.0" encoding="utf-8"?>
+<p:sld xmlns:a="http://schemas.openxmlformats.org/drawingml/2006/main" xmlns:r="http://schemas.openxmlformats.org/officeDocument/2006/relationships" xmlns:p="http://schemas.openxmlformats.org/presentationml/2006/main">
+  <p:cSld>
+    <p:spTree>
+      <p:nvGrpSpPr>
+        <p:cNvPr id="1" name=""/>
+        <p:cNvGrpSpPr/>
+        <p:nvPr/>
+      </p:nvGrpSpPr>
+      <p:grpSpPr>
+        <a:xfrm>
+          <a:off x="0" y="0"/>
+          <a:ext cx="0" cy="0"/>
+          <a:chOff x="0" y="0"/>
+          <a:chExt cx="0" cy="0"/>
+        </a:xfrm>
+      </p:grpSpPr>
+      <p:sp>
+        <p:nvSpPr>
+          <p:cNvPr id="3" name="TextBox 2">
+            <a:extLst>
+              <a:ext uri="{FF2B5EF4-FFF2-40B4-BE49-F238E27FC236}">
+                <a16:creationId xmlns:a16="http://schemas.microsoft.com/office/drawing/2014/main" id="{020C8F30-9C91-4D39-A29C-BCE4134E41E9}"/>
+              </a:ext>
+            </a:extLst>
+          </p:cNvPr>
+          <p:cNvSpPr txBox="1"/>
+          <p:nvPr/>
+        </p:nvSpPr>
+        <p:spPr>
+          <a:xfrm>
+            <a:off x="0" y="4644593"/>
+            <a:ext cx="12192000" cy="1015663"/>
+          </a:xfrm>
+          <a:prstGeom prst="rect">
+            <a:avLst/>
+          </a:prstGeom>
+          <a:noFill/>
+        </p:spPr>
+        <p:txBody>
+          <a:bodyPr wrap="square" rtlCol="0" anchor="ctr">
+            <a:spAutoFit/>
+          </a:bodyPr>
+          <a:lstStyle/>
+          <a:p>
+            <a:pPr algn="ctr"/>
+            <a:r>
+              <a:rPr lang="en-US" altLang="ko-KR" sz="6000" dirty="0">
+                <a:solidFill>
+                  <a:schemeClr val="bg1"/>
+                </a:solidFill>
+                <a:cs typeface="Arial" pitchFamily="34" charset="0"/>
+              </a:rPr>
+              <a:t>THANK YOU</a:t>
+            </a:r>
+            <a:endParaRPr lang="ko-KR" altLang="en-US" sz="6000" dirty="0">
+              <a:solidFill>
+                <a:schemeClr val="bg1"/>
+              </a:solidFill>
+              <a:cs typeface="Arial" pitchFamily="34" charset="0"/>
+            </a:endParaRPr>
+          </a:p>
+        </p:txBody>
+      </p:sp>
+      <p:sp>
+        <p:nvSpPr>
+          <p:cNvPr id="4" name="TextBox 3">
+            <a:extLst>
+              <a:ext uri="{FF2B5EF4-FFF2-40B4-BE49-F238E27FC236}">
+                <a16:creationId xmlns:a16="http://schemas.microsoft.com/office/drawing/2014/main" id="{298CF959-4651-4C64-A08C-8F2BDE46A824}"/>
+              </a:ext>
+            </a:extLst>
+          </p:cNvPr>
+          <p:cNvSpPr txBox="1"/>
+          <p:nvPr/>
+        </p:nvSpPr>
+        <p:spPr>
+          <a:xfrm>
+            <a:off x="0" y="5660256"/>
+            <a:ext cx="12191852" cy="584775"/>
+          </a:xfrm>
+          <a:prstGeom prst="rect">
+            <a:avLst/>
+          </a:prstGeom>
+          <a:noFill/>
+        </p:spPr>
+        <p:txBody>
+          <a:bodyPr wrap="square" rtlCol="0" anchor="ctr">
+            <a:spAutoFit/>
+          </a:bodyPr>
+          <a:lstStyle/>
+          <a:p>
+            <a:pPr algn="ctr"/>
+            <a:r>
+              <a:rPr lang="en-US" altLang="ko-KR" sz="3200" dirty="0">
+                <a:solidFill>
+                  <a:schemeClr val="bg1"/>
+                </a:solidFill>
+                <a:cs typeface="Arial" pitchFamily="34" charset="0"/>
+              </a:rPr>
+              <a:t>Any Questions?</a:t>
+            </a:r>
+            <a:endParaRPr lang="ko-KR" altLang="en-US" sz="3200" dirty="0">
+              <a:solidFill>
+                <a:schemeClr val="bg1"/>
+              </a:solidFill>
+              <a:cs typeface="Arial" pitchFamily="34" charset="0"/>
+            </a:endParaRPr>
+          </a:p>
+        </p:txBody>
+      </p:sp>
+    </p:spTree>
+    <p:extLst>
+      <p:ext uri="{BB962C8B-B14F-4D97-AF65-F5344CB8AC3E}">
+        <p14:creationId xmlns:p14="http://schemas.microsoft.com/office/powerpoint/2010/main" val="1832103495"/>
       </p:ext>
     </p:extLst>
   </p:cSld>
